--- a/docs/presentation/presentation.pptx
+++ b/docs/presentation/presentation.pptx
@@ -219,7 +219,7 @@
           <a:p>
             <a:fld id="{5370F716-410A-A54A-8F98-B0E52D6A559C}" type="datetimeFigureOut">
               <a:rPr lang="en-RU" smtClean="0"/>
-              <a:t>03/05/2024</a:t>
+              <a:t>03/06/2024</a:t>
             </a:fld>
             <a:endParaRPr lang="en-RU"/>
           </a:p>
@@ -397,7 +397,7 @@
           <a:p>
             <a:fld id="{6E344C1D-7E01-1847-9C7D-D045223BB03C}" type="datetimeFigureOut">
               <a:rPr lang="en-RU" smtClean="0"/>
-              <a:t>03/05/2024</a:t>
+              <a:t>03/06/2024</a:t>
             </a:fld>
             <a:endParaRPr lang="en-RU"/>
           </a:p>
@@ -1350,7 +1350,7 @@
                 <a:latin typeface="Times New Roman" panose="02020603050405020304" pitchFamily="18" charset="0"/>
                 <a:ea typeface="Calibri" panose="020F0502020204030204" pitchFamily="34" charset="0"/>
               </a:rPr>
-              <a:t>Эмулятор имитирует работу вычислительной системы и ее окружения в другой вычислительной системе.</a:t>
+              <a:t>Эмулятор имитирует работу программной и аппаратной части вычислительной системы и ее окружения в другой вычислительной системе.</a:t>
             </a:r>
           </a:p>
           <a:p>
@@ -1451,23 +1451,53 @@
           <a:lstStyle/>
           <a:p>
             <a:r>
+              <a:rPr lang="ru-RU" sz="2000" dirty="0">
+                <a:latin typeface="Helvetica Neue" panose="02000503000000020004" pitchFamily="2" charset="0"/>
+                <a:ea typeface="Helvetica Neue" panose="02000503000000020004" pitchFamily="2" charset="0"/>
+                <a:cs typeface="Helvetica Neue" panose="02000503000000020004" pitchFamily="2" charset="0"/>
+              </a:rPr>
+              <a:t>Был проведен обзор и анализ существующих решений по эмуляции встраиваемых систем. </a:t>
+            </a:r>
+          </a:p>
+          <a:p>
+            <a:r>
               <a:rPr lang="ru-RU" sz="1800" kern="100" dirty="0">
                 <a:effectLst/>
                 <a:latin typeface="Times New Roman" panose="02020603050405020304" pitchFamily="18" charset="0"/>
                 <a:ea typeface="Calibri" panose="020F0502020204030204" pitchFamily="34" charset="0"/>
               </a:rPr>
-              <a:t>Эмулятор имитирует работу вычислительной системы и ее окружения в другой вычислительной системе.</a:t>
-            </a:r>
-          </a:p>
-          <a:p>
+              <a:t>Выявлено отсутствие решения, которое обладает характеристикой быстродействия и низкой трудоемкостью реализации новых модулей</a:t>
+            </a:r>
+          </a:p>
+          <a:p>
+            <a:pPr marL="0" marR="0" lvl="0" indent="0" algn="l" defTabSz="914400" rtl="0" eaLnBrk="1" fontAlgn="auto" latinLnBrk="0" hangingPunct="1">
+              <a:lnSpc>
+                <a:spcPct val="100000"/>
+              </a:lnSpc>
+              <a:spcBef>
+                <a:spcPts val="0"/>
+              </a:spcBef>
+              <a:spcAft>
+                <a:spcPts val="0"/>
+              </a:spcAft>
+              <a:buClrTx/>
+              <a:buSzTx/>
+              <a:buFontTx/>
+              <a:buNone/>
+              <a:tabLst/>
+              <a:defRPr/>
+            </a:pPr>
             <a:r>
               <a:rPr lang="ru-RU" sz="1800" kern="100" dirty="0">
                 <a:effectLst/>
                 <a:latin typeface="Times New Roman" panose="02020603050405020304" pitchFamily="18" charset="0"/>
                 <a:ea typeface="Calibri" panose="020F0502020204030204" pitchFamily="34" charset="0"/>
+                <a:cs typeface="Times New Roman" panose="02020603050405020304" pitchFamily="18" charset="0"/>
               </a:rPr>
-              <a:t>Эмуляторы обладают широким спектром применения. Они используются для тестирования и отладки разрабатываемого ПО, анализа выполнения ПО в рамках проведения сертификационных испытаний, для тестирования производительности, для подтверждения корректности выполнения ПО, а также для решения задач обратной разработки.</a:t>
-            </a:r>
+              <a:t>Таким образом, возникает потребность в разработке эмулятора, который будет обладать данными характеристиками.</a:t>
+            </a:r>
+          </a:p>
+          <a:p>
             <a:endParaRPr lang="ru-RU" sz="2000" dirty="0">
               <a:latin typeface="Helvetica Neue" panose="02000503000000020004" pitchFamily="2" charset="0"/>
               <a:ea typeface="Helvetica Neue" panose="02000503000000020004" pitchFamily="2" charset="0"/>
@@ -1927,7 +1957,7 @@
           <a:p>
             <a:fld id="{45B49B8D-C717-FB40-8C4E-BD086F389FF5}" type="datetime1">
               <a:rPr lang="ru-RU" smtClean="0"/>
-              <a:t>05.03.2024</a:t>
+              <a:t>06.03.2024</a:t>
             </a:fld>
             <a:endParaRPr lang="ru-RU"/>
           </a:p>
@@ -2125,7 +2155,7 @@
           <a:p>
             <a:fld id="{2887790D-FFAC-5F44-A8C4-EC2E2164A3DC}" type="datetime1">
               <a:rPr lang="ru-RU" smtClean="0"/>
-              <a:t>05.03.2024</a:t>
+              <a:t>06.03.2024</a:t>
             </a:fld>
             <a:endParaRPr lang="ru-RU"/>
           </a:p>
@@ -2333,7 +2363,7 @@
           <a:p>
             <a:fld id="{E9A341A0-40B2-AC45-B64F-340B7C88EF7C}" type="datetime1">
               <a:rPr lang="ru-RU" smtClean="0"/>
-              <a:t>05.03.2024</a:t>
+              <a:t>06.03.2024</a:t>
             </a:fld>
             <a:endParaRPr lang="ru-RU"/>
           </a:p>
@@ -2531,7 +2561,7 @@
           <a:p>
             <a:fld id="{944C082E-14C7-0D4D-9FED-8B46EFD1D4D1}" type="datetime1">
               <a:rPr lang="ru-RU" smtClean="0"/>
-              <a:t>05.03.2024</a:t>
+              <a:t>06.03.2024</a:t>
             </a:fld>
             <a:endParaRPr lang="ru-RU"/>
           </a:p>
@@ -2806,7 +2836,7 @@
           <a:p>
             <a:fld id="{4342DB28-D253-F044-923D-BEB262C1D170}" type="datetime1">
               <a:rPr lang="ru-RU" smtClean="0"/>
-              <a:t>05.03.2024</a:t>
+              <a:t>06.03.2024</a:t>
             </a:fld>
             <a:endParaRPr lang="ru-RU"/>
           </a:p>
@@ -3071,7 +3101,7 @@
           <a:p>
             <a:fld id="{26480C6B-99A3-C34E-BFB7-3DDCA6604EB2}" type="datetime1">
               <a:rPr lang="ru-RU" smtClean="0"/>
-              <a:t>05.03.2024</a:t>
+              <a:t>06.03.2024</a:t>
             </a:fld>
             <a:endParaRPr lang="ru-RU"/>
           </a:p>
@@ -3483,7 +3513,7 @@
           <a:p>
             <a:fld id="{E1C928CE-B4EE-8A4B-BED9-37AFD8E01F06}" type="datetime1">
               <a:rPr lang="ru-RU" smtClean="0"/>
-              <a:t>05.03.2024</a:t>
+              <a:t>06.03.2024</a:t>
             </a:fld>
             <a:endParaRPr lang="ru-RU"/>
           </a:p>
@@ -3624,7 +3654,7 @@
           <a:p>
             <a:fld id="{EED985D0-C1B6-374F-A798-32E4D666EDAA}" type="datetime1">
               <a:rPr lang="ru-RU" smtClean="0"/>
-              <a:t>05.03.2024</a:t>
+              <a:t>06.03.2024</a:t>
             </a:fld>
             <a:endParaRPr lang="ru-RU"/>
           </a:p>
@@ -3737,7 +3767,7 @@
           <a:p>
             <a:fld id="{A5A6D0E3-9B84-0E47-A123-FDD2FAE97398}" type="datetime1">
               <a:rPr lang="ru-RU" smtClean="0"/>
-              <a:t>05.03.2024</a:t>
+              <a:t>06.03.2024</a:t>
             </a:fld>
             <a:endParaRPr lang="ru-RU"/>
           </a:p>
@@ -4048,7 +4078,7 @@
           <a:p>
             <a:fld id="{F34C5F5B-25AC-5141-A84C-002BC2E8628D}" type="datetime1">
               <a:rPr lang="ru-RU" smtClean="0"/>
-              <a:t>05.03.2024</a:t>
+              <a:t>06.03.2024</a:t>
             </a:fld>
             <a:endParaRPr lang="ru-RU"/>
           </a:p>
@@ -4336,7 +4366,7 @@
           <a:p>
             <a:fld id="{205038F4-3FD1-5249-8FE0-C3294BD30713}" type="datetime1">
               <a:rPr lang="ru-RU" smtClean="0"/>
-              <a:t>05.03.2024</a:t>
+              <a:t>06.03.2024</a:t>
             </a:fld>
             <a:endParaRPr lang="ru-RU"/>
           </a:p>
@@ -4577,7 +4607,7 @@
           <a:p>
             <a:fld id="{34B87344-6D54-E647-B5A2-7AB5D3AFE719}" type="datetime1">
               <a:rPr lang="ru-RU" smtClean="0"/>
-              <a:t>05.03.2024</a:t>
+              <a:t>06.03.2024</a:t>
             </a:fld>
             <a:endParaRPr lang="ru-RU"/>
           </a:p>
@@ -5498,60 +5528,6 @@
       </p:sp>
       <p:sp>
         <p:nvSpPr>
-          <p:cNvPr id="9" name="TextBox 8">
-            <a:extLst>
-              <a:ext uri="{FF2B5EF4-FFF2-40B4-BE49-F238E27FC236}">
-                <a16:creationId xmlns:a16="http://schemas.microsoft.com/office/drawing/2014/main" id="{A7A5A73C-1D5C-0748-A2B2-BB1A06AE505D}"/>
-              </a:ext>
-            </a:extLst>
-          </p:cNvPr>
-          <p:cNvSpPr txBox="1"/>
-          <p:nvPr/>
-        </p:nvSpPr>
-        <p:spPr>
-          <a:xfrm>
-            <a:off x="728016" y="6211669"/>
-            <a:ext cx="10078995" cy="646331"/>
-          </a:xfrm>
-          <a:prstGeom prst="rect">
-            <a:avLst/>
-          </a:prstGeom>
-          <a:noFill/>
-        </p:spPr>
-        <p:txBody>
-          <a:bodyPr wrap="square" rtlCol="0">
-            <a:spAutoFit/>
-          </a:bodyPr>
-          <a:lstStyle/>
-          <a:p>
-            <a:r>
-              <a:rPr lang="ru-RU" dirty="0">
-                <a:solidFill>
-                  <a:schemeClr val="bg1"/>
-                </a:solidFill>
-              </a:rPr>
-              <a:t>Анализ остаточной емкости литий-ионных аккумуляторных батарей</a:t>
-            </a:r>
-          </a:p>
-          <a:p>
-            <a:r>
-              <a:rPr lang="ru-RU" dirty="0">
-                <a:solidFill>
-                  <a:schemeClr val="bg1"/>
-                </a:solidFill>
-              </a:rPr>
-              <a:t>Фатхутдинов Т.М. ИУ4-41М</a:t>
-            </a:r>
-            <a:endParaRPr lang="en-RU" dirty="0">
-              <a:solidFill>
-                <a:schemeClr val="bg1"/>
-              </a:solidFill>
-            </a:endParaRPr>
-          </a:p>
-        </p:txBody>
-      </p:sp>
-      <p:sp>
-        <p:nvSpPr>
           <p:cNvPr id="11" name="Slide Number Placeholder 10">
             <a:extLst>
               <a:ext uri="{FF2B5EF4-FFF2-40B4-BE49-F238E27FC236}">
@@ -5988,60 +5964,6 @@
       </p:sp>
       <p:sp>
         <p:nvSpPr>
-          <p:cNvPr id="9" name="TextBox 8">
-            <a:extLst>
-              <a:ext uri="{FF2B5EF4-FFF2-40B4-BE49-F238E27FC236}">
-                <a16:creationId xmlns:a16="http://schemas.microsoft.com/office/drawing/2014/main" id="{A7A5A73C-1D5C-0748-A2B2-BB1A06AE505D}"/>
-              </a:ext>
-            </a:extLst>
-          </p:cNvPr>
-          <p:cNvSpPr txBox="1"/>
-          <p:nvPr/>
-        </p:nvSpPr>
-        <p:spPr>
-          <a:xfrm>
-            <a:off x="728016" y="6211669"/>
-            <a:ext cx="10078995" cy="646331"/>
-          </a:xfrm>
-          <a:prstGeom prst="rect">
-            <a:avLst/>
-          </a:prstGeom>
-          <a:noFill/>
-        </p:spPr>
-        <p:txBody>
-          <a:bodyPr wrap="square" rtlCol="0">
-            <a:spAutoFit/>
-          </a:bodyPr>
-          <a:lstStyle/>
-          <a:p>
-            <a:r>
-              <a:rPr lang="ru-RU" dirty="0">
-                <a:solidFill>
-                  <a:schemeClr val="bg1"/>
-                </a:solidFill>
-              </a:rPr>
-              <a:t>Анализ остаточной емкости литий-ионных аккумуляторных батарей</a:t>
-            </a:r>
-          </a:p>
-          <a:p>
-            <a:r>
-              <a:rPr lang="ru-RU" dirty="0">
-                <a:solidFill>
-                  <a:schemeClr val="bg1"/>
-                </a:solidFill>
-              </a:rPr>
-              <a:t>Фатхутдинов Т.М. ИУ4-41М</a:t>
-            </a:r>
-            <a:endParaRPr lang="en-RU" dirty="0">
-              <a:solidFill>
-                <a:schemeClr val="bg1"/>
-              </a:solidFill>
-            </a:endParaRPr>
-          </a:p>
-        </p:txBody>
-      </p:sp>
-      <p:sp>
-        <p:nvSpPr>
           <p:cNvPr id="11" name="Slide Number Placeholder 10">
             <a:extLst>
               <a:ext uri="{FF2B5EF4-FFF2-40B4-BE49-F238E27FC236}">
@@ -6240,60 +6162,6 @@
           <a:effectLst/>
         </p:spPr>
       </p:pic>
-      <p:sp>
-        <p:nvSpPr>
-          <p:cNvPr id="9" name="TextBox 8">
-            <a:extLst>
-              <a:ext uri="{FF2B5EF4-FFF2-40B4-BE49-F238E27FC236}">
-                <a16:creationId xmlns:a16="http://schemas.microsoft.com/office/drawing/2014/main" id="{A7A5A73C-1D5C-0748-A2B2-BB1A06AE505D}"/>
-              </a:ext>
-            </a:extLst>
-          </p:cNvPr>
-          <p:cNvSpPr txBox="1"/>
-          <p:nvPr/>
-        </p:nvSpPr>
-        <p:spPr>
-          <a:xfrm>
-            <a:off x="728016" y="6211669"/>
-            <a:ext cx="10078995" cy="646331"/>
-          </a:xfrm>
-          <a:prstGeom prst="rect">
-            <a:avLst/>
-          </a:prstGeom>
-          <a:noFill/>
-        </p:spPr>
-        <p:txBody>
-          <a:bodyPr wrap="square" rtlCol="0">
-            <a:spAutoFit/>
-          </a:bodyPr>
-          <a:lstStyle/>
-          <a:p>
-            <a:r>
-              <a:rPr lang="ru-RU" dirty="0">
-                <a:solidFill>
-                  <a:schemeClr val="bg1"/>
-                </a:solidFill>
-              </a:rPr>
-              <a:t>Анализ остаточной емкости литий-ионных аккумуляторных батарей</a:t>
-            </a:r>
-          </a:p>
-          <a:p>
-            <a:r>
-              <a:rPr lang="ru-RU" dirty="0">
-                <a:solidFill>
-                  <a:schemeClr val="bg1"/>
-                </a:solidFill>
-              </a:rPr>
-              <a:t>Фатхутдинов Т.М. ИУ4-41М</a:t>
-            </a:r>
-            <a:endParaRPr lang="en-RU" dirty="0">
-              <a:solidFill>
-                <a:schemeClr val="bg1"/>
-              </a:solidFill>
-            </a:endParaRPr>
-          </a:p>
-        </p:txBody>
-      </p:sp>
       <p:sp>
         <p:nvSpPr>
           <p:cNvPr id="11" name="Slide Number Placeholder 10">
@@ -6452,7 +6320,7 @@
               <a:rPr lang="ru-RU" b="1" dirty="0">
                 <a:latin typeface="+mn-lt"/>
               </a:rPr>
-              <a:t>Обзор существующих аналогов</a:t>
+              <a:t>Обзор существующих решений</a:t>
             </a:r>
           </a:p>
         </p:txBody>
@@ -6532,60 +6400,6 @@
       </p:pic>
       <p:sp>
         <p:nvSpPr>
-          <p:cNvPr id="9" name="TextBox 8">
-            <a:extLst>
-              <a:ext uri="{FF2B5EF4-FFF2-40B4-BE49-F238E27FC236}">
-                <a16:creationId xmlns:a16="http://schemas.microsoft.com/office/drawing/2014/main" id="{A7A5A73C-1D5C-0748-A2B2-BB1A06AE505D}"/>
-              </a:ext>
-            </a:extLst>
-          </p:cNvPr>
-          <p:cNvSpPr txBox="1"/>
-          <p:nvPr/>
-        </p:nvSpPr>
-        <p:spPr>
-          <a:xfrm>
-            <a:off x="728016" y="6211669"/>
-            <a:ext cx="10078995" cy="646331"/>
-          </a:xfrm>
-          <a:prstGeom prst="rect">
-            <a:avLst/>
-          </a:prstGeom>
-          <a:noFill/>
-        </p:spPr>
-        <p:txBody>
-          <a:bodyPr wrap="square" rtlCol="0">
-            <a:spAutoFit/>
-          </a:bodyPr>
-          <a:lstStyle/>
-          <a:p>
-            <a:r>
-              <a:rPr lang="ru-RU" dirty="0">
-                <a:solidFill>
-                  <a:schemeClr val="bg1"/>
-                </a:solidFill>
-              </a:rPr>
-              <a:t>Анализ остаточной емкости литий-ионных аккумуляторных батарей</a:t>
-            </a:r>
-          </a:p>
-          <a:p>
-            <a:r>
-              <a:rPr lang="ru-RU" dirty="0">
-                <a:solidFill>
-                  <a:schemeClr val="bg1"/>
-                </a:solidFill>
-              </a:rPr>
-              <a:t>Фатхутдинов Т.М. ИУ4-41М</a:t>
-            </a:r>
-            <a:endParaRPr lang="en-RU" dirty="0">
-              <a:solidFill>
-                <a:schemeClr val="bg1"/>
-              </a:solidFill>
-            </a:endParaRPr>
-          </a:p>
-        </p:txBody>
-      </p:sp>
-      <p:sp>
-        <p:nvSpPr>
           <p:cNvPr id="11" name="Slide Number Placeholder 10">
             <a:extLst>
               <a:ext uri="{FF2B5EF4-FFF2-40B4-BE49-F238E27FC236}">
@@ -6609,7 +6423,7 @@
               <a:rPr lang="ru-RU" smtClean="0"/>
               <a:t>5</a:t>
             </a:fld>
-            <a:endParaRPr lang="ru-RU"/>
+            <a:endParaRPr lang="ru-RU" dirty="0"/>
           </a:p>
         </p:txBody>
       </p:sp>
@@ -6628,14 +6442,14 @@
           <p:nvPr>
             <p:extLst>
               <p:ext uri="{D42A27DB-BD31-4B8C-83A1-F6EECF244321}">
-                <p14:modId xmlns:p14="http://schemas.microsoft.com/office/powerpoint/2010/main" val="2055788256"/>
+                <p14:modId xmlns:p14="http://schemas.microsoft.com/office/powerpoint/2010/main" val="2322116691"/>
               </p:ext>
             </p:extLst>
           </p:nvPr>
         </p:nvGraphicFramePr>
         <p:xfrm>
-          <a:off x="836301" y="1521257"/>
-          <a:ext cx="10519395" cy="4795620"/>
+          <a:off x="834403" y="1633224"/>
+          <a:ext cx="10519397" cy="4377799"/>
         </p:xfrm>
         <a:graphic>
           <a:graphicData uri="http://schemas.openxmlformats.org/drawingml/2006/table">
@@ -6644,21 +6458,21 @@
                 <a:tableStyleId>{5FD0F851-EC5A-4D38-B0AD-8093EC10F338}</a:tableStyleId>
               </a:tblPr>
               <a:tblGrid>
-                <a:gridCol w="2469891">
+                <a:gridCol w="2006426">
                   <a:extLst>
                     <a:ext uri="{9D8B030D-6E8A-4147-A177-3AD203B41FA5}">
                       <a16:colId xmlns:a16="http://schemas.microsoft.com/office/drawing/2014/main" val="983327999"/>
                     </a:ext>
                   </a:extLst>
                 </a:gridCol>
-                <a:gridCol w="2848287">
+                <a:gridCol w="2755640">
                   <a:extLst>
                     <a:ext uri="{9D8B030D-6E8A-4147-A177-3AD203B41FA5}">
                       <a16:colId xmlns:a16="http://schemas.microsoft.com/office/drawing/2014/main" val="3070786675"/>
                     </a:ext>
                   </a:extLst>
                 </a:gridCol>
-                <a:gridCol w="2972124">
+                <a:gridCol w="3528238">
                   <a:extLst>
                     <a:ext uri="{9D8B030D-6E8A-4147-A177-3AD203B41FA5}">
                       <a16:colId xmlns:a16="http://schemas.microsoft.com/office/drawing/2014/main" val="40221874"/>
@@ -6693,8 +6507,9 @@
                       <a:r>
                         <a:rPr lang="ru-RU" sz="2000" kern="100" dirty="0">
                           <a:effectLst/>
+                          <a:latin typeface="Helvetica Neue" panose="02000503000000020004"/>
                         </a:rPr>
-                        <a:t>Программное средство</a:t>
+                        <a:t>Программное решение</a:t>
                       </a:r>
                       <a:endParaRPr lang="ru-RU" sz="2000" kern="100" dirty="0">
                         <a:effectLst/>
@@ -6725,6 +6540,7 @@
                       <a:r>
                         <a:rPr lang="ru-RU" sz="2000" kern="100" dirty="0">
                           <a:effectLst/>
+                          <a:latin typeface="Helvetica Neue" panose="02000503000000020004"/>
                         </a:rPr>
                         <a:t>Быстродействие</a:t>
                       </a:r>
@@ -6757,6 +6573,7 @@
                       <a:r>
                         <a:rPr lang="ru-RU" sz="2000" kern="100" dirty="0">
                           <a:effectLst/>
+                          <a:latin typeface="Helvetica Neue" panose="02000503000000020004"/>
                         </a:rPr>
                         <a:t>Трудоемкость реализации</a:t>
                       </a:r>
@@ -6776,6 +6593,7 @@
                       <a:r>
                         <a:rPr lang="ru-RU" sz="2000" kern="100" dirty="0">
                           <a:effectLst/>
+                          <a:latin typeface="Helvetica Neue" panose="02000503000000020004"/>
                         </a:rPr>
                         <a:t>новых модулей</a:t>
                       </a:r>
@@ -6808,6 +6626,7 @@
                       <a:r>
                         <a:rPr lang="ru-RU" sz="2000" kern="100" dirty="0">
                           <a:effectLst/>
+                          <a:latin typeface="Helvetica Neue" panose="02000503000000020004"/>
                         </a:rPr>
                         <a:t>Интерфейс GDB</a:t>
                       </a:r>
@@ -6847,6 +6666,7 @@
                       <a:r>
                         <a:rPr lang="en-US" sz="2000" kern="100">
                           <a:effectLst/>
+                          <a:latin typeface="Helvetica Neue" panose="02000503000000020004"/>
                         </a:rPr>
                         <a:t>Qemu</a:t>
                       </a:r>
@@ -6879,6 +6699,7 @@
                       <a:r>
                         <a:rPr lang="ru-RU" sz="2000" kern="100" dirty="0">
                           <a:effectLst/>
+                          <a:latin typeface="Helvetica Neue" panose="02000503000000020004"/>
                         </a:rPr>
                         <a:t>Высокое</a:t>
                       </a:r>
@@ -6909,12 +6730,13 @@
                         </a:spcAft>
                       </a:pPr>
                       <a:r>
-                        <a:rPr lang="ru-RU" sz="2000" kern="100">
+                        <a:rPr lang="ru-RU" sz="2000" kern="100" dirty="0">
                           <a:effectLst/>
+                          <a:latin typeface="Helvetica Neue" panose="02000503000000020004"/>
                         </a:rPr>
                         <a:t>Высокая</a:t>
                       </a:r>
-                      <a:endParaRPr lang="ru-RU" sz="2000" kern="100">
+                      <a:endParaRPr lang="ru-RU" sz="2000" kern="100" dirty="0">
                         <a:effectLst/>
                         <a:latin typeface="Helvetica Neue" panose="02000503000000020004"/>
                         <a:ea typeface="Calibri" panose="020F0502020204030204" pitchFamily="34" charset="0"/>
@@ -6943,6 +6765,7 @@
                       <a:r>
                         <a:rPr lang="ru-RU" sz="2000" kern="100">
                           <a:effectLst/>
+                          <a:latin typeface="Helvetica Neue" panose="02000503000000020004"/>
                         </a:rPr>
                         <a:t>Есть</a:t>
                       </a:r>
@@ -6982,6 +6805,7 @@
                       <a:r>
                         <a:rPr lang="en-US" sz="2000" kern="100">
                           <a:effectLst/>
+                          <a:latin typeface="Helvetica Neue" panose="02000503000000020004"/>
                         </a:rPr>
                         <a:t>Kopycat</a:t>
                       </a:r>
@@ -7014,6 +6838,7 @@
                       <a:r>
                         <a:rPr lang="ru-RU" sz="2000" kern="100" dirty="0">
                           <a:effectLst/>
+                          <a:latin typeface="Helvetica Neue" panose="02000503000000020004"/>
                         </a:rPr>
                         <a:t>Среднее</a:t>
                       </a:r>
@@ -7046,6 +6871,7 @@
                       <a:r>
                         <a:rPr lang="ru-RU" sz="2000" kern="100" dirty="0">
                           <a:effectLst/>
+                          <a:latin typeface="Helvetica Neue" panose="02000503000000020004"/>
                         </a:rPr>
                         <a:t>Низкая</a:t>
                       </a:r>
@@ -7078,6 +6904,7 @@
                       <a:r>
                         <a:rPr lang="ru-RU" sz="2000" kern="100">
                           <a:effectLst/>
+                          <a:latin typeface="Helvetica Neue" panose="02000503000000020004"/>
                         </a:rPr>
                         <a:t>Есть</a:t>
                       </a:r>
@@ -7117,6 +6944,7 @@
                       <a:r>
                         <a:rPr lang="en-US" sz="2000" kern="100">
                           <a:effectLst/>
+                          <a:latin typeface="Helvetica Neue" panose="02000503000000020004"/>
                         </a:rPr>
                         <a:t>Unicorn</a:t>
                       </a:r>
@@ -7149,6 +6977,7 @@
                       <a:r>
                         <a:rPr lang="ru-RU" sz="2000" kern="100" dirty="0">
                           <a:effectLst/>
+                          <a:latin typeface="Helvetica Neue" panose="02000503000000020004"/>
                         </a:rPr>
                         <a:t>Высокое</a:t>
                       </a:r>
@@ -7181,6 +7010,7 @@
                       <a:r>
                         <a:rPr lang="ru-RU" sz="2000" kern="100" dirty="0">
                           <a:effectLst/>
+                          <a:latin typeface="Helvetica Neue" panose="02000503000000020004"/>
                         </a:rPr>
                         <a:t>Высокая</a:t>
                       </a:r>
@@ -7213,6 +7043,7 @@
                       <a:r>
                         <a:rPr lang="ru-RU" sz="2000" kern="100">
                           <a:effectLst/>
+                          <a:latin typeface="Helvetica Neue" panose="02000503000000020004"/>
                         </a:rPr>
                         <a:t>Есть</a:t>
                       </a:r>
@@ -7252,6 +7083,7 @@
                       <a:r>
                         <a:rPr lang="en-US" sz="2000" kern="100">
                           <a:effectLst/>
+                          <a:latin typeface="Helvetica Neue" panose="02000503000000020004"/>
                         </a:rPr>
                         <a:t>Proteus</a:t>
                       </a:r>
@@ -7284,6 +7116,7 @@
                       <a:r>
                         <a:rPr lang="ru-RU" sz="2000" kern="100">
                           <a:effectLst/>
+                          <a:latin typeface="Helvetica Neue" panose="02000503000000020004"/>
                         </a:rPr>
                         <a:t>Низкое</a:t>
                       </a:r>
@@ -7316,6 +7149,7 @@
                       <a:r>
                         <a:rPr lang="ru-RU" sz="2000" kern="100" dirty="0">
                           <a:effectLst/>
+                          <a:latin typeface="Helvetica Neue" panose="02000503000000020004"/>
                         </a:rPr>
                         <a:t>Высокая</a:t>
                       </a:r>
@@ -7348,6 +7182,7 @@
                       <a:r>
                         <a:rPr lang="ru-RU" sz="2000" kern="100" dirty="0">
                           <a:effectLst/>
+                          <a:latin typeface="Helvetica Neue" panose="02000503000000020004"/>
                         </a:rPr>
                         <a:t>Нет</a:t>
                       </a:r>
@@ -7387,6 +7222,7 @@
                       <a:r>
                         <a:rPr lang="en-US" sz="2000" kern="100" dirty="0">
                           <a:effectLst/>
+                          <a:latin typeface="Helvetica Neue" panose="02000503000000020004"/>
                         </a:rPr>
                         <a:t>Keil IDE</a:t>
                       </a:r>
@@ -7419,6 +7255,7 @@
                       <a:r>
                         <a:rPr lang="ru-RU" sz="2000" kern="100" dirty="0">
                           <a:effectLst/>
+                          <a:latin typeface="Helvetica Neue" panose="02000503000000020004"/>
                         </a:rPr>
                         <a:t>Низкое</a:t>
                       </a:r>
@@ -7451,6 +7288,7 @@
                       <a:r>
                         <a:rPr lang="ru-RU" sz="2000" kern="100" dirty="0">
                           <a:effectLst/>
+                          <a:latin typeface="Helvetica Neue" panose="02000503000000020004"/>
                         </a:rPr>
                         <a:t>Отсутствует</a:t>
                       </a:r>
@@ -7483,6 +7321,7 @@
                       <a:r>
                         <a:rPr lang="ru-RU" sz="2000" kern="100" dirty="0">
                           <a:effectLst/>
+                          <a:latin typeface="Helvetica Neue" panose="02000503000000020004"/>
                         </a:rPr>
                         <a:t>Есть</a:t>
                       </a:r>
@@ -7522,6 +7361,7 @@
                       <a:r>
                         <a:rPr lang="en-US" sz="2000" kern="100" dirty="0">
                           <a:effectLst/>
+                          <a:latin typeface="Helvetica Neue" panose="02000503000000020004"/>
                         </a:rPr>
                         <a:t>Mars</a:t>
                       </a:r>
@@ -7554,6 +7394,7 @@
                       <a:r>
                         <a:rPr lang="ru-RU" sz="2000" kern="100" dirty="0">
                           <a:effectLst/>
+                          <a:latin typeface="Helvetica Neue" panose="02000503000000020004"/>
                         </a:rPr>
                         <a:t>Среднее</a:t>
                       </a:r>
@@ -7586,6 +7427,7 @@
                       <a:r>
                         <a:rPr lang="ru-RU" sz="2000" kern="100" dirty="0">
                           <a:effectLst/>
+                          <a:latin typeface="Helvetica Neue" panose="02000503000000020004"/>
                         </a:rPr>
                         <a:t>Высокая</a:t>
                       </a:r>
@@ -7618,6 +7460,7 @@
                       <a:r>
                         <a:rPr lang="ru-RU" sz="2000" kern="100" dirty="0">
                           <a:effectLst/>
+                          <a:latin typeface="Helvetica Neue" panose="02000503000000020004"/>
                         </a:rPr>
                         <a:t>Нет</a:t>
                       </a:r>
@@ -7641,6 +7484,48 @@
           </a:graphicData>
         </a:graphic>
       </p:graphicFrame>
+      <p:sp>
+        <p:nvSpPr>
+          <p:cNvPr id="3" name="TextBox 2">
+            <a:extLst>
+              <a:ext uri="{FF2B5EF4-FFF2-40B4-BE49-F238E27FC236}">
+                <a16:creationId xmlns:a16="http://schemas.microsoft.com/office/drawing/2014/main" id="{3A7D4CFD-4E64-46FD-B7D3-43F01BC5F8E3}"/>
+              </a:ext>
+            </a:extLst>
+          </p:cNvPr>
+          <p:cNvSpPr txBox="1"/>
+          <p:nvPr/>
+        </p:nvSpPr>
+        <p:spPr>
+          <a:xfrm>
+            <a:off x="771331" y="6253190"/>
+            <a:ext cx="10582469" cy="369332"/>
+          </a:xfrm>
+          <a:prstGeom prst="rect">
+            <a:avLst/>
+          </a:prstGeom>
+          <a:noFill/>
+        </p:spPr>
+        <p:txBody>
+          <a:bodyPr wrap="square" rtlCol="0">
+            <a:spAutoFit/>
+          </a:bodyPr>
+          <a:lstStyle/>
+          <a:p>
+            <a:r>
+              <a:rPr lang="ru-RU" sz="1800" kern="100" dirty="0">
+                <a:effectLst/>
+                <a:latin typeface="Helvetica Neue" panose="02000503000000020004"/>
+                <a:ea typeface="Calibri" panose="020F0502020204030204" pitchFamily="34" charset="0"/>
+              </a:rPr>
+              <a:t>Значения качественных характеристик приведены относительно элементов таблицы</a:t>
+            </a:r>
+            <a:endParaRPr lang="ru-RU" dirty="0">
+              <a:latin typeface="Helvetica Neue" panose="02000503000000020004"/>
+            </a:endParaRPr>
+          </a:p>
+        </p:txBody>
+      </p:sp>
     </p:spTree>
     <p:extLst>
       <p:ext uri="{BB962C8B-B14F-4D97-AF65-F5344CB8AC3E}">
@@ -7763,7 +7648,7 @@
               <a:rPr lang="ru-RU" b="1" dirty="0">
                 <a:latin typeface="+mn-lt"/>
               </a:rPr>
-              <a:t>Постановка задачи к разработке</a:t>
+              <a:t>Обзор средств разработки ПО</a:t>
             </a:r>
           </a:p>
         </p:txBody>
@@ -7841,28 +7726,1249 @@
           <a:effectLst/>
         </p:spPr>
       </p:pic>
-      <p:sp>
-        <p:nvSpPr>
-          <p:cNvPr id="4" name="Content Placeholder 3">
-            <a:extLst>
-              <a:ext uri="{FF2B5EF4-FFF2-40B4-BE49-F238E27FC236}">
-                <a16:creationId xmlns:a16="http://schemas.microsoft.com/office/drawing/2014/main" id="{D619AD5F-AB01-4A5C-AC02-CE20F3FAFC55}"/>
-              </a:ext>
-            </a:extLst>
-          </p:cNvPr>
-          <p:cNvSpPr>
-            <a:spLocks noGrp="1"/>
-          </p:cNvSpPr>
-          <p:nvPr>
-            <p:ph idx="1"/>
-          </p:nvPr>
-        </p:nvSpPr>
-        <p:spPr/>
-        <p:txBody>
-          <a:bodyPr/>
+      <p:graphicFrame>
+        <p:nvGraphicFramePr>
+          <p:cNvPr id="11" name="Table 10">
+            <a:extLst>
+              <a:ext uri="{FF2B5EF4-FFF2-40B4-BE49-F238E27FC236}">
+                <a16:creationId xmlns:a16="http://schemas.microsoft.com/office/drawing/2014/main" id="{462D99D7-2D01-45A2-980B-0DF8E53C049E}"/>
+              </a:ext>
+            </a:extLst>
+          </p:cNvPr>
+          <p:cNvGraphicFramePr>
+            <a:graphicFrameLocks noGrp="1"/>
+          </p:cNvGraphicFramePr>
+          <p:nvPr>
+            <p:extLst>
+              <p:ext uri="{D42A27DB-BD31-4B8C-83A1-F6EECF244321}">
+                <p14:modId xmlns:p14="http://schemas.microsoft.com/office/powerpoint/2010/main" val="4273803732"/>
+              </p:ext>
+            </p:extLst>
+          </p:nvPr>
+        </p:nvGraphicFramePr>
+        <p:xfrm>
+          <a:off x="834403" y="1161248"/>
+          <a:ext cx="10519397" cy="5155629"/>
+        </p:xfrm>
+        <a:graphic>
+          <a:graphicData uri="http://schemas.openxmlformats.org/drawingml/2006/table">
+            <a:tbl>
+              <a:tblPr firstRow="1" firstCol="1" bandRow="1">
+                <a:tableStyleId>{5FD0F851-EC5A-4D38-B0AD-8093EC10F338}</a:tableStyleId>
+              </a:tblPr>
+              <a:tblGrid>
+                <a:gridCol w="1682964">
+                  <a:extLst>
+                    <a:ext uri="{9D8B030D-6E8A-4147-A177-3AD203B41FA5}">
+                      <a16:colId xmlns:a16="http://schemas.microsoft.com/office/drawing/2014/main" val="983327999"/>
+                    </a:ext>
+                  </a:extLst>
+                </a:gridCol>
+                <a:gridCol w="3421225">
+                  <a:extLst>
+                    <a:ext uri="{9D8B030D-6E8A-4147-A177-3AD203B41FA5}">
+                      <a16:colId xmlns:a16="http://schemas.microsoft.com/office/drawing/2014/main" val="3070786675"/>
+                    </a:ext>
+                  </a:extLst>
+                </a:gridCol>
+                <a:gridCol w="2873828">
+                  <a:extLst>
+                    <a:ext uri="{9D8B030D-6E8A-4147-A177-3AD203B41FA5}">
+                      <a16:colId xmlns:a16="http://schemas.microsoft.com/office/drawing/2014/main" val="40221874"/>
+                    </a:ext>
+                  </a:extLst>
+                </a:gridCol>
+                <a:gridCol w="2541380">
+                  <a:extLst>
+                    <a:ext uri="{9D8B030D-6E8A-4147-A177-3AD203B41FA5}">
+                      <a16:colId xmlns:a16="http://schemas.microsoft.com/office/drawing/2014/main" val="168951822"/>
+                    </a:ext>
+                  </a:extLst>
+                </a:gridCol>
+              </a:tblGrid>
+              <a:tr h="786479">
+                <a:tc>
+                  <a:txBody>
+                    <a:bodyPr/>
+                    <a:lstStyle/>
+                    <a:p>
+                      <a:pPr marL="0" marR="0" indent="0" algn="ctr">
+                        <a:lnSpc>
+                          <a:spcPct val="150000"/>
+                        </a:lnSpc>
+                        <a:spcBef>
+                          <a:spcPts val="0"/>
+                        </a:spcBef>
+                        <a:spcAft>
+                          <a:spcPts val="0"/>
+                        </a:spcAft>
+                      </a:pPr>
+                      <a:r>
+                        <a:rPr lang="ru-RU" sz="2000" kern="100" dirty="0">
+                          <a:effectLst/>
+                          <a:latin typeface="Helvetica Neue" panose="02000503000000020004"/>
+                        </a:rPr>
+                        <a:t>Средство</a:t>
+                      </a:r>
+                      <a:endParaRPr lang="ru-RU" sz="2000" kern="100" dirty="0">
+                        <a:effectLst/>
+                        <a:latin typeface="Helvetica Neue" panose="02000503000000020004"/>
+                        <a:ea typeface="Calibri" panose="020F0502020204030204" pitchFamily="34" charset="0"/>
+                        <a:cs typeface="Times New Roman" panose="02020603050405020304" pitchFamily="18" charset="0"/>
+                      </a:endParaRPr>
+                    </a:p>
+                  </a:txBody>
+                  <a:tcPr marL="68580" marR="68580" marT="0" marB="0" anchor="ctr"/>
+                </a:tc>
+                <a:tc>
+                  <a:txBody>
+                    <a:bodyPr/>
+                    <a:lstStyle/>
+                    <a:p>
+                      <a:pPr marL="0" marR="0" indent="0" algn="ctr">
+                        <a:lnSpc>
+                          <a:spcPct val="150000"/>
+                        </a:lnSpc>
+                        <a:spcBef>
+                          <a:spcPts val="0"/>
+                        </a:spcBef>
+                        <a:spcAft>
+                          <a:spcPts val="0"/>
+                        </a:spcAft>
+                      </a:pPr>
+                      <a:r>
+                        <a:rPr lang="ru-RU" sz="2000" kern="100" dirty="0">
+                          <a:effectLst/>
+                          <a:latin typeface="Helvetica Neue" panose="02000503000000020004"/>
+                        </a:rPr>
+                        <a:t>Способ преобразования исходного кода</a:t>
+                      </a:r>
+                      <a:endParaRPr lang="ru-RU" sz="2000" kern="100" dirty="0">
+                        <a:effectLst/>
+                        <a:latin typeface="Helvetica Neue" panose="02000503000000020004"/>
+                        <a:ea typeface="Calibri" panose="020F0502020204030204" pitchFamily="34" charset="0"/>
+                        <a:cs typeface="Times New Roman" panose="02020603050405020304" pitchFamily="18" charset="0"/>
+                      </a:endParaRPr>
+                    </a:p>
+                  </a:txBody>
+                  <a:tcPr marL="68580" marR="68580" marT="0" marB="0" anchor="ctr"/>
+                </a:tc>
+                <a:tc>
+                  <a:txBody>
+                    <a:bodyPr/>
+                    <a:lstStyle/>
+                    <a:p>
+                      <a:pPr marL="0" marR="0" indent="0" algn="ctr">
+                        <a:lnSpc>
+                          <a:spcPct val="150000"/>
+                        </a:lnSpc>
+                        <a:spcBef>
+                          <a:spcPts val="0"/>
+                        </a:spcBef>
+                        <a:spcAft>
+                          <a:spcPts val="0"/>
+                        </a:spcAft>
+                      </a:pPr>
+                      <a:r>
+                        <a:rPr lang="ru-RU" sz="2000" kern="100" dirty="0">
+                          <a:effectLst/>
+                          <a:latin typeface="Helvetica Neue" panose="02000503000000020004"/>
+                        </a:rPr>
+                        <a:t>Распространенность</a:t>
+                      </a:r>
+                    </a:p>
+                    <a:p>
+                      <a:pPr marL="0" marR="0" indent="0" algn="ctr">
+                        <a:lnSpc>
+                          <a:spcPct val="150000"/>
+                        </a:lnSpc>
+                        <a:spcBef>
+                          <a:spcPts val="0"/>
+                        </a:spcBef>
+                        <a:spcAft>
+                          <a:spcPts val="0"/>
+                        </a:spcAft>
+                      </a:pPr>
+                      <a:r>
+                        <a:rPr lang="ru-RU" sz="2000" kern="100" dirty="0">
+                          <a:effectLst/>
+                          <a:latin typeface="Helvetica Neue" panose="02000503000000020004"/>
+                          <a:ea typeface="Calibri" panose="020F0502020204030204" pitchFamily="34" charset="0"/>
+                          <a:cs typeface="Times New Roman" panose="02020603050405020304" pitchFamily="18" charset="0"/>
+                        </a:rPr>
+                        <a:t>(</a:t>
+                      </a:r>
+                      <a:r>
+                        <a:rPr lang="en-US" sz="2000" kern="100" dirty="0">
+                          <a:effectLst/>
+                          <a:latin typeface="Helvetica Neue" panose="02000503000000020004"/>
+                          <a:ea typeface="Calibri" panose="020F0502020204030204" pitchFamily="34" charset="0"/>
+                          <a:cs typeface="Times New Roman" panose="02020603050405020304" pitchFamily="18" charset="0"/>
+                        </a:rPr>
+                        <a:t>TIOBE Index</a:t>
+                      </a:r>
+                      <a:r>
+                        <a:rPr lang="ru-RU" sz="2000" kern="100" dirty="0">
+                          <a:effectLst/>
+                          <a:latin typeface="Helvetica Neue" panose="02000503000000020004"/>
+                          <a:ea typeface="Calibri" panose="020F0502020204030204" pitchFamily="34" charset="0"/>
+                          <a:cs typeface="Times New Roman" panose="02020603050405020304" pitchFamily="18" charset="0"/>
+                        </a:rPr>
+                        <a:t>), доля рынка</a:t>
+                      </a:r>
+                    </a:p>
+                  </a:txBody>
+                  <a:tcPr marL="68580" marR="68580" marT="0" marB="0" anchor="ctr"/>
+                </a:tc>
+                <a:tc>
+                  <a:txBody>
+                    <a:bodyPr/>
+                    <a:lstStyle/>
+                    <a:p>
+                      <a:pPr marL="0" marR="0" indent="0" algn="ctr">
+                        <a:lnSpc>
+                          <a:spcPct val="150000"/>
+                        </a:lnSpc>
+                        <a:spcBef>
+                          <a:spcPts val="0"/>
+                        </a:spcBef>
+                        <a:spcAft>
+                          <a:spcPts val="0"/>
+                        </a:spcAft>
+                      </a:pPr>
+                      <a:r>
+                        <a:rPr lang="ru-RU" sz="2000" kern="100" dirty="0">
+                          <a:effectLst/>
+                          <a:latin typeface="Helvetica Neue" panose="02000503000000020004"/>
+                          <a:ea typeface="Calibri" panose="020F0502020204030204" pitchFamily="34" charset="0"/>
+                          <a:cs typeface="Times New Roman" panose="02020603050405020304" pitchFamily="18" charset="0"/>
+                        </a:rPr>
+                        <a:t>Количество синтаксический абстракций</a:t>
+                      </a:r>
+                    </a:p>
+                  </a:txBody>
+                  <a:tcPr marL="68580" marR="68580" marT="0" marB="0" anchor="ctr"/>
+                </a:tc>
+                <a:extLst>
+                  <a:ext uri="{0D108BD9-81ED-4DB2-BD59-A6C34878D82A}">
+                    <a16:rowId xmlns:a16="http://schemas.microsoft.com/office/drawing/2014/main" val="2253354951"/>
+                  </a:ext>
+                </a:extLst>
+              </a:tr>
+              <a:tr h="548640">
+                <a:tc>
+                  <a:txBody>
+                    <a:bodyPr/>
+                    <a:lstStyle/>
+                    <a:p>
+                      <a:pPr marL="0" marR="0" indent="0" algn="ctr">
+                        <a:lnSpc>
+                          <a:spcPct val="150000"/>
+                        </a:lnSpc>
+                        <a:spcBef>
+                          <a:spcPts val="0"/>
+                        </a:spcBef>
+                        <a:spcAft>
+                          <a:spcPts val="0"/>
+                        </a:spcAft>
+                      </a:pPr>
+                      <a:r>
+                        <a:rPr lang="en-US" sz="2000" kern="100" dirty="0">
+                          <a:effectLst/>
+                          <a:latin typeface="Helvetica Neue" panose="02000503000000020004"/>
+                          <a:ea typeface="Calibri" panose="020F0502020204030204" pitchFamily="34" charset="0"/>
+                          <a:cs typeface="Times New Roman" panose="02020603050405020304" pitchFamily="18" charset="0"/>
+                        </a:rPr>
+                        <a:t>Python</a:t>
+                      </a:r>
+                      <a:endParaRPr lang="ru-RU" sz="2000" kern="100" dirty="0">
+                        <a:effectLst/>
+                        <a:latin typeface="Helvetica Neue" panose="02000503000000020004"/>
+                        <a:ea typeface="Calibri" panose="020F0502020204030204" pitchFamily="34" charset="0"/>
+                        <a:cs typeface="Times New Roman" panose="02020603050405020304" pitchFamily="18" charset="0"/>
+                      </a:endParaRPr>
+                    </a:p>
+                  </a:txBody>
+                  <a:tcPr marL="68580" marR="68580" marT="0" marB="0" anchor="ctr"/>
+                </a:tc>
+                <a:tc>
+                  <a:txBody>
+                    <a:bodyPr/>
+                    <a:lstStyle/>
+                    <a:p>
+                      <a:pPr marL="0" marR="0" indent="0" algn="ctr">
+                        <a:lnSpc>
+                          <a:spcPct val="150000"/>
+                        </a:lnSpc>
+                        <a:spcBef>
+                          <a:spcPts val="0"/>
+                        </a:spcBef>
+                        <a:spcAft>
+                          <a:spcPts val="0"/>
+                        </a:spcAft>
+                      </a:pPr>
+                      <a:r>
+                        <a:rPr lang="ru-RU" sz="2000" kern="100" dirty="0">
+                          <a:effectLst/>
+                          <a:latin typeface="Helvetica Neue" panose="02000503000000020004"/>
+                          <a:ea typeface="Calibri" panose="020F0502020204030204" pitchFamily="34" charset="0"/>
+                          <a:cs typeface="Times New Roman" panose="02020603050405020304" pitchFamily="18" charset="0"/>
+                        </a:rPr>
+                        <a:t>Интерпретация</a:t>
+                      </a:r>
+                    </a:p>
+                  </a:txBody>
+                  <a:tcPr marL="68580" marR="68580" marT="0" marB="0" anchor="ctr"/>
+                </a:tc>
+                <a:tc>
+                  <a:txBody>
+                    <a:bodyPr/>
+                    <a:lstStyle/>
+                    <a:p>
+                      <a:pPr marL="0" marR="0" indent="0" algn="ctr">
+                        <a:lnSpc>
+                          <a:spcPct val="150000"/>
+                        </a:lnSpc>
+                        <a:spcBef>
+                          <a:spcPts val="0"/>
+                        </a:spcBef>
+                        <a:spcAft>
+                          <a:spcPts val="0"/>
+                        </a:spcAft>
+                      </a:pPr>
+                      <a:r>
+                        <a:rPr lang="ru-RU" sz="2000" kern="100" dirty="0">
+                          <a:effectLst/>
+                          <a:latin typeface="Helvetica Neue" panose="02000503000000020004"/>
+                          <a:ea typeface="Calibri" panose="020F0502020204030204" pitchFamily="34" charset="0"/>
+                          <a:cs typeface="Times New Roman" panose="02020603050405020304" pitchFamily="18" charset="0"/>
+                        </a:rPr>
+                        <a:t>15%</a:t>
+                      </a:r>
+                    </a:p>
+                  </a:txBody>
+                  <a:tcPr marL="68580" marR="68580" marT="0" marB="0" anchor="ctr"/>
+                </a:tc>
+                <a:tc>
+                  <a:txBody>
+                    <a:bodyPr/>
+                    <a:lstStyle/>
+                    <a:p>
+                      <a:pPr marL="0" marR="0" indent="0" algn="ctr">
+                        <a:lnSpc>
+                          <a:spcPct val="150000"/>
+                        </a:lnSpc>
+                        <a:spcBef>
+                          <a:spcPts val="0"/>
+                        </a:spcBef>
+                        <a:spcAft>
+                          <a:spcPts val="0"/>
+                        </a:spcAft>
+                      </a:pPr>
+                      <a:r>
+                        <a:rPr lang="ru-RU" sz="2000" kern="100" dirty="0">
+                          <a:effectLst/>
+                          <a:latin typeface="Helvetica Neue" panose="02000503000000020004"/>
+                          <a:ea typeface="Calibri" panose="020F0502020204030204" pitchFamily="34" charset="0"/>
+                          <a:cs typeface="Times New Roman" panose="02020603050405020304" pitchFamily="18" charset="0"/>
+                        </a:rPr>
+                        <a:t>Высокое</a:t>
+                      </a:r>
+                    </a:p>
+                  </a:txBody>
+                  <a:tcPr marL="68580" marR="68580" marT="0" marB="0" anchor="ctr"/>
+                </a:tc>
+                <a:extLst>
+                  <a:ext uri="{0D108BD9-81ED-4DB2-BD59-A6C34878D82A}">
+                    <a16:rowId xmlns:a16="http://schemas.microsoft.com/office/drawing/2014/main" val="3015120587"/>
+                  </a:ext>
+                </a:extLst>
+              </a:tr>
+              <a:tr h="548640">
+                <a:tc>
+                  <a:txBody>
+                    <a:bodyPr/>
+                    <a:lstStyle/>
+                    <a:p>
+                      <a:pPr marL="0" marR="0" indent="0" algn="ctr">
+                        <a:lnSpc>
+                          <a:spcPct val="150000"/>
+                        </a:lnSpc>
+                        <a:spcBef>
+                          <a:spcPts val="0"/>
+                        </a:spcBef>
+                        <a:spcAft>
+                          <a:spcPts val="0"/>
+                        </a:spcAft>
+                      </a:pPr>
+                      <a:r>
+                        <a:rPr lang="en-US" sz="2000" kern="100" dirty="0" err="1">
+                          <a:effectLst/>
+                          <a:latin typeface="Helvetica Neue" panose="02000503000000020004"/>
+                        </a:rPr>
+                        <a:t>Cython</a:t>
+                      </a:r>
+                      <a:endParaRPr lang="ru-RU" sz="2000" kern="100" dirty="0">
+                        <a:effectLst/>
+                        <a:latin typeface="Helvetica Neue" panose="02000503000000020004"/>
+                        <a:ea typeface="Calibri" panose="020F0502020204030204" pitchFamily="34" charset="0"/>
+                        <a:cs typeface="Times New Roman" panose="02020603050405020304" pitchFamily="18" charset="0"/>
+                      </a:endParaRPr>
+                    </a:p>
+                  </a:txBody>
+                  <a:tcPr marL="68580" marR="68580" marT="0" marB="0" anchor="ctr"/>
+                </a:tc>
+                <a:tc>
+                  <a:txBody>
+                    <a:bodyPr/>
+                    <a:lstStyle/>
+                    <a:p>
+                      <a:pPr marL="0" marR="0" indent="0" algn="ctr">
+                        <a:lnSpc>
+                          <a:spcPct val="150000"/>
+                        </a:lnSpc>
+                        <a:spcBef>
+                          <a:spcPts val="0"/>
+                        </a:spcBef>
+                        <a:spcAft>
+                          <a:spcPts val="0"/>
+                        </a:spcAft>
+                      </a:pPr>
+                      <a:r>
+                        <a:rPr lang="ru-RU" sz="2000" kern="100" dirty="0">
+                          <a:effectLst/>
+                          <a:latin typeface="Helvetica Neue" panose="02000503000000020004"/>
+                          <a:ea typeface="Calibri" panose="020F0502020204030204" pitchFamily="34" charset="0"/>
+                          <a:cs typeface="Times New Roman" panose="02020603050405020304" pitchFamily="18" charset="0"/>
+                        </a:rPr>
+                        <a:t>Компиляция</a:t>
+                      </a:r>
+                    </a:p>
+                  </a:txBody>
+                  <a:tcPr marL="68580" marR="68580" marT="0" marB="0" anchor="ctr"/>
+                </a:tc>
+                <a:tc>
+                  <a:txBody>
+                    <a:bodyPr/>
+                    <a:lstStyle/>
+                    <a:p>
+                      <a:pPr marL="0" marR="0" indent="0" algn="ctr">
+                        <a:lnSpc>
+                          <a:spcPct val="150000"/>
+                        </a:lnSpc>
+                        <a:spcBef>
+                          <a:spcPts val="0"/>
+                        </a:spcBef>
+                        <a:spcAft>
+                          <a:spcPts val="0"/>
+                        </a:spcAft>
+                      </a:pPr>
+                      <a:r>
+                        <a:rPr lang="en-US" sz="2000" kern="100" dirty="0">
+                          <a:effectLst/>
+                          <a:latin typeface="Helvetica Neue" panose="02000503000000020004"/>
+                          <a:ea typeface="Calibri" panose="020F0502020204030204" pitchFamily="34" charset="0"/>
+                          <a:cs typeface="Times New Roman" panose="02020603050405020304" pitchFamily="18" charset="0"/>
+                        </a:rPr>
+                        <a:t>&lt;0.2%</a:t>
+                      </a:r>
+                      <a:endParaRPr lang="ru-RU" sz="2000" kern="100" dirty="0">
+                        <a:effectLst/>
+                        <a:latin typeface="Helvetica Neue" panose="02000503000000020004"/>
+                        <a:ea typeface="Calibri" panose="020F0502020204030204" pitchFamily="34" charset="0"/>
+                        <a:cs typeface="Times New Roman" panose="02020603050405020304" pitchFamily="18" charset="0"/>
+                      </a:endParaRPr>
+                    </a:p>
+                  </a:txBody>
+                  <a:tcPr marL="68580" marR="68580" marT="0" marB="0" anchor="ctr"/>
+                </a:tc>
+                <a:tc>
+                  <a:txBody>
+                    <a:bodyPr/>
+                    <a:lstStyle/>
+                    <a:p>
+                      <a:pPr marL="0" marR="0" indent="0" algn="ctr">
+                        <a:lnSpc>
+                          <a:spcPct val="150000"/>
+                        </a:lnSpc>
+                        <a:spcBef>
+                          <a:spcPts val="0"/>
+                        </a:spcBef>
+                        <a:spcAft>
+                          <a:spcPts val="0"/>
+                        </a:spcAft>
+                      </a:pPr>
+                      <a:r>
+                        <a:rPr lang="ru-RU" sz="2000" kern="100" dirty="0">
+                          <a:effectLst/>
+                          <a:latin typeface="Helvetica Neue" panose="02000503000000020004"/>
+                          <a:ea typeface="Calibri" panose="020F0502020204030204" pitchFamily="34" charset="0"/>
+                          <a:cs typeface="Times New Roman" panose="02020603050405020304" pitchFamily="18" charset="0"/>
+                        </a:rPr>
+                        <a:t>Высокое</a:t>
+                      </a:r>
+                    </a:p>
+                  </a:txBody>
+                  <a:tcPr marL="68580" marR="68580" marT="0" marB="0" anchor="ctr"/>
+                </a:tc>
+                <a:extLst>
+                  <a:ext uri="{0D108BD9-81ED-4DB2-BD59-A6C34878D82A}">
+                    <a16:rowId xmlns:a16="http://schemas.microsoft.com/office/drawing/2014/main" val="2355734980"/>
+                  </a:ext>
+                </a:extLst>
+              </a:tr>
+              <a:tr h="548640">
+                <a:tc>
+                  <a:txBody>
+                    <a:bodyPr/>
+                    <a:lstStyle/>
+                    <a:p>
+                      <a:pPr marL="0" marR="0" indent="0" algn="ctr">
+                        <a:lnSpc>
+                          <a:spcPct val="150000"/>
+                        </a:lnSpc>
+                        <a:spcBef>
+                          <a:spcPts val="0"/>
+                        </a:spcBef>
+                        <a:spcAft>
+                          <a:spcPts val="0"/>
+                        </a:spcAft>
+                      </a:pPr>
+                      <a:r>
+                        <a:rPr lang="en-US" sz="2000" kern="100" dirty="0">
+                          <a:effectLst/>
+                          <a:latin typeface="Helvetica Neue" panose="02000503000000020004"/>
+                        </a:rPr>
+                        <a:t>JavaScript</a:t>
+                      </a:r>
+                      <a:endParaRPr lang="ru-RU" sz="2000" kern="100" dirty="0">
+                        <a:effectLst/>
+                        <a:latin typeface="Helvetica Neue" panose="02000503000000020004"/>
+                        <a:ea typeface="Calibri" panose="020F0502020204030204" pitchFamily="34" charset="0"/>
+                        <a:cs typeface="Times New Roman" panose="02020603050405020304" pitchFamily="18" charset="0"/>
+                      </a:endParaRPr>
+                    </a:p>
+                  </a:txBody>
+                  <a:tcPr marL="68580" marR="68580" marT="0" marB="0" anchor="ctr"/>
+                </a:tc>
+                <a:tc>
+                  <a:txBody>
+                    <a:bodyPr/>
+                    <a:lstStyle/>
+                    <a:p>
+                      <a:pPr marL="0" marR="0" lvl="0" indent="0" algn="ctr" defTabSz="914400" rtl="0" eaLnBrk="1" fontAlgn="auto" latinLnBrk="0" hangingPunct="1">
+                        <a:lnSpc>
+                          <a:spcPct val="150000"/>
+                        </a:lnSpc>
+                        <a:spcBef>
+                          <a:spcPts val="0"/>
+                        </a:spcBef>
+                        <a:spcAft>
+                          <a:spcPts val="0"/>
+                        </a:spcAft>
+                        <a:buClrTx/>
+                        <a:buSzTx/>
+                        <a:buFontTx/>
+                        <a:buNone/>
+                        <a:tabLst/>
+                        <a:defRPr/>
+                      </a:pPr>
+                      <a:r>
+                        <a:rPr lang="ru-RU" sz="2000" kern="100" dirty="0">
+                          <a:effectLst/>
+                          <a:latin typeface="Helvetica Neue" panose="02000503000000020004"/>
+                          <a:ea typeface="Calibri" panose="020F0502020204030204" pitchFamily="34" charset="0"/>
+                          <a:cs typeface="Times New Roman" panose="02020603050405020304" pitchFamily="18" charset="0"/>
+                        </a:rPr>
+                        <a:t>Интерпретация</a:t>
+                      </a:r>
+                    </a:p>
+                  </a:txBody>
+                  <a:tcPr marL="68580" marR="68580" marT="0" marB="0" anchor="ctr"/>
+                </a:tc>
+                <a:tc>
+                  <a:txBody>
+                    <a:bodyPr/>
+                    <a:lstStyle/>
+                    <a:p>
+                      <a:pPr marL="0" marR="0" indent="0" algn="ctr">
+                        <a:lnSpc>
+                          <a:spcPct val="150000"/>
+                        </a:lnSpc>
+                        <a:spcBef>
+                          <a:spcPts val="0"/>
+                        </a:spcBef>
+                        <a:spcAft>
+                          <a:spcPts val="0"/>
+                        </a:spcAft>
+                      </a:pPr>
+                      <a:r>
+                        <a:rPr lang="en-US" sz="2000" kern="100" dirty="0">
+                          <a:effectLst/>
+                          <a:latin typeface="Helvetica Neue" panose="02000503000000020004"/>
+                          <a:ea typeface="Calibri" panose="020F0502020204030204" pitchFamily="34" charset="0"/>
+                          <a:cs typeface="Times New Roman" panose="02020603050405020304" pitchFamily="18" charset="0"/>
+                        </a:rPr>
+                        <a:t>3%</a:t>
+                      </a:r>
+                      <a:endParaRPr lang="ru-RU" sz="2000" kern="100" dirty="0">
+                        <a:effectLst/>
+                        <a:latin typeface="Helvetica Neue" panose="02000503000000020004"/>
+                        <a:ea typeface="Calibri" panose="020F0502020204030204" pitchFamily="34" charset="0"/>
+                        <a:cs typeface="Times New Roman" panose="02020603050405020304" pitchFamily="18" charset="0"/>
+                      </a:endParaRPr>
+                    </a:p>
+                  </a:txBody>
+                  <a:tcPr marL="68580" marR="68580" marT="0" marB="0" anchor="ctr"/>
+                </a:tc>
+                <a:tc>
+                  <a:txBody>
+                    <a:bodyPr/>
+                    <a:lstStyle/>
+                    <a:p>
+                      <a:pPr marL="0" marR="0" indent="0" algn="ctr">
+                        <a:lnSpc>
+                          <a:spcPct val="150000"/>
+                        </a:lnSpc>
+                        <a:spcBef>
+                          <a:spcPts val="0"/>
+                        </a:spcBef>
+                        <a:spcAft>
+                          <a:spcPts val="0"/>
+                        </a:spcAft>
+                      </a:pPr>
+                      <a:r>
+                        <a:rPr lang="ru-RU" sz="2000" kern="100" dirty="0">
+                          <a:effectLst/>
+                          <a:latin typeface="Helvetica Neue" panose="02000503000000020004"/>
+                          <a:ea typeface="Calibri" panose="020F0502020204030204" pitchFamily="34" charset="0"/>
+                          <a:cs typeface="Times New Roman" panose="02020603050405020304" pitchFamily="18" charset="0"/>
+                        </a:rPr>
+                        <a:t>Среднее</a:t>
+                      </a:r>
+                    </a:p>
+                  </a:txBody>
+                  <a:tcPr marL="68580" marR="68580" marT="0" marB="0" anchor="ctr"/>
+                </a:tc>
+                <a:extLst>
+                  <a:ext uri="{0D108BD9-81ED-4DB2-BD59-A6C34878D82A}">
+                    <a16:rowId xmlns:a16="http://schemas.microsoft.com/office/drawing/2014/main" val="3544835370"/>
+                  </a:ext>
+                </a:extLst>
+              </a:tr>
+              <a:tr h="548640">
+                <a:tc>
+                  <a:txBody>
+                    <a:bodyPr/>
+                    <a:lstStyle/>
+                    <a:p>
+                      <a:pPr marL="0" marR="0" indent="0" algn="ctr">
+                        <a:lnSpc>
+                          <a:spcPct val="150000"/>
+                        </a:lnSpc>
+                        <a:spcBef>
+                          <a:spcPts val="0"/>
+                        </a:spcBef>
+                        <a:spcAft>
+                          <a:spcPts val="0"/>
+                        </a:spcAft>
+                      </a:pPr>
+                      <a:r>
+                        <a:rPr lang="en-US" sz="2000" kern="100" dirty="0">
+                          <a:effectLst/>
+                          <a:latin typeface="Helvetica Neue" panose="02000503000000020004"/>
+                        </a:rPr>
+                        <a:t>C#</a:t>
+                      </a:r>
+                      <a:endParaRPr lang="ru-RU" sz="2000" kern="100" dirty="0">
+                        <a:effectLst/>
+                        <a:latin typeface="Helvetica Neue" panose="02000503000000020004"/>
+                        <a:ea typeface="Calibri" panose="020F0502020204030204" pitchFamily="34" charset="0"/>
+                        <a:cs typeface="Times New Roman" panose="02020603050405020304" pitchFamily="18" charset="0"/>
+                      </a:endParaRPr>
+                    </a:p>
+                  </a:txBody>
+                  <a:tcPr marL="68580" marR="68580" marT="0" marB="0" anchor="ctr"/>
+                </a:tc>
+                <a:tc>
+                  <a:txBody>
+                    <a:bodyPr/>
+                    <a:lstStyle/>
+                    <a:p>
+                      <a:pPr marL="0" marR="0" indent="0" algn="ctr">
+                        <a:lnSpc>
+                          <a:spcPct val="150000"/>
+                        </a:lnSpc>
+                        <a:spcBef>
+                          <a:spcPts val="0"/>
+                        </a:spcBef>
+                        <a:spcAft>
+                          <a:spcPts val="0"/>
+                        </a:spcAft>
+                      </a:pPr>
+                      <a:r>
+                        <a:rPr lang="ru-RU" sz="2000" kern="100" dirty="0">
+                          <a:effectLst/>
+                          <a:latin typeface="Helvetica Neue" panose="02000503000000020004"/>
+                          <a:ea typeface="Calibri" panose="020F0502020204030204" pitchFamily="34" charset="0"/>
+                          <a:cs typeface="Times New Roman" panose="02020603050405020304" pitchFamily="18" charset="0"/>
+                        </a:rPr>
+                        <a:t>Байт-код (</a:t>
+                      </a:r>
+                      <a:r>
+                        <a:rPr lang="en-US" sz="2000" kern="100" dirty="0">
+                          <a:effectLst/>
+                          <a:latin typeface="Helvetica Neue" panose="02000503000000020004"/>
+                          <a:ea typeface="Calibri" panose="020F0502020204030204" pitchFamily="34" charset="0"/>
+                          <a:cs typeface="Times New Roman" panose="02020603050405020304" pitchFamily="18" charset="0"/>
+                        </a:rPr>
+                        <a:t>JVM</a:t>
+                      </a:r>
+                      <a:r>
+                        <a:rPr lang="ru-RU" sz="2000" kern="100" dirty="0">
+                          <a:effectLst/>
+                          <a:latin typeface="Helvetica Neue" panose="02000503000000020004"/>
+                          <a:ea typeface="Calibri" panose="020F0502020204030204" pitchFamily="34" charset="0"/>
+                          <a:cs typeface="Times New Roman" panose="02020603050405020304" pitchFamily="18" charset="0"/>
+                        </a:rPr>
+                        <a:t>)</a:t>
+                      </a:r>
+                    </a:p>
+                  </a:txBody>
+                  <a:tcPr marL="68580" marR="68580" marT="0" marB="0" anchor="ctr"/>
+                </a:tc>
+                <a:tc>
+                  <a:txBody>
+                    <a:bodyPr/>
+                    <a:lstStyle/>
+                    <a:p>
+                      <a:pPr marL="0" marR="0" indent="0" algn="ctr">
+                        <a:lnSpc>
+                          <a:spcPct val="150000"/>
+                        </a:lnSpc>
+                        <a:spcBef>
+                          <a:spcPts val="0"/>
+                        </a:spcBef>
+                        <a:spcAft>
+                          <a:spcPts val="0"/>
+                        </a:spcAft>
+                      </a:pPr>
+                      <a:r>
+                        <a:rPr lang="en-US" sz="2000" kern="100" dirty="0">
+                          <a:effectLst/>
+                          <a:latin typeface="Helvetica Neue" panose="02000503000000020004"/>
+                          <a:ea typeface="Calibri" panose="020F0502020204030204" pitchFamily="34" charset="0"/>
+                          <a:cs typeface="Times New Roman" panose="02020603050405020304" pitchFamily="18" charset="0"/>
+                        </a:rPr>
+                        <a:t>7%</a:t>
+                      </a:r>
+                      <a:endParaRPr lang="ru-RU" sz="2000" kern="100" dirty="0">
+                        <a:effectLst/>
+                        <a:latin typeface="Helvetica Neue" panose="02000503000000020004"/>
+                        <a:ea typeface="Calibri" panose="020F0502020204030204" pitchFamily="34" charset="0"/>
+                        <a:cs typeface="Times New Roman" panose="02020603050405020304" pitchFamily="18" charset="0"/>
+                      </a:endParaRPr>
+                    </a:p>
+                  </a:txBody>
+                  <a:tcPr marL="68580" marR="68580" marT="0" marB="0" anchor="ctr"/>
+                </a:tc>
+                <a:tc>
+                  <a:txBody>
+                    <a:bodyPr/>
+                    <a:lstStyle/>
+                    <a:p>
+                      <a:pPr marL="0" marR="0" indent="0" algn="ctr">
+                        <a:lnSpc>
+                          <a:spcPct val="150000"/>
+                        </a:lnSpc>
+                        <a:spcBef>
+                          <a:spcPts val="0"/>
+                        </a:spcBef>
+                        <a:spcAft>
+                          <a:spcPts val="0"/>
+                        </a:spcAft>
+                      </a:pPr>
+                      <a:r>
+                        <a:rPr lang="ru-RU" sz="2000" kern="100" dirty="0">
+                          <a:effectLst/>
+                          <a:latin typeface="Helvetica Neue" panose="02000503000000020004"/>
+                          <a:ea typeface="Calibri" panose="020F0502020204030204" pitchFamily="34" charset="0"/>
+                          <a:cs typeface="Times New Roman" panose="02020603050405020304" pitchFamily="18" charset="0"/>
+                        </a:rPr>
+                        <a:t>Среднее</a:t>
+                      </a:r>
+                    </a:p>
+                  </a:txBody>
+                  <a:tcPr marL="68580" marR="68580" marT="0" marB="0" anchor="ctr"/>
+                </a:tc>
+                <a:extLst>
+                  <a:ext uri="{0D108BD9-81ED-4DB2-BD59-A6C34878D82A}">
+                    <a16:rowId xmlns:a16="http://schemas.microsoft.com/office/drawing/2014/main" val="2486733781"/>
+                  </a:ext>
+                </a:extLst>
+              </a:tr>
+              <a:tr h="548640">
+                <a:tc>
+                  <a:txBody>
+                    <a:bodyPr/>
+                    <a:lstStyle/>
+                    <a:p>
+                      <a:pPr marL="0" marR="0" indent="0" algn="ctr">
+                        <a:lnSpc>
+                          <a:spcPct val="150000"/>
+                        </a:lnSpc>
+                        <a:spcBef>
+                          <a:spcPts val="0"/>
+                        </a:spcBef>
+                        <a:spcAft>
+                          <a:spcPts val="0"/>
+                        </a:spcAft>
+                      </a:pPr>
+                      <a:r>
+                        <a:rPr lang="en-US" sz="2000" kern="100" dirty="0">
+                          <a:effectLst/>
+                          <a:latin typeface="Helvetica Neue" panose="02000503000000020004"/>
+                        </a:rPr>
+                        <a:t>Kotlin</a:t>
+                      </a:r>
+                      <a:endParaRPr lang="ru-RU" sz="2000" kern="100" dirty="0">
+                        <a:effectLst/>
+                        <a:latin typeface="Helvetica Neue" panose="02000503000000020004"/>
+                        <a:ea typeface="Calibri" panose="020F0502020204030204" pitchFamily="34" charset="0"/>
+                        <a:cs typeface="Times New Roman" panose="02020603050405020304" pitchFamily="18" charset="0"/>
+                      </a:endParaRPr>
+                    </a:p>
+                  </a:txBody>
+                  <a:tcPr marL="68580" marR="68580" marT="0" marB="0" anchor="ctr"/>
+                </a:tc>
+                <a:tc>
+                  <a:txBody>
+                    <a:bodyPr/>
+                    <a:lstStyle/>
+                    <a:p>
+                      <a:pPr marL="0" marR="0" lvl="0" indent="0" algn="ctr" defTabSz="914400" rtl="0" eaLnBrk="1" fontAlgn="auto" latinLnBrk="0" hangingPunct="1">
+                        <a:lnSpc>
+                          <a:spcPct val="150000"/>
+                        </a:lnSpc>
+                        <a:spcBef>
+                          <a:spcPts val="0"/>
+                        </a:spcBef>
+                        <a:spcAft>
+                          <a:spcPts val="0"/>
+                        </a:spcAft>
+                        <a:buClrTx/>
+                        <a:buSzTx/>
+                        <a:buFontTx/>
+                        <a:buNone/>
+                        <a:tabLst/>
+                        <a:defRPr/>
+                      </a:pPr>
+                      <a:r>
+                        <a:rPr lang="ru-RU" sz="2000" kern="100" dirty="0">
+                          <a:effectLst/>
+                          <a:latin typeface="Helvetica Neue" panose="02000503000000020004"/>
+                          <a:ea typeface="Calibri" panose="020F0502020204030204" pitchFamily="34" charset="0"/>
+                          <a:cs typeface="Times New Roman" panose="02020603050405020304" pitchFamily="18" charset="0"/>
+                        </a:rPr>
+                        <a:t>Байт-код (</a:t>
+                      </a:r>
+                      <a:r>
+                        <a:rPr lang="en-US" sz="2000" kern="100" dirty="0">
+                          <a:effectLst/>
+                          <a:latin typeface="Helvetica Neue" panose="02000503000000020004"/>
+                          <a:ea typeface="Calibri" panose="020F0502020204030204" pitchFamily="34" charset="0"/>
+                          <a:cs typeface="Times New Roman" panose="02020603050405020304" pitchFamily="18" charset="0"/>
+                        </a:rPr>
+                        <a:t>JVM</a:t>
+                      </a:r>
+                      <a:r>
+                        <a:rPr lang="ru-RU" sz="2000" kern="100" dirty="0">
+                          <a:effectLst/>
+                          <a:latin typeface="Helvetica Neue" panose="02000503000000020004"/>
+                          <a:ea typeface="Calibri" panose="020F0502020204030204" pitchFamily="34" charset="0"/>
+                          <a:cs typeface="Times New Roman" panose="02020603050405020304" pitchFamily="18" charset="0"/>
+                        </a:rPr>
+                        <a:t>)</a:t>
+                      </a:r>
+                    </a:p>
+                  </a:txBody>
+                  <a:tcPr marL="68580" marR="68580" marT="0" marB="0" anchor="ctr"/>
+                </a:tc>
+                <a:tc>
+                  <a:txBody>
+                    <a:bodyPr/>
+                    <a:lstStyle/>
+                    <a:p>
+                      <a:pPr marL="0" marR="0" indent="0" algn="ctr">
+                        <a:lnSpc>
+                          <a:spcPct val="150000"/>
+                        </a:lnSpc>
+                        <a:spcBef>
+                          <a:spcPts val="0"/>
+                        </a:spcBef>
+                        <a:spcAft>
+                          <a:spcPts val="0"/>
+                        </a:spcAft>
+                      </a:pPr>
+                      <a:r>
+                        <a:rPr lang="en-US" sz="2000" kern="100" dirty="0">
+                          <a:effectLst/>
+                          <a:latin typeface="Helvetica Neue" panose="02000503000000020004"/>
+                          <a:ea typeface="Calibri" panose="020F0502020204030204" pitchFamily="34" charset="0"/>
+                          <a:cs typeface="Times New Roman" panose="02020603050405020304" pitchFamily="18" charset="0"/>
+                        </a:rPr>
+                        <a:t>1%</a:t>
+                      </a:r>
+                      <a:endParaRPr lang="ru-RU" sz="2000" kern="100" dirty="0">
+                        <a:effectLst/>
+                        <a:latin typeface="Helvetica Neue" panose="02000503000000020004"/>
+                        <a:ea typeface="Calibri" panose="020F0502020204030204" pitchFamily="34" charset="0"/>
+                        <a:cs typeface="Times New Roman" panose="02020603050405020304" pitchFamily="18" charset="0"/>
+                      </a:endParaRPr>
+                    </a:p>
+                  </a:txBody>
+                  <a:tcPr marL="68580" marR="68580" marT="0" marB="0" anchor="ctr"/>
+                </a:tc>
+                <a:tc>
+                  <a:txBody>
+                    <a:bodyPr/>
+                    <a:lstStyle/>
+                    <a:p>
+                      <a:pPr marL="0" marR="0" indent="0" algn="ctr">
+                        <a:lnSpc>
+                          <a:spcPct val="150000"/>
+                        </a:lnSpc>
+                        <a:spcBef>
+                          <a:spcPts val="0"/>
+                        </a:spcBef>
+                        <a:spcAft>
+                          <a:spcPts val="0"/>
+                        </a:spcAft>
+                      </a:pPr>
+                      <a:r>
+                        <a:rPr lang="ru-RU" sz="2000" kern="100" dirty="0">
+                          <a:effectLst/>
+                          <a:latin typeface="Helvetica Neue" panose="02000503000000020004"/>
+                          <a:ea typeface="Calibri" panose="020F0502020204030204" pitchFamily="34" charset="0"/>
+                          <a:cs typeface="Times New Roman" panose="02020603050405020304" pitchFamily="18" charset="0"/>
+                        </a:rPr>
+                        <a:t>Высокое</a:t>
+                      </a:r>
+                    </a:p>
+                  </a:txBody>
+                  <a:tcPr marL="68580" marR="68580" marT="0" marB="0" anchor="ctr"/>
+                </a:tc>
+                <a:extLst>
+                  <a:ext uri="{0D108BD9-81ED-4DB2-BD59-A6C34878D82A}">
+                    <a16:rowId xmlns:a16="http://schemas.microsoft.com/office/drawing/2014/main" val="2184190223"/>
+                  </a:ext>
+                </a:extLst>
+              </a:tr>
+              <a:tr h="548640">
+                <a:tc>
+                  <a:txBody>
+                    <a:bodyPr/>
+                    <a:lstStyle/>
+                    <a:p>
+                      <a:pPr marL="0" marR="0" indent="0" algn="ctr">
+                        <a:lnSpc>
+                          <a:spcPct val="150000"/>
+                        </a:lnSpc>
+                        <a:spcBef>
+                          <a:spcPts val="0"/>
+                        </a:spcBef>
+                        <a:spcAft>
+                          <a:spcPts val="0"/>
+                        </a:spcAft>
+                      </a:pPr>
+                      <a:r>
+                        <a:rPr lang="en-US" sz="2000" kern="100" dirty="0">
+                          <a:effectLst/>
+                          <a:latin typeface="Helvetica Neue" panose="02000503000000020004"/>
+                        </a:rPr>
+                        <a:t>Rust</a:t>
+                      </a:r>
+                      <a:endParaRPr lang="ru-RU" sz="2000" kern="100" dirty="0">
+                        <a:effectLst/>
+                        <a:latin typeface="Helvetica Neue" panose="02000503000000020004"/>
+                        <a:ea typeface="Calibri" panose="020F0502020204030204" pitchFamily="34" charset="0"/>
+                        <a:cs typeface="Times New Roman" panose="02020603050405020304" pitchFamily="18" charset="0"/>
+                      </a:endParaRPr>
+                    </a:p>
+                  </a:txBody>
+                  <a:tcPr marL="68580" marR="68580" marT="0" marB="0" anchor="ctr"/>
+                </a:tc>
+                <a:tc>
+                  <a:txBody>
+                    <a:bodyPr/>
+                    <a:lstStyle/>
+                    <a:p>
+                      <a:pPr marL="0" marR="0" indent="0" algn="ctr">
+                        <a:lnSpc>
+                          <a:spcPct val="150000"/>
+                        </a:lnSpc>
+                        <a:spcBef>
+                          <a:spcPts val="0"/>
+                        </a:spcBef>
+                        <a:spcAft>
+                          <a:spcPts val="0"/>
+                        </a:spcAft>
+                      </a:pPr>
+                      <a:r>
+                        <a:rPr lang="ru-RU" sz="2000" kern="100" dirty="0">
+                          <a:effectLst/>
+                          <a:latin typeface="Helvetica Neue" panose="02000503000000020004"/>
+                          <a:ea typeface="Calibri" panose="020F0502020204030204" pitchFamily="34" charset="0"/>
+                          <a:cs typeface="Times New Roman" panose="02020603050405020304" pitchFamily="18" charset="0"/>
+                        </a:rPr>
+                        <a:t>Компиляция</a:t>
+                      </a:r>
+                    </a:p>
+                  </a:txBody>
+                  <a:tcPr marL="68580" marR="68580" marT="0" marB="0" anchor="ctr"/>
+                </a:tc>
+                <a:tc>
+                  <a:txBody>
+                    <a:bodyPr/>
+                    <a:lstStyle/>
+                    <a:p>
+                      <a:pPr marL="0" marR="0" indent="0" algn="ctr">
+                        <a:lnSpc>
+                          <a:spcPct val="150000"/>
+                        </a:lnSpc>
+                        <a:spcBef>
+                          <a:spcPts val="0"/>
+                        </a:spcBef>
+                        <a:spcAft>
+                          <a:spcPts val="0"/>
+                        </a:spcAft>
+                      </a:pPr>
+                      <a:r>
+                        <a:rPr lang="en-US" sz="2000" kern="100" dirty="0">
+                          <a:effectLst/>
+                          <a:latin typeface="Helvetica Neue" panose="02000503000000020004"/>
+                          <a:ea typeface="Calibri" panose="020F0502020204030204" pitchFamily="34" charset="0"/>
+                          <a:cs typeface="Times New Roman" panose="02020603050405020304" pitchFamily="18" charset="0"/>
+                        </a:rPr>
+                        <a:t>1%</a:t>
+                      </a:r>
+                      <a:endParaRPr lang="ru-RU" sz="2000" kern="100" dirty="0">
+                        <a:effectLst/>
+                        <a:latin typeface="Helvetica Neue" panose="02000503000000020004"/>
+                        <a:ea typeface="Calibri" panose="020F0502020204030204" pitchFamily="34" charset="0"/>
+                        <a:cs typeface="Times New Roman" panose="02020603050405020304" pitchFamily="18" charset="0"/>
+                      </a:endParaRPr>
+                    </a:p>
+                  </a:txBody>
+                  <a:tcPr marL="68580" marR="68580" marT="0" marB="0" anchor="ctr"/>
+                </a:tc>
+                <a:tc>
+                  <a:txBody>
+                    <a:bodyPr/>
+                    <a:lstStyle/>
+                    <a:p>
+                      <a:pPr marL="0" marR="0" indent="0" algn="ctr">
+                        <a:lnSpc>
+                          <a:spcPct val="150000"/>
+                        </a:lnSpc>
+                        <a:spcBef>
+                          <a:spcPts val="0"/>
+                        </a:spcBef>
+                        <a:spcAft>
+                          <a:spcPts val="0"/>
+                        </a:spcAft>
+                      </a:pPr>
+                      <a:r>
+                        <a:rPr lang="ru-RU" sz="2000" kern="100" dirty="0">
+                          <a:effectLst/>
+                          <a:latin typeface="Helvetica Neue" panose="02000503000000020004"/>
+                          <a:ea typeface="Calibri" panose="020F0502020204030204" pitchFamily="34" charset="0"/>
+                          <a:cs typeface="Times New Roman" panose="02020603050405020304" pitchFamily="18" charset="0"/>
+                        </a:rPr>
+                        <a:t>Среднее</a:t>
+                      </a:r>
+                    </a:p>
+                  </a:txBody>
+                  <a:tcPr marL="68580" marR="68580" marT="0" marB="0" anchor="ctr"/>
+                </a:tc>
+                <a:extLst>
+                  <a:ext uri="{0D108BD9-81ED-4DB2-BD59-A6C34878D82A}">
+                    <a16:rowId xmlns:a16="http://schemas.microsoft.com/office/drawing/2014/main" val="456004859"/>
+                  </a:ext>
+                </a:extLst>
+              </a:tr>
+              <a:tr h="548640">
+                <a:tc>
+                  <a:txBody>
+                    <a:bodyPr/>
+                    <a:lstStyle/>
+                    <a:p>
+                      <a:pPr marL="0" marR="0" indent="0" algn="ctr">
+                        <a:lnSpc>
+                          <a:spcPct val="150000"/>
+                        </a:lnSpc>
+                        <a:spcBef>
+                          <a:spcPts val="0"/>
+                        </a:spcBef>
+                        <a:spcAft>
+                          <a:spcPts val="0"/>
+                        </a:spcAft>
+                      </a:pPr>
+                      <a:r>
+                        <a:rPr lang="en-US" sz="2000" kern="100" dirty="0">
+                          <a:effectLst/>
+                          <a:latin typeface="Helvetica Neue" panose="02000503000000020004"/>
+                          <a:ea typeface="Calibri" panose="020F0502020204030204" pitchFamily="34" charset="0"/>
+                          <a:cs typeface="Times New Roman" panose="02020603050405020304" pitchFamily="18" charset="0"/>
+                        </a:rPr>
+                        <a:t>C</a:t>
+                      </a:r>
+                      <a:endParaRPr lang="ru-RU" sz="2000" kern="100" dirty="0">
+                        <a:effectLst/>
+                        <a:latin typeface="Helvetica Neue" panose="02000503000000020004"/>
+                        <a:ea typeface="Calibri" panose="020F0502020204030204" pitchFamily="34" charset="0"/>
+                        <a:cs typeface="Times New Roman" panose="02020603050405020304" pitchFamily="18" charset="0"/>
+                      </a:endParaRPr>
+                    </a:p>
+                  </a:txBody>
+                  <a:tcPr marL="68580" marR="68580" marT="0" marB="0" anchor="ctr"/>
+                </a:tc>
+                <a:tc>
+                  <a:txBody>
+                    <a:bodyPr/>
+                    <a:lstStyle/>
+                    <a:p>
+                      <a:pPr marL="0" marR="0" indent="0" algn="ctr">
+                        <a:lnSpc>
+                          <a:spcPct val="150000"/>
+                        </a:lnSpc>
+                        <a:spcBef>
+                          <a:spcPts val="0"/>
+                        </a:spcBef>
+                        <a:spcAft>
+                          <a:spcPts val="0"/>
+                        </a:spcAft>
+                      </a:pPr>
+                      <a:r>
+                        <a:rPr lang="ru-RU" sz="2000" kern="100" dirty="0">
+                          <a:effectLst/>
+                          <a:latin typeface="Helvetica Neue" panose="02000503000000020004"/>
+                          <a:ea typeface="Calibri" panose="020F0502020204030204" pitchFamily="34" charset="0"/>
+                          <a:cs typeface="Times New Roman" panose="02020603050405020304" pitchFamily="18" charset="0"/>
+                        </a:rPr>
+                        <a:t>Компиляция</a:t>
+                      </a:r>
+                    </a:p>
+                  </a:txBody>
+                  <a:tcPr marL="68580" marR="68580" marT="0" marB="0" anchor="ctr"/>
+                </a:tc>
+                <a:tc>
+                  <a:txBody>
+                    <a:bodyPr/>
+                    <a:lstStyle/>
+                    <a:p>
+                      <a:pPr marL="0" marR="0" indent="0" algn="ctr">
+                        <a:lnSpc>
+                          <a:spcPct val="150000"/>
+                        </a:lnSpc>
+                        <a:spcBef>
+                          <a:spcPts val="0"/>
+                        </a:spcBef>
+                        <a:spcAft>
+                          <a:spcPts val="0"/>
+                        </a:spcAft>
+                      </a:pPr>
+                      <a:r>
+                        <a:rPr lang="ru-RU" sz="2000" kern="100" dirty="0">
+                          <a:effectLst/>
+                          <a:latin typeface="Helvetica Neue" panose="02000503000000020004"/>
+                          <a:ea typeface="Calibri" panose="020F0502020204030204" pitchFamily="34" charset="0"/>
+                          <a:cs typeface="Times New Roman" panose="02020603050405020304" pitchFamily="18" charset="0"/>
+                        </a:rPr>
+                        <a:t>11%</a:t>
+                      </a:r>
+                    </a:p>
+                  </a:txBody>
+                  <a:tcPr marL="68580" marR="68580" marT="0" marB="0" anchor="ctr"/>
+                </a:tc>
+                <a:tc>
+                  <a:txBody>
+                    <a:bodyPr/>
+                    <a:lstStyle/>
+                    <a:p>
+                      <a:pPr marL="0" marR="0" indent="0" algn="ctr">
+                        <a:lnSpc>
+                          <a:spcPct val="150000"/>
+                        </a:lnSpc>
+                        <a:spcBef>
+                          <a:spcPts val="0"/>
+                        </a:spcBef>
+                        <a:spcAft>
+                          <a:spcPts val="0"/>
+                        </a:spcAft>
+                      </a:pPr>
+                      <a:r>
+                        <a:rPr lang="ru-RU" sz="2000" kern="100" dirty="0">
+                          <a:effectLst/>
+                          <a:latin typeface="Helvetica Neue" panose="02000503000000020004"/>
+                          <a:ea typeface="Calibri" panose="020F0502020204030204" pitchFamily="34" charset="0"/>
+                          <a:cs typeface="Times New Roman" panose="02020603050405020304" pitchFamily="18" charset="0"/>
+                        </a:rPr>
+                        <a:t>Низкое</a:t>
+                      </a:r>
+                    </a:p>
+                  </a:txBody>
+                  <a:tcPr marL="68580" marR="68580" marT="0" marB="0" anchor="ctr"/>
+                </a:tc>
+                <a:extLst>
+                  <a:ext uri="{0D108BD9-81ED-4DB2-BD59-A6C34878D82A}">
+                    <a16:rowId xmlns:a16="http://schemas.microsoft.com/office/drawing/2014/main" val="2354295925"/>
+                  </a:ext>
+                </a:extLst>
+              </a:tr>
+            </a:tbl>
+          </a:graphicData>
+        </a:graphic>
+      </p:graphicFrame>
+      <p:sp>
+        <p:nvSpPr>
+          <p:cNvPr id="12" name="TextBox 11">
+            <a:extLst>
+              <a:ext uri="{FF2B5EF4-FFF2-40B4-BE49-F238E27FC236}">
+                <a16:creationId xmlns:a16="http://schemas.microsoft.com/office/drawing/2014/main" id="{E4A13848-46FE-4E19-971F-2CD2B418A5F1}"/>
+              </a:ext>
+            </a:extLst>
+          </p:cNvPr>
+          <p:cNvSpPr txBox="1"/>
+          <p:nvPr/>
+        </p:nvSpPr>
+        <p:spPr>
+          <a:xfrm>
+            <a:off x="771331" y="6369062"/>
+            <a:ext cx="10582469" cy="369332"/>
+          </a:xfrm>
+          <a:prstGeom prst="rect">
+            <a:avLst/>
+          </a:prstGeom>
+          <a:noFill/>
+        </p:spPr>
+        <p:txBody>
+          <a:bodyPr wrap="square" rtlCol="0">
+            <a:spAutoFit/>
+          </a:bodyPr>
           <a:lstStyle/>
           <a:p>
-            <a:endParaRPr lang="ru-RU"/>
+            <a:r>
+              <a:rPr lang="ru-RU" sz="1800" kern="100" dirty="0">
+                <a:effectLst/>
+                <a:latin typeface="Helvetica Neue" panose="02000503000000020004"/>
+                <a:ea typeface="Calibri" panose="020F0502020204030204" pitchFamily="34" charset="0"/>
+              </a:rPr>
+              <a:t>Значения качественных характеристик приведены относительно элементов таблицы</a:t>
+            </a:r>
+            <a:endParaRPr lang="ru-RU" dirty="0">
+              <a:latin typeface="Helvetica Neue" panose="02000503000000020004"/>
+            </a:endParaRPr>
           </a:p>
         </p:txBody>
       </p:sp>

--- a/docs/presentation/presentation.pptx
+++ b/docs/presentation/presentation.pptx
@@ -5,10 +5,10 @@
     <p:sldMasterId id="2147483648" r:id="rId1"/>
   </p:sldMasterIdLst>
   <p:notesMasterIdLst>
-    <p:notesMasterId r:id="rId10"/>
+    <p:notesMasterId r:id="rId13"/>
   </p:notesMasterIdLst>
   <p:handoutMasterIdLst>
-    <p:handoutMasterId r:id="rId11"/>
+    <p:handoutMasterId r:id="rId14"/>
   </p:handoutMasterIdLst>
   <p:sldIdLst>
     <p:sldId id="256" r:id="rId2"/>
@@ -17,8 +17,11 @@
     <p:sldId id="295" r:id="rId5"/>
     <p:sldId id="296" r:id="rId6"/>
     <p:sldId id="259" r:id="rId7"/>
-    <p:sldId id="267" r:id="rId8"/>
-    <p:sldId id="268" r:id="rId9"/>
+    <p:sldId id="297" r:id="rId8"/>
+    <p:sldId id="298" r:id="rId9"/>
+    <p:sldId id="299" r:id="rId10"/>
+    <p:sldId id="267" r:id="rId11"/>
+    <p:sldId id="268" r:id="rId12"/>
   </p:sldIdLst>
   <p:sldSz cx="12192000" cy="6858000"/>
   <p:notesSz cx="6858000" cy="9144000"/>
@@ -219,7 +222,7 @@
           <a:p>
             <a:fld id="{5370F716-410A-A54A-8F98-B0E52D6A559C}" type="datetimeFigureOut">
               <a:rPr lang="en-RU" smtClean="0"/>
-              <a:t>03/06/2024</a:t>
+              <a:t>03/09/2024</a:t>
             </a:fld>
             <a:endParaRPr lang="en-RU"/>
           </a:p>
@@ -397,7 +400,7 @@
           <a:p>
             <a:fld id="{6E344C1D-7E01-1847-9C7D-D045223BB03C}" type="datetimeFigureOut">
               <a:rPr lang="en-RU" smtClean="0"/>
-              <a:t>03/06/2024</a:t>
+              <a:t>03/09/2024</a:t>
             </a:fld>
             <a:endParaRPr lang="en-RU"/>
           </a:p>
@@ -885,6 +888,182 @@
 </p:notes>
 </file>
 
+<file path=ppt/notesSlides/notesSlide10.xml><?xml version="1.0" encoding="utf-8"?>
+<p:notes xmlns:a="http://schemas.openxmlformats.org/drawingml/2006/main" xmlns:r="http://schemas.openxmlformats.org/officeDocument/2006/relationships" xmlns:p="http://schemas.openxmlformats.org/presentationml/2006/main">
+  <p:cSld>
+    <p:spTree>
+      <p:nvGrpSpPr>
+        <p:cNvPr id="1" name=""/>
+        <p:cNvGrpSpPr/>
+        <p:nvPr/>
+      </p:nvGrpSpPr>
+      <p:grpSpPr>
+        <a:xfrm>
+          <a:off x="0" y="0"/>
+          <a:ext cx="0" cy="0"/>
+          <a:chOff x="0" y="0"/>
+          <a:chExt cx="0" cy="0"/>
+        </a:xfrm>
+      </p:grpSpPr>
+      <p:sp>
+        <p:nvSpPr>
+          <p:cNvPr id="2" name="Slide Image Placeholder 1"/>
+          <p:cNvSpPr>
+            <a:spLocks noGrp="1" noRot="1" noChangeAspect="1"/>
+          </p:cNvSpPr>
+          <p:nvPr>
+            <p:ph type="sldImg"/>
+          </p:nvPr>
+        </p:nvSpPr>
+        <p:spPr/>
+      </p:sp>
+      <p:sp>
+        <p:nvSpPr>
+          <p:cNvPr id="3" name="Notes Placeholder 2"/>
+          <p:cNvSpPr>
+            <a:spLocks noGrp="1"/>
+          </p:cNvSpPr>
+          <p:nvPr>
+            <p:ph type="body" idx="1"/>
+          </p:nvPr>
+        </p:nvSpPr>
+        <p:spPr/>
+        <p:txBody>
+          <a:bodyPr/>
+          <a:lstStyle/>
+          <a:p>
+            <a:endParaRPr lang="en-RU" dirty="0"/>
+          </a:p>
+        </p:txBody>
+      </p:sp>
+      <p:sp>
+        <p:nvSpPr>
+          <p:cNvPr id="4" name="Slide Number Placeholder 3"/>
+          <p:cNvSpPr>
+            <a:spLocks noGrp="1"/>
+          </p:cNvSpPr>
+          <p:nvPr>
+            <p:ph type="sldNum" sz="quarter" idx="5"/>
+          </p:nvPr>
+        </p:nvSpPr>
+        <p:spPr/>
+        <p:txBody>
+          <a:bodyPr/>
+          <a:lstStyle/>
+          <a:p>
+            <a:fld id="{80EA287C-F450-484E-9FD5-FC6D729DAEC8}" type="slidenum">
+              <a:rPr lang="en-RU" smtClean="0"/>
+              <a:t>10</a:t>
+            </a:fld>
+            <a:endParaRPr lang="en-RU"/>
+          </a:p>
+        </p:txBody>
+      </p:sp>
+    </p:spTree>
+    <p:extLst>
+      <p:ext uri="{BB962C8B-B14F-4D97-AF65-F5344CB8AC3E}">
+        <p14:creationId xmlns:p14="http://schemas.microsoft.com/office/powerpoint/2010/main" val="2480852342"/>
+      </p:ext>
+    </p:extLst>
+  </p:cSld>
+  <p:clrMapOvr>
+    <a:masterClrMapping/>
+  </p:clrMapOvr>
+</p:notes>
+</file>
+
+<file path=ppt/notesSlides/notesSlide11.xml><?xml version="1.0" encoding="utf-8"?>
+<p:notes xmlns:a="http://schemas.openxmlformats.org/drawingml/2006/main" xmlns:r="http://schemas.openxmlformats.org/officeDocument/2006/relationships" xmlns:p="http://schemas.openxmlformats.org/presentationml/2006/main">
+  <p:cSld>
+    <p:spTree>
+      <p:nvGrpSpPr>
+        <p:cNvPr id="1" name=""/>
+        <p:cNvGrpSpPr/>
+        <p:nvPr/>
+      </p:nvGrpSpPr>
+      <p:grpSpPr>
+        <a:xfrm>
+          <a:off x="0" y="0"/>
+          <a:ext cx="0" cy="0"/>
+          <a:chOff x="0" y="0"/>
+          <a:chExt cx="0" cy="0"/>
+        </a:xfrm>
+      </p:grpSpPr>
+      <p:sp>
+        <p:nvSpPr>
+          <p:cNvPr id="2" name="Slide Image Placeholder 1"/>
+          <p:cNvSpPr>
+            <a:spLocks noGrp="1" noRot="1" noChangeAspect="1"/>
+          </p:cNvSpPr>
+          <p:nvPr>
+            <p:ph type="sldImg"/>
+          </p:nvPr>
+        </p:nvSpPr>
+        <p:spPr/>
+      </p:sp>
+      <p:sp>
+        <p:nvSpPr>
+          <p:cNvPr id="3" name="Notes Placeholder 2"/>
+          <p:cNvSpPr>
+            <a:spLocks noGrp="1"/>
+          </p:cNvSpPr>
+          <p:nvPr>
+            <p:ph type="body" idx="1"/>
+          </p:nvPr>
+        </p:nvSpPr>
+        <p:spPr/>
+        <p:txBody>
+          <a:bodyPr/>
+          <a:lstStyle/>
+          <a:p>
+            <a:endParaRPr lang="en-RU" sz="1200" kern="1200" dirty="0">
+              <a:solidFill>
+                <a:schemeClr val="tx1"/>
+              </a:solidFill>
+              <a:effectLst/>
+              <a:latin typeface="+mn-lt"/>
+              <a:ea typeface="+mn-ea"/>
+              <a:cs typeface="+mn-cs"/>
+            </a:endParaRPr>
+          </a:p>
+        </p:txBody>
+      </p:sp>
+      <p:sp>
+        <p:nvSpPr>
+          <p:cNvPr id="4" name="Slide Number Placeholder 3"/>
+          <p:cNvSpPr>
+            <a:spLocks noGrp="1"/>
+          </p:cNvSpPr>
+          <p:nvPr>
+            <p:ph type="sldNum" sz="quarter" idx="5"/>
+          </p:nvPr>
+        </p:nvSpPr>
+        <p:spPr/>
+        <p:txBody>
+          <a:bodyPr/>
+          <a:lstStyle/>
+          <a:p>
+            <a:fld id="{80EA287C-F450-484E-9FD5-FC6D729DAEC8}" type="slidenum">
+              <a:rPr lang="en-RU" smtClean="0"/>
+              <a:t>11</a:t>
+            </a:fld>
+            <a:endParaRPr lang="en-RU"/>
+          </a:p>
+        </p:txBody>
+      </p:sp>
+    </p:spTree>
+    <p:extLst>
+      <p:ext uri="{BB962C8B-B14F-4D97-AF65-F5344CB8AC3E}">
+        <p14:creationId xmlns:p14="http://schemas.microsoft.com/office/powerpoint/2010/main" val="1602947380"/>
+      </p:ext>
+    </p:extLst>
+  </p:cSld>
+  <p:clrMapOvr>
+    <a:masterClrMapping/>
+  </p:clrMapOvr>
+</p:notes>
+</file>
+
 <file path=ppt/notesSlides/notesSlide2.xml><?xml version="1.0" encoding="utf-8"?>
 <p:notes xmlns:a="http://schemas.openxmlformats.org/drawingml/2006/main" xmlns:r="http://schemas.openxmlformats.org/officeDocument/2006/relationships" xmlns:p="http://schemas.openxmlformats.org/presentationml/2006/main">
   <p:cSld>
@@ -1678,7 +1857,15 @@
           <a:bodyPr/>
           <a:lstStyle/>
           <a:p>
-            <a:endParaRPr lang="en-RU" dirty="0"/>
+            <a:endParaRPr lang="en-RU" sz="1200" kern="1200" dirty="0">
+              <a:solidFill>
+                <a:schemeClr val="tx1"/>
+              </a:solidFill>
+              <a:effectLst/>
+              <a:latin typeface="+mn-lt"/>
+              <a:ea typeface="+mn-ea"/>
+              <a:cs typeface="+mn-cs"/>
+            </a:endParaRPr>
           </a:p>
         </p:txBody>
       </p:sp>
@@ -1708,7 +1895,7 @@
     </p:spTree>
     <p:extLst>
       <p:ext uri="{BB962C8B-B14F-4D97-AF65-F5344CB8AC3E}">
-        <p14:creationId xmlns:p14="http://schemas.microsoft.com/office/powerpoint/2010/main" val="2480852342"/>
+        <p14:creationId xmlns:p14="http://schemas.microsoft.com/office/powerpoint/2010/main" val="3283689109"/>
       </p:ext>
     </p:extLst>
   </p:cSld>
@@ -1800,7 +1987,99 @@
     </p:spTree>
     <p:extLst>
       <p:ext uri="{BB962C8B-B14F-4D97-AF65-F5344CB8AC3E}">
-        <p14:creationId xmlns:p14="http://schemas.microsoft.com/office/powerpoint/2010/main" val="1602947380"/>
+        <p14:creationId xmlns:p14="http://schemas.microsoft.com/office/powerpoint/2010/main" val="2747595829"/>
+      </p:ext>
+    </p:extLst>
+  </p:cSld>
+  <p:clrMapOvr>
+    <a:masterClrMapping/>
+  </p:clrMapOvr>
+</p:notes>
+</file>
+
+<file path=ppt/notesSlides/notesSlide9.xml><?xml version="1.0" encoding="utf-8"?>
+<p:notes xmlns:a="http://schemas.openxmlformats.org/drawingml/2006/main" xmlns:r="http://schemas.openxmlformats.org/officeDocument/2006/relationships" xmlns:p="http://schemas.openxmlformats.org/presentationml/2006/main">
+  <p:cSld>
+    <p:spTree>
+      <p:nvGrpSpPr>
+        <p:cNvPr id="1" name=""/>
+        <p:cNvGrpSpPr/>
+        <p:nvPr/>
+      </p:nvGrpSpPr>
+      <p:grpSpPr>
+        <a:xfrm>
+          <a:off x="0" y="0"/>
+          <a:ext cx="0" cy="0"/>
+          <a:chOff x="0" y="0"/>
+          <a:chExt cx="0" cy="0"/>
+        </a:xfrm>
+      </p:grpSpPr>
+      <p:sp>
+        <p:nvSpPr>
+          <p:cNvPr id="2" name="Slide Image Placeholder 1"/>
+          <p:cNvSpPr>
+            <a:spLocks noGrp="1" noRot="1" noChangeAspect="1"/>
+          </p:cNvSpPr>
+          <p:nvPr>
+            <p:ph type="sldImg"/>
+          </p:nvPr>
+        </p:nvSpPr>
+        <p:spPr/>
+      </p:sp>
+      <p:sp>
+        <p:nvSpPr>
+          <p:cNvPr id="3" name="Notes Placeholder 2"/>
+          <p:cNvSpPr>
+            <a:spLocks noGrp="1"/>
+          </p:cNvSpPr>
+          <p:nvPr>
+            <p:ph type="body" idx="1"/>
+          </p:nvPr>
+        </p:nvSpPr>
+        <p:spPr/>
+        <p:txBody>
+          <a:bodyPr/>
+          <a:lstStyle/>
+          <a:p>
+            <a:endParaRPr lang="en-RU" sz="1200" kern="1200" dirty="0">
+              <a:solidFill>
+                <a:schemeClr val="tx1"/>
+              </a:solidFill>
+              <a:effectLst/>
+              <a:latin typeface="+mn-lt"/>
+              <a:ea typeface="+mn-ea"/>
+              <a:cs typeface="+mn-cs"/>
+            </a:endParaRPr>
+          </a:p>
+        </p:txBody>
+      </p:sp>
+      <p:sp>
+        <p:nvSpPr>
+          <p:cNvPr id="4" name="Slide Number Placeholder 3"/>
+          <p:cNvSpPr>
+            <a:spLocks noGrp="1"/>
+          </p:cNvSpPr>
+          <p:nvPr>
+            <p:ph type="sldNum" sz="quarter" idx="5"/>
+          </p:nvPr>
+        </p:nvSpPr>
+        <p:spPr/>
+        <p:txBody>
+          <a:bodyPr/>
+          <a:lstStyle/>
+          <a:p>
+            <a:fld id="{80EA287C-F450-484E-9FD5-FC6D729DAEC8}" type="slidenum">
+              <a:rPr lang="en-RU" smtClean="0"/>
+              <a:t>9</a:t>
+            </a:fld>
+            <a:endParaRPr lang="en-RU"/>
+          </a:p>
+        </p:txBody>
+      </p:sp>
+    </p:spTree>
+    <p:extLst>
+      <p:ext uri="{BB962C8B-B14F-4D97-AF65-F5344CB8AC3E}">
+        <p14:creationId xmlns:p14="http://schemas.microsoft.com/office/powerpoint/2010/main" val="3515192349"/>
       </p:ext>
     </p:extLst>
   </p:cSld>
@@ -1957,7 +2236,7 @@
           <a:p>
             <a:fld id="{45B49B8D-C717-FB40-8C4E-BD086F389FF5}" type="datetime1">
               <a:rPr lang="ru-RU" smtClean="0"/>
-              <a:t>06.03.2024</a:t>
+              <a:t>09.03.2024</a:t>
             </a:fld>
             <a:endParaRPr lang="ru-RU"/>
           </a:p>
@@ -2155,7 +2434,7 @@
           <a:p>
             <a:fld id="{2887790D-FFAC-5F44-A8C4-EC2E2164A3DC}" type="datetime1">
               <a:rPr lang="ru-RU" smtClean="0"/>
-              <a:t>06.03.2024</a:t>
+              <a:t>09.03.2024</a:t>
             </a:fld>
             <a:endParaRPr lang="ru-RU"/>
           </a:p>
@@ -2363,7 +2642,7 @@
           <a:p>
             <a:fld id="{E9A341A0-40B2-AC45-B64F-340B7C88EF7C}" type="datetime1">
               <a:rPr lang="ru-RU" smtClean="0"/>
-              <a:t>06.03.2024</a:t>
+              <a:t>09.03.2024</a:t>
             </a:fld>
             <a:endParaRPr lang="ru-RU"/>
           </a:p>
@@ -2561,7 +2840,7 @@
           <a:p>
             <a:fld id="{944C082E-14C7-0D4D-9FED-8B46EFD1D4D1}" type="datetime1">
               <a:rPr lang="ru-RU" smtClean="0"/>
-              <a:t>06.03.2024</a:t>
+              <a:t>09.03.2024</a:t>
             </a:fld>
             <a:endParaRPr lang="ru-RU"/>
           </a:p>
@@ -2836,7 +3115,7 @@
           <a:p>
             <a:fld id="{4342DB28-D253-F044-923D-BEB262C1D170}" type="datetime1">
               <a:rPr lang="ru-RU" smtClean="0"/>
-              <a:t>06.03.2024</a:t>
+              <a:t>09.03.2024</a:t>
             </a:fld>
             <a:endParaRPr lang="ru-RU"/>
           </a:p>
@@ -3101,7 +3380,7 @@
           <a:p>
             <a:fld id="{26480C6B-99A3-C34E-BFB7-3DDCA6604EB2}" type="datetime1">
               <a:rPr lang="ru-RU" smtClean="0"/>
-              <a:t>06.03.2024</a:t>
+              <a:t>09.03.2024</a:t>
             </a:fld>
             <a:endParaRPr lang="ru-RU"/>
           </a:p>
@@ -3513,7 +3792,7 @@
           <a:p>
             <a:fld id="{E1C928CE-B4EE-8A4B-BED9-37AFD8E01F06}" type="datetime1">
               <a:rPr lang="ru-RU" smtClean="0"/>
-              <a:t>06.03.2024</a:t>
+              <a:t>09.03.2024</a:t>
             </a:fld>
             <a:endParaRPr lang="ru-RU"/>
           </a:p>
@@ -3654,7 +3933,7 @@
           <a:p>
             <a:fld id="{EED985D0-C1B6-374F-A798-32E4D666EDAA}" type="datetime1">
               <a:rPr lang="ru-RU" smtClean="0"/>
-              <a:t>06.03.2024</a:t>
+              <a:t>09.03.2024</a:t>
             </a:fld>
             <a:endParaRPr lang="ru-RU"/>
           </a:p>
@@ -3767,7 +4046,7 @@
           <a:p>
             <a:fld id="{A5A6D0E3-9B84-0E47-A123-FDD2FAE97398}" type="datetime1">
               <a:rPr lang="ru-RU" smtClean="0"/>
-              <a:t>06.03.2024</a:t>
+              <a:t>09.03.2024</a:t>
             </a:fld>
             <a:endParaRPr lang="ru-RU"/>
           </a:p>
@@ -4078,7 +4357,7 @@
           <a:p>
             <a:fld id="{F34C5F5B-25AC-5141-A84C-002BC2E8628D}" type="datetime1">
               <a:rPr lang="ru-RU" smtClean="0"/>
-              <a:t>06.03.2024</a:t>
+              <a:t>09.03.2024</a:t>
             </a:fld>
             <a:endParaRPr lang="ru-RU"/>
           </a:p>
@@ -4366,7 +4645,7 @@
           <a:p>
             <a:fld id="{205038F4-3FD1-5249-8FE0-C3294BD30713}" type="datetime1">
               <a:rPr lang="ru-RU" smtClean="0"/>
-              <a:t>06.03.2024</a:t>
+              <a:t>09.03.2024</a:t>
             </a:fld>
             <a:endParaRPr lang="ru-RU"/>
           </a:p>
@@ -4607,7 +4886,7 @@
           <a:p>
             <a:fld id="{34B87344-6D54-E647-B5A2-7AB5D3AFE719}" type="datetime1">
               <a:rPr lang="ru-RU" smtClean="0"/>
-              <a:t>06.03.2024</a:t>
+              <a:t>09.03.2024</a:t>
             </a:fld>
             <a:endParaRPr lang="ru-RU"/>
           </a:p>
@@ -5285,6 +5564,456 @@
 </p:sld>
 </file>
 
+<file path=ppt/slides/slide10.xml><?xml version="1.0" encoding="utf-8"?>
+<p:sld xmlns:a="http://schemas.openxmlformats.org/drawingml/2006/main" xmlns:r="http://schemas.openxmlformats.org/officeDocument/2006/relationships" xmlns:p="http://schemas.openxmlformats.org/presentationml/2006/main">
+  <p:cSld>
+    <p:spTree>
+      <p:nvGrpSpPr>
+        <p:cNvPr id="1" name=""/>
+        <p:cNvGrpSpPr/>
+        <p:nvPr/>
+      </p:nvGrpSpPr>
+      <p:grpSpPr>
+        <a:xfrm>
+          <a:off x="0" y="0"/>
+          <a:ext cx="0" cy="0"/>
+          <a:chOff x="0" y="0"/>
+          <a:chExt cx="0" cy="0"/>
+        </a:xfrm>
+      </p:grpSpPr>
+      <p:sp>
+        <p:nvSpPr>
+          <p:cNvPr id="5" name="Slide Number Placeholder 4">
+            <a:extLst>
+              <a:ext uri="{FF2B5EF4-FFF2-40B4-BE49-F238E27FC236}">
+                <a16:creationId xmlns:a16="http://schemas.microsoft.com/office/drawing/2014/main" id="{FA23F4B6-34F6-5F49-8575-0B830127F0BA}"/>
+              </a:ext>
+            </a:extLst>
+          </p:cNvPr>
+          <p:cNvSpPr>
+            <a:spLocks noGrp="1"/>
+          </p:cNvSpPr>
+          <p:nvPr>
+            <p:ph type="sldNum" sz="quarter" idx="12"/>
+          </p:nvPr>
+        </p:nvSpPr>
+        <p:spPr/>
+        <p:txBody>
+          <a:bodyPr/>
+          <a:lstStyle/>
+          <a:p>
+            <a:fld id="{018BF65D-6ED2-4CD5-9A43-7F793B06593C}" type="slidenum">
+              <a:rPr lang="ru-RU" smtClean="0"/>
+              <a:t>10</a:t>
+            </a:fld>
+            <a:endParaRPr lang="ru-RU"/>
+          </a:p>
+        </p:txBody>
+      </p:sp>
+      <p:sp>
+        <p:nvSpPr>
+          <p:cNvPr id="7" name="Заголовок 1">
+            <a:extLst>
+              <a:ext uri="{FF2B5EF4-FFF2-40B4-BE49-F238E27FC236}">
+                <a16:creationId xmlns:a16="http://schemas.microsoft.com/office/drawing/2014/main" id="{C97D02F3-B3CF-1A40-992B-3BCE54AEC322}"/>
+              </a:ext>
+            </a:extLst>
+          </p:cNvPr>
+          <p:cNvSpPr txBox="1">
+            <a:spLocks/>
+          </p:cNvSpPr>
+          <p:nvPr/>
+        </p:nvSpPr>
+        <p:spPr>
+          <a:xfrm>
+            <a:off x="-1" y="-16805"/>
+            <a:ext cx="12192001" cy="941202"/>
+          </a:xfrm>
+          <a:prstGeom prst="rect">
+            <a:avLst/>
+          </a:prstGeom>
+          <a:solidFill>
+            <a:schemeClr val="accent3">
+              <a:lumMod val="20000"/>
+              <a:lumOff val="80000"/>
+            </a:schemeClr>
+          </a:solidFill>
+        </p:spPr>
+        <p:txBody>
+          <a:bodyPr vert="horz" lIns="91440" tIns="45720" rIns="91440" bIns="45720" rtlCol="0" anchor="ctr">
+            <a:normAutofit/>
+          </a:bodyPr>
+          <a:lstStyle>
+            <a:lvl1pPr algn="l" defTabSz="914400" rtl="0" eaLnBrk="1" latinLnBrk="0" hangingPunct="1">
+              <a:lnSpc>
+                <a:spcPct val="90000"/>
+              </a:lnSpc>
+              <a:spcBef>
+                <a:spcPct val="0"/>
+              </a:spcBef>
+              <a:buNone/>
+              <a:defRPr sz="4400" kern="1200">
+                <a:solidFill>
+                  <a:schemeClr val="tx1"/>
+                </a:solidFill>
+                <a:latin typeface="+mj-lt"/>
+                <a:ea typeface="+mj-ea"/>
+                <a:cs typeface="+mj-cs"/>
+              </a:defRPr>
+            </a:lvl1pPr>
+          </a:lstStyle>
+          <a:p>
+            <a:r>
+              <a:rPr lang="en-US" b="1" dirty="0">
+                <a:latin typeface="+mn-lt"/>
+              </a:rPr>
+              <a:t>	</a:t>
+            </a:r>
+            <a:r>
+              <a:rPr lang="ru-RU" b="1" dirty="0">
+                <a:latin typeface="+mn-lt"/>
+              </a:rPr>
+              <a:t>Заключение</a:t>
+            </a:r>
+          </a:p>
+        </p:txBody>
+      </p:sp>
+      <p:pic>
+        <p:nvPicPr>
+          <p:cNvPr id="8" name="Picture 7">
+            <a:extLst>
+              <a:ext uri="{FF2B5EF4-FFF2-40B4-BE49-F238E27FC236}">
+                <a16:creationId xmlns:a16="http://schemas.microsoft.com/office/drawing/2014/main" id="{E865F144-5406-EF47-B91B-14B125A33E9F}"/>
+              </a:ext>
+            </a:extLst>
+          </p:cNvPr>
+          <p:cNvPicPr>
+            <a:picLocks noChangeAspect="1"/>
+          </p:cNvPicPr>
+          <p:nvPr/>
+        </p:nvPicPr>
+        <p:blipFill>
+          <a:blip r:embed="rId3">
+            <a:extLst>
+              <a:ext uri="{28A0092B-C50C-407E-A947-70E740481C1C}">
+                <a14:useLocalDpi xmlns:a14="http://schemas.microsoft.com/office/drawing/2010/main" val="0"/>
+              </a:ext>
+            </a:extLst>
+          </a:blip>
+          <a:stretch>
+            <a:fillRect/>
+          </a:stretch>
+        </p:blipFill>
+        <p:spPr>
+          <a:xfrm>
+            <a:off x="83617" y="68686"/>
+            <a:ext cx="811437" cy="792024"/>
+          </a:xfrm>
+          <a:prstGeom prst="rect">
+            <a:avLst/>
+          </a:prstGeom>
+        </p:spPr>
+      </p:pic>
+      <p:pic>
+        <p:nvPicPr>
+          <p:cNvPr id="9" name="Picture 8">
+            <a:extLst>
+              <a:ext uri="{FF2B5EF4-FFF2-40B4-BE49-F238E27FC236}">
+                <a16:creationId xmlns:a16="http://schemas.microsoft.com/office/drawing/2014/main" id="{086CDF8B-5A30-8C4F-B34E-4275A0D98BC9}"/>
+              </a:ext>
+            </a:extLst>
+          </p:cNvPr>
+          <p:cNvPicPr>
+            <a:picLocks noChangeAspect="1"/>
+          </p:cNvPicPr>
+          <p:nvPr/>
+        </p:nvPicPr>
+        <p:blipFill>
+          <a:blip r:embed="rId4">
+            <a:extLst>
+              <a:ext uri="{28A0092B-C50C-407E-A947-70E740481C1C}">
+                <a14:useLocalDpi xmlns:a14="http://schemas.microsoft.com/office/drawing/2010/main" val="0"/>
+              </a:ext>
+            </a:extLst>
+          </a:blip>
+          <a:stretch>
+            <a:fillRect/>
+          </a:stretch>
+        </p:blipFill>
+        <p:spPr>
+          <a:xfrm>
+            <a:off x="11353800" y="37130"/>
+            <a:ext cx="697948" cy="823580"/>
+          </a:xfrm>
+          <a:prstGeom prst="rect">
+            <a:avLst/>
+          </a:prstGeom>
+          <a:effectLst/>
+        </p:spPr>
+      </p:pic>
+      <p:sp>
+        <p:nvSpPr>
+          <p:cNvPr id="4" name="Content Placeholder 3">
+            <a:extLst>
+              <a:ext uri="{FF2B5EF4-FFF2-40B4-BE49-F238E27FC236}">
+                <a16:creationId xmlns:a16="http://schemas.microsoft.com/office/drawing/2014/main" id="{B5864989-CF3D-4AA0-88E2-0C0B8B6D17BC}"/>
+              </a:ext>
+            </a:extLst>
+          </p:cNvPr>
+          <p:cNvSpPr>
+            <a:spLocks noGrp="1"/>
+          </p:cNvSpPr>
+          <p:nvPr>
+            <p:ph idx="1"/>
+          </p:nvPr>
+        </p:nvSpPr>
+        <p:spPr/>
+        <p:txBody>
+          <a:bodyPr/>
+          <a:lstStyle/>
+          <a:p>
+            <a:endParaRPr lang="ru-RU"/>
+          </a:p>
+        </p:txBody>
+      </p:sp>
+    </p:spTree>
+    <p:extLst>
+      <p:ext uri="{BB962C8B-B14F-4D97-AF65-F5344CB8AC3E}">
+        <p14:creationId xmlns:p14="http://schemas.microsoft.com/office/powerpoint/2010/main" val="4066101104"/>
+      </p:ext>
+    </p:extLst>
+  </p:cSld>
+  <p:clrMapOvr>
+    <a:masterClrMapping/>
+  </p:clrMapOvr>
+</p:sld>
+</file>
+
+<file path=ppt/slides/slide11.xml><?xml version="1.0" encoding="utf-8"?>
+<p:sld xmlns:a="http://schemas.openxmlformats.org/drawingml/2006/main" xmlns:r="http://schemas.openxmlformats.org/officeDocument/2006/relationships" xmlns:p="http://schemas.openxmlformats.org/presentationml/2006/main">
+  <p:cSld>
+    <p:spTree>
+      <p:nvGrpSpPr>
+        <p:cNvPr id="1" name=""/>
+        <p:cNvGrpSpPr/>
+        <p:nvPr/>
+      </p:nvGrpSpPr>
+      <p:grpSpPr>
+        <a:xfrm>
+          <a:off x="0" y="0"/>
+          <a:ext cx="0" cy="0"/>
+          <a:chOff x="0" y="0"/>
+          <a:chExt cx="0" cy="0"/>
+        </a:xfrm>
+      </p:grpSpPr>
+      <p:sp>
+        <p:nvSpPr>
+          <p:cNvPr id="5" name="Slide Number Placeholder 4">
+            <a:extLst>
+              <a:ext uri="{FF2B5EF4-FFF2-40B4-BE49-F238E27FC236}">
+                <a16:creationId xmlns:a16="http://schemas.microsoft.com/office/drawing/2014/main" id="{AAE0A73A-0DF3-3A44-813D-3A4A08C1D621}"/>
+              </a:ext>
+            </a:extLst>
+          </p:cNvPr>
+          <p:cNvSpPr>
+            <a:spLocks noGrp="1"/>
+          </p:cNvSpPr>
+          <p:nvPr>
+            <p:ph type="sldNum" sz="quarter" idx="12"/>
+          </p:nvPr>
+        </p:nvSpPr>
+        <p:spPr/>
+        <p:txBody>
+          <a:bodyPr/>
+          <a:lstStyle/>
+          <a:p>
+            <a:fld id="{018BF65D-6ED2-4CD5-9A43-7F793B06593C}" type="slidenum">
+              <a:rPr lang="ru-RU" smtClean="0"/>
+              <a:t>11</a:t>
+            </a:fld>
+            <a:endParaRPr lang="ru-RU"/>
+          </a:p>
+        </p:txBody>
+      </p:sp>
+      <p:sp>
+        <p:nvSpPr>
+          <p:cNvPr id="7" name="Заголовок 1">
+            <a:extLst>
+              <a:ext uri="{FF2B5EF4-FFF2-40B4-BE49-F238E27FC236}">
+                <a16:creationId xmlns:a16="http://schemas.microsoft.com/office/drawing/2014/main" id="{518D549C-931B-2B41-8F20-D12288256AC4}"/>
+              </a:ext>
+            </a:extLst>
+          </p:cNvPr>
+          <p:cNvSpPr txBox="1">
+            <a:spLocks/>
+          </p:cNvSpPr>
+          <p:nvPr/>
+        </p:nvSpPr>
+        <p:spPr>
+          <a:xfrm>
+            <a:off x="-1" y="-16805"/>
+            <a:ext cx="12192001" cy="941202"/>
+          </a:xfrm>
+          <a:prstGeom prst="rect">
+            <a:avLst/>
+          </a:prstGeom>
+          <a:solidFill>
+            <a:schemeClr val="accent3">
+              <a:lumMod val="20000"/>
+              <a:lumOff val="80000"/>
+            </a:schemeClr>
+          </a:solidFill>
+        </p:spPr>
+        <p:txBody>
+          <a:bodyPr vert="horz" lIns="91440" tIns="45720" rIns="91440" bIns="45720" rtlCol="0" anchor="ctr">
+            <a:normAutofit/>
+          </a:bodyPr>
+          <a:lstStyle>
+            <a:lvl1pPr algn="l" defTabSz="914400" rtl="0" eaLnBrk="1" latinLnBrk="0" hangingPunct="1">
+              <a:lnSpc>
+                <a:spcPct val="90000"/>
+              </a:lnSpc>
+              <a:spcBef>
+                <a:spcPct val="0"/>
+              </a:spcBef>
+              <a:buNone/>
+              <a:defRPr sz="4400" kern="1200">
+                <a:solidFill>
+                  <a:schemeClr val="tx1"/>
+                </a:solidFill>
+                <a:latin typeface="+mj-lt"/>
+                <a:ea typeface="+mj-ea"/>
+                <a:cs typeface="+mj-cs"/>
+              </a:defRPr>
+            </a:lvl1pPr>
+          </a:lstStyle>
+          <a:p>
+            <a:r>
+              <a:rPr lang="en-US" b="1" dirty="0">
+                <a:latin typeface="+mn-lt"/>
+              </a:rPr>
+              <a:t>	</a:t>
+            </a:r>
+            <a:r>
+              <a:rPr lang="ru-RU" b="1" dirty="0">
+                <a:latin typeface="+mn-lt"/>
+              </a:rPr>
+              <a:t>Публикации</a:t>
+            </a:r>
+          </a:p>
+        </p:txBody>
+      </p:sp>
+      <p:pic>
+        <p:nvPicPr>
+          <p:cNvPr id="8" name="Picture 7">
+            <a:extLst>
+              <a:ext uri="{FF2B5EF4-FFF2-40B4-BE49-F238E27FC236}">
+                <a16:creationId xmlns:a16="http://schemas.microsoft.com/office/drawing/2014/main" id="{C4B38554-368B-1248-AC91-FEBE5F0B286B}"/>
+              </a:ext>
+            </a:extLst>
+          </p:cNvPr>
+          <p:cNvPicPr>
+            <a:picLocks noChangeAspect="1"/>
+          </p:cNvPicPr>
+          <p:nvPr/>
+        </p:nvPicPr>
+        <p:blipFill>
+          <a:blip r:embed="rId3">
+            <a:extLst>
+              <a:ext uri="{28A0092B-C50C-407E-A947-70E740481C1C}">
+                <a14:useLocalDpi xmlns:a14="http://schemas.microsoft.com/office/drawing/2010/main" val="0"/>
+              </a:ext>
+            </a:extLst>
+          </a:blip>
+          <a:stretch>
+            <a:fillRect/>
+          </a:stretch>
+        </p:blipFill>
+        <p:spPr>
+          <a:xfrm>
+            <a:off x="83617" y="68686"/>
+            <a:ext cx="811437" cy="792024"/>
+          </a:xfrm>
+          <a:prstGeom prst="rect">
+            <a:avLst/>
+          </a:prstGeom>
+        </p:spPr>
+      </p:pic>
+      <p:pic>
+        <p:nvPicPr>
+          <p:cNvPr id="9" name="Picture 8">
+            <a:extLst>
+              <a:ext uri="{FF2B5EF4-FFF2-40B4-BE49-F238E27FC236}">
+                <a16:creationId xmlns:a16="http://schemas.microsoft.com/office/drawing/2014/main" id="{58DCF241-9FDA-E548-AFC7-74FEE1DA11F7}"/>
+              </a:ext>
+            </a:extLst>
+          </p:cNvPr>
+          <p:cNvPicPr>
+            <a:picLocks noChangeAspect="1"/>
+          </p:cNvPicPr>
+          <p:nvPr/>
+        </p:nvPicPr>
+        <p:blipFill>
+          <a:blip r:embed="rId4">
+            <a:extLst>
+              <a:ext uri="{28A0092B-C50C-407E-A947-70E740481C1C}">
+                <a14:useLocalDpi xmlns:a14="http://schemas.microsoft.com/office/drawing/2010/main" val="0"/>
+              </a:ext>
+            </a:extLst>
+          </a:blip>
+          <a:stretch>
+            <a:fillRect/>
+          </a:stretch>
+        </p:blipFill>
+        <p:spPr>
+          <a:xfrm>
+            <a:off x="11353800" y="37130"/>
+            <a:ext cx="697948" cy="823580"/>
+          </a:xfrm>
+          <a:prstGeom prst="rect">
+            <a:avLst/>
+          </a:prstGeom>
+          <a:effectLst/>
+        </p:spPr>
+      </p:pic>
+      <p:sp>
+        <p:nvSpPr>
+          <p:cNvPr id="4" name="Content Placeholder 3">
+            <a:extLst>
+              <a:ext uri="{FF2B5EF4-FFF2-40B4-BE49-F238E27FC236}">
+                <a16:creationId xmlns:a16="http://schemas.microsoft.com/office/drawing/2014/main" id="{3475388A-7D00-477E-B115-BAACE3DFD708}"/>
+              </a:ext>
+            </a:extLst>
+          </p:cNvPr>
+          <p:cNvSpPr>
+            <a:spLocks noGrp="1"/>
+          </p:cNvSpPr>
+          <p:nvPr>
+            <p:ph idx="1"/>
+          </p:nvPr>
+        </p:nvSpPr>
+        <p:spPr/>
+        <p:txBody>
+          <a:bodyPr/>
+          <a:lstStyle/>
+          <a:p>
+            <a:endParaRPr lang="ru-RU"/>
+          </a:p>
+        </p:txBody>
+      </p:sp>
+    </p:spTree>
+    <p:extLst>
+      <p:ext uri="{BB962C8B-B14F-4D97-AF65-F5344CB8AC3E}">
+        <p14:creationId xmlns:p14="http://schemas.microsoft.com/office/powerpoint/2010/main" val="1122155524"/>
+      </p:ext>
+    </p:extLst>
+  </p:cSld>
+  <p:clrMapOvr>
+    <a:masterClrMapping/>
+  </p:clrMapOvr>
+</p:sld>
+</file>
+
 <file path=ppt/slides/slide2.xml><?xml version="1.0" encoding="utf-8"?>
 <p:sld xmlns:a="http://schemas.openxmlformats.org/drawingml/2006/main" xmlns:r="http://schemas.openxmlformats.org/officeDocument/2006/relationships" xmlns:p="http://schemas.openxmlformats.org/presentationml/2006/main">
   <p:cSld>
@@ -5816,7 +6545,7 @@
                 <a:ea typeface="Helvetica Neue" panose="02000503000000020004" pitchFamily="2" charset="0"/>
                 <a:cs typeface="Helvetica Neue" panose="02000503000000020004" pitchFamily="2" charset="0"/>
               </a:rPr>
-              <a:t>Разработка методики сравнения быстродействия современных средств проектирования ПО</a:t>
+              <a:t>Разработка методики исследования быстродействия современных средств проектирования ПО</a:t>
             </a:r>
           </a:p>
           <a:p>
@@ -9007,7 +9736,7 @@
           <p:cNvPr id="5" name="Slide Number Placeholder 4">
             <a:extLst>
               <a:ext uri="{FF2B5EF4-FFF2-40B4-BE49-F238E27FC236}">
-                <a16:creationId xmlns:a16="http://schemas.microsoft.com/office/drawing/2014/main" id="{FA23F4B6-34F6-5F49-8575-0B830127F0BA}"/>
+                <a16:creationId xmlns:a16="http://schemas.microsoft.com/office/drawing/2014/main" id="{3B502563-780D-9A4C-8688-21BD4E6EF31A}"/>
               </a:ext>
             </a:extLst>
           </p:cNvPr>
@@ -9036,7 +9765,7 @@
           <p:cNvPr id="7" name="Заголовок 1">
             <a:extLst>
               <a:ext uri="{FF2B5EF4-FFF2-40B4-BE49-F238E27FC236}">
-                <a16:creationId xmlns:a16="http://schemas.microsoft.com/office/drawing/2014/main" id="{C97D02F3-B3CF-1A40-992B-3BCE54AEC322}"/>
+                <a16:creationId xmlns:a16="http://schemas.microsoft.com/office/drawing/2014/main" id="{5244247D-458B-804E-8660-B8C8BACFDC3F}"/>
               </a:ext>
             </a:extLst>
           </p:cNvPr>
@@ -9091,10 +9820,10 @@
               <a:t>	</a:t>
             </a:r>
             <a:r>
-              <a:rPr lang="ru-RU" b="1" dirty="0">
+              <a:rPr lang="ru-RU" sz="4000" b="1" dirty="0">
                 <a:latin typeface="+mn-lt"/>
               </a:rPr>
-              <a:t>Заключение</a:t>
+              <a:t>Методика исследования быстродействия ЯП</a:t>
             </a:r>
           </a:p>
         </p:txBody>
@@ -9104,7 +9833,7 @@
           <p:cNvPr id="8" name="Picture 7">
             <a:extLst>
               <a:ext uri="{FF2B5EF4-FFF2-40B4-BE49-F238E27FC236}">
-                <a16:creationId xmlns:a16="http://schemas.microsoft.com/office/drawing/2014/main" id="{E865F144-5406-EF47-B91B-14B125A33E9F}"/>
+                <a16:creationId xmlns:a16="http://schemas.microsoft.com/office/drawing/2014/main" id="{E9C1B6FE-0157-D842-B40B-5230337F328B}"/>
               </a:ext>
             </a:extLst>
           </p:cNvPr>
@@ -9140,7 +9869,7 @@
           <p:cNvPr id="9" name="Picture 8">
             <a:extLst>
               <a:ext uri="{FF2B5EF4-FFF2-40B4-BE49-F238E27FC236}">
-                <a16:creationId xmlns:a16="http://schemas.microsoft.com/office/drawing/2014/main" id="{086CDF8B-5A30-8C4F-B34E-4275A0D98BC9}"/>
+                <a16:creationId xmlns:a16="http://schemas.microsoft.com/office/drawing/2014/main" id="{C108A182-E882-F649-9105-60A469C17A4C}"/>
               </a:ext>
             </a:extLst>
           </p:cNvPr>
@@ -9174,10 +9903,10 @@
       </p:pic>
       <p:sp>
         <p:nvSpPr>
-          <p:cNvPr id="4" name="Content Placeholder 3">
-            <a:extLst>
-              <a:ext uri="{FF2B5EF4-FFF2-40B4-BE49-F238E27FC236}">
-                <a16:creationId xmlns:a16="http://schemas.microsoft.com/office/drawing/2014/main" id="{B5864989-CF3D-4AA0-88E2-0C0B8B6D17BC}"/>
+          <p:cNvPr id="10" name="Объект 2">
+            <a:extLst>
+              <a:ext uri="{FF2B5EF4-FFF2-40B4-BE49-F238E27FC236}">
+                <a16:creationId xmlns:a16="http://schemas.microsoft.com/office/drawing/2014/main" id="{80E79F5E-74A1-452D-AB16-BD2296240918}"/>
               </a:ext>
             </a:extLst>
           </p:cNvPr>
@@ -9188,19 +9917,188 @@
             <p:ph idx="1"/>
           </p:nvPr>
         </p:nvSpPr>
-        <p:spPr/>
-        <p:txBody>
-          <a:bodyPr/>
+        <p:spPr>
+          <a:xfrm>
+            <a:off x="489335" y="1373475"/>
+            <a:ext cx="11369040" cy="4838194"/>
+          </a:xfrm>
+        </p:spPr>
+        <p:txBody>
+          <a:bodyPr>
+            <a:noAutofit/>
+          </a:bodyPr>
           <a:lstStyle/>
           <a:p>
-            <a:endParaRPr lang="ru-RU"/>
+            <a:pPr marL="457200" indent="-457200">
+              <a:buFont typeface="+mj-lt"/>
+              <a:buAutoNum type="arabicPeriod"/>
+            </a:pPr>
+            <a:r>
+              <a:rPr lang="ru-RU" sz="2000" dirty="0">
+                <a:latin typeface="Helvetica Neue" panose="02000503000000020004" pitchFamily="2" charset="0"/>
+                <a:ea typeface="Helvetica Neue" panose="02000503000000020004" pitchFamily="2" charset="0"/>
+                <a:cs typeface="Helvetica Neue" panose="02000503000000020004" pitchFamily="2" charset="0"/>
+              </a:rPr>
+              <a:t>Разработка идентичных алгоритмов с использованием базовых синтаксических конструкций ЯП и идентичного интерфейса передачи входных данных</a:t>
+            </a:r>
+          </a:p>
+          <a:p>
+            <a:pPr marL="457200" indent="-457200">
+              <a:buFont typeface="+mj-lt"/>
+              <a:buAutoNum type="arabicPeriod"/>
+            </a:pPr>
+            <a:r>
+              <a:rPr lang="ru-RU" sz="2000" dirty="0">
+                <a:latin typeface="Helvetica Neue" panose="02000503000000020004" pitchFamily="2" charset="0"/>
+                <a:ea typeface="Helvetica Neue" panose="02000503000000020004" pitchFamily="2" charset="0"/>
+                <a:cs typeface="Helvetica Neue" panose="02000503000000020004" pitchFamily="2" charset="0"/>
+              </a:rPr>
+              <a:t>Генерация случайных входных данных в заданных диапазонах</a:t>
+            </a:r>
+          </a:p>
+          <a:p>
+            <a:pPr marL="457200" indent="-457200">
+              <a:buFont typeface="+mj-lt"/>
+              <a:buAutoNum type="arabicPeriod"/>
+            </a:pPr>
+            <a:r>
+              <a:rPr lang="ru-RU" sz="2000" dirty="0">
+                <a:latin typeface="Helvetica Neue" panose="02000503000000020004" pitchFamily="2" charset="0"/>
+                <a:ea typeface="Helvetica Neue" panose="02000503000000020004" pitchFamily="2" charset="0"/>
+                <a:cs typeface="Helvetica Neue" panose="02000503000000020004" pitchFamily="2" charset="0"/>
+              </a:rPr>
+              <a:t>Запуск контейнера с образом ОС и окружением для исследуемых ЯП</a:t>
+            </a:r>
+          </a:p>
+          <a:p>
+            <a:pPr marL="457200" indent="-457200">
+              <a:buFont typeface="+mj-lt"/>
+              <a:buAutoNum type="arabicPeriod"/>
+            </a:pPr>
+            <a:r>
+              <a:rPr lang="ru-RU" sz="2000" dirty="0">
+                <a:latin typeface="Helvetica Neue" panose="02000503000000020004" pitchFamily="2" charset="0"/>
+                <a:ea typeface="Helvetica Neue" panose="02000503000000020004" pitchFamily="2" charset="0"/>
+                <a:cs typeface="Helvetica Neue" panose="02000503000000020004" pitchFamily="2" charset="0"/>
+              </a:rPr>
+              <a:t>Старт отсчета времени</a:t>
+            </a:r>
+          </a:p>
+          <a:p>
+            <a:pPr marL="457200" indent="-457200">
+              <a:buFont typeface="+mj-lt"/>
+              <a:buAutoNum type="arabicPeriod"/>
+            </a:pPr>
+            <a:r>
+              <a:rPr lang="ru-RU" sz="2000" dirty="0">
+                <a:latin typeface="Helvetica Neue" panose="02000503000000020004" pitchFamily="2" charset="0"/>
+                <a:ea typeface="Helvetica Neue" panose="02000503000000020004" pitchFamily="2" charset="0"/>
+                <a:cs typeface="Helvetica Neue" panose="02000503000000020004" pitchFamily="2" charset="0"/>
+              </a:rPr>
+              <a:t>Запуск выполнения алгоритма </a:t>
+            </a:r>
+          </a:p>
+          <a:p>
+            <a:pPr marL="457200" indent="-457200">
+              <a:buFont typeface="+mj-lt"/>
+              <a:buAutoNum type="arabicPeriod"/>
+            </a:pPr>
+            <a:r>
+              <a:rPr lang="ru-RU" sz="2000" dirty="0">
+                <a:latin typeface="Helvetica Neue" panose="02000503000000020004" pitchFamily="2" charset="0"/>
+                <a:ea typeface="Helvetica Neue" panose="02000503000000020004" pitchFamily="2" charset="0"/>
+                <a:cs typeface="Helvetica Neue" panose="02000503000000020004" pitchFamily="2" charset="0"/>
+              </a:rPr>
+              <a:t>Окончание отсчета времени</a:t>
+            </a:r>
+          </a:p>
+          <a:p>
+            <a:pPr marL="457200" indent="-457200">
+              <a:buFont typeface="+mj-lt"/>
+              <a:buAutoNum type="arabicPeriod"/>
+            </a:pPr>
+            <a:r>
+              <a:rPr lang="ru-RU" sz="2000" dirty="0">
+                <a:latin typeface="Helvetica Neue" panose="02000503000000020004" pitchFamily="2" charset="0"/>
+                <a:ea typeface="Helvetica Neue" panose="02000503000000020004" pitchFamily="2" charset="0"/>
+                <a:cs typeface="Helvetica Neue" panose="02000503000000020004" pitchFamily="2" charset="0"/>
+              </a:rPr>
+              <a:t>Сохранение результатов</a:t>
+            </a:r>
+          </a:p>
+          <a:p>
+            <a:pPr marL="457200" indent="-457200">
+              <a:buFont typeface="+mj-lt"/>
+              <a:buAutoNum type="arabicPeriod"/>
+            </a:pPr>
+            <a:r>
+              <a:rPr lang="ru-RU" sz="2000" dirty="0">
+                <a:latin typeface="Helvetica Neue" panose="02000503000000020004" pitchFamily="2" charset="0"/>
+                <a:ea typeface="Helvetica Neue" panose="02000503000000020004" pitchFamily="2" charset="0"/>
+                <a:cs typeface="Helvetica Neue" panose="02000503000000020004" pitchFamily="2" charset="0"/>
+              </a:rPr>
+              <a:t>Повторение пунктов 3 – 7 для других исследуемых ЯП</a:t>
+            </a:r>
+          </a:p>
+          <a:p>
+            <a:pPr marL="457200" indent="-457200">
+              <a:buFont typeface="+mj-lt"/>
+              <a:buAutoNum type="arabicPeriod"/>
+            </a:pPr>
+            <a:r>
+              <a:rPr lang="ru-RU" sz="2000" dirty="0">
+                <a:latin typeface="Helvetica Neue" panose="02000503000000020004" pitchFamily="2" charset="0"/>
+                <a:ea typeface="Helvetica Neue" panose="02000503000000020004" pitchFamily="2" charset="0"/>
+                <a:cs typeface="Helvetica Neue" panose="02000503000000020004" pitchFamily="2" charset="0"/>
+              </a:rPr>
+              <a:t>Повторение пунктов 2 – 8 для заданное количество раз</a:t>
+            </a:r>
+          </a:p>
+          <a:p>
+            <a:pPr marL="457200" indent="-457200">
+              <a:buFont typeface="+mj-lt"/>
+              <a:buAutoNum type="arabicPeriod"/>
+            </a:pPr>
+            <a:r>
+              <a:rPr lang="ru-RU" sz="2000" dirty="0">
+                <a:latin typeface="Helvetica Neue" panose="02000503000000020004" pitchFamily="2" charset="0"/>
+                <a:ea typeface="Helvetica Neue" panose="02000503000000020004" pitchFamily="2" charset="0"/>
+                <a:cs typeface="Helvetica Neue" panose="02000503000000020004" pitchFamily="2" charset="0"/>
+              </a:rPr>
+              <a:t>Вычисление среднего арифметического скорости выполнения для каждого ЯП</a:t>
+            </a:r>
+          </a:p>
+          <a:p>
+            <a:pPr marL="457200" indent="-457200">
+              <a:buFont typeface="+mj-lt"/>
+              <a:buAutoNum type="arabicPeriod"/>
+            </a:pPr>
+            <a:r>
+              <a:rPr lang="ru-RU" sz="2000" dirty="0">
+                <a:latin typeface="Helvetica Neue" panose="02000503000000020004" pitchFamily="2" charset="0"/>
+                <a:ea typeface="Helvetica Neue" panose="02000503000000020004" pitchFamily="2" charset="0"/>
+                <a:cs typeface="Helvetica Neue" panose="02000503000000020004" pitchFamily="2" charset="0"/>
+              </a:rPr>
+              <a:t>Построение графика сравнения быстродействия ЯП</a:t>
+            </a:r>
+          </a:p>
+          <a:p>
+            <a:pPr marL="457200" indent="-457200">
+              <a:buFont typeface="+mj-lt"/>
+              <a:buAutoNum type="arabicPeriod"/>
+            </a:pPr>
+            <a:endParaRPr lang="ru-RU" sz="2000" dirty="0">
+              <a:latin typeface="Helvetica Neue" panose="02000503000000020004" pitchFamily="2" charset="0"/>
+              <a:ea typeface="Helvetica Neue" panose="02000503000000020004" pitchFamily="2" charset="0"/>
+              <a:cs typeface="Helvetica Neue" panose="02000503000000020004" pitchFamily="2" charset="0"/>
+            </a:endParaRPr>
           </a:p>
         </p:txBody>
       </p:sp>
     </p:spTree>
     <p:extLst>
       <p:ext uri="{BB962C8B-B14F-4D97-AF65-F5344CB8AC3E}">
-        <p14:creationId xmlns:p14="http://schemas.microsoft.com/office/powerpoint/2010/main" val="4066101104"/>
+        <p14:creationId xmlns:p14="http://schemas.microsoft.com/office/powerpoint/2010/main" val="3969359721"/>
       </p:ext>
     </p:extLst>
   </p:cSld>
@@ -9232,7 +10130,7 @@
           <p:cNvPr id="5" name="Slide Number Placeholder 4">
             <a:extLst>
               <a:ext uri="{FF2B5EF4-FFF2-40B4-BE49-F238E27FC236}">
-                <a16:creationId xmlns:a16="http://schemas.microsoft.com/office/drawing/2014/main" id="{AAE0A73A-0DF3-3A44-813D-3A4A08C1D621}"/>
+                <a16:creationId xmlns:a16="http://schemas.microsoft.com/office/drawing/2014/main" id="{3B502563-780D-9A4C-8688-21BD4E6EF31A}"/>
               </a:ext>
             </a:extLst>
           </p:cNvPr>
@@ -9261,7 +10159,7 @@
           <p:cNvPr id="7" name="Заголовок 1">
             <a:extLst>
               <a:ext uri="{FF2B5EF4-FFF2-40B4-BE49-F238E27FC236}">
-                <a16:creationId xmlns:a16="http://schemas.microsoft.com/office/drawing/2014/main" id="{518D549C-931B-2B41-8F20-D12288256AC4}"/>
+                <a16:creationId xmlns:a16="http://schemas.microsoft.com/office/drawing/2014/main" id="{5244247D-458B-804E-8660-B8C8BACFDC3F}"/>
               </a:ext>
             </a:extLst>
           </p:cNvPr>
@@ -9316,10 +10214,10 @@
               <a:t>	</a:t>
             </a:r>
             <a:r>
-              <a:rPr lang="ru-RU" b="1" dirty="0">
+              <a:rPr lang="ru-RU" sz="4000" b="1" dirty="0">
                 <a:latin typeface="+mn-lt"/>
               </a:rPr>
-              <a:t>Публикации</a:t>
+              <a:t>Разработка ПО для исследования ЯП</a:t>
             </a:r>
           </a:p>
         </p:txBody>
@@ -9329,7 +10227,7 @@
           <p:cNvPr id="8" name="Picture 7">
             <a:extLst>
               <a:ext uri="{FF2B5EF4-FFF2-40B4-BE49-F238E27FC236}">
-                <a16:creationId xmlns:a16="http://schemas.microsoft.com/office/drawing/2014/main" id="{C4B38554-368B-1248-AC91-FEBE5F0B286B}"/>
+                <a16:creationId xmlns:a16="http://schemas.microsoft.com/office/drawing/2014/main" id="{E9C1B6FE-0157-D842-B40B-5230337F328B}"/>
               </a:ext>
             </a:extLst>
           </p:cNvPr>
@@ -9365,7 +10263,7 @@
           <p:cNvPr id="9" name="Picture 8">
             <a:extLst>
               <a:ext uri="{FF2B5EF4-FFF2-40B4-BE49-F238E27FC236}">
-                <a16:creationId xmlns:a16="http://schemas.microsoft.com/office/drawing/2014/main" id="{58DCF241-9FDA-E548-AFC7-74FEE1DA11F7}"/>
+                <a16:creationId xmlns:a16="http://schemas.microsoft.com/office/drawing/2014/main" id="{C108A182-E882-F649-9105-60A469C17A4C}"/>
               </a:ext>
             </a:extLst>
           </p:cNvPr>
@@ -9399,10 +10297,10 @@
       </p:pic>
       <p:sp>
         <p:nvSpPr>
-          <p:cNvPr id="4" name="Content Placeholder 3">
-            <a:extLst>
-              <a:ext uri="{FF2B5EF4-FFF2-40B4-BE49-F238E27FC236}">
-                <a16:creationId xmlns:a16="http://schemas.microsoft.com/office/drawing/2014/main" id="{3475388A-7D00-477E-B115-BAACE3DFD708}"/>
+          <p:cNvPr id="10" name="Объект 2">
+            <a:extLst>
+              <a:ext uri="{FF2B5EF4-FFF2-40B4-BE49-F238E27FC236}">
+                <a16:creationId xmlns:a16="http://schemas.microsoft.com/office/drawing/2014/main" id="{80E79F5E-74A1-452D-AB16-BD2296240918}"/>
               </a:ext>
             </a:extLst>
           </p:cNvPr>
@@ -9413,19 +10311,303 @@
             <p:ph idx="1"/>
           </p:nvPr>
         </p:nvSpPr>
-        <p:spPr/>
-        <p:txBody>
-          <a:bodyPr/>
+        <p:spPr>
+          <a:xfrm>
+            <a:off x="489335" y="1373475"/>
+            <a:ext cx="11369040" cy="4838194"/>
+          </a:xfrm>
+        </p:spPr>
+        <p:txBody>
+          <a:bodyPr>
+            <a:noAutofit/>
+          </a:bodyPr>
           <a:lstStyle/>
           <a:p>
-            <a:endParaRPr lang="ru-RU"/>
+            <a:pPr marL="0" indent="0">
+              <a:buNone/>
+            </a:pPr>
+            <a:r>
+              <a:rPr lang="ru-RU" sz="2000" dirty="0">
+                <a:latin typeface="Helvetica Neue" panose="02000503000000020004" pitchFamily="2" charset="0"/>
+                <a:ea typeface="Helvetica Neue" panose="02000503000000020004" pitchFamily="2" charset="0"/>
+                <a:cs typeface="Helvetica Neue" panose="02000503000000020004" pitchFamily="2" charset="0"/>
+              </a:rPr>
+              <a:t>Архитектура ПО (</a:t>
+            </a:r>
+            <a:r>
+              <a:rPr lang="en-US" sz="2000" dirty="0">
+                <a:latin typeface="Helvetica Neue" panose="02000503000000020004" pitchFamily="2" charset="0"/>
+                <a:ea typeface="Helvetica Neue" panose="02000503000000020004" pitchFamily="2" charset="0"/>
+                <a:cs typeface="Helvetica Neue" panose="02000503000000020004" pitchFamily="2" charset="0"/>
+              </a:rPr>
+              <a:t>UML </a:t>
+            </a:r>
+            <a:r>
+              <a:rPr lang="ru-RU" sz="2000" dirty="0">
+                <a:latin typeface="Helvetica Neue" panose="02000503000000020004" pitchFamily="2" charset="0"/>
+                <a:ea typeface="Helvetica Neue" panose="02000503000000020004" pitchFamily="2" charset="0"/>
+                <a:cs typeface="Helvetica Neue" panose="02000503000000020004" pitchFamily="2" charset="0"/>
+              </a:rPr>
+              <a:t>или </a:t>
+            </a:r>
+            <a:r>
+              <a:rPr lang="ru-RU" sz="2000" dirty="0" err="1">
+                <a:latin typeface="Helvetica Neue" panose="02000503000000020004" pitchFamily="2" charset="0"/>
+                <a:ea typeface="Helvetica Neue" panose="02000503000000020004" pitchFamily="2" charset="0"/>
+                <a:cs typeface="Helvetica Neue" panose="02000503000000020004" pitchFamily="2" charset="0"/>
+              </a:rPr>
+              <a:t>типо</a:t>
+            </a:r>
+            <a:r>
+              <a:rPr lang="ru-RU" sz="2000" dirty="0">
+                <a:latin typeface="Helvetica Neue" panose="02000503000000020004" pitchFamily="2" charset="0"/>
+                <a:ea typeface="Helvetica Neue" panose="02000503000000020004" pitchFamily="2" charset="0"/>
+                <a:cs typeface="Helvetica Neue" panose="02000503000000020004" pitchFamily="2" charset="0"/>
+              </a:rPr>
+              <a:t> того)</a:t>
+            </a:r>
           </a:p>
         </p:txBody>
       </p:sp>
     </p:spTree>
     <p:extLst>
       <p:ext uri="{BB962C8B-B14F-4D97-AF65-F5344CB8AC3E}">
-        <p14:creationId xmlns:p14="http://schemas.microsoft.com/office/powerpoint/2010/main" val="1122155524"/>
+        <p14:creationId xmlns:p14="http://schemas.microsoft.com/office/powerpoint/2010/main" val="1104872868"/>
+      </p:ext>
+    </p:extLst>
+  </p:cSld>
+  <p:clrMapOvr>
+    <a:masterClrMapping/>
+  </p:clrMapOvr>
+</p:sld>
+</file>
+
+<file path=ppt/slides/slide9.xml><?xml version="1.0" encoding="utf-8"?>
+<p:sld xmlns:a="http://schemas.openxmlformats.org/drawingml/2006/main" xmlns:r="http://schemas.openxmlformats.org/officeDocument/2006/relationships" xmlns:p="http://schemas.openxmlformats.org/presentationml/2006/main">
+  <p:cSld>
+    <p:spTree>
+      <p:nvGrpSpPr>
+        <p:cNvPr id="1" name=""/>
+        <p:cNvGrpSpPr/>
+        <p:nvPr/>
+      </p:nvGrpSpPr>
+      <p:grpSpPr>
+        <a:xfrm>
+          <a:off x="0" y="0"/>
+          <a:ext cx="0" cy="0"/>
+          <a:chOff x="0" y="0"/>
+          <a:chExt cx="0" cy="0"/>
+        </a:xfrm>
+      </p:grpSpPr>
+      <p:sp>
+        <p:nvSpPr>
+          <p:cNvPr id="5" name="Slide Number Placeholder 4">
+            <a:extLst>
+              <a:ext uri="{FF2B5EF4-FFF2-40B4-BE49-F238E27FC236}">
+                <a16:creationId xmlns:a16="http://schemas.microsoft.com/office/drawing/2014/main" id="{3B502563-780D-9A4C-8688-21BD4E6EF31A}"/>
+              </a:ext>
+            </a:extLst>
+          </p:cNvPr>
+          <p:cNvSpPr>
+            <a:spLocks noGrp="1"/>
+          </p:cNvSpPr>
+          <p:nvPr>
+            <p:ph type="sldNum" sz="quarter" idx="12"/>
+          </p:nvPr>
+        </p:nvSpPr>
+        <p:spPr/>
+        <p:txBody>
+          <a:bodyPr/>
+          <a:lstStyle/>
+          <a:p>
+            <a:fld id="{018BF65D-6ED2-4CD5-9A43-7F793B06593C}" type="slidenum">
+              <a:rPr lang="ru-RU" smtClean="0"/>
+              <a:t>9</a:t>
+            </a:fld>
+            <a:endParaRPr lang="ru-RU"/>
+          </a:p>
+        </p:txBody>
+      </p:sp>
+      <p:sp>
+        <p:nvSpPr>
+          <p:cNvPr id="7" name="Заголовок 1">
+            <a:extLst>
+              <a:ext uri="{FF2B5EF4-FFF2-40B4-BE49-F238E27FC236}">
+                <a16:creationId xmlns:a16="http://schemas.microsoft.com/office/drawing/2014/main" id="{5244247D-458B-804E-8660-B8C8BACFDC3F}"/>
+              </a:ext>
+            </a:extLst>
+          </p:cNvPr>
+          <p:cNvSpPr txBox="1">
+            <a:spLocks/>
+          </p:cNvSpPr>
+          <p:nvPr/>
+        </p:nvSpPr>
+        <p:spPr>
+          <a:xfrm>
+            <a:off x="-1" y="-16805"/>
+            <a:ext cx="12192001" cy="941202"/>
+          </a:xfrm>
+          <a:prstGeom prst="rect">
+            <a:avLst/>
+          </a:prstGeom>
+          <a:solidFill>
+            <a:schemeClr val="accent3">
+              <a:lumMod val="20000"/>
+              <a:lumOff val="80000"/>
+            </a:schemeClr>
+          </a:solidFill>
+        </p:spPr>
+        <p:txBody>
+          <a:bodyPr vert="horz" lIns="91440" tIns="45720" rIns="91440" bIns="45720" rtlCol="0" anchor="ctr">
+            <a:normAutofit/>
+          </a:bodyPr>
+          <a:lstStyle>
+            <a:lvl1pPr algn="l" defTabSz="914400" rtl="0" eaLnBrk="1" latinLnBrk="0" hangingPunct="1">
+              <a:lnSpc>
+                <a:spcPct val="90000"/>
+              </a:lnSpc>
+              <a:spcBef>
+                <a:spcPct val="0"/>
+              </a:spcBef>
+              <a:buNone/>
+              <a:defRPr sz="4400" kern="1200">
+                <a:solidFill>
+                  <a:schemeClr val="tx1"/>
+                </a:solidFill>
+                <a:latin typeface="+mj-lt"/>
+                <a:ea typeface="+mj-ea"/>
+                <a:cs typeface="+mj-cs"/>
+              </a:defRPr>
+            </a:lvl1pPr>
+          </a:lstStyle>
+          <a:p>
+            <a:r>
+              <a:rPr lang="en-US" b="1" dirty="0">
+                <a:latin typeface="+mn-lt"/>
+              </a:rPr>
+              <a:t>	</a:t>
+            </a:r>
+            <a:r>
+              <a:rPr lang="ru-RU" sz="4000" b="1" dirty="0">
+                <a:latin typeface="+mn-lt"/>
+              </a:rPr>
+              <a:t>Блок схема алгоритма ПО</a:t>
+            </a:r>
+          </a:p>
+        </p:txBody>
+      </p:sp>
+      <p:pic>
+        <p:nvPicPr>
+          <p:cNvPr id="8" name="Picture 7">
+            <a:extLst>
+              <a:ext uri="{FF2B5EF4-FFF2-40B4-BE49-F238E27FC236}">
+                <a16:creationId xmlns:a16="http://schemas.microsoft.com/office/drawing/2014/main" id="{E9C1B6FE-0157-D842-B40B-5230337F328B}"/>
+              </a:ext>
+            </a:extLst>
+          </p:cNvPr>
+          <p:cNvPicPr>
+            <a:picLocks noChangeAspect="1"/>
+          </p:cNvPicPr>
+          <p:nvPr/>
+        </p:nvPicPr>
+        <p:blipFill>
+          <a:blip r:embed="rId3">
+            <a:extLst>
+              <a:ext uri="{28A0092B-C50C-407E-A947-70E740481C1C}">
+                <a14:useLocalDpi xmlns:a14="http://schemas.microsoft.com/office/drawing/2010/main" val="0"/>
+              </a:ext>
+            </a:extLst>
+          </a:blip>
+          <a:stretch>
+            <a:fillRect/>
+          </a:stretch>
+        </p:blipFill>
+        <p:spPr>
+          <a:xfrm>
+            <a:off x="83617" y="68686"/>
+            <a:ext cx="811437" cy="792024"/>
+          </a:xfrm>
+          <a:prstGeom prst="rect">
+            <a:avLst/>
+          </a:prstGeom>
+        </p:spPr>
+      </p:pic>
+      <p:pic>
+        <p:nvPicPr>
+          <p:cNvPr id="9" name="Picture 8">
+            <a:extLst>
+              <a:ext uri="{FF2B5EF4-FFF2-40B4-BE49-F238E27FC236}">
+                <a16:creationId xmlns:a16="http://schemas.microsoft.com/office/drawing/2014/main" id="{C108A182-E882-F649-9105-60A469C17A4C}"/>
+              </a:ext>
+            </a:extLst>
+          </p:cNvPr>
+          <p:cNvPicPr>
+            <a:picLocks noChangeAspect="1"/>
+          </p:cNvPicPr>
+          <p:nvPr/>
+        </p:nvPicPr>
+        <p:blipFill>
+          <a:blip r:embed="rId4">
+            <a:extLst>
+              <a:ext uri="{28A0092B-C50C-407E-A947-70E740481C1C}">
+                <a14:useLocalDpi xmlns:a14="http://schemas.microsoft.com/office/drawing/2010/main" val="0"/>
+              </a:ext>
+            </a:extLst>
+          </a:blip>
+          <a:stretch>
+            <a:fillRect/>
+          </a:stretch>
+        </p:blipFill>
+        <p:spPr>
+          <a:xfrm>
+            <a:off x="11353800" y="37130"/>
+            <a:ext cx="697948" cy="823580"/>
+          </a:xfrm>
+          <a:prstGeom prst="rect">
+            <a:avLst/>
+          </a:prstGeom>
+          <a:effectLst/>
+        </p:spPr>
+      </p:pic>
+      <p:pic>
+        <p:nvPicPr>
+          <p:cNvPr id="14" name="Content Placeholder 13">
+            <a:extLst>
+              <a:ext uri="{FF2B5EF4-FFF2-40B4-BE49-F238E27FC236}">
+                <a16:creationId xmlns:a16="http://schemas.microsoft.com/office/drawing/2014/main" id="{02B398EE-82B3-4B17-8F7B-01A74A7687D2}"/>
+              </a:ext>
+            </a:extLst>
+          </p:cNvPr>
+          <p:cNvPicPr>
+            <a:picLocks noGrp="1" noChangeAspect="1"/>
+          </p:cNvPicPr>
+          <p:nvPr>
+            <p:ph idx="1"/>
+          </p:nvPr>
+        </p:nvPicPr>
+        <p:blipFill>
+          <a:blip r:embed="rId5">
+            <a:extLst>
+              <a:ext uri="{28A0092B-C50C-407E-A947-70E740481C1C}">
+                <a14:useLocalDpi xmlns:a14="http://schemas.microsoft.com/office/drawing/2010/main" val="0"/>
+              </a:ext>
+            </a:extLst>
+          </a:blip>
+          <a:stretch>
+            <a:fillRect/>
+          </a:stretch>
+        </p:blipFill>
+        <p:spPr>
+          <a:xfrm>
+            <a:off x="2142930" y="1066267"/>
+            <a:ext cx="7906139" cy="5615735"/>
+          </a:xfrm>
+        </p:spPr>
+      </p:pic>
+    </p:spTree>
+    <p:extLst>
+      <p:ext uri="{BB962C8B-B14F-4D97-AF65-F5344CB8AC3E}">
+        <p14:creationId xmlns:p14="http://schemas.microsoft.com/office/powerpoint/2010/main" val="3051840620"/>
       </p:ext>
     </p:extLst>
   </p:cSld>

--- a/docs/presentation/presentation.pptx
+++ b/docs/presentation/presentation.pptx
@@ -10295,80 +10295,41 @@
           <a:effectLst/>
         </p:spPr>
       </p:pic>
-      <p:sp>
-        <p:nvSpPr>
-          <p:cNvPr id="10" name="Объект 2">
-            <a:extLst>
-              <a:ext uri="{FF2B5EF4-FFF2-40B4-BE49-F238E27FC236}">
-                <a16:creationId xmlns:a16="http://schemas.microsoft.com/office/drawing/2014/main" id="{80E79F5E-74A1-452D-AB16-BD2296240918}"/>
-              </a:ext>
-            </a:extLst>
-          </p:cNvPr>
-          <p:cNvSpPr>
-            <a:spLocks noGrp="1"/>
-          </p:cNvSpPr>
+      <p:pic>
+        <p:nvPicPr>
+          <p:cNvPr id="18" name="Content Placeholder 17">
+            <a:extLst>
+              <a:ext uri="{FF2B5EF4-FFF2-40B4-BE49-F238E27FC236}">
+                <a16:creationId xmlns:a16="http://schemas.microsoft.com/office/drawing/2014/main" id="{E0B9D570-6731-44BB-AC1E-9D7F60B6DAFA}"/>
+              </a:ext>
+            </a:extLst>
+          </p:cNvPr>
+          <p:cNvPicPr>
+            <a:picLocks noGrp="1" noChangeAspect="1"/>
+          </p:cNvPicPr>
           <p:nvPr>
             <p:ph idx="1"/>
           </p:nvPr>
-        </p:nvSpPr>
+        </p:nvPicPr>
+        <p:blipFill>
+          <a:blip r:embed="rId5">
+            <a:extLst>
+              <a:ext uri="{28A0092B-C50C-407E-A947-70E740481C1C}">
+                <a14:useLocalDpi xmlns:a14="http://schemas.microsoft.com/office/drawing/2010/main" val="0"/>
+              </a:ext>
+            </a:extLst>
+          </a:blip>
+          <a:stretch>
+            <a:fillRect/>
+          </a:stretch>
+        </p:blipFill>
         <p:spPr>
           <a:xfrm>
-            <a:off x="489335" y="1373475"/>
-            <a:ext cx="11369040" cy="4838194"/>
+            <a:off x="274545" y="2108859"/>
+            <a:ext cx="11642910" cy="3377542"/>
           </a:xfrm>
         </p:spPr>
-        <p:txBody>
-          <a:bodyPr>
-            <a:noAutofit/>
-          </a:bodyPr>
-          <a:lstStyle/>
-          <a:p>
-            <a:pPr marL="0" indent="0">
-              <a:buNone/>
-            </a:pPr>
-            <a:r>
-              <a:rPr lang="ru-RU" sz="2000" dirty="0">
-                <a:latin typeface="Helvetica Neue" panose="02000503000000020004" pitchFamily="2" charset="0"/>
-                <a:ea typeface="Helvetica Neue" panose="02000503000000020004" pitchFamily="2" charset="0"/>
-                <a:cs typeface="Helvetica Neue" panose="02000503000000020004" pitchFamily="2" charset="0"/>
-              </a:rPr>
-              <a:t>Архитектура ПО (</a:t>
-            </a:r>
-            <a:r>
-              <a:rPr lang="en-US" sz="2000" dirty="0">
-                <a:latin typeface="Helvetica Neue" panose="02000503000000020004" pitchFamily="2" charset="0"/>
-                <a:ea typeface="Helvetica Neue" panose="02000503000000020004" pitchFamily="2" charset="0"/>
-                <a:cs typeface="Helvetica Neue" panose="02000503000000020004" pitchFamily="2" charset="0"/>
-              </a:rPr>
-              <a:t>UML </a:t>
-            </a:r>
-            <a:r>
-              <a:rPr lang="ru-RU" sz="2000" dirty="0">
-                <a:latin typeface="Helvetica Neue" panose="02000503000000020004" pitchFamily="2" charset="0"/>
-                <a:ea typeface="Helvetica Neue" panose="02000503000000020004" pitchFamily="2" charset="0"/>
-                <a:cs typeface="Helvetica Neue" panose="02000503000000020004" pitchFamily="2" charset="0"/>
-              </a:rPr>
-              <a:t>или </a:t>
-            </a:r>
-            <a:r>
-              <a:rPr lang="ru-RU" sz="2000" dirty="0" err="1">
-                <a:latin typeface="Helvetica Neue" panose="02000503000000020004" pitchFamily="2" charset="0"/>
-                <a:ea typeface="Helvetica Neue" panose="02000503000000020004" pitchFamily="2" charset="0"/>
-                <a:cs typeface="Helvetica Neue" panose="02000503000000020004" pitchFamily="2" charset="0"/>
-              </a:rPr>
-              <a:t>типо</a:t>
-            </a:r>
-            <a:r>
-              <a:rPr lang="ru-RU" sz="2000" dirty="0">
-                <a:latin typeface="Helvetica Neue" panose="02000503000000020004" pitchFamily="2" charset="0"/>
-                <a:ea typeface="Helvetica Neue" panose="02000503000000020004" pitchFamily="2" charset="0"/>
-                <a:cs typeface="Helvetica Neue" panose="02000503000000020004" pitchFamily="2" charset="0"/>
-              </a:rPr>
-              <a:t> того)</a:t>
-            </a:r>
-          </a:p>
-        </p:txBody>
-      </p:sp>
+      </p:pic>
     </p:spTree>
     <p:extLst>
       <p:ext uri="{BB962C8B-B14F-4D97-AF65-F5344CB8AC3E}">

--- a/docs/presentation/presentation.pptx
+++ b/docs/presentation/presentation.pptx
@@ -5,10 +5,10 @@
     <p:sldMasterId id="2147483648" r:id="rId1"/>
   </p:sldMasterIdLst>
   <p:notesMasterIdLst>
-    <p:notesMasterId r:id="rId13"/>
+    <p:notesMasterId r:id="rId14"/>
   </p:notesMasterIdLst>
   <p:handoutMasterIdLst>
-    <p:handoutMasterId r:id="rId14"/>
+    <p:handoutMasterId r:id="rId15"/>
   </p:handoutMasterIdLst>
   <p:sldIdLst>
     <p:sldId id="256" r:id="rId2"/>
@@ -20,8 +20,9 @@
     <p:sldId id="297" r:id="rId8"/>
     <p:sldId id="298" r:id="rId9"/>
     <p:sldId id="299" r:id="rId10"/>
-    <p:sldId id="267" r:id="rId11"/>
-    <p:sldId id="268" r:id="rId12"/>
+    <p:sldId id="300" r:id="rId11"/>
+    <p:sldId id="267" r:id="rId12"/>
+    <p:sldId id="268" r:id="rId13"/>
   </p:sldIdLst>
   <p:sldSz cx="12192000" cy="6858000"/>
   <p:notesSz cx="6858000" cy="9144000"/>
@@ -932,7 +933,15 @@
           <a:bodyPr/>
           <a:lstStyle/>
           <a:p>
-            <a:endParaRPr lang="en-RU" dirty="0"/>
+            <a:endParaRPr lang="en-RU" sz="1200" kern="1200" dirty="0">
+              <a:solidFill>
+                <a:schemeClr val="tx1"/>
+              </a:solidFill>
+              <a:effectLst/>
+              <a:latin typeface="+mn-lt"/>
+              <a:ea typeface="+mn-ea"/>
+              <a:cs typeface="+mn-cs"/>
+            </a:endParaRPr>
           </a:p>
         </p:txBody>
       </p:sp>
@@ -962,7 +971,7 @@
     </p:spTree>
     <p:extLst>
       <p:ext uri="{BB962C8B-B14F-4D97-AF65-F5344CB8AC3E}">
-        <p14:creationId xmlns:p14="http://schemas.microsoft.com/office/powerpoint/2010/main" val="2480852342"/>
+        <p14:creationId xmlns:p14="http://schemas.microsoft.com/office/powerpoint/2010/main" val="2355718608"/>
       </p:ext>
     </p:extLst>
   </p:cSld>
@@ -1016,6 +1025,90 @@
           <a:bodyPr/>
           <a:lstStyle/>
           <a:p>
+            <a:endParaRPr lang="en-RU" dirty="0"/>
+          </a:p>
+        </p:txBody>
+      </p:sp>
+      <p:sp>
+        <p:nvSpPr>
+          <p:cNvPr id="4" name="Slide Number Placeholder 3"/>
+          <p:cNvSpPr>
+            <a:spLocks noGrp="1"/>
+          </p:cNvSpPr>
+          <p:nvPr>
+            <p:ph type="sldNum" sz="quarter" idx="5"/>
+          </p:nvPr>
+        </p:nvSpPr>
+        <p:spPr/>
+        <p:txBody>
+          <a:bodyPr/>
+          <a:lstStyle/>
+          <a:p>
+            <a:fld id="{80EA287C-F450-484E-9FD5-FC6D729DAEC8}" type="slidenum">
+              <a:rPr lang="en-RU" smtClean="0"/>
+              <a:t>11</a:t>
+            </a:fld>
+            <a:endParaRPr lang="en-RU"/>
+          </a:p>
+        </p:txBody>
+      </p:sp>
+    </p:spTree>
+    <p:extLst>
+      <p:ext uri="{BB962C8B-B14F-4D97-AF65-F5344CB8AC3E}">
+        <p14:creationId xmlns:p14="http://schemas.microsoft.com/office/powerpoint/2010/main" val="2480852342"/>
+      </p:ext>
+    </p:extLst>
+  </p:cSld>
+  <p:clrMapOvr>
+    <a:masterClrMapping/>
+  </p:clrMapOvr>
+</p:notes>
+</file>
+
+<file path=ppt/notesSlides/notesSlide12.xml><?xml version="1.0" encoding="utf-8"?>
+<p:notes xmlns:a="http://schemas.openxmlformats.org/drawingml/2006/main" xmlns:r="http://schemas.openxmlformats.org/officeDocument/2006/relationships" xmlns:p="http://schemas.openxmlformats.org/presentationml/2006/main">
+  <p:cSld>
+    <p:spTree>
+      <p:nvGrpSpPr>
+        <p:cNvPr id="1" name=""/>
+        <p:cNvGrpSpPr/>
+        <p:nvPr/>
+      </p:nvGrpSpPr>
+      <p:grpSpPr>
+        <a:xfrm>
+          <a:off x="0" y="0"/>
+          <a:ext cx="0" cy="0"/>
+          <a:chOff x="0" y="0"/>
+          <a:chExt cx="0" cy="0"/>
+        </a:xfrm>
+      </p:grpSpPr>
+      <p:sp>
+        <p:nvSpPr>
+          <p:cNvPr id="2" name="Slide Image Placeholder 1"/>
+          <p:cNvSpPr>
+            <a:spLocks noGrp="1" noRot="1" noChangeAspect="1"/>
+          </p:cNvSpPr>
+          <p:nvPr>
+            <p:ph type="sldImg"/>
+          </p:nvPr>
+        </p:nvSpPr>
+        <p:spPr/>
+      </p:sp>
+      <p:sp>
+        <p:nvSpPr>
+          <p:cNvPr id="3" name="Notes Placeholder 2"/>
+          <p:cNvSpPr>
+            <a:spLocks noGrp="1"/>
+          </p:cNvSpPr>
+          <p:nvPr>
+            <p:ph type="body" idx="1"/>
+          </p:nvPr>
+        </p:nvSpPr>
+        <p:spPr/>
+        <p:txBody>
+          <a:bodyPr/>
+          <a:lstStyle/>
+          <a:p>
             <a:endParaRPr lang="en-RU" sz="1200" kern="1200" dirty="0">
               <a:solidFill>
                 <a:schemeClr val="tx1"/>
@@ -1045,7 +1138,7 @@
           <a:p>
             <a:fld id="{80EA287C-F450-484E-9FD5-FC6D729DAEC8}" type="slidenum">
               <a:rPr lang="en-RU" smtClean="0"/>
-              <a:t>11</a:t>
+              <a:t>12</a:t>
             </a:fld>
             <a:endParaRPr lang="en-RU"/>
           </a:p>
@@ -5586,7 +5679,7 @@
           <p:cNvPr id="5" name="Slide Number Placeholder 4">
             <a:extLst>
               <a:ext uri="{FF2B5EF4-FFF2-40B4-BE49-F238E27FC236}">
-                <a16:creationId xmlns:a16="http://schemas.microsoft.com/office/drawing/2014/main" id="{FA23F4B6-34F6-5F49-8575-0B830127F0BA}"/>
+                <a16:creationId xmlns:a16="http://schemas.microsoft.com/office/drawing/2014/main" id="{3B502563-780D-9A4C-8688-21BD4E6EF31A}"/>
               </a:ext>
             </a:extLst>
           </p:cNvPr>
@@ -5615,7 +5708,7 @@
           <p:cNvPr id="7" name="Заголовок 1">
             <a:extLst>
               <a:ext uri="{FF2B5EF4-FFF2-40B4-BE49-F238E27FC236}">
-                <a16:creationId xmlns:a16="http://schemas.microsoft.com/office/drawing/2014/main" id="{C97D02F3-B3CF-1A40-992B-3BCE54AEC322}"/>
+                <a16:creationId xmlns:a16="http://schemas.microsoft.com/office/drawing/2014/main" id="{5244247D-458B-804E-8660-B8C8BACFDC3F}"/>
               </a:ext>
             </a:extLst>
           </p:cNvPr>
@@ -5664,16 +5757,16 @@
           </a:lstStyle>
           <a:p>
             <a:r>
-              <a:rPr lang="en-US" b="1" dirty="0">
+              <a:rPr lang="en-US" sz="4000" b="1" dirty="0">
                 <a:latin typeface="+mn-lt"/>
               </a:rPr>
               <a:t>	</a:t>
             </a:r>
             <a:r>
-              <a:rPr lang="ru-RU" b="1" dirty="0">
+              <a:rPr lang="ru-RU" sz="3600" b="1" dirty="0">
                 <a:latin typeface="+mn-lt"/>
               </a:rPr>
-              <a:t>Заключение</a:t>
+              <a:t>Иерархический дескриптор конфигурации тестов</a:t>
             </a:r>
           </a:p>
         </p:txBody>
@@ -5683,7 +5776,7 @@
           <p:cNvPr id="8" name="Picture 7">
             <a:extLst>
               <a:ext uri="{FF2B5EF4-FFF2-40B4-BE49-F238E27FC236}">
-                <a16:creationId xmlns:a16="http://schemas.microsoft.com/office/drawing/2014/main" id="{E865F144-5406-EF47-B91B-14B125A33E9F}"/>
+                <a16:creationId xmlns:a16="http://schemas.microsoft.com/office/drawing/2014/main" id="{E9C1B6FE-0157-D842-B40B-5230337F328B}"/>
               </a:ext>
             </a:extLst>
           </p:cNvPr>
@@ -5719,7 +5812,7 @@
           <p:cNvPr id="9" name="Picture 8">
             <a:extLst>
               <a:ext uri="{FF2B5EF4-FFF2-40B4-BE49-F238E27FC236}">
-                <a16:creationId xmlns:a16="http://schemas.microsoft.com/office/drawing/2014/main" id="{086CDF8B-5A30-8C4F-B34E-4275A0D98BC9}"/>
+                <a16:creationId xmlns:a16="http://schemas.microsoft.com/office/drawing/2014/main" id="{C108A182-E882-F649-9105-60A469C17A4C}"/>
               </a:ext>
             </a:extLst>
           </p:cNvPr>
@@ -5751,35 +5844,10 @@
           <a:effectLst/>
         </p:spPr>
       </p:pic>
-      <p:sp>
-        <p:nvSpPr>
-          <p:cNvPr id="4" name="Content Placeholder 3">
-            <a:extLst>
-              <a:ext uri="{FF2B5EF4-FFF2-40B4-BE49-F238E27FC236}">
-                <a16:creationId xmlns:a16="http://schemas.microsoft.com/office/drawing/2014/main" id="{B5864989-CF3D-4AA0-88E2-0C0B8B6D17BC}"/>
-              </a:ext>
-            </a:extLst>
-          </p:cNvPr>
-          <p:cNvSpPr>
-            <a:spLocks noGrp="1"/>
-          </p:cNvSpPr>
-          <p:nvPr>
-            <p:ph idx="1"/>
-          </p:nvPr>
-        </p:nvSpPr>
-        <p:spPr/>
-        <p:txBody>
-          <a:bodyPr/>
-          <a:lstStyle/>
-          <a:p>
-            <a:endParaRPr lang="ru-RU"/>
-          </a:p>
-        </p:txBody>
-      </p:sp>
     </p:spTree>
     <p:extLst>
       <p:ext uri="{BB962C8B-B14F-4D97-AF65-F5344CB8AC3E}">
-        <p14:creationId xmlns:p14="http://schemas.microsoft.com/office/powerpoint/2010/main" val="4066101104"/>
+        <p14:creationId xmlns:p14="http://schemas.microsoft.com/office/powerpoint/2010/main" val="797071433"/>
       </p:ext>
     </p:extLst>
   </p:cSld>
@@ -5811,7 +5879,7 @@
           <p:cNvPr id="5" name="Slide Number Placeholder 4">
             <a:extLst>
               <a:ext uri="{FF2B5EF4-FFF2-40B4-BE49-F238E27FC236}">
-                <a16:creationId xmlns:a16="http://schemas.microsoft.com/office/drawing/2014/main" id="{AAE0A73A-0DF3-3A44-813D-3A4A08C1D621}"/>
+                <a16:creationId xmlns:a16="http://schemas.microsoft.com/office/drawing/2014/main" id="{FA23F4B6-34F6-5F49-8575-0B830127F0BA}"/>
               </a:ext>
             </a:extLst>
           </p:cNvPr>
@@ -5830,6 +5898,231 @@
             <a:fld id="{018BF65D-6ED2-4CD5-9A43-7F793B06593C}" type="slidenum">
               <a:rPr lang="ru-RU" smtClean="0"/>
               <a:t>11</a:t>
+            </a:fld>
+            <a:endParaRPr lang="ru-RU"/>
+          </a:p>
+        </p:txBody>
+      </p:sp>
+      <p:sp>
+        <p:nvSpPr>
+          <p:cNvPr id="7" name="Заголовок 1">
+            <a:extLst>
+              <a:ext uri="{FF2B5EF4-FFF2-40B4-BE49-F238E27FC236}">
+                <a16:creationId xmlns:a16="http://schemas.microsoft.com/office/drawing/2014/main" id="{C97D02F3-B3CF-1A40-992B-3BCE54AEC322}"/>
+              </a:ext>
+            </a:extLst>
+          </p:cNvPr>
+          <p:cNvSpPr txBox="1">
+            <a:spLocks/>
+          </p:cNvSpPr>
+          <p:nvPr/>
+        </p:nvSpPr>
+        <p:spPr>
+          <a:xfrm>
+            <a:off x="-1" y="-16805"/>
+            <a:ext cx="12192001" cy="941202"/>
+          </a:xfrm>
+          <a:prstGeom prst="rect">
+            <a:avLst/>
+          </a:prstGeom>
+          <a:solidFill>
+            <a:schemeClr val="accent3">
+              <a:lumMod val="20000"/>
+              <a:lumOff val="80000"/>
+            </a:schemeClr>
+          </a:solidFill>
+        </p:spPr>
+        <p:txBody>
+          <a:bodyPr vert="horz" lIns="91440" tIns="45720" rIns="91440" bIns="45720" rtlCol="0" anchor="ctr">
+            <a:normAutofit/>
+          </a:bodyPr>
+          <a:lstStyle>
+            <a:lvl1pPr algn="l" defTabSz="914400" rtl="0" eaLnBrk="1" latinLnBrk="0" hangingPunct="1">
+              <a:lnSpc>
+                <a:spcPct val="90000"/>
+              </a:lnSpc>
+              <a:spcBef>
+                <a:spcPct val="0"/>
+              </a:spcBef>
+              <a:buNone/>
+              <a:defRPr sz="4400" kern="1200">
+                <a:solidFill>
+                  <a:schemeClr val="tx1"/>
+                </a:solidFill>
+                <a:latin typeface="+mj-lt"/>
+                <a:ea typeface="+mj-ea"/>
+                <a:cs typeface="+mj-cs"/>
+              </a:defRPr>
+            </a:lvl1pPr>
+          </a:lstStyle>
+          <a:p>
+            <a:r>
+              <a:rPr lang="en-US" b="1" dirty="0">
+                <a:latin typeface="+mn-lt"/>
+              </a:rPr>
+              <a:t>	</a:t>
+            </a:r>
+            <a:r>
+              <a:rPr lang="ru-RU" b="1" dirty="0">
+                <a:latin typeface="+mn-lt"/>
+              </a:rPr>
+              <a:t>Заключение</a:t>
+            </a:r>
+          </a:p>
+        </p:txBody>
+      </p:sp>
+      <p:pic>
+        <p:nvPicPr>
+          <p:cNvPr id="8" name="Picture 7">
+            <a:extLst>
+              <a:ext uri="{FF2B5EF4-FFF2-40B4-BE49-F238E27FC236}">
+                <a16:creationId xmlns:a16="http://schemas.microsoft.com/office/drawing/2014/main" id="{E865F144-5406-EF47-B91B-14B125A33E9F}"/>
+              </a:ext>
+            </a:extLst>
+          </p:cNvPr>
+          <p:cNvPicPr>
+            <a:picLocks noChangeAspect="1"/>
+          </p:cNvPicPr>
+          <p:nvPr/>
+        </p:nvPicPr>
+        <p:blipFill>
+          <a:blip r:embed="rId3">
+            <a:extLst>
+              <a:ext uri="{28A0092B-C50C-407E-A947-70E740481C1C}">
+                <a14:useLocalDpi xmlns:a14="http://schemas.microsoft.com/office/drawing/2010/main" val="0"/>
+              </a:ext>
+            </a:extLst>
+          </a:blip>
+          <a:stretch>
+            <a:fillRect/>
+          </a:stretch>
+        </p:blipFill>
+        <p:spPr>
+          <a:xfrm>
+            <a:off x="83617" y="68686"/>
+            <a:ext cx="811437" cy="792024"/>
+          </a:xfrm>
+          <a:prstGeom prst="rect">
+            <a:avLst/>
+          </a:prstGeom>
+        </p:spPr>
+      </p:pic>
+      <p:pic>
+        <p:nvPicPr>
+          <p:cNvPr id="9" name="Picture 8">
+            <a:extLst>
+              <a:ext uri="{FF2B5EF4-FFF2-40B4-BE49-F238E27FC236}">
+                <a16:creationId xmlns:a16="http://schemas.microsoft.com/office/drawing/2014/main" id="{086CDF8B-5A30-8C4F-B34E-4275A0D98BC9}"/>
+              </a:ext>
+            </a:extLst>
+          </p:cNvPr>
+          <p:cNvPicPr>
+            <a:picLocks noChangeAspect="1"/>
+          </p:cNvPicPr>
+          <p:nvPr/>
+        </p:nvPicPr>
+        <p:blipFill>
+          <a:blip r:embed="rId4">
+            <a:extLst>
+              <a:ext uri="{28A0092B-C50C-407E-A947-70E740481C1C}">
+                <a14:useLocalDpi xmlns:a14="http://schemas.microsoft.com/office/drawing/2010/main" val="0"/>
+              </a:ext>
+            </a:extLst>
+          </a:blip>
+          <a:stretch>
+            <a:fillRect/>
+          </a:stretch>
+        </p:blipFill>
+        <p:spPr>
+          <a:xfrm>
+            <a:off x="11353800" y="37130"/>
+            <a:ext cx="697948" cy="823580"/>
+          </a:xfrm>
+          <a:prstGeom prst="rect">
+            <a:avLst/>
+          </a:prstGeom>
+          <a:effectLst/>
+        </p:spPr>
+      </p:pic>
+      <p:sp>
+        <p:nvSpPr>
+          <p:cNvPr id="4" name="Content Placeholder 3">
+            <a:extLst>
+              <a:ext uri="{FF2B5EF4-FFF2-40B4-BE49-F238E27FC236}">
+                <a16:creationId xmlns:a16="http://schemas.microsoft.com/office/drawing/2014/main" id="{B5864989-CF3D-4AA0-88E2-0C0B8B6D17BC}"/>
+              </a:ext>
+            </a:extLst>
+          </p:cNvPr>
+          <p:cNvSpPr>
+            <a:spLocks noGrp="1"/>
+          </p:cNvSpPr>
+          <p:nvPr>
+            <p:ph idx="1"/>
+          </p:nvPr>
+        </p:nvSpPr>
+        <p:spPr/>
+        <p:txBody>
+          <a:bodyPr/>
+          <a:lstStyle/>
+          <a:p>
+            <a:endParaRPr lang="ru-RU"/>
+          </a:p>
+        </p:txBody>
+      </p:sp>
+    </p:spTree>
+    <p:extLst>
+      <p:ext uri="{BB962C8B-B14F-4D97-AF65-F5344CB8AC3E}">
+        <p14:creationId xmlns:p14="http://schemas.microsoft.com/office/powerpoint/2010/main" val="4066101104"/>
+      </p:ext>
+    </p:extLst>
+  </p:cSld>
+  <p:clrMapOvr>
+    <a:masterClrMapping/>
+  </p:clrMapOvr>
+</p:sld>
+</file>
+
+<file path=ppt/slides/slide12.xml><?xml version="1.0" encoding="utf-8"?>
+<p:sld xmlns:a="http://schemas.openxmlformats.org/drawingml/2006/main" xmlns:r="http://schemas.openxmlformats.org/officeDocument/2006/relationships" xmlns:p="http://schemas.openxmlformats.org/presentationml/2006/main">
+  <p:cSld>
+    <p:spTree>
+      <p:nvGrpSpPr>
+        <p:cNvPr id="1" name=""/>
+        <p:cNvGrpSpPr/>
+        <p:nvPr/>
+      </p:nvGrpSpPr>
+      <p:grpSpPr>
+        <a:xfrm>
+          <a:off x="0" y="0"/>
+          <a:ext cx="0" cy="0"/>
+          <a:chOff x="0" y="0"/>
+          <a:chExt cx="0" cy="0"/>
+        </a:xfrm>
+      </p:grpSpPr>
+      <p:sp>
+        <p:nvSpPr>
+          <p:cNvPr id="5" name="Slide Number Placeholder 4">
+            <a:extLst>
+              <a:ext uri="{FF2B5EF4-FFF2-40B4-BE49-F238E27FC236}">
+                <a16:creationId xmlns:a16="http://schemas.microsoft.com/office/drawing/2014/main" id="{AAE0A73A-0DF3-3A44-813D-3A4A08C1D621}"/>
+              </a:ext>
+            </a:extLst>
+          </p:cNvPr>
+          <p:cNvSpPr>
+            <a:spLocks noGrp="1"/>
+          </p:cNvSpPr>
+          <p:nvPr>
+            <p:ph type="sldNum" sz="quarter" idx="12"/>
+          </p:nvPr>
+        </p:nvSpPr>
+        <p:spPr/>
+        <p:txBody>
+          <a:bodyPr/>
+          <a:lstStyle/>
+          <a:p>
+            <a:fld id="{018BF65D-6ED2-4CD5-9A43-7F793B06593C}" type="slidenum">
+              <a:rPr lang="ru-RU" smtClean="0"/>
+              <a:t>12</a:t>
             </a:fld>
             <a:endParaRPr lang="ru-RU"/>
           </a:p>
@@ -10325,9 +10618,129 @@
         </p:blipFill>
         <p:spPr>
           <a:xfrm>
-            <a:off x="274545" y="2108859"/>
+            <a:off x="274544" y="2875648"/>
             <a:ext cx="11642910" cy="3377542"/>
           </a:xfrm>
+        </p:spPr>
+      </p:pic>
+      <p:sp>
+        <p:nvSpPr>
+          <p:cNvPr id="2" name="TextBox 1">
+            <a:extLst>
+              <a:ext uri="{FF2B5EF4-FFF2-40B4-BE49-F238E27FC236}">
+                <a16:creationId xmlns:a16="http://schemas.microsoft.com/office/drawing/2014/main" id="{5BB04CD7-5B1F-4BE0-8AAC-F70055042F14}"/>
+              </a:ext>
+            </a:extLst>
+          </p:cNvPr>
+          <p:cNvSpPr txBox="1"/>
+          <p:nvPr/>
+        </p:nvSpPr>
+        <p:spPr>
+          <a:xfrm>
+            <a:off x="274544" y="1244432"/>
+            <a:ext cx="9373309" cy="1631216"/>
+          </a:xfrm>
+          <a:prstGeom prst="rect">
+            <a:avLst/>
+          </a:prstGeom>
+          <a:noFill/>
+        </p:spPr>
+        <p:txBody>
+          <a:bodyPr wrap="square" rtlCol="0">
+            <a:spAutoFit/>
+          </a:bodyPr>
+          <a:lstStyle/>
+          <a:p>
+            <a:r>
+              <a:rPr lang="en-US" sz="2000" dirty="0">
+                <a:latin typeface="Helvetica Neue" panose="02000503000000020004"/>
+              </a:rPr>
+              <a:t>Flexible Programming Language Benchmarking (FPLB)</a:t>
+            </a:r>
+            <a:endParaRPr lang="ru-RU" sz="2000" dirty="0">
+              <a:latin typeface="Helvetica Neue" panose="02000503000000020004"/>
+            </a:endParaRPr>
+          </a:p>
+          <a:p>
+            <a:r>
+              <a:rPr lang="ru-RU" sz="2000" dirty="0">
+                <a:latin typeface="Helvetica Neue" panose="02000503000000020004"/>
+              </a:rPr>
+              <a:t>Гибкий Бенчмаркинг Языков Программирования </a:t>
+            </a:r>
+            <a:endParaRPr lang="en-US" sz="2000" dirty="0">
+              <a:latin typeface="Helvetica Neue" panose="02000503000000020004"/>
+            </a:endParaRPr>
+          </a:p>
+          <a:p>
+            <a:endParaRPr lang="en-US" sz="2000" dirty="0">
+              <a:latin typeface="Helvetica Neue" panose="02000503000000020004"/>
+            </a:endParaRPr>
+          </a:p>
+          <a:p>
+            <a:endParaRPr lang="en-US" sz="2000" dirty="0">
+              <a:latin typeface="Helvetica Neue" panose="02000503000000020004"/>
+            </a:endParaRPr>
+          </a:p>
+          <a:p>
+            <a:r>
+              <a:rPr lang="ru-RU" sz="2000" dirty="0">
+                <a:latin typeface="Helvetica Neue" panose="02000503000000020004"/>
+              </a:rPr>
+              <a:t>Диаграмма классов ПО для исследования быстродействия ЯП «</a:t>
+            </a:r>
+            <a:r>
+              <a:rPr lang="en-US" sz="2000" dirty="0">
+                <a:latin typeface="Helvetica Neue" panose="02000503000000020004"/>
+              </a:rPr>
+              <a:t>FPLB</a:t>
+            </a:r>
+            <a:r>
+              <a:rPr lang="ru-RU" sz="2000" dirty="0">
+                <a:latin typeface="Helvetica Neue" panose="02000503000000020004"/>
+              </a:rPr>
+              <a:t>»</a:t>
+            </a:r>
+            <a:endParaRPr lang="en-US" sz="2000" dirty="0">
+              <a:latin typeface="Helvetica Neue" panose="02000503000000020004"/>
+            </a:endParaRPr>
+          </a:p>
+        </p:txBody>
+      </p:sp>
+      <p:pic>
+        <p:nvPicPr>
+          <p:cNvPr id="6" name="Picture 5">
+            <a:extLst>
+              <a:ext uri="{FF2B5EF4-FFF2-40B4-BE49-F238E27FC236}">
+                <a16:creationId xmlns:a16="http://schemas.microsoft.com/office/drawing/2014/main" id="{1D75DE12-E870-4412-BE25-1C1813A949E8}"/>
+              </a:ext>
+            </a:extLst>
+          </p:cNvPr>
+          <p:cNvPicPr>
+            <a:picLocks noChangeAspect="1"/>
+          </p:cNvPicPr>
+          <p:nvPr/>
+        </p:nvPicPr>
+        <p:blipFill>
+          <a:blip r:embed="rId6">
+            <a:extLst>
+              <a:ext uri="{28A0092B-C50C-407E-A947-70E740481C1C}">
+                <a14:useLocalDpi xmlns:a14="http://schemas.microsoft.com/office/drawing/2010/main" val="0"/>
+              </a:ext>
+            </a:extLst>
+          </a:blip>
+          <a:stretch>
+            <a:fillRect/>
+          </a:stretch>
+        </p:blipFill>
+        <p:spPr>
+          <a:xfrm>
+            <a:off x="9694022" y="1059393"/>
+            <a:ext cx="1861457" cy="1861457"/>
+          </a:xfrm>
+          <a:prstGeom prst="rect">
+            <a:avLst/>
+          </a:prstGeom>
         </p:spPr>
       </p:pic>
     </p:spTree>
@@ -10452,7 +10865,7 @@
               <a:rPr lang="ru-RU" sz="4000" b="1" dirty="0">
                 <a:latin typeface="+mn-lt"/>
               </a:rPr>
-              <a:t>Блок схема алгоритма ПО</a:t>
+              <a:t>Блок-схема алгоритма ПО</a:t>
             </a:r>
           </a:p>
         </p:txBody>
@@ -10560,11 +10973,73 @@
         </p:blipFill>
         <p:spPr>
           <a:xfrm>
-            <a:off x="2142930" y="1066267"/>
+            <a:off x="195649" y="1173579"/>
             <a:ext cx="7906139" cy="5615735"/>
           </a:xfrm>
         </p:spPr>
       </p:pic>
+      <p:sp>
+        <p:nvSpPr>
+          <p:cNvPr id="2" name="TextBox 1">
+            <a:extLst>
+              <a:ext uri="{FF2B5EF4-FFF2-40B4-BE49-F238E27FC236}">
+                <a16:creationId xmlns:a16="http://schemas.microsoft.com/office/drawing/2014/main" id="{0E29ABD6-DB4B-482A-A5EF-714E3A90A9ED}"/>
+              </a:ext>
+            </a:extLst>
+          </p:cNvPr>
+          <p:cNvSpPr txBox="1"/>
+          <p:nvPr/>
+        </p:nvSpPr>
+        <p:spPr>
+          <a:xfrm>
+            <a:off x="8391331" y="3300415"/>
+            <a:ext cx="3452326" cy="1200329"/>
+          </a:xfrm>
+          <a:prstGeom prst="rect">
+            <a:avLst/>
+          </a:prstGeom>
+          <a:noFill/>
+        </p:spPr>
+        <p:txBody>
+          <a:bodyPr wrap="square" rtlCol="0">
+            <a:spAutoFit/>
+          </a:bodyPr>
+          <a:lstStyle/>
+          <a:p>
+            <a:pPr algn="just"/>
+            <a:r>
+              <a:rPr lang="ru-RU" dirty="0">
+                <a:latin typeface="Helvetica Neue" panose="02000503000000020004"/>
+              </a:rPr>
+              <a:t>Блок-схема алгоритма работы ПО </a:t>
+            </a:r>
+            <a:r>
+              <a:rPr lang="ru-RU" sz="1800" dirty="0">
+                <a:latin typeface="Helvetica Neue" panose="02000503000000020004"/>
+              </a:rPr>
+              <a:t>для исследован</a:t>
+            </a:r>
+            <a:r>
+              <a:rPr lang="ru-RU" dirty="0">
+                <a:latin typeface="Helvetica Neue" panose="02000503000000020004"/>
+              </a:rPr>
+              <a:t>ия быстродействия языков программирования «</a:t>
+            </a:r>
+            <a:r>
+              <a:rPr lang="en-US" dirty="0">
+                <a:latin typeface="Helvetica Neue" panose="02000503000000020004"/>
+              </a:rPr>
+              <a:t>FPLB</a:t>
+            </a:r>
+            <a:r>
+              <a:rPr lang="ru-RU" dirty="0">
+                <a:latin typeface="Helvetica Neue" panose="02000503000000020004"/>
+              </a:rPr>
+              <a:t>»</a:t>
+            </a:r>
+          </a:p>
+        </p:txBody>
+      </p:sp>
     </p:spTree>
     <p:extLst>
       <p:ext uri="{BB962C8B-B14F-4D97-AF65-F5344CB8AC3E}">

--- a/docs/presentation/presentation.pptx
+++ b/docs/presentation/presentation.pptx
@@ -5,10 +5,10 @@
     <p:sldMasterId id="2147483648" r:id="rId1"/>
   </p:sldMasterIdLst>
   <p:notesMasterIdLst>
-    <p:notesMasterId r:id="rId14"/>
+    <p:notesMasterId r:id="rId16"/>
   </p:notesMasterIdLst>
   <p:handoutMasterIdLst>
-    <p:handoutMasterId r:id="rId15"/>
+    <p:handoutMasterId r:id="rId17"/>
   </p:handoutMasterIdLst>
   <p:sldIdLst>
     <p:sldId id="256" r:id="rId2"/>
@@ -21,8 +21,10 @@
     <p:sldId id="298" r:id="rId9"/>
     <p:sldId id="299" r:id="rId10"/>
     <p:sldId id="300" r:id="rId11"/>
-    <p:sldId id="267" r:id="rId12"/>
-    <p:sldId id="268" r:id="rId13"/>
+    <p:sldId id="302" r:id="rId12"/>
+    <p:sldId id="303" r:id="rId13"/>
+    <p:sldId id="267" r:id="rId14"/>
+    <p:sldId id="268" r:id="rId15"/>
   </p:sldIdLst>
   <p:sldSz cx="12192000" cy="6858000"/>
   <p:notesSz cx="6858000" cy="9144000"/>
@@ -1025,7 +1027,15 @@
           <a:bodyPr/>
           <a:lstStyle/>
           <a:p>
-            <a:endParaRPr lang="en-RU" dirty="0"/>
+            <a:endParaRPr lang="en-RU" sz="1200" kern="1200" dirty="0">
+              <a:solidFill>
+                <a:schemeClr val="tx1"/>
+              </a:solidFill>
+              <a:effectLst/>
+              <a:latin typeface="+mn-lt"/>
+              <a:ea typeface="+mn-ea"/>
+              <a:cs typeface="+mn-cs"/>
+            </a:endParaRPr>
           </a:p>
         </p:txBody>
       </p:sp>
@@ -1055,7 +1065,7 @@
     </p:spTree>
     <p:extLst>
       <p:ext uri="{BB962C8B-B14F-4D97-AF65-F5344CB8AC3E}">
-        <p14:creationId xmlns:p14="http://schemas.microsoft.com/office/powerpoint/2010/main" val="2480852342"/>
+        <p14:creationId xmlns:p14="http://schemas.microsoft.com/office/powerpoint/2010/main" val="3884398107"/>
       </p:ext>
     </p:extLst>
   </p:cSld>
@@ -1139,6 +1149,182 @@
             <a:fld id="{80EA287C-F450-484E-9FD5-FC6D729DAEC8}" type="slidenum">
               <a:rPr lang="en-RU" smtClean="0"/>
               <a:t>12</a:t>
+            </a:fld>
+            <a:endParaRPr lang="en-RU"/>
+          </a:p>
+        </p:txBody>
+      </p:sp>
+    </p:spTree>
+    <p:extLst>
+      <p:ext uri="{BB962C8B-B14F-4D97-AF65-F5344CB8AC3E}">
+        <p14:creationId xmlns:p14="http://schemas.microsoft.com/office/powerpoint/2010/main" val="3042298071"/>
+      </p:ext>
+    </p:extLst>
+  </p:cSld>
+  <p:clrMapOvr>
+    <a:masterClrMapping/>
+  </p:clrMapOvr>
+</p:notes>
+</file>
+
+<file path=ppt/notesSlides/notesSlide13.xml><?xml version="1.0" encoding="utf-8"?>
+<p:notes xmlns:a="http://schemas.openxmlformats.org/drawingml/2006/main" xmlns:r="http://schemas.openxmlformats.org/officeDocument/2006/relationships" xmlns:p="http://schemas.openxmlformats.org/presentationml/2006/main">
+  <p:cSld>
+    <p:spTree>
+      <p:nvGrpSpPr>
+        <p:cNvPr id="1" name=""/>
+        <p:cNvGrpSpPr/>
+        <p:nvPr/>
+      </p:nvGrpSpPr>
+      <p:grpSpPr>
+        <a:xfrm>
+          <a:off x="0" y="0"/>
+          <a:ext cx="0" cy="0"/>
+          <a:chOff x="0" y="0"/>
+          <a:chExt cx="0" cy="0"/>
+        </a:xfrm>
+      </p:grpSpPr>
+      <p:sp>
+        <p:nvSpPr>
+          <p:cNvPr id="2" name="Slide Image Placeholder 1"/>
+          <p:cNvSpPr>
+            <a:spLocks noGrp="1" noRot="1" noChangeAspect="1"/>
+          </p:cNvSpPr>
+          <p:nvPr>
+            <p:ph type="sldImg"/>
+          </p:nvPr>
+        </p:nvSpPr>
+        <p:spPr/>
+      </p:sp>
+      <p:sp>
+        <p:nvSpPr>
+          <p:cNvPr id="3" name="Notes Placeholder 2"/>
+          <p:cNvSpPr>
+            <a:spLocks noGrp="1"/>
+          </p:cNvSpPr>
+          <p:nvPr>
+            <p:ph type="body" idx="1"/>
+          </p:nvPr>
+        </p:nvSpPr>
+        <p:spPr/>
+        <p:txBody>
+          <a:bodyPr/>
+          <a:lstStyle/>
+          <a:p>
+            <a:endParaRPr lang="en-RU" dirty="0"/>
+          </a:p>
+        </p:txBody>
+      </p:sp>
+      <p:sp>
+        <p:nvSpPr>
+          <p:cNvPr id="4" name="Slide Number Placeholder 3"/>
+          <p:cNvSpPr>
+            <a:spLocks noGrp="1"/>
+          </p:cNvSpPr>
+          <p:nvPr>
+            <p:ph type="sldNum" sz="quarter" idx="5"/>
+          </p:nvPr>
+        </p:nvSpPr>
+        <p:spPr/>
+        <p:txBody>
+          <a:bodyPr/>
+          <a:lstStyle/>
+          <a:p>
+            <a:fld id="{80EA287C-F450-484E-9FD5-FC6D729DAEC8}" type="slidenum">
+              <a:rPr lang="en-RU" smtClean="0"/>
+              <a:t>13</a:t>
+            </a:fld>
+            <a:endParaRPr lang="en-RU"/>
+          </a:p>
+        </p:txBody>
+      </p:sp>
+    </p:spTree>
+    <p:extLst>
+      <p:ext uri="{BB962C8B-B14F-4D97-AF65-F5344CB8AC3E}">
+        <p14:creationId xmlns:p14="http://schemas.microsoft.com/office/powerpoint/2010/main" val="2480852342"/>
+      </p:ext>
+    </p:extLst>
+  </p:cSld>
+  <p:clrMapOvr>
+    <a:masterClrMapping/>
+  </p:clrMapOvr>
+</p:notes>
+</file>
+
+<file path=ppt/notesSlides/notesSlide14.xml><?xml version="1.0" encoding="utf-8"?>
+<p:notes xmlns:a="http://schemas.openxmlformats.org/drawingml/2006/main" xmlns:r="http://schemas.openxmlformats.org/officeDocument/2006/relationships" xmlns:p="http://schemas.openxmlformats.org/presentationml/2006/main">
+  <p:cSld>
+    <p:spTree>
+      <p:nvGrpSpPr>
+        <p:cNvPr id="1" name=""/>
+        <p:cNvGrpSpPr/>
+        <p:nvPr/>
+      </p:nvGrpSpPr>
+      <p:grpSpPr>
+        <a:xfrm>
+          <a:off x="0" y="0"/>
+          <a:ext cx="0" cy="0"/>
+          <a:chOff x="0" y="0"/>
+          <a:chExt cx="0" cy="0"/>
+        </a:xfrm>
+      </p:grpSpPr>
+      <p:sp>
+        <p:nvSpPr>
+          <p:cNvPr id="2" name="Slide Image Placeholder 1"/>
+          <p:cNvSpPr>
+            <a:spLocks noGrp="1" noRot="1" noChangeAspect="1"/>
+          </p:cNvSpPr>
+          <p:nvPr>
+            <p:ph type="sldImg"/>
+          </p:nvPr>
+        </p:nvSpPr>
+        <p:spPr/>
+      </p:sp>
+      <p:sp>
+        <p:nvSpPr>
+          <p:cNvPr id="3" name="Notes Placeholder 2"/>
+          <p:cNvSpPr>
+            <a:spLocks noGrp="1"/>
+          </p:cNvSpPr>
+          <p:nvPr>
+            <p:ph type="body" idx="1"/>
+          </p:nvPr>
+        </p:nvSpPr>
+        <p:spPr/>
+        <p:txBody>
+          <a:bodyPr/>
+          <a:lstStyle/>
+          <a:p>
+            <a:endParaRPr lang="en-RU" sz="1200" kern="1200" dirty="0">
+              <a:solidFill>
+                <a:schemeClr val="tx1"/>
+              </a:solidFill>
+              <a:effectLst/>
+              <a:latin typeface="+mn-lt"/>
+              <a:ea typeface="+mn-ea"/>
+              <a:cs typeface="+mn-cs"/>
+            </a:endParaRPr>
+          </a:p>
+        </p:txBody>
+      </p:sp>
+      <p:sp>
+        <p:nvSpPr>
+          <p:cNvPr id="4" name="Slide Number Placeholder 3"/>
+          <p:cNvSpPr>
+            <a:spLocks noGrp="1"/>
+          </p:cNvSpPr>
+          <p:nvPr>
+            <p:ph type="sldNum" sz="quarter" idx="5"/>
+          </p:nvPr>
+        </p:nvSpPr>
+        <p:spPr/>
+        <p:txBody>
+          <a:bodyPr/>
+          <a:lstStyle/>
+          <a:p>
+            <a:fld id="{80EA287C-F450-484E-9FD5-FC6D729DAEC8}" type="slidenum">
+              <a:rPr lang="en-RU" smtClean="0"/>
+              <a:t>14</a:t>
             </a:fld>
             <a:endParaRPr lang="en-RU"/>
           </a:p>
@@ -5844,6 +6030,79 @@
           <a:effectLst/>
         </p:spPr>
       </p:pic>
+      <p:pic>
+        <p:nvPicPr>
+          <p:cNvPr id="3" name="Picture 2">
+            <a:extLst>
+              <a:ext uri="{FF2B5EF4-FFF2-40B4-BE49-F238E27FC236}">
+                <a16:creationId xmlns:a16="http://schemas.microsoft.com/office/drawing/2014/main" id="{21618612-E936-4B6A-B4AA-3152A2839B3F}"/>
+              </a:ext>
+            </a:extLst>
+          </p:cNvPr>
+          <p:cNvPicPr>
+            <a:picLocks noChangeAspect="1"/>
+          </p:cNvPicPr>
+          <p:nvPr/>
+        </p:nvPicPr>
+        <p:blipFill>
+          <a:blip r:embed="rId5">
+            <a:extLst>
+              <a:ext uri="{28A0092B-C50C-407E-A947-70E740481C1C}">
+                <a14:useLocalDpi xmlns:a14="http://schemas.microsoft.com/office/drawing/2010/main" val="0"/>
+              </a:ext>
+            </a:extLst>
+          </a:blip>
+          <a:stretch>
+            <a:fillRect/>
+          </a:stretch>
+        </p:blipFill>
+        <p:spPr>
+          <a:xfrm>
+            <a:off x="83617" y="1009888"/>
+            <a:ext cx="8389623" cy="5702073"/>
+          </a:xfrm>
+          <a:prstGeom prst="rect">
+            <a:avLst/>
+          </a:prstGeom>
+        </p:spPr>
+      </p:pic>
+      <p:sp>
+        <p:nvSpPr>
+          <p:cNvPr id="6" name="TextBox 5">
+            <a:extLst>
+              <a:ext uri="{FF2B5EF4-FFF2-40B4-BE49-F238E27FC236}">
+                <a16:creationId xmlns:a16="http://schemas.microsoft.com/office/drawing/2014/main" id="{11BF13A0-A3DE-478A-932F-41E0B33D3784}"/>
+              </a:ext>
+            </a:extLst>
+          </p:cNvPr>
+          <p:cNvSpPr txBox="1"/>
+          <p:nvPr/>
+        </p:nvSpPr>
+        <p:spPr>
+          <a:xfrm>
+            <a:off x="8559282" y="2466475"/>
+            <a:ext cx="3437069" cy="2585323"/>
+          </a:xfrm>
+          <a:prstGeom prst="rect">
+            <a:avLst/>
+          </a:prstGeom>
+          <a:noFill/>
+        </p:spPr>
+        <p:txBody>
+          <a:bodyPr wrap="square" rtlCol="0">
+            <a:spAutoFit/>
+          </a:bodyPr>
+          <a:lstStyle/>
+          <a:p>
+            <a:r>
+              <a:rPr lang="ru-RU" dirty="0">
+                <a:latin typeface="Helvetica Neue" panose="02000503000000020004"/>
+              </a:rPr>
+              <a:t>Пример структуры четырехуровневого иерархического дескриптора конфигурации для проведения исследования быстродействия выполнения заданных алгоритмов различными языками программирования</a:t>
+            </a:r>
+          </a:p>
+        </p:txBody>
+      </p:sp>
     </p:spTree>
     <p:extLst>
       <p:ext uri="{BB962C8B-B14F-4D97-AF65-F5344CB8AC3E}">
@@ -5879,7 +6138,7 @@
           <p:cNvPr id="5" name="Slide Number Placeholder 4">
             <a:extLst>
               <a:ext uri="{FF2B5EF4-FFF2-40B4-BE49-F238E27FC236}">
-                <a16:creationId xmlns:a16="http://schemas.microsoft.com/office/drawing/2014/main" id="{FA23F4B6-34F6-5F49-8575-0B830127F0BA}"/>
+                <a16:creationId xmlns:a16="http://schemas.microsoft.com/office/drawing/2014/main" id="{3B502563-780D-9A4C-8688-21BD4E6EF31A}"/>
               </a:ext>
             </a:extLst>
           </p:cNvPr>
@@ -5899,7 +6158,7 @@
               <a:rPr lang="ru-RU" smtClean="0"/>
               <a:t>11</a:t>
             </a:fld>
-            <a:endParaRPr lang="ru-RU"/>
+            <a:endParaRPr lang="ru-RU" dirty="0"/>
           </a:p>
         </p:txBody>
       </p:sp>
@@ -5908,7 +6167,7 @@
           <p:cNvPr id="7" name="Заголовок 1">
             <a:extLst>
               <a:ext uri="{FF2B5EF4-FFF2-40B4-BE49-F238E27FC236}">
-                <a16:creationId xmlns:a16="http://schemas.microsoft.com/office/drawing/2014/main" id="{C97D02F3-B3CF-1A40-992B-3BCE54AEC322}"/>
+                <a16:creationId xmlns:a16="http://schemas.microsoft.com/office/drawing/2014/main" id="{5244247D-458B-804E-8660-B8C8BACFDC3F}"/>
               </a:ext>
             </a:extLst>
           </p:cNvPr>
@@ -5963,10 +6222,10 @@
               <a:t>	</a:t>
             </a:r>
             <a:r>
-              <a:rPr lang="ru-RU" b="1" dirty="0">
+              <a:rPr lang="ru-RU" sz="4000" b="1" dirty="0">
                 <a:latin typeface="+mn-lt"/>
               </a:rPr>
-              <a:t>Заключение</a:t>
+              <a:t>Обзор исследуемых алгоритмов</a:t>
             </a:r>
           </a:p>
         </p:txBody>
@@ -5976,7 +6235,7 @@
           <p:cNvPr id="8" name="Picture 7">
             <a:extLst>
               <a:ext uri="{FF2B5EF4-FFF2-40B4-BE49-F238E27FC236}">
-                <a16:creationId xmlns:a16="http://schemas.microsoft.com/office/drawing/2014/main" id="{E865F144-5406-EF47-B91B-14B125A33E9F}"/>
+                <a16:creationId xmlns:a16="http://schemas.microsoft.com/office/drawing/2014/main" id="{E9C1B6FE-0157-D842-B40B-5230337F328B}"/>
               </a:ext>
             </a:extLst>
           </p:cNvPr>
@@ -6012,7 +6271,7 @@
           <p:cNvPr id="9" name="Picture 8">
             <a:extLst>
               <a:ext uri="{FF2B5EF4-FFF2-40B4-BE49-F238E27FC236}">
-                <a16:creationId xmlns:a16="http://schemas.microsoft.com/office/drawing/2014/main" id="{086CDF8B-5A30-8C4F-B34E-4275A0D98BC9}"/>
+                <a16:creationId xmlns:a16="http://schemas.microsoft.com/office/drawing/2014/main" id="{C108A182-E882-F649-9105-60A469C17A4C}"/>
               </a:ext>
             </a:extLst>
           </p:cNvPr>
@@ -6046,33 +6305,308 @@
       </p:pic>
       <p:sp>
         <p:nvSpPr>
-          <p:cNvPr id="4" name="Content Placeholder 3">
-            <a:extLst>
-              <a:ext uri="{FF2B5EF4-FFF2-40B4-BE49-F238E27FC236}">
-                <a16:creationId xmlns:a16="http://schemas.microsoft.com/office/drawing/2014/main" id="{B5864989-CF3D-4AA0-88E2-0C0B8B6D17BC}"/>
-              </a:ext>
-            </a:extLst>
-          </p:cNvPr>
-          <p:cNvSpPr>
-            <a:spLocks noGrp="1"/>
-          </p:cNvSpPr>
-          <p:nvPr>
-            <p:ph idx="1"/>
-          </p:nvPr>
-        </p:nvSpPr>
-        <p:spPr/>
-        <p:txBody>
-          <a:bodyPr/>
+          <p:cNvPr id="6" name="TextBox 5">
+            <a:extLst>
+              <a:ext uri="{FF2B5EF4-FFF2-40B4-BE49-F238E27FC236}">
+                <a16:creationId xmlns:a16="http://schemas.microsoft.com/office/drawing/2014/main" id="{11BF13A0-A3DE-478A-932F-41E0B33D3784}"/>
+              </a:ext>
+            </a:extLst>
+          </p:cNvPr>
+          <p:cNvSpPr txBox="1"/>
+          <p:nvPr/>
+        </p:nvSpPr>
+        <p:spPr>
+          <a:xfrm>
+            <a:off x="9343053" y="1359243"/>
+            <a:ext cx="2653298" cy="4247317"/>
+          </a:xfrm>
+          <a:prstGeom prst="rect">
+            <a:avLst/>
+          </a:prstGeom>
+          <a:noFill/>
+        </p:spPr>
+        <p:txBody>
+          <a:bodyPr wrap="square" rtlCol="0">
+            <a:spAutoFit/>
+          </a:bodyPr>
           <a:lstStyle/>
           <a:p>
-            <a:endParaRPr lang="ru-RU"/>
+            <a:r>
+              <a:rPr lang="ru-RU" dirty="0">
+                <a:latin typeface="Helvetica Neue" panose="02000503000000020004"/>
+              </a:rPr>
+              <a:t>Блок-схемы алгоритмов, используемых для проведения исследования быстродействия языков программирования</a:t>
+            </a:r>
+          </a:p>
+          <a:p>
+            <a:endParaRPr lang="ru-RU" dirty="0">
+              <a:latin typeface="Helvetica Neue" panose="02000503000000020004"/>
+            </a:endParaRPr>
+          </a:p>
+          <a:p>
+            <a:pPr marL="342900" indent="-342900">
+              <a:buFont typeface="+mj-lt"/>
+              <a:buAutoNum type="arabicPeriod"/>
+            </a:pPr>
+            <a:r>
+              <a:rPr lang="ru-RU" dirty="0">
+                <a:latin typeface="Helvetica Neue" panose="02000503000000020004"/>
+              </a:rPr>
+              <a:t>Алгоритм умножения матриц</a:t>
+            </a:r>
+          </a:p>
+          <a:p>
+            <a:pPr marL="342900" indent="-342900">
+              <a:buFont typeface="+mj-lt"/>
+              <a:buAutoNum type="arabicPeriod"/>
+            </a:pPr>
+            <a:r>
+              <a:rPr lang="ru-RU" dirty="0">
+                <a:latin typeface="Helvetica Neue" panose="02000503000000020004"/>
+              </a:rPr>
+              <a:t>Алгоритм «Быстрая сортировка»</a:t>
+            </a:r>
+          </a:p>
+          <a:p>
+            <a:pPr marL="342900" indent="-342900">
+              <a:buFont typeface="+mj-lt"/>
+              <a:buAutoNum type="arabicPeriod"/>
+            </a:pPr>
+            <a:r>
+              <a:rPr lang="ru-RU" dirty="0">
+                <a:latin typeface="Helvetica Neue" panose="02000503000000020004"/>
+              </a:rPr>
+              <a:t>Алгоритм поиска простых чисел</a:t>
+            </a:r>
+          </a:p>
+        </p:txBody>
+      </p:sp>
+      <p:pic>
+        <p:nvPicPr>
+          <p:cNvPr id="11" name="Picture 10">
+            <a:extLst>
+              <a:ext uri="{FF2B5EF4-FFF2-40B4-BE49-F238E27FC236}">
+                <a16:creationId xmlns:a16="http://schemas.microsoft.com/office/drawing/2014/main" id="{C488478D-C1A8-47F9-9155-B71D41D3AB04}"/>
+              </a:ext>
+            </a:extLst>
+          </p:cNvPr>
+          <p:cNvPicPr>
+            <a:picLocks noChangeAspect="1"/>
+          </p:cNvPicPr>
+          <p:nvPr/>
+        </p:nvPicPr>
+        <p:blipFill>
+          <a:blip r:embed="rId5">
+            <a:extLst>
+              <a:ext uri="{28A0092B-C50C-407E-A947-70E740481C1C}">
+                <a14:useLocalDpi xmlns:a14="http://schemas.microsoft.com/office/drawing/2010/main" val="0"/>
+              </a:ext>
+            </a:extLst>
+          </a:blip>
+          <a:stretch>
+            <a:fillRect/>
+          </a:stretch>
+        </p:blipFill>
+        <p:spPr>
+          <a:xfrm>
+            <a:off x="4030834" y="1277375"/>
+            <a:ext cx="2065165" cy="4989613"/>
+          </a:xfrm>
+          <a:prstGeom prst="rect">
+            <a:avLst/>
+          </a:prstGeom>
+        </p:spPr>
+      </p:pic>
+      <p:pic>
+        <p:nvPicPr>
+          <p:cNvPr id="19" name="Picture 18">
+            <a:extLst>
+              <a:ext uri="{FF2B5EF4-FFF2-40B4-BE49-F238E27FC236}">
+                <a16:creationId xmlns:a16="http://schemas.microsoft.com/office/drawing/2014/main" id="{30D60359-2333-4CC5-A139-5F08B528ACB1}"/>
+              </a:ext>
+            </a:extLst>
+          </p:cNvPr>
+          <p:cNvPicPr>
+            <a:picLocks noChangeAspect="1"/>
+          </p:cNvPicPr>
+          <p:nvPr/>
+        </p:nvPicPr>
+        <p:blipFill>
+          <a:blip r:embed="rId6">
+            <a:extLst>
+              <a:ext uri="{28A0092B-C50C-407E-A947-70E740481C1C}">
+                <a14:useLocalDpi xmlns:a14="http://schemas.microsoft.com/office/drawing/2010/main" val="0"/>
+              </a:ext>
+            </a:extLst>
+          </a:blip>
+          <a:stretch>
+            <a:fillRect/>
+          </a:stretch>
+        </p:blipFill>
+        <p:spPr>
+          <a:xfrm>
+            <a:off x="6352817" y="1096075"/>
+            <a:ext cx="2733418" cy="5170913"/>
+          </a:xfrm>
+          <a:prstGeom prst="rect">
+            <a:avLst/>
+          </a:prstGeom>
+        </p:spPr>
+      </p:pic>
+      <p:pic>
+        <p:nvPicPr>
+          <p:cNvPr id="21" name="Picture 20">
+            <a:extLst>
+              <a:ext uri="{FF2B5EF4-FFF2-40B4-BE49-F238E27FC236}">
+                <a16:creationId xmlns:a16="http://schemas.microsoft.com/office/drawing/2014/main" id="{3F5F0E88-B832-494F-86D9-081CB561EFCF}"/>
+              </a:ext>
+            </a:extLst>
+          </p:cNvPr>
+          <p:cNvPicPr>
+            <a:picLocks noChangeAspect="1"/>
+          </p:cNvPicPr>
+          <p:nvPr/>
+        </p:nvPicPr>
+        <p:blipFill>
+          <a:blip r:embed="rId7">
+            <a:extLst>
+              <a:ext uri="{28A0092B-C50C-407E-A947-70E740481C1C}">
+                <a14:useLocalDpi xmlns:a14="http://schemas.microsoft.com/office/drawing/2010/main" val="0"/>
+              </a:ext>
+            </a:extLst>
+          </a:blip>
+          <a:stretch>
+            <a:fillRect/>
+          </a:stretch>
+        </p:blipFill>
+        <p:spPr>
+          <a:xfrm>
+            <a:off x="83617" y="1736704"/>
+            <a:ext cx="3767059" cy="3767866"/>
+          </a:xfrm>
+          <a:prstGeom prst="rect">
+            <a:avLst/>
+          </a:prstGeom>
+        </p:spPr>
+      </p:pic>
+      <p:sp>
+        <p:nvSpPr>
+          <p:cNvPr id="22" name="TextBox 21">
+            <a:extLst>
+              <a:ext uri="{FF2B5EF4-FFF2-40B4-BE49-F238E27FC236}">
+                <a16:creationId xmlns:a16="http://schemas.microsoft.com/office/drawing/2014/main" id="{B5EF78BA-560B-4221-9B05-F6F8E5537E33}"/>
+              </a:ext>
+            </a:extLst>
+          </p:cNvPr>
+          <p:cNvSpPr txBox="1"/>
+          <p:nvPr/>
+        </p:nvSpPr>
+        <p:spPr>
+          <a:xfrm>
+            <a:off x="1721440" y="6266987"/>
+            <a:ext cx="491412" cy="584775"/>
+          </a:xfrm>
+          <a:prstGeom prst="rect">
+            <a:avLst/>
+          </a:prstGeom>
+          <a:noFill/>
+        </p:spPr>
+        <p:txBody>
+          <a:bodyPr wrap="square" rtlCol="0">
+            <a:spAutoFit/>
+          </a:bodyPr>
+          <a:lstStyle/>
+          <a:p>
+            <a:r>
+              <a:rPr lang="en-US" sz="3200" dirty="0">
+                <a:latin typeface="Helvetica Neue" panose="02000503000000020004"/>
+              </a:rPr>
+              <a:t>1</a:t>
+            </a:r>
+            <a:endParaRPr lang="ru-RU" sz="3200" dirty="0"/>
+          </a:p>
+        </p:txBody>
+      </p:sp>
+      <p:sp>
+        <p:nvSpPr>
+          <p:cNvPr id="25" name="TextBox 24">
+            <a:extLst>
+              <a:ext uri="{FF2B5EF4-FFF2-40B4-BE49-F238E27FC236}">
+                <a16:creationId xmlns:a16="http://schemas.microsoft.com/office/drawing/2014/main" id="{F6A38E51-1866-4929-BA10-8E75F2B99124}"/>
+              </a:ext>
+            </a:extLst>
+          </p:cNvPr>
+          <p:cNvSpPr txBox="1"/>
+          <p:nvPr/>
+        </p:nvSpPr>
+        <p:spPr>
+          <a:xfrm>
+            <a:off x="4816372" y="6273225"/>
+            <a:ext cx="491412" cy="584775"/>
+          </a:xfrm>
+          <a:prstGeom prst="rect">
+            <a:avLst/>
+          </a:prstGeom>
+          <a:noFill/>
+        </p:spPr>
+        <p:txBody>
+          <a:bodyPr wrap="square" rtlCol="0">
+            <a:spAutoFit/>
+          </a:bodyPr>
+          <a:lstStyle/>
+          <a:p>
+            <a:r>
+              <a:rPr lang="en-US" sz="3200" dirty="0">
+                <a:latin typeface="Helvetica Neue" panose="02000503000000020004"/>
+              </a:rPr>
+              <a:t>2</a:t>
+            </a:r>
+            <a:endParaRPr lang="ru-RU" sz="3200" dirty="0"/>
+          </a:p>
+        </p:txBody>
+      </p:sp>
+      <p:sp>
+        <p:nvSpPr>
+          <p:cNvPr id="26" name="TextBox 25">
+            <a:extLst>
+              <a:ext uri="{FF2B5EF4-FFF2-40B4-BE49-F238E27FC236}">
+                <a16:creationId xmlns:a16="http://schemas.microsoft.com/office/drawing/2014/main" id="{43B1A535-20FD-45E2-9D68-2D661964C1B8}"/>
+              </a:ext>
+            </a:extLst>
+          </p:cNvPr>
+          <p:cNvSpPr txBox="1"/>
+          <p:nvPr/>
+        </p:nvSpPr>
+        <p:spPr>
+          <a:xfrm>
+            <a:off x="8186066" y="6266988"/>
+            <a:ext cx="491412" cy="584775"/>
+          </a:xfrm>
+          <a:prstGeom prst="rect">
+            <a:avLst/>
+          </a:prstGeom>
+          <a:noFill/>
+        </p:spPr>
+        <p:txBody>
+          <a:bodyPr wrap="square" rtlCol="0">
+            <a:spAutoFit/>
+          </a:bodyPr>
+          <a:lstStyle/>
+          <a:p>
+            <a:r>
+              <a:rPr lang="en-US" sz="3200" dirty="0">
+                <a:latin typeface="Helvetica Neue" panose="02000503000000020004"/>
+              </a:rPr>
+              <a:t>3</a:t>
+            </a:r>
+            <a:endParaRPr lang="ru-RU" sz="3200" dirty="0"/>
           </a:p>
         </p:txBody>
       </p:sp>
     </p:spTree>
     <p:extLst>
       <p:ext uri="{BB962C8B-B14F-4D97-AF65-F5344CB8AC3E}">
-        <p14:creationId xmlns:p14="http://schemas.microsoft.com/office/powerpoint/2010/main" val="4066101104"/>
+        <p14:creationId xmlns:p14="http://schemas.microsoft.com/office/powerpoint/2010/main" val="4265460262"/>
       </p:ext>
     </p:extLst>
   </p:cSld>
@@ -6104,7 +6638,7 @@
           <p:cNvPr id="5" name="Slide Number Placeholder 4">
             <a:extLst>
               <a:ext uri="{FF2B5EF4-FFF2-40B4-BE49-F238E27FC236}">
-                <a16:creationId xmlns:a16="http://schemas.microsoft.com/office/drawing/2014/main" id="{AAE0A73A-0DF3-3A44-813D-3A4A08C1D621}"/>
+                <a16:creationId xmlns:a16="http://schemas.microsoft.com/office/drawing/2014/main" id="{3B502563-780D-9A4C-8688-21BD4E6EF31A}"/>
               </a:ext>
             </a:extLst>
           </p:cNvPr>
@@ -6123,6 +6657,656 @@
             <a:fld id="{018BF65D-6ED2-4CD5-9A43-7F793B06593C}" type="slidenum">
               <a:rPr lang="ru-RU" smtClean="0"/>
               <a:t>12</a:t>
+            </a:fld>
+            <a:endParaRPr lang="ru-RU" dirty="0"/>
+          </a:p>
+        </p:txBody>
+      </p:sp>
+      <p:sp>
+        <p:nvSpPr>
+          <p:cNvPr id="7" name="Заголовок 1">
+            <a:extLst>
+              <a:ext uri="{FF2B5EF4-FFF2-40B4-BE49-F238E27FC236}">
+                <a16:creationId xmlns:a16="http://schemas.microsoft.com/office/drawing/2014/main" id="{5244247D-458B-804E-8660-B8C8BACFDC3F}"/>
+              </a:ext>
+            </a:extLst>
+          </p:cNvPr>
+          <p:cNvSpPr txBox="1">
+            <a:spLocks/>
+          </p:cNvSpPr>
+          <p:nvPr/>
+        </p:nvSpPr>
+        <p:spPr>
+          <a:xfrm>
+            <a:off x="-1" y="-16805"/>
+            <a:ext cx="12192001" cy="941202"/>
+          </a:xfrm>
+          <a:prstGeom prst="rect">
+            <a:avLst/>
+          </a:prstGeom>
+          <a:solidFill>
+            <a:schemeClr val="accent3">
+              <a:lumMod val="20000"/>
+              <a:lumOff val="80000"/>
+            </a:schemeClr>
+          </a:solidFill>
+        </p:spPr>
+        <p:txBody>
+          <a:bodyPr vert="horz" lIns="91440" tIns="45720" rIns="91440" bIns="45720" rtlCol="0" anchor="ctr">
+            <a:normAutofit/>
+          </a:bodyPr>
+          <a:lstStyle>
+            <a:lvl1pPr algn="l" defTabSz="914400" rtl="0" eaLnBrk="1" latinLnBrk="0" hangingPunct="1">
+              <a:lnSpc>
+                <a:spcPct val="90000"/>
+              </a:lnSpc>
+              <a:spcBef>
+                <a:spcPct val="0"/>
+              </a:spcBef>
+              <a:buNone/>
+              <a:defRPr sz="4400" kern="1200">
+                <a:solidFill>
+                  <a:schemeClr val="tx1"/>
+                </a:solidFill>
+                <a:latin typeface="+mj-lt"/>
+                <a:ea typeface="+mj-ea"/>
+                <a:cs typeface="+mj-cs"/>
+              </a:defRPr>
+            </a:lvl1pPr>
+          </a:lstStyle>
+          <a:p>
+            <a:r>
+              <a:rPr lang="en-US" b="1" dirty="0">
+                <a:latin typeface="+mn-lt"/>
+              </a:rPr>
+              <a:t>	</a:t>
+            </a:r>
+            <a:r>
+              <a:rPr lang="ru-RU" sz="4000" b="1" dirty="0">
+                <a:latin typeface="+mn-lt"/>
+              </a:rPr>
+              <a:t>Результаты исследования быстродействия ЯП</a:t>
+            </a:r>
+          </a:p>
+        </p:txBody>
+      </p:sp>
+      <p:pic>
+        <p:nvPicPr>
+          <p:cNvPr id="8" name="Picture 7">
+            <a:extLst>
+              <a:ext uri="{FF2B5EF4-FFF2-40B4-BE49-F238E27FC236}">
+                <a16:creationId xmlns:a16="http://schemas.microsoft.com/office/drawing/2014/main" id="{E9C1B6FE-0157-D842-B40B-5230337F328B}"/>
+              </a:ext>
+            </a:extLst>
+          </p:cNvPr>
+          <p:cNvPicPr>
+            <a:picLocks noChangeAspect="1"/>
+          </p:cNvPicPr>
+          <p:nvPr/>
+        </p:nvPicPr>
+        <p:blipFill>
+          <a:blip r:embed="rId3">
+            <a:extLst>
+              <a:ext uri="{28A0092B-C50C-407E-A947-70E740481C1C}">
+                <a14:useLocalDpi xmlns:a14="http://schemas.microsoft.com/office/drawing/2010/main" val="0"/>
+              </a:ext>
+            </a:extLst>
+          </a:blip>
+          <a:stretch>
+            <a:fillRect/>
+          </a:stretch>
+        </p:blipFill>
+        <p:spPr>
+          <a:xfrm>
+            <a:off x="83617" y="68686"/>
+            <a:ext cx="811437" cy="792024"/>
+          </a:xfrm>
+          <a:prstGeom prst="rect">
+            <a:avLst/>
+          </a:prstGeom>
+        </p:spPr>
+      </p:pic>
+      <p:pic>
+        <p:nvPicPr>
+          <p:cNvPr id="9" name="Picture 8">
+            <a:extLst>
+              <a:ext uri="{FF2B5EF4-FFF2-40B4-BE49-F238E27FC236}">
+                <a16:creationId xmlns:a16="http://schemas.microsoft.com/office/drawing/2014/main" id="{C108A182-E882-F649-9105-60A469C17A4C}"/>
+              </a:ext>
+            </a:extLst>
+          </p:cNvPr>
+          <p:cNvPicPr>
+            <a:picLocks noChangeAspect="1"/>
+          </p:cNvPicPr>
+          <p:nvPr/>
+        </p:nvPicPr>
+        <p:blipFill>
+          <a:blip r:embed="rId4">
+            <a:extLst>
+              <a:ext uri="{28A0092B-C50C-407E-A947-70E740481C1C}">
+                <a14:useLocalDpi xmlns:a14="http://schemas.microsoft.com/office/drawing/2010/main" val="0"/>
+              </a:ext>
+            </a:extLst>
+          </a:blip>
+          <a:stretch>
+            <a:fillRect/>
+          </a:stretch>
+        </p:blipFill>
+        <p:spPr>
+          <a:xfrm>
+            <a:off x="11353800" y="37130"/>
+            <a:ext cx="697948" cy="823580"/>
+          </a:xfrm>
+          <a:prstGeom prst="rect">
+            <a:avLst/>
+          </a:prstGeom>
+          <a:effectLst/>
+        </p:spPr>
+      </p:pic>
+      <p:pic>
+        <p:nvPicPr>
+          <p:cNvPr id="3" name="Picture 2">
+            <a:extLst>
+              <a:ext uri="{FF2B5EF4-FFF2-40B4-BE49-F238E27FC236}">
+                <a16:creationId xmlns:a16="http://schemas.microsoft.com/office/drawing/2014/main" id="{A011C7AD-A0BA-4D34-87EE-EF9810EF81EE}"/>
+              </a:ext>
+            </a:extLst>
+          </p:cNvPr>
+          <p:cNvPicPr>
+            <a:picLocks noChangeAspect="1"/>
+          </p:cNvPicPr>
+          <p:nvPr/>
+        </p:nvPicPr>
+        <p:blipFill>
+          <a:blip r:embed="rId5">
+            <a:extLst>
+              <a:ext uri="{28A0092B-C50C-407E-A947-70E740481C1C}">
+                <a14:useLocalDpi xmlns:a14="http://schemas.microsoft.com/office/drawing/2010/main" val="0"/>
+              </a:ext>
+            </a:extLst>
+          </a:blip>
+          <a:stretch>
+            <a:fillRect/>
+          </a:stretch>
+        </p:blipFill>
+        <p:spPr>
+          <a:xfrm>
+            <a:off x="83614" y="2622103"/>
+            <a:ext cx="4026405" cy="3019804"/>
+          </a:xfrm>
+          <a:prstGeom prst="rect">
+            <a:avLst/>
+          </a:prstGeom>
+        </p:spPr>
+      </p:pic>
+      <p:pic>
+        <p:nvPicPr>
+          <p:cNvPr id="10" name="Picture 9">
+            <a:extLst>
+              <a:ext uri="{FF2B5EF4-FFF2-40B4-BE49-F238E27FC236}">
+                <a16:creationId xmlns:a16="http://schemas.microsoft.com/office/drawing/2014/main" id="{2368A9FE-1D32-4322-B358-30979C78EF00}"/>
+              </a:ext>
+            </a:extLst>
+          </p:cNvPr>
+          <p:cNvPicPr>
+            <a:picLocks noChangeAspect="1"/>
+          </p:cNvPicPr>
+          <p:nvPr/>
+        </p:nvPicPr>
+        <p:blipFill>
+          <a:blip r:embed="rId6">
+            <a:extLst>
+              <a:ext uri="{28A0092B-C50C-407E-A947-70E740481C1C}">
+                <a14:useLocalDpi xmlns:a14="http://schemas.microsoft.com/office/drawing/2010/main" val="0"/>
+              </a:ext>
+            </a:extLst>
+          </a:blip>
+          <a:stretch>
+            <a:fillRect/>
+          </a:stretch>
+        </p:blipFill>
+        <p:spPr>
+          <a:xfrm>
+            <a:off x="4110019" y="2622103"/>
+            <a:ext cx="4026405" cy="3019804"/>
+          </a:xfrm>
+          <a:prstGeom prst="rect">
+            <a:avLst/>
+          </a:prstGeom>
+        </p:spPr>
+      </p:pic>
+      <p:pic>
+        <p:nvPicPr>
+          <p:cNvPr id="13" name="Picture 12">
+            <a:extLst>
+              <a:ext uri="{FF2B5EF4-FFF2-40B4-BE49-F238E27FC236}">
+                <a16:creationId xmlns:a16="http://schemas.microsoft.com/office/drawing/2014/main" id="{67900C7F-8783-4AAE-8A0C-CA7BA993763C}"/>
+              </a:ext>
+            </a:extLst>
+          </p:cNvPr>
+          <p:cNvPicPr>
+            <a:picLocks noChangeAspect="1"/>
+          </p:cNvPicPr>
+          <p:nvPr/>
+        </p:nvPicPr>
+        <p:blipFill>
+          <a:blip r:embed="rId7">
+            <a:extLst>
+              <a:ext uri="{28A0092B-C50C-407E-A947-70E740481C1C}">
+                <a14:useLocalDpi xmlns:a14="http://schemas.microsoft.com/office/drawing/2010/main" val="0"/>
+              </a:ext>
+            </a:extLst>
+          </a:blip>
+          <a:stretch>
+            <a:fillRect/>
+          </a:stretch>
+        </p:blipFill>
+        <p:spPr>
+          <a:xfrm>
+            <a:off x="8136422" y="2622102"/>
+            <a:ext cx="4026407" cy="3019805"/>
+          </a:xfrm>
+          <a:prstGeom prst="rect">
+            <a:avLst/>
+          </a:prstGeom>
+        </p:spPr>
+      </p:pic>
+      <p:sp>
+        <p:nvSpPr>
+          <p:cNvPr id="14" name="TextBox 13">
+            <a:extLst>
+              <a:ext uri="{FF2B5EF4-FFF2-40B4-BE49-F238E27FC236}">
+                <a16:creationId xmlns:a16="http://schemas.microsoft.com/office/drawing/2014/main" id="{3AC34A7F-CD97-4F1A-BD63-B3567DA952FD}"/>
+              </a:ext>
+            </a:extLst>
+          </p:cNvPr>
+          <p:cNvSpPr txBox="1"/>
+          <p:nvPr/>
+        </p:nvSpPr>
+        <p:spPr>
+          <a:xfrm>
+            <a:off x="8849559" y="1670970"/>
+            <a:ext cx="2600131" cy="646331"/>
+          </a:xfrm>
+          <a:prstGeom prst="rect">
+            <a:avLst/>
+          </a:prstGeom>
+          <a:noFill/>
+        </p:spPr>
+        <p:txBody>
+          <a:bodyPr wrap="square" rtlCol="0">
+            <a:spAutoFit/>
+          </a:bodyPr>
+          <a:lstStyle/>
+          <a:p>
+            <a:pPr algn="ctr"/>
+            <a:r>
+              <a:rPr lang="ru-RU" dirty="0">
+                <a:latin typeface="Helvetica Neue" panose="02000503000000020004"/>
+              </a:rPr>
+              <a:t>Алгоритм поиска простых чисел</a:t>
+            </a:r>
+            <a:endParaRPr lang="ru-RU" dirty="0"/>
+          </a:p>
+        </p:txBody>
+      </p:sp>
+      <p:sp>
+        <p:nvSpPr>
+          <p:cNvPr id="20" name="TextBox 19">
+            <a:extLst>
+              <a:ext uri="{FF2B5EF4-FFF2-40B4-BE49-F238E27FC236}">
+                <a16:creationId xmlns:a16="http://schemas.microsoft.com/office/drawing/2014/main" id="{4018C14E-37F3-4970-8DBE-E04581152B8E}"/>
+              </a:ext>
+            </a:extLst>
+          </p:cNvPr>
+          <p:cNvSpPr txBox="1"/>
+          <p:nvPr/>
+        </p:nvSpPr>
+        <p:spPr>
+          <a:xfrm>
+            <a:off x="4795933" y="1670970"/>
+            <a:ext cx="2600131" cy="646331"/>
+          </a:xfrm>
+          <a:prstGeom prst="rect">
+            <a:avLst/>
+          </a:prstGeom>
+          <a:noFill/>
+        </p:spPr>
+        <p:txBody>
+          <a:bodyPr wrap="square" rtlCol="0">
+            <a:spAutoFit/>
+          </a:bodyPr>
+          <a:lstStyle/>
+          <a:p>
+            <a:pPr algn="ctr"/>
+            <a:r>
+              <a:rPr lang="ru-RU" dirty="0">
+                <a:latin typeface="Helvetica Neue" panose="02000503000000020004"/>
+              </a:rPr>
+              <a:t>Алгоритм «Быстрая сортировка»</a:t>
+            </a:r>
+            <a:endParaRPr lang="ru-RU" dirty="0"/>
+          </a:p>
+        </p:txBody>
+      </p:sp>
+      <p:sp>
+        <p:nvSpPr>
+          <p:cNvPr id="23" name="TextBox 22">
+            <a:extLst>
+              <a:ext uri="{FF2B5EF4-FFF2-40B4-BE49-F238E27FC236}">
+                <a16:creationId xmlns:a16="http://schemas.microsoft.com/office/drawing/2014/main" id="{818B9FB1-BEDB-4330-B559-C8F9F0B9189E}"/>
+              </a:ext>
+            </a:extLst>
+          </p:cNvPr>
+          <p:cNvSpPr txBox="1"/>
+          <p:nvPr/>
+        </p:nvSpPr>
+        <p:spPr>
+          <a:xfrm>
+            <a:off x="796750" y="1670970"/>
+            <a:ext cx="2600131" cy="646331"/>
+          </a:xfrm>
+          <a:prstGeom prst="rect">
+            <a:avLst/>
+          </a:prstGeom>
+          <a:noFill/>
+        </p:spPr>
+        <p:txBody>
+          <a:bodyPr wrap="square" rtlCol="0">
+            <a:spAutoFit/>
+          </a:bodyPr>
+          <a:lstStyle/>
+          <a:p>
+            <a:pPr algn="ctr"/>
+            <a:r>
+              <a:rPr lang="ru-RU" dirty="0">
+                <a:latin typeface="Helvetica Neue" panose="02000503000000020004"/>
+              </a:rPr>
+              <a:t>Алгоритм умножения матриц</a:t>
+            </a:r>
+            <a:endParaRPr lang="ru-RU" dirty="0"/>
+          </a:p>
+        </p:txBody>
+      </p:sp>
+    </p:spTree>
+    <p:extLst>
+      <p:ext uri="{BB962C8B-B14F-4D97-AF65-F5344CB8AC3E}">
+        <p14:creationId xmlns:p14="http://schemas.microsoft.com/office/powerpoint/2010/main" val="1002887355"/>
+      </p:ext>
+    </p:extLst>
+  </p:cSld>
+  <p:clrMapOvr>
+    <a:masterClrMapping/>
+  </p:clrMapOvr>
+</p:sld>
+</file>
+
+<file path=ppt/slides/slide13.xml><?xml version="1.0" encoding="utf-8"?>
+<p:sld xmlns:a="http://schemas.openxmlformats.org/drawingml/2006/main" xmlns:r="http://schemas.openxmlformats.org/officeDocument/2006/relationships" xmlns:p="http://schemas.openxmlformats.org/presentationml/2006/main">
+  <p:cSld>
+    <p:spTree>
+      <p:nvGrpSpPr>
+        <p:cNvPr id="1" name=""/>
+        <p:cNvGrpSpPr/>
+        <p:nvPr/>
+      </p:nvGrpSpPr>
+      <p:grpSpPr>
+        <a:xfrm>
+          <a:off x="0" y="0"/>
+          <a:ext cx="0" cy="0"/>
+          <a:chOff x="0" y="0"/>
+          <a:chExt cx="0" cy="0"/>
+        </a:xfrm>
+      </p:grpSpPr>
+      <p:sp>
+        <p:nvSpPr>
+          <p:cNvPr id="5" name="Slide Number Placeholder 4">
+            <a:extLst>
+              <a:ext uri="{FF2B5EF4-FFF2-40B4-BE49-F238E27FC236}">
+                <a16:creationId xmlns:a16="http://schemas.microsoft.com/office/drawing/2014/main" id="{FA23F4B6-34F6-5F49-8575-0B830127F0BA}"/>
+              </a:ext>
+            </a:extLst>
+          </p:cNvPr>
+          <p:cNvSpPr>
+            <a:spLocks noGrp="1"/>
+          </p:cNvSpPr>
+          <p:nvPr>
+            <p:ph type="sldNum" sz="quarter" idx="12"/>
+          </p:nvPr>
+        </p:nvSpPr>
+        <p:spPr/>
+        <p:txBody>
+          <a:bodyPr/>
+          <a:lstStyle/>
+          <a:p>
+            <a:fld id="{018BF65D-6ED2-4CD5-9A43-7F793B06593C}" type="slidenum">
+              <a:rPr lang="ru-RU" smtClean="0"/>
+              <a:t>13</a:t>
+            </a:fld>
+            <a:endParaRPr lang="ru-RU"/>
+          </a:p>
+        </p:txBody>
+      </p:sp>
+      <p:sp>
+        <p:nvSpPr>
+          <p:cNvPr id="7" name="Заголовок 1">
+            <a:extLst>
+              <a:ext uri="{FF2B5EF4-FFF2-40B4-BE49-F238E27FC236}">
+                <a16:creationId xmlns:a16="http://schemas.microsoft.com/office/drawing/2014/main" id="{C97D02F3-B3CF-1A40-992B-3BCE54AEC322}"/>
+              </a:ext>
+            </a:extLst>
+          </p:cNvPr>
+          <p:cNvSpPr txBox="1">
+            <a:spLocks/>
+          </p:cNvSpPr>
+          <p:nvPr/>
+        </p:nvSpPr>
+        <p:spPr>
+          <a:xfrm>
+            <a:off x="-1" y="-16805"/>
+            <a:ext cx="12192001" cy="941202"/>
+          </a:xfrm>
+          <a:prstGeom prst="rect">
+            <a:avLst/>
+          </a:prstGeom>
+          <a:solidFill>
+            <a:schemeClr val="accent3">
+              <a:lumMod val="20000"/>
+              <a:lumOff val="80000"/>
+            </a:schemeClr>
+          </a:solidFill>
+        </p:spPr>
+        <p:txBody>
+          <a:bodyPr vert="horz" lIns="91440" tIns="45720" rIns="91440" bIns="45720" rtlCol="0" anchor="ctr">
+            <a:normAutofit/>
+          </a:bodyPr>
+          <a:lstStyle>
+            <a:lvl1pPr algn="l" defTabSz="914400" rtl="0" eaLnBrk="1" latinLnBrk="0" hangingPunct="1">
+              <a:lnSpc>
+                <a:spcPct val="90000"/>
+              </a:lnSpc>
+              <a:spcBef>
+                <a:spcPct val="0"/>
+              </a:spcBef>
+              <a:buNone/>
+              <a:defRPr sz="4400" kern="1200">
+                <a:solidFill>
+                  <a:schemeClr val="tx1"/>
+                </a:solidFill>
+                <a:latin typeface="+mj-lt"/>
+                <a:ea typeface="+mj-ea"/>
+                <a:cs typeface="+mj-cs"/>
+              </a:defRPr>
+            </a:lvl1pPr>
+          </a:lstStyle>
+          <a:p>
+            <a:r>
+              <a:rPr lang="en-US" b="1" dirty="0">
+                <a:latin typeface="+mn-lt"/>
+              </a:rPr>
+              <a:t>	</a:t>
+            </a:r>
+            <a:r>
+              <a:rPr lang="ru-RU" b="1" dirty="0">
+                <a:latin typeface="+mn-lt"/>
+              </a:rPr>
+              <a:t>Заключение</a:t>
+            </a:r>
+          </a:p>
+        </p:txBody>
+      </p:sp>
+      <p:pic>
+        <p:nvPicPr>
+          <p:cNvPr id="8" name="Picture 7">
+            <a:extLst>
+              <a:ext uri="{FF2B5EF4-FFF2-40B4-BE49-F238E27FC236}">
+                <a16:creationId xmlns:a16="http://schemas.microsoft.com/office/drawing/2014/main" id="{E865F144-5406-EF47-B91B-14B125A33E9F}"/>
+              </a:ext>
+            </a:extLst>
+          </p:cNvPr>
+          <p:cNvPicPr>
+            <a:picLocks noChangeAspect="1"/>
+          </p:cNvPicPr>
+          <p:nvPr/>
+        </p:nvPicPr>
+        <p:blipFill>
+          <a:blip r:embed="rId3">
+            <a:extLst>
+              <a:ext uri="{28A0092B-C50C-407E-A947-70E740481C1C}">
+                <a14:useLocalDpi xmlns:a14="http://schemas.microsoft.com/office/drawing/2010/main" val="0"/>
+              </a:ext>
+            </a:extLst>
+          </a:blip>
+          <a:stretch>
+            <a:fillRect/>
+          </a:stretch>
+        </p:blipFill>
+        <p:spPr>
+          <a:xfrm>
+            <a:off x="83617" y="68686"/>
+            <a:ext cx="811437" cy="792024"/>
+          </a:xfrm>
+          <a:prstGeom prst="rect">
+            <a:avLst/>
+          </a:prstGeom>
+        </p:spPr>
+      </p:pic>
+      <p:pic>
+        <p:nvPicPr>
+          <p:cNvPr id="9" name="Picture 8">
+            <a:extLst>
+              <a:ext uri="{FF2B5EF4-FFF2-40B4-BE49-F238E27FC236}">
+                <a16:creationId xmlns:a16="http://schemas.microsoft.com/office/drawing/2014/main" id="{086CDF8B-5A30-8C4F-B34E-4275A0D98BC9}"/>
+              </a:ext>
+            </a:extLst>
+          </p:cNvPr>
+          <p:cNvPicPr>
+            <a:picLocks noChangeAspect="1"/>
+          </p:cNvPicPr>
+          <p:nvPr/>
+        </p:nvPicPr>
+        <p:blipFill>
+          <a:blip r:embed="rId4">
+            <a:extLst>
+              <a:ext uri="{28A0092B-C50C-407E-A947-70E740481C1C}">
+                <a14:useLocalDpi xmlns:a14="http://schemas.microsoft.com/office/drawing/2010/main" val="0"/>
+              </a:ext>
+            </a:extLst>
+          </a:blip>
+          <a:stretch>
+            <a:fillRect/>
+          </a:stretch>
+        </p:blipFill>
+        <p:spPr>
+          <a:xfrm>
+            <a:off x="11353800" y="37130"/>
+            <a:ext cx="697948" cy="823580"/>
+          </a:xfrm>
+          <a:prstGeom prst="rect">
+            <a:avLst/>
+          </a:prstGeom>
+          <a:effectLst/>
+        </p:spPr>
+      </p:pic>
+      <p:sp>
+        <p:nvSpPr>
+          <p:cNvPr id="4" name="Content Placeholder 3">
+            <a:extLst>
+              <a:ext uri="{FF2B5EF4-FFF2-40B4-BE49-F238E27FC236}">
+                <a16:creationId xmlns:a16="http://schemas.microsoft.com/office/drawing/2014/main" id="{B5864989-CF3D-4AA0-88E2-0C0B8B6D17BC}"/>
+              </a:ext>
+            </a:extLst>
+          </p:cNvPr>
+          <p:cNvSpPr>
+            <a:spLocks noGrp="1"/>
+          </p:cNvSpPr>
+          <p:nvPr>
+            <p:ph idx="1"/>
+          </p:nvPr>
+        </p:nvSpPr>
+        <p:spPr/>
+        <p:txBody>
+          <a:bodyPr/>
+          <a:lstStyle/>
+          <a:p>
+            <a:endParaRPr lang="ru-RU"/>
+          </a:p>
+        </p:txBody>
+      </p:sp>
+    </p:spTree>
+    <p:extLst>
+      <p:ext uri="{BB962C8B-B14F-4D97-AF65-F5344CB8AC3E}">
+        <p14:creationId xmlns:p14="http://schemas.microsoft.com/office/powerpoint/2010/main" val="4066101104"/>
+      </p:ext>
+    </p:extLst>
+  </p:cSld>
+  <p:clrMapOvr>
+    <a:masterClrMapping/>
+  </p:clrMapOvr>
+</p:sld>
+</file>
+
+<file path=ppt/slides/slide14.xml><?xml version="1.0" encoding="utf-8"?>
+<p:sld xmlns:a="http://schemas.openxmlformats.org/drawingml/2006/main" xmlns:r="http://schemas.openxmlformats.org/officeDocument/2006/relationships" xmlns:p="http://schemas.openxmlformats.org/presentationml/2006/main">
+  <p:cSld>
+    <p:spTree>
+      <p:nvGrpSpPr>
+        <p:cNvPr id="1" name=""/>
+        <p:cNvGrpSpPr/>
+        <p:nvPr/>
+      </p:nvGrpSpPr>
+      <p:grpSpPr>
+        <a:xfrm>
+          <a:off x="0" y="0"/>
+          <a:ext cx="0" cy="0"/>
+          <a:chOff x="0" y="0"/>
+          <a:chExt cx="0" cy="0"/>
+        </a:xfrm>
+      </p:grpSpPr>
+      <p:sp>
+        <p:nvSpPr>
+          <p:cNvPr id="5" name="Slide Number Placeholder 4">
+            <a:extLst>
+              <a:ext uri="{FF2B5EF4-FFF2-40B4-BE49-F238E27FC236}">
+                <a16:creationId xmlns:a16="http://schemas.microsoft.com/office/drawing/2014/main" id="{AAE0A73A-0DF3-3A44-813D-3A4A08C1D621}"/>
+              </a:ext>
+            </a:extLst>
+          </p:cNvPr>
+          <p:cNvSpPr>
+            <a:spLocks noGrp="1"/>
+          </p:cNvSpPr>
+          <p:nvPr>
+            <p:ph type="sldNum" sz="quarter" idx="12"/>
+          </p:nvPr>
+        </p:nvSpPr>
+        <p:spPr/>
+        <p:txBody>
+          <a:bodyPr/>
+          <a:lstStyle/>
+          <a:p>
+            <a:fld id="{018BF65D-6ED2-4CD5-9A43-7F793B06593C}" type="slidenum">
+              <a:rPr lang="ru-RU" smtClean="0"/>
+              <a:t>14</a:t>
             </a:fld>
             <a:endParaRPr lang="ru-RU"/>
           </a:p>

--- a/docs/presentation/presentation.pptx
+++ b/docs/presentation/presentation.pptx
@@ -5,10 +5,10 @@
     <p:sldMasterId id="2147483648" r:id="rId1"/>
   </p:sldMasterIdLst>
   <p:notesMasterIdLst>
-    <p:notesMasterId r:id="rId16"/>
+    <p:notesMasterId r:id="rId17"/>
   </p:notesMasterIdLst>
   <p:handoutMasterIdLst>
-    <p:handoutMasterId r:id="rId17"/>
+    <p:handoutMasterId r:id="rId18"/>
   </p:handoutMasterIdLst>
   <p:sldIdLst>
     <p:sldId id="256" r:id="rId2"/>
@@ -23,8 +23,9 @@
     <p:sldId id="300" r:id="rId11"/>
     <p:sldId id="302" r:id="rId12"/>
     <p:sldId id="303" r:id="rId13"/>
-    <p:sldId id="267" r:id="rId14"/>
-    <p:sldId id="268" r:id="rId15"/>
+    <p:sldId id="304" r:id="rId14"/>
+    <p:sldId id="267" r:id="rId15"/>
+    <p:sldId id="268" r:id="rId16"/>
   </p:sldIdLst>
   <p:sldSz cx="12192000" cy="6858000"/>
   <p:notesSz cx="6858000" cy="9144000"/>
@@ -225,7 +226,7 @@
           <a:p>
             <a:fld id="{5370F716-410A-A54A-8F98-B0E52D6A559C}" type="datetimeFigureOut">
               <a:rPr lang="en-RU" smtClean="0"/>
-              <a:t>03/09/2024</a:t>
+              <a:t>03/10/2024</a:t>
             </a:fld>
             <a:endParaRPr lang="en-RU"/>
           </a:p>
@@ -403,7 +404,7 @@
           <a:p>
             <a:fld id="{6E344C1D-7E01-1847-9C7D-D045223BB03C}" type="datetimeFigureOut">
               <a:rPr lang="en-RU" smtClean="0"/>
-              <a:t>03/09/2024</a:t>
+              <a:t>03/10/2024</a:t>
             </a:fld>
             <a:endParaRPr lang="en-RU"/>
           </a:p>
@@ -1211,7 +1212,15 @@
           <a:bodyPr/>
           <a:lstStyle/>
           <a:p>
-            <a:endParaRPr lang="en-RU" dirty="0"/>
+            <a:endParaRPr lang="en-RU" sz="1200" kern="1200" dirty="0">
+              <a:solidFill>
+                <a:schemeClr val="tx1"/>
+              </a:solidFill>
+              <a:effectLst/>
+              <a:latin typeface="+mn-lt"/>
+              <a:ea typeface="+mn-ea"/>
+              <a:cs typeface="+mn-cs"/>
+            </a:endParaRPr>
           </a:p>
         </p:txBody>
       </p:sp>
@@ -1241,7 +1250,7 @@
     </p:spTree>
     <p:extLst>
       <p:ext uri="{BB962C8B-B14F-4D97-AF65-F5344CB8AC3E}">
-        <p14:creationId xmlns:p14="http://schemas.microsoft.com/office/powerpoint/2010/main" val="2480852342"/>
+        <p14:creationId xmlns:p14="http://schemas.microsoft.com/office/powerpoint/2010/main" val="3755567638"/>
       </p:ext>
     </p:extLst>
   </p:cSld>
@@ -1295,6 +1304,90 @@
           <a:bodyPr/>
           <a:lstStyle/>
           <a:p>
+            <a:endParaRPr lang="en-RU" dirty="0"/>
+          </a:p>
+        </p:txBody>
+      </p:sp>
+      <p:sp>
+        <p:nvSpPr>
+          <p:cNvPr id="4" name="Slide Number Placeholder 3"/>
+          <p:cNvSpPr>
+            <a:spLocks noGrp="1"/>
+          </p:cNvSpPr>
+          <p:nvPr>
+            <p:ph type="sldNum" sz="quarter" idx="5"/>
+          </p:nvPr>
+        </p:nvSpPr>
+        <p:spPr/>
+        <p:txBody>
+          <a:bodyPr/>
+          <a:lstStyle/>
+          <a:p>
+            <a:fld id="{80EA287C-F450-484E-9FD5-FC6D729DAEC8}" type="slidenum">
+              <a:rPr lang="en-RU" smtClean="0"/>
+              <a:t>14</a:t>
+            </a:fld>
+            <a:endParaRPr lang="en-RU"/>
+          </a:p>
+        </p:txBody>
+      </p:sp>
+    </p:spTree>
+    <p:extLst>
+      <p:ext uri="{BB962C8B-B14F-4D97-AF65-F5344CB8AC3E}">
+        <p14:creationId xmlns:p14="http://schemas.microsoft.com/office/powerpoint/2010/main" val="2480852342"/>
+      </p:ext>
+    </p:extLst>
+  </p:cSld>
+  <p:clrMapOvr>
+    <a:masterClrMapping/>
+  </p:clrMapOvr>
+</p:notes>
+</file>
+
+<file path=ppt/notesSlides/notesSlide15.xml><?xml version="1.0" encoding="utf-8"?>
+<p:notes xmlns:a="http://schemas.openxmlformats.org/drawingml/2006/main" xmlns:r="http://schemas.openxmlformats.org/officeDocument/2006/relationships" xmlns:p="http://schemas.openxmlformats.org/presentationml/2006/main">
+  <p:cSld>
+    <p:spTree>
+      <p:nvGrpSpPr>
+        <p:cNvPr id="1" name=""/>
+        <p:cNvGrpSpPr/>
+        <p:nvPr/>
+      </p:nvGrpSpPr>
+      <p:grpSpPr>
+        <a:xfrm>
+          <a:off x="0" y="0"/>
+          <a:ext cx="0" cy="0"/>
+          <a:chOff x="0" y="0"/>
+          <a:chExt cx="0" cy="0"/>
+        </a:xfrm>
+      </p:grpSpPr>
+      <p:sp>
+        <p:nvSpPr>
+          <p:cNvPr id="2" name="Slide Image Placeholder 1"/>
+          <p:cNvSpPr>
+            <a:spLocks noGrp="1" noRot="1" noChangeAspect="1"/>
+          </p:cNvSpPr>
+          <p:nvPr>
+            <p:ph type="sldImg"/>
+          </p:nvPr>
+        </p:nvSpPr>
+        <p:spPr/>
+      </p:sp>
+      <p:sp>
+        <p:nvSpPr>
+          <p:cNvPr id="3" name="Notes Placeholder 2"/>
+          <p:cNvSpPr>
+            <a:spLocks noGrp="1"/>
+          </p:cNvSpPr>
+          <p:nvPr>
+            <p:ph type="body" idx="1"/>
+          </p:nvPr>
+        </p:nvSpPr>
+        <p:spPr/>
+        <p:txBody>
+          <a:bodyPr/>
+          <a:lstStyle/>
+          <a:p>
             <a:endParaRPr lang="en-RU" sz="1200" kern="1200" dirty="0">
               <a:solidFill>
                 <a:schemeClr val="tx1"/>
@@ -1324,7 +1417,7 @@
           <a:p>
             <a:fld id="{80EA287C-F450-484E-9FD5-FC6D729DAEC8}" type="slidenum">
               <a:rPr lang="en-RU" smtClean="0"/>
-              <a:t>14</a:t>
+              <a:t>15</a:t>
             </a:fld>
             <a:endParaRPr lang="en-RU"/>
           </a:p>
@@ -1631,7 +1724,7 @@
                 <a:ea typeface="Helvetica Neue" panose="02000503000000020004" pitchFamily="2" charset="0"/>
                 <a:cs typeface="Helvetica Neue" panose="02000503000000020004" pitchFamily="2" charset="0"/>
               </a:rPr>
-              <a:t>Разработка модуля ядра </a:t>
+              <a:t>Разработка эмулятора ядра </a:t>
             </a:r>
             <a:r>
               <a:rPr lang="en-US" sz="2000" dirty="0">
@@ -1647,6 +1740,49 @@
                 <a:ea typeface="Helvetica Neue" panose="02000503000000020004" pitchFamily="2" charset="0"/>
                 <a:cs typeface="Helvetica Neue" panose="02000503000000020004" pitchFamily="2" charset="0"/>
               </a:rPr>
+              <a:t>с использованием современных средств проектирования ПО</a:t>
+            </a:r>
+          </a:p>
+          <a:p>
+            <a:pPr marL="514350" marR="0" lvl="0" indent="-514350" algn="l" defTabSz="914400" rtl="0" eaLnBrk="1" fontAlgn="auto" latinLnBrk="0" hangingPunct="1">
+              <a:lnSpc>
+                <a:spcPct val="100000"/>
+              </a:lnSpc>
+              <a:spcBef>
+                <a:spcPts val="0"/>
+              </a:spcBef>
+              <a:spcAft>
+                <a:spcPts val="0"/>
+              </a:spcAft>
+              <a:buClrTx/>
+              <a:buSzTx/>
+              <a:buFont typeface="+mj-lt"/>
+              <a:buAutoNum type="arabicPeriod"/>
+              <a:tabLst/>
+              <a:defRPr/>
+            </a:pPr>
+            <a:r>
+              <a:rPr lang="ru-RU" sz="2000" dirty="0">
+                <a:latin typeface="Helvetica Neue" panose="02000503000000020004" pitchFamily="2" charset="0"/>
+                <a:ea typeface="Helvetica Neue" panose="02000503000000020004" pitchFamily="2" charset="0"/>
+                <a:cs typeface="Helvetica Neue" panose="02000503000000020004" pitchFamily="2" charset="0"/>
+              </a:rPr>
+              <a:t>Разработка модуля ядра </a:t>
+            </a:r>
+            <a:r>
+              <a:rPr lang="en-US" sz="2000" dirty="0">
+                <a:latin typeface="Helvetica Neue" panose="02000503000000020004" pitchFamily="2" charset="0"/>
+                <a:ea typeface="Helvetica Neue" panose="02000503000000020004" pitchFamily="2" charset="0"/>
+                <a:cs typeface="Helvetica Neue" panose="02000503000000020004" pitchFamily="2" charset="0"/>
+              </a:rPr>
+              <a:t>MIPS </a:t>
+            </a:r>
+            <a:r>
+              <a:rPr lang="ru-RU" sz="2000" dirty="0">
+                <a:latin typeface="Helvetica Neue" panose="02000503000000020004" pitchFamily="2" charset="0"/>
+                <a:ea typeface="Helvetica Neue" panose="02000503000000020004" pitchFamily="2" charset="0"/>
+                <a:cs typeface="Helvetica Neue" panose="02000503000000020004" pitchFamily="2" charset="0"/>
+              </a:rPr>
               <a:t>в эмуляторе </a:t>
             </a:r>
             <a:r>
@@ -1662,36 +1798,6 @@
               <a:ea typeface="Helvetica Neue" panose="02000503000000020004" pitchFamily="2" charset="0"/>
               <a:cs typeface="Helvetica Neue" panose="02000503000000020004" pitchFamily="2" charset="0"/>
             </a:endParaRPr>
-          </a:p>
-          <a:p>
-            <a:pPr marL="514350" indent="-514350">
-              <a:buFont typeface="+mj-lt"/>
-              <a:buAutoNum type="arabicPeriod"/>
-            </a:pPr>
-            <a:r>
-              <a:rPr lang="ru-RU" sz="2000" dirty="0">
-                <a:latin typeface="Helvetica Neue" panose="02000503000000020004" pitchFamily="2" charset="0"/>
-                <a:ea typeface="Helvetica Neue" panose="02000503000000020004" pitchFamily="2" charset="0"/>
-                <a:cs typeface="Helvetica Neue" panose="02000503000000020004" pitchFamily="2" charset="0"/>
-              </a:rPr>
-              <a:t>Разработка эмулятора ядра </a:t>
-            </a:r>
-            <a:r>
-              <a:rPr lang="en-US" sz="2000" dirty="0">
-                <a:latin typeface="Helvetica Neue" panose="02000503000000020004" pitchFamily="2" charset="0"/>
-                <a:ea typeface="Helvetica Neue" panose="02000503000000020004" pitchFamily="2" charset="0"/>
-                <a:cs typeface="Helvetica Neue" panose="02000503000000020004" pitchFamily="2" charset="0"/>
-              </a:rPr>
-              <a:t>MIPS </a:t>
-            </a:r>
-            <a:r>
-              <a:rPr lang="ru-RU" sz="2000" dirty="0">
-                <a:latin typeface="Helvetica Neue" panose="02000503000000020004" pitchFamily="2" charset="0"/>
-                <a:ea typeface="Helvetica Neue" panose="02000503000000020004" pitchFamily="2" charset="0"/>
-                <a:cs typeface="Helvetica Neue" panose="02000503000000020004" pitchFamily="2" charset="0"/>
-              </a:rPr>
-              <a:t>с использованием современных средств проектирования ПО</a:t>
-            </a:r>
           </a:p>
           <a:p>
             <a:pPr marL="514350" indent="-514350">
@@ -2515,7 +2621,7 @@
           <a:p>
             <a:fld id="{45B49B8D-C717-FB40-8C4E-BD086F389FF5}" type="datetime1">
               <a:rPr lang="ru-RU" smtClean="0"/>
-              <a:t>09.03.2024</a:t>
+              <a:t>10.03.2024</a:t>
             </a:fld>
             <a:endParaRPr lang="ru-RU"/>
           </a:p>
@@ -2713,7 +2819,7 @@
           <a:p>
             <a:fld id="{2887790D-FFAC-5F44-A8C4-EC2E2164A3DC}" type="datetime1">
               <a:rPr lang="ru-RU" smtClean="0"/>
-              <a:t>09.03.2024</a:t>
+              <a:t>10.03.2024</a:t>
             </a:fld>
             <a:endParaRPr lang="ru-RU"/>
           </a:p>
@@ -2921,7 +3027,7 @@
           <a:p>
             <a:fld id="{E9A341A0-40B2-AC45-B64F-340B7C88EF7C}" type="datetime1">
               <a:rPr lang="ru-RU" smtClean="0"/>
-              <a:t>09.03.2024</a:t>
+              <a:t>10.03.2024</a:t>
             </a:fld>
             <a:endParaRPr lang="ru-RU"/>
           </a:p>
@@ -3119,7 +3225,7 @@
           <a:p>
             <a:fld id="{944C082E-14C7-0D4D-9FED-8B46EFD1D4D1}" type="datetime1">
               <a:rPr lang="ru-RU" smtClean="0"/>
-              <a:t>09.03.2024</a:t>
+              <a:t>10.03.2024</a:t>
             </a:fld>
             <a:endParaRPr lang="ru-RU"/>
           </a:p>
@@ -3394,7 +3500,7 @@
           <a:p>
             <a:fld id="{4342DB28-D253-F044-923D-BEB262C1D170}" type="datetime1">
               <a:rPr lang="ru-RU" smtClean="0"/>
-              <a:t>09.03.2024</a:t>
+              <a:t>10.03.2024</a:t>
             </a:fld>
             <a:endParaRPr lang="ru-RU"/>
           </a:p>
@@ -3659,7 +3765,7 @@
           <a:p>
             <a:fld id="{26480C6B-99A3-C34E-BFB7-3DDCA6604EB2}" type="datetime1">
               <a:rPr lang="ru-RU" smtClean="0"/>
-              <a:t>09.03.2024</a:t>
+              <a:t>10.03.2024</a:t>
             </a:fld>
             <a:endParaRPr lang="ru-RU"/>
           </a:p>
@@ -4071,7 +4177,7 @@
           <a:p>
             <a:fld id="{E1C928CE-B4EE-8A4B-BED9-37AFD8E01F06}" type="datetime1">
               <a:rPr lang="ru-RU" smtClean="0"/>
-              <a:t>09.03.2024</a:t>
+              <a:t>10.03.2024</a:t>
             </a:fld>
             <a:endParaRPr lang="ru-RU"/>
           </a:p>
@@ -4212,7 +4318,7 @@
           <a:p>
             <a:fld id="{EED985D0-C1B6-374F-A798-32E4D666EDAA}" type="datetime1">
               <a:rPr lang="ru-RU" smtClean="0"/>
-              <a:t>09.03.2024</a:t>
+              <a:t>10.03.2024</a:t>
             </a:fld>
             <a:endParaRPr lang="ru-RU"/>
           </a:p>
@@ -4325,7 +4431,7 @@
           <a:p>
             <a:fld id="{A5A6D0E3-9B84-0E47-A123-FDD2FAE97398}" type="datetime1">
               <a:rPr lang="ru-RU" smtClean="0"/>
-              <a:t>09.03.2024</a:t>
+              <a:t>10.03.2024</a:t>
             </a:fld>
             <a:endParaRPr lang="ru-RU"/>
           </a:p>
@@ -4636,7 +4742,7 @@
           <a:p>
             <a:fld id="{F34C5F5B-25AC-5141-A84C-002BC2E8628D}" type="datetime1">
               <a:rPr lang="ru-RU" smtClean="0"/>
-              <a:t>09.03.2024</a:t>
+              <a:t>10.03.2024</a:t>
             </a:fld>
             <a:endParaRPr lang="ru-RU"/>
           </a:p>
@@ -4924,7 +5030,7 @@
           <a:p>
             <a:fld id="{205038F4-3FD1-5249-8FE0-C3294BD30713}" type="datetime1">
               <a:rPr lang="ru-RU" smtClean="0"/>
-              <a:t>09.03.2024</a:t>
+              <a:t>10.03.2024</a:t>
             </a:fld>
             <a:endParaRPr lang="ru-RU"/>
           </a:p>
@@ -5165,7 +5271,7 @@
           <a:p>
             <a:fld id="{34B87344-6D54-E647-B5A2-7AB5D3AFE719}" type="datetime1">
               <a:rPr lang="ru-RU" smtClean="0"/>
-              <a:t>09.03.2024</a:t>
+              <a:t>10.03.2024</a:t>
             </a:fld>
             <a:endParaRPr lang="ru-RU"/>
           </a:p>
@@ -7063,7 +7169,7 @@
           <p:cNvPr id="5" name="Slide Number Placeholder 4">
             <a:extLst>
               <a:ext uri="{FF2B5EF4-FFF2-40B4-BE49-F238E27FC236}">
-                <a16:creationId xmlns:a16="http://schemas.microsoft.com/office/drawing/2014/main" id="{FA23F4B6-34F6-5F49-8575-0B830127F0BA}"/>
+                <a16:creationId xmlns:a16="http://schemas.microsoft.com/office/drawing/2014/main" id="{3B502563-780D-9A4C-8688-21BD4E6EF31A}"/>
               </a:ext>
             </a:extLst>
           </p:cNvPr>
@@ -7083,7 +7189,7 @@
               <a:rPr lang="ru-RU" smtClean="0"/>
               <a:t>13</a:t>
             </a:fld>
-            <a:endParaRPr lang="ru-RU"/>
+            <a:endParaRPr lang="ru-RU" dirty="0"/>
           </a:p>
         </p:txBody>
       </p:sp>
@@ -7092,7 +7198,7 @@
           <p:cNvPr id="7" name="Заголовок 1">
             <a:extLst>
               <a:ext uri="{FF2B5EF4-FFF2-40B4-BE49-F238E27FC236}">
-                <a16:creationId xmlns:a16="http://schemas.microsoft.com/office/drawing/2014/main" id="{C97D02F3-B3CF-1A40-992B-3BCE54AEC322}"/>
+                <a16:creationId xmlns:a16="http://schemas.microsoft.com/office/drawing/2014/main" id="{5244247D-458B-804E-8660-B8C8BACFDC3F}"/>
               </a:ext>
             </a:extLst>
           </p:cNvPr>
@@ -7147,10 +7253,10 @@
               <a:t>	</a:t>
             </a:r>
             <a:r>
-              <a:rPr lang="ru-RU" b="1" dirty="0">
+              <a:rPr lang="ru-RU" sz="4000" b="1" dirty="0">
                 <a:latin typeface="+mn-lt"/>
               </a:rPr>
-              <a:t>Заключение</a:t>
+              <a:t>Результаты исследования быстродействия ЯП</a:t>
             </a:r>
           </a:p>
         </p:txBody>
@@ -7160,7 +7266,7 @@
           <p:cNvPr id="8" name="Picture 7">
             <a:extLst>
               <a:ext uri="{FF2B5EF4-FFF2-40B4-BE49-F238E27FC236}">
-                <a16:creationId xmlns:a16="http://schemas.microsoft.com/office/drawing/2014/main" id="{E865F144-5406-EF47-B91B-14B125A33E9F}"/>
+                <a16:creationId xmlns:a16="http://schemas.microsoft.com/office/drawing/2014/main" id="{E9C1B6FE-0157-D842-B40B-5230337F328B}"/>
               </a:ext>
             </a:extLst>
           </p:cNvPr>
@@ -7196,7 +7302,7 @@
           <p:cNvPr id="9" name="Picture 8">
             <a:extLst>
               <a:ext uri="{FF2B5EF4-FFF2-40B4-BE49-F238E27FC236}">
-                <a16:creationId xmlns:a16="http://schemas.microsoft.com/office/drawing/2014/main" id="{086CDF8B-5A30-8C4F-B34E-4275A0D98BC9}"/>
+                <a16:creationId xmlns:a16="http://schemas.microsoft.com/office/drawing/2014/main" id="{C108A182-E882-F649-9105-60A469C17A4C}"/>
               </a:ext>
             </a:extLst>
           </p:cNvPr>
@@ -7228,35 +7334,2195 @@
           <a:effectLst/>
         </p:spPr>
       </p:pic>
-      <p:sp>
-        <p:nvSpPr>
-          <p:cNvPr id="4" name="Content Placeholder 3">
-            <a:extLst>
-              <a:ext uri="{FF2B5EF4-FFF2-40B4-BE49-F238E27FC236}">
-                <a16:creationId xmlns:a16="http://schemas.microsoft.com/office/drawing/2014/main" id="{B5864989-CF3D-4AA0-88E2-0C0B8B6D17BC}"/>
-              </a:ext>
-            </a:extLst>
-          </p:cNvPr>
-          <p:cNvSpPr>
-            <a:spLocks noGrp="1"/>
-          </p:cNvSpPr>
+      <p:graphicFrame>
+        <p:nvGraphicFramePr>
+          <p:cNvPr id="12" name="Table 11">
+            <a:extLst>
+              <a:ext uri="{FF2B5EF4-FFF2-40B4-BE49-F238E27FC236}">
+                <a16:creationId xmlns:a16="http://schemas.microsoft.com/office/drawing/2014/main" id="{FEC17B16-F344-4897-A1F9-A6F0EDD3F06E}"/>
+              </a:ext>
+            </a:extLst>
+          </p:cNvPr>
+          <p:cNvGraphicFramePr>
+            <a:graphicFrameLocks noGrp="1"/>
+          </p:cNvGraphicFramePr>
           <p:nvPr>
-            <p:ph idx="1"/>
+            <p:extLst>
+              <p:ext uri="{D42A27DB-BD31-4B8C-83A1-F6EECF244321}">
+                <p14:modId xmlns:p14="http://schemas.microsoft.com/office/powerpoint/2010/main" val="1723281349"/>
+              </p:ext>
+            </p:extLst>
           </p:nvPr>
-        </p:nvSpPr>
-        <p:spPr/>
-        <p:txBody>
-          <a:bodyPr/>
-          <a:lstStyle/>
-          <a:p>
-            <a:endParaRPr lang="ru-RU"/>
-          </a:p>
-        </p:txBody>
-      </p:sp>
+        </p:nvGraphicFramePr>
+        <p:xfrm>
+          <a:off x="834403" y="1307157"/>
+          <a:ext cx="10519397" cy="4754880"/>
+        </p:xfrm>
+        <a:graphic>
+          <a:graphicData uri="http://schemas.openxmlformats.org/drawingml/2006/table">
+            <a:tbl>
+              <a:tblPr firstRow="1" firstCol="1" bandRow="1">
+                <a:tableStyleId>{5FD0F851-EC5A-4D38-B0AD-8093EC10F338}</a:tableStyleId>
+              </a:tblPr>
+              <a:tblGrid>
+                <a:gridCol w="1429826">
+                  <a:extLst>
+                    <a:ext uri="{9D8B030D-6E8A-4147-A177-3AD203B41FA5}">
+                      <a16:colId xmlns:a16="http://schemas.microsoft.com/office/drawing/2014/main" val="983327999"/>
+                    </a:ext>
+                  </a:extLst>
+                </a:gridCol>
+                <a:gridCol w="2681184">
+                  <a:extLst>
+                    <a:ext uri="{9D8B030D-6E8A-4147-A177-3AD203B41FA5}">
+                      <a16:colId xmlns:a16="http://schemas.microsoft.com/office/drawing/2014/main" val="3070786675"/>
+                    </a:ext>
+                  </a:extLst>
+                </a:gridCol>
+                <a:gridCol w="2314635">
+                  <a:extLst>
+                    <a:ext uri="{9D8B030D-6E8A-4147-A177-3AD203B41FA5}">
+                      <a16:colId xmlns:a16="http://schemas.microsoft.com/office/drawing/2014/main" val="40221874"/>
+                    </a:ext>
+                  </a:extLst>
+                </a:gridCol>
+                <a:gridCol w="2046876">
+                  <a:extLst>
+                    <a:ext uri="{9D8B030D-6E8A-4147-A177-3AD203B41FA5}">
+                      <a16:colId xmlns:a16="http://schemas.microsoft.com/office/drawing/2014/main" val="168951822"/>
+                    </a:ext>
+                  </a:extLst>
+                </a:gridCol>
+                <a:gridCol w="2046876">
+                  <a:extLst>
+                    <a:ext uri="{9D8B030D-6E8A-4147-A177-3AD203B41FA5}">
+                      <a16:colId xmlns:a16="http://schemas.microsoft.com/office/drawing/2014/main" val="4057867323"/>
+                    </a:ext>
+                  </a:extLst>
+                </a:gridCol>
+              </a:tblGrid>
+              <a:tr h="786479">
+                <a:tc>
+                  <a:txBody>
+                    <a:bodyPr/>
+                    <a:lstStyle/>
+                    <a:p>
+                      <a:pPr marL="0" marR="0" indent="0" algn="ctr">
+                        <a:lnSpc>
+                          <a:spcPct val="150000"/>
+                        </a:lnSpc>
+                        <a:spcBef>
+                          <a:spcPts val="0"/>
+                        </a:spcBef>
+                        <a:spcAft>
+                          <a:spcPts val="0"/>
+                        </a:spcAft>
+                      </a:pPr>
+                      <a:r>
+                        <a:rPr lang="ru-RU" sz="2000" kern="100" dirty="0">
+                          <a:effectLst/>
+                          <a:latin typeface="Helvetica Neue" panose="02000503000000020004"/>
+                        </a:rPr>
+                        <a:t>Средство</a:t>
+                      </a:r>
+                      <a:endParaRPr lang="ru-RU" sz="2000" kern="100" dirty="0">
+                        <a:effectLst/>
+                        <a:latin typeface="Helvetica Neue" panose="02000503000000020004"/>
+                        <a:ea typeface="Calibri" panose="020F0502020204030204" pitchFamily="34" charset="0"/>
+                        <a:cs typeface="Times New Roman" panose="02020603050405020304" pitchFamily="18" charset="0"/>
+                      </a:endParaRPr>
+                    </a:p>
+                  </a:txBody>
+                  <a:tcPr marL="68580" marR="68580" marT="0" marB="0" anchor="ctr"/>
+                </a:tc>
+                <a:tc>
+                  <a:txBody>
+                    <a:bodyPr/>
+                    <a:lstStyle/>
+                    <a:p>
+                      <a:pPr algn="ctr"/>
+                      <a:r>
+                        <a:rPr lang="ru-RU" sz="2000" dirty="0">
+                          <a:latin typeface="Helvetica Neue" panose="02000503000000020004"/>
+                        </a:rPr>
+                        <a:t>Алгоритм умножения матриц</a:t>
+                      </a:r>
+                      <a:endParaRPr lang="ru-RU" sz="2000" dirty="0"/>
+                    </a:p>
+                  </a:txBody>
+                  <a:tcPr marL="68580" marR="68580" marT="0" marB="0" anchor="ctr"/>
+                </a:tc>
+                <a:tc>
+                  <a:txBody>
+                    <a:bodyPr/>
+                    <a:lstStyle/>
+                    <a:p>
+                      <a:pPr algn="ctr"/>
+                      <a:r>
+                        <a:rPr lang="ru-RU" sz="2000" dirty="0">
+                          <a:latin typeface="Helvetica Neue" panose="02000503000000020004"/>
+                        </a:rPr>
+                        <a:t>Алгоритм «Быстрая сортировка»</a:t>
+                      </a:r>
+                      <a:endParaRPr lang="ru-RU" sz="2000" dirty="0"/>
+                    </a:p>
+                  </a:txBody>
+                  <a:tcPr marL="68580" marR="68580" marT="0" marB="0" anchor="ctr"/>
+                </a:tc>
+                <a:tc>
+                  <a:txBody>
+                    <a:bodyPr/>
+                    <a:lstStyle/>
+                    <a:p>
+                      <a:pPr algn="ctr"/>
+                      <a:r>
+                        <a:rPr lang="ru-RU" sz="2000" dirty="0">
+                          <a:latin typeface="Helvetica Neue" panose="02000503000000020004"/>
+                        </a:rPr>
+                        <a:t>Алгоритм поиска простых чисел</a:t>
+                      </a:r>
+                      <a:endParaRPr lang="ru-RU" sz="2000" dirty="0"/>
+                    </a:p>
+                  </a:txBody>
+                  <a:tcPr marL="68580" marR="68580" marT="0" marB="0" anchor="ctr">
+                    <a:lnR w="12700" cap="flat" cmpd="sng" algn="ctr">
+                      <a:solidFill>
+                        <a:schemeClr val="accent1"/>
+                      </a:solidFill>
+                      <a:prstDash val="solid"/>
+                      <a:round/>
+                      <a:headEnd type="none" w="med" len="med"/>
+                      <a:tailEnd type="none" w="med" len="med"/>
+                    </a:lnR>
+                  </a:tcPr>
+                </a:tc>
+                <a:tc>
+                  <a:txBody>
+                    <a:bodyPr/>
+                    <a:lstStyle/>
+                    <a:p>
+                      <a:pPr algn="ctr"/>
+                      <a:r>
+                        <a:rPr lang="ru-RU" sz="2000" dirty="0">
+                          <a:latin typeface="Helvetica Neue" panose="02000503000000020004"/>
+                        </a:rPr>
+                        <a:t>Среднее значение</a:t>
+                      </a:r>
+                      <a:endParaRPr lang="ru-RU" sz="2000" dirty="0"/>
+                    </a:p>
+                  </a:txBody>
+                  <a:tcPr marL="68580" marR="68580" marT="0" marB="0" anchor="ctr">
+                    <a:lnL w="12700" cap="flat" cmpd="sng" algn="ctr">
+                      <a:solidFill>
+                        <a:schemeClr val="accent1"/>
+                      </a:solidFill>
+                      <a:prstDash val="solid"/>
+                      <a:round/>
+                      <a:headEnd type="none" w="med" len="med"/>
+                      <a:tailEnd type="none" w="med" len="med"/>
+                    </a:lnL>
+                  </a:tcPr>
+                </a:tc>
+                <a:extLst>
+                  <a:ext uri="{0D108BD9-81ED-4DB2-BD59-A6C34878D82A}">
+                    <a16:rowId xmlns:a16="http://schemas.microsoft.com/office/drawing/2014/main" val="2253354951"/>
+                  </a:ext>
+                </a:extLst>
+              </a:tr>
+              <a:tr h="548640">
+                <a:tc>
+                  <a:txBody>
+                    <a:bodyPr/>
+                    <a:lstStyle/>
+                    <a:p>
+                      <a:pPr marL="0" marR="0" indent="0" algn="ctr">
+                        <a:lnSpc>
+                          <a:spcPct val="150000"/>
+                        </a:lnSpc>
+                        <a:spcBef>
+                          <a:spcPts val="0"/>
+                        </a:spcBef>
+                        <a:spcAft>
+                          <a:spcPts val="0"/>
+                        </a:spcAft>
+                      </a:pPr>
+                      <a:r>
+                        <a:rPr lang="en-US" sz="2000" kern="100" dirty="0">
+                          <a:effectLst/>
+                          <a:latin typeface="Helvetica Neue" panose="02000503000000020004"/>
+                          <a:ea typeface="Calibri" panose="020F0502020204030204" pitchFamily="34" charset="0"/>
+                          <a:cs typeface="Times New Roman" panose="02020603050405020304" pitchFamily="18" charset="0"/>
+                        </a:rPr>
+                        <a:t>Python</a:t>
+                      </a:r>
+                      <a:endParaRPr lang="ru-RU" sz="2000" kern="100" dirty="0">
+                        <a:effectLst/>
+                        <a:latin typeface="Helvetica Neue" panose="02000503000000020004"/>
+                        <a:ea typeface="Calibri" panose="020F0502020204030204" pitchFamily="34" charset="0"/>
+                        <a:cs typeface="Times New Roman" panose="02020603050405020304" pitchFamily="18" charset="0"/>
+                      </a:endParaRPr>
+                    </a:p>
+                  </a:txBody>
+                  <a:tcPr marL="68580" marR="68580" marT="0" marB="0" anchor="ctr">
+                    <a:lnB w="28575" cap="flat" cmpd="sng" algn="ctr">
+                      <a:solidFill>
+                        <a:srgbClr val="8BEC77"/>
+                      </a:solidFill>
+                      <a:prstDash val="solid"/>
+                      <a:round/>
+                      <a:headEnd type="none" w="med" len="med"/>
+                      <a:tailEnd type="none" w="med" len="med"/>
+                    </a:lnB>
+                  </a:tcPr>
+                </a:tc>
+                <a:tc>
+                  <a:txBody>
+                    <a:bodyPr/>
+                    <a:lstStyle/>
+                    <a:p>
+                      <a:pPr marL="0" marR="0" indent="0" algn="ctr">
+                        <a:lnSpc>
+                          <a:spcPct val="150000"/>
+                        </a:lnSpc>
+                        <a:spcBef>
+                          <a:spcPts val="0"/>
+                        </a:spcBef>
+                        <a:spcAft>
+                          <a:spcPts val="0"/>
+                        </a:spcAft>
+                      </a:pPr>
+                      <a:r>
+                        <a:rPr lang="en-US" sz="2000" kern="100" dirty="0">
+                          <a:effectLst/>
+                          <a:latin typeface="Helvetica Neue" panose="02000503000000020004"/>
+                          <a:ea typeface="Calibri" panose="020F0502020204030204" pitchFamily="34" charset="0"/>
+                          <a:cs typeface="Times New Roman" panose="02020603050405020304" pitchFamily="18" charset="0"/>
+                        </a:rPr>
+                        <a:t>978.26</a:t>
+                      </a:r>
+                      <a:endParaRPr lang="ru-RU" sz="2000" kern="100" dirty="0">
+                        <a:effectLst/>
+                        <a:latin typeface="Helvetica Neue" panose="02000503000000020004"/>
+                        <a:ea typeface="Calibri" panose="020F0502020204030204" pitchFamily="34" charset="0"/>
+                        <a:cs typeface="Times New Roman" panose="02020603050405020304" pitchFamily="18" charset="0"/>
+                      </a:endParaRPr>
+                    </a:p>
+                  </a:txBody>
+                  <a:tcPr marL="68580" marR="68580" marT="0" marB="0" anchor="ctr">
+                    <a:lnB w="28575" cap="flat" cmpd="sng" algn="ctr">
+                      <a:solidFill>
+                        <a:srgbClr val="8BEC77"/>
+                      </a:solidFill>
+                      <a:prstDash val="solid"/>
+                      <a:round/>
+                      <a:headEnd type="none" w="med" len="med"/>
+                      <a:tailEnd type="none" w="med" len="med"/>
+                    </a:lnB>
+                  </a:tcPr>
+                </a:tc>
+                <a:tc>
+                  <a:txBody>
+                    <a:bodyPr/>
+                    <a:lstStyle/>
+                    <a:p>
+                      <a:pPr marL="0" marR="0" indent="0" algn="ctr">
+                        <a:lnSpc>
+                          <a:spcPct val="150000"/>
+                        </a:lnSpc>
+                        <a:spcBef>
+                          <a:spcPts val="0"/>
+                        </a:spcBef>
+                        <a:spcAft>
+                          <a:spcPts val="0"/>
+                        </a:spcAft>
+                      </a:pPr>
+                      <a:r>
+                        <a:rPr lang="en-US" sz="2000" kern="100" dirty="0">
+                          <a:effectLst/>
+                          <a:latin typeface="Helvetica Neue" panose="02000503000000020004"/>
+                          <a:ea typeface="Calibri" panose="020F0502020204030204" pitchFamily="34" charset="0"/>
+                          <a:cs typeface="Times New Roman" panose="02020603050405020304" pitchFamily="18" charset="0"/>
+                        </a:rPr>
+                        <a:t>6.53</a:t>
+                      </a:r>
+                      <a:endParaRPr lang="ru-RU" sz="2000" kern="100" dirty="0">
+                        <a:effectLst/>
+                        <a:latin typeface="Helvetica Neue" panose="02000503000000020004"/>
+                        <a:ea typeface="Calibri" panose="020F0502020204030204" pitchFamily="34" charset="0"/>
+                        <a:cs typeface="Times New Roman" panose="02020603050405020304" pitchFamily="18" charset="0"/>
+                      </a:endParaRPr>
+                    </a:p>
+                  </a:txBody>
+                  <a:tcPr marL="68580" marR="68580" marT="0" marB="0" anchor="ctr">
+                    <a:lnB w="28575" cap="flat" cmpd="sng" algn="ctr">
+                      <a:solidFill>
+                        <a:srgbClr val="8BEC77"/>
+                      </a:solidFill>
+                      <a:prstDash val="solid"/>
+                      <a:round/>
+                      <a:headEnd type="none" w="med" len="med"/>
+                      <a:tailEnd type="none" w="med" len="med"/>
+                    </a:lnB>
+                  </a:tcPr>
+                </a:tc>
+                <a:tc>
+                  <a:txBody>
+                    <a:bodyPr/>
+                    <a:lstStyle/>
+                    <a:p>
+                      <a:pPr marL="0" marR="0" indent="0" algn="ctr">
+                        <a:lnSpc>
+                          <a:spcPct val="150000"/>
+                        </a:lnSpc>
+                        <a:spcBef>
+                          <a:spcPts val="0"/>
+                        </a:spcBef>
+                        <a:spcAft>
+                          <a:spcPts val="0"/>
+                        </a:spcAft>
+                      </a:pPr>
+                      <a:r>
+                        <a:rPr lang="en-US" sz="2000" kern="100" dirty="0">
+                          <a:effectLst/>
+                          <a:latin typeface="Helvetica Neue" panose="02000503000000020004"/>
+                          <a:ea typeface="Calibri" panose="020F0502020204030204" pitchFamily="34" charset="0"/>
+                          <a:cs typeface="Times New Roman" panose="02020603050405020304" pitchFamily="18" charset="0"/>
+                        </a:rPr>
+                        <a:t>45.61</a:t>
+                      </a:r>
+                      <a:endParaRPr lang="ru-RU" sz="2000" kern="100" dirty="0">
+                        <a:effectLst/>
+                        <a:latin typeface="Helvetica Neue" panose="02000503000000020004"/>
+                        <a:ea typeface="Calibri" panose="020F0502020204030204" pitchFamily="34" charset="0"/>
+                        <a:cs typeface="Times New Roman" panose="02020603050405020304" pitchFamily="18" charset="0"/>
+                      </a:endParaRPr>
+                    </a:p>
+                  </a:txBody>
+                  <a:tcPr marL="68580" marR="68580" marT="0" marB="0" anchor="ctr">
+                    <a:lnR w="12700" cap="flat" cmpd="sng" algn="ctr">
+                      <a:solidFill>
+                        <a:schemeClr val="accent1"/>
+                      </a:solidFill>
+                      <a:prstDash val="solid"/>
+                      <a:round/>
+                      <a:headEnd type="none" w="med" len="med"/>
+                      <a:tailEnd type="none" w="med" len="med"/>
+                    </a:lnR>
+                    <a:lnB w="28575" cap="flat" cmpd="sng" algn="ctr">
+                      <a:solidFill>
+                        <a:srgbClr val="8BEC77"/>
+                      </a:solidFill>
+                      <a:prstDash val="solid"/>
+                      <a:round/>
+                      <a:headEnd type="none" w="med" len="med"/>
+                      <a:tailEnd type="none" w="med" len="med"/>
+                    </a:lnB>
+                  </a:tcPr>
+                </a:tc>
+                <a:tc>
+                  <a:txBody>
+                    <a:bodyPr/>
+                    <a:lstStyle/>
+                    <a:p>
+                      <a:pPr marL="0" marR="0" indent="0" algn="ctr">
+                        <a:lnSpc>
+                          <a:spcPct val="150000"/>
+                        </a:lnSpc>
+                        <a:spcBef>
+                          <a:spcPts val="0"/>
+                        </a:spcBef>
+                        <a:spcAft>
+                          <a:spcPts val="0"/>
+                        </a:spcAft>
+                      </a:pPr>
+                      <a:r>
+                        <a:rPr lang="en-US" sz="2000" kern="100" dirty="0">
+                          <a:effectLst/>
+                          <a:latin typeface="Helvetica Neue" panose="02000503000000020004"/>
+                          <a:ea typeface="Calibri" panose="020F0502020204030204" pitchFamily="34" charset="0"/>
+                          <a:cs typeface="Times New Roman" panose="02020603050405020304" pitchFamily="18" charset="0"/>
+                        </a:rPr>
+                        <a:t>343.46</a:t>
+                      </a:r>
+                      <a:endParaRPr lang="ru-RU" sz="2000" kern="100" dirty="0">
+                        <a:effectLst/>
+                        <a:latin typeface="Helvetica Neue" panose="02000503000000020004"/>
+                        <a:ea typeface="Calibri" panose="020F0502020204030204" pitchFamily="34" charset="0"/>
+                        <a:cs typeface="Times New Roman" panose="02020603050405020304" pitchFamily="18" charset="0"/>
+                      </a:endParaRPr>
+                    </a:p>
+                  </a:txBody>
+                  <a:tcPr marL="68580" marR="68580" marT="0" marB="0" anchor="ctr">
+                    <a:lnL w="12700" cap="flat" cmpd="sng" algn="ctr">
+                      <a:solidFill>
+                        <a:schemeClr val="accent1"/>
+                      </a:solidFill>
+                      <a:prstDash val="solid"/>
+                      <a:round/>
+                      <a:headEnd type="none" w="med" len="med"/>
+                      <a:tailEnd type="none" w="med" len="med"/>
+                    </a:lnL>
+                    <a:lnB w="28575" cap="flat" cmpd="sng" algn="ctr">
+                      <a:solidFill>
+                        <a:srgbClr val="8BEC77"/>
+                      </a:solidFill>
+                      <a:prstDash val="solid"/>
+                      <a:round/>
+                      <a:headEnd type="none" w="med" len="med"/>
+                      <a:tailEnd type="none" w="med" len="med"/>
+                    </a:lnB>
+                  </a:tcPr>
+                </a:tc>
+                <a:extLst>
+                  <a:ext uri="{0D108BD9-81ED-4DB2-BD59-A6C34878D82A}">
+                    <a16:rowId xmlns:a16="http://schemas.microsoft.com/office/drawing/2014/main" val="3015120587"/>
+                  </a:ext>
+                </a:extLst>
+              </a:tr>
+              <a:tr h="548640">
+                <a:tc>
+                  <a:txBody>
+                    <a:bodyPr/>
+                    <a:lstStyle/>
+                    <a:p>
+                      <a:pPr marL="0" marR="0" indent="0" algn="ctr">
+                        <a:lnSpc>
+                          <a:spcPct val="150000"/>
+                        </a:lnSpc>
+                        <a:spcBef>
+                          <a:spcPts val="0"/>
+                        </a:spcBef>
+                        <a:spcAft>
+                          <a:spcPts val="0"/>
+                        </a:spcAft>
+                      </a:pPr>
+                      <a:r>
+                        <a:rPr lang="en-US" sz="2000" kern="100" dirty="0" err="1">
+                          <a:effectLst/>
+                          <a:latin typeface="Helvetica Neue" panose="02000503000000020004"/>
+                        </a:rPr>
+                        <a:t>Cython</a:t>
+                      </a:r>
+                      <a:endParaRPr lang="ru-RU" sz="2000" kern="100" dirty="0">
+                        <a:effectLst/>
+                        <a:latin typeface="Helvetica Neue" panose="02000503000000020004"/>
+                        <a:ea typeface="Calibri" panose="020F0502020204030204" pitchFamily="34" charset="0"/>
+                        <a:cs typeface="Times New Roman" panose="02020603050405020304" pitchFamily="18" charset="0"/>
+                      </a:endParaRPr>
+                    </a:p>
+                  </a:txBody>
+                  <a:tcPr marL="68580" marR="68580" marT="0" marB="0" anchor="ctr">
+                    <a:lnL w="28575" cap="flat" cmpd="sng" algn="ctr">
+                      <a:solidFill>
+                        <a:srgbClr val="8BEC77"/>
+                      </a:solidFill>
+                      <a:prstDash val="solid"/>
+                      <a:round/>
+                      <a:headEnd type="none" w="med" len="med"/>
+                      <a:tailEnd type="none" w="med" len="med"/>
+                    </a:lnL>
+                    <a:lnT w="28575" cap="flat" cmpd="sng" algn="ctr">
+                      <a:solidFill>
+                        <a:srgbClr val="8BEC77"/>
+                      </a:solidFill>
+                      <a:prstDash val="solid"/>
+                      <a:round/>
+                      <a:headEnd type="none" w="med" len="med"/>
+                      <a:tailEnd type="none" w="med" len="med"/>
+                    </a:lnT>
+                    <a:lnB w="28575" cap="flat" cmpd="sng" algn="ctr">
+                      <a:solidFill>
+                        <a:srgbClr val="8BEC77"/>
+                      </a:solidFill>
+                      <a:prstDash val="solid"/>
+                      <a:round/>
+                      <a:headEnd type="none" w="med" len="med"/>
+                      <a:tailEnd type="none" w="med" len="med"/>
+                    </a:lnB>
+                  </a:tcPr>
+                </a:tc>
+                <a:tc>
+                  <a:txBody>
+                    <a:bodyPr/>
+                    <a:lstStyle/>
+                    <a:p>
+                      <a:pPr marL="0" marR="0" indent="0" algn="ctr">
+                        <a:lnSpc>
+                          <a:spcPct val="150000"/>
+                        </a:lnSpc>
+                        <a:spcBef>
+                          <a:spcPts val="0"/>
+                        </a:spcBef>
+                        <a:spcAft>
+                          <a:spcPts val="0"/>
+                        </a:spcAft>
+                      </a:pPr>
+                      <a:r>
+                        <a:rPr lang="en-US" sz="2000" kern="100" dirty="0">
+                          <a:effectLst/>
+                          <a:latin typeface="Helvetica Neue" panose="02000503000000020004"/>
+                          <a:ea typeface="Calibri" panose="020F0502020204030204" pitchFamily="34" charset="0"/>
+                          <a:cs typeface="Times New Roman" panose="02020603050405020304" pitchFamily="18" charset="0"/>
+                        </a:rPr>
+                        <a:t>5.91</a:t>
+                      </a:r>
+                      <a:endParaRPr lang="ru-RU" sz="2000" kern="100" dirty="0">
+                        <a:effectLst/>
+                        <a:latin typeface="Helvetica Neue" panose="02000503000000020004"/>
+                        <a:ea typeface="Calibri" panose="020F0502020204030204" pitchFamily="34" charset="0"/>
+                        <a:cs typeface="Times New Roman" panose="02020603050405020304" pitchFamily="18" charset="0"/>
+                      </a:endParaRPr>
+                    </a:p>
+                  </a:txBody>
+                  <a:tcPr marL="68580" marR="68580" marT="0" marB="0" anchor="ctr">
+                    <a:lnT w="28575" cap="flat" cmpd="sng" algn="ctr">
+                      <a:solidFill>
+                        <a:srgbClr val="8BEC77"/>
+                      </a:solidFill>
+                      <a:prstDash val="solid"/>
+                      <a:round/>
+                      <a:headEnd type="none" w="med" len="med"/>
+                      <a:tailEnd type="none" w="med" len="med"/>
+                    </a:lnT>
+                    <a:lnB w="28575" cap="flat" cmpd="sng" algn="ctr">
+                      <a:solidFill>
+                        <a:srgbClr val="8BEC77"/>
+                      </a:solidFill>
+                      <a:prstDash val="solid"/>
+                      <a:round/>
+                      <a:headEnd type="none" w="med" len="med"/>
+                      <a:tailEnd type="none" w="med" len="med"/>
+                    </a:lnB>
+                  </a:tcPr>
+                </a:tc>
+                <a:tc>
+                  <a:txBody>
+                    <a:bodyPr/>
+                    <a:lstStyle/>
+                    <a:p>
+                      <a:pPr marL="0" marR="0" indent="0" algn="ctr">
+                        <a:lnSpc>
+                          <a:spcPct val="150000"/>
+                        </a:lnSpc>
+                        <a:spcBef>
+                          <a:spcPts val="0"/>
+                        </a:spcBef>
+                        <a:spcAft>
+                          <a:spcPts val="0"/>
+                        </a:spcAft>
+                      </a:pPr>
+                      <a:r>
+                        <a:rPr lang="en-US" sz="2000" kern="100" dirty="0">
+                          <a:effectLst/>
+                          <a:latin typeface="Helvetica Neue" panose="02000503000000020004"/>
+                          <a:ea typeface="Calibri" panose="020F0502020204030204" pitchFamily="34" charset="0"/>
+                          <a:cs typeface="Times New Roman" panose="02020603050405020304" pitchFamily="18" charset="0"/>
+                        </a:rPr>
+                        <a:t>0.26</a:t>
+                      </a:r>
+                      <a:endParaRPr lang="ru-RU" sz="2000" kern="100" dirty="0">
+                        <a:effectLst/>
+                        <a:latin typeface="Helvetica Neue" panose="02000503000000020004"/>
+                        <a:ea typeface="Calibri" panose="020F0502020204030204" pitchFamily="34" charset="0"/>
+                        <a:cs typeface="Times New Roman" panose="02020603050405020304" pitchFamily="18" charset="0"/>
+                      </a:endParaRPr>
+                    </a:p>
+                  </a:txBody>
+                  <a:tcPr marL="68580" marR="68580" marT="0" marB="0" anchor="ctr">
+                    <a:lnT w="28575" cap="flat" cmpd="sng" algn="ctr">
+                      <a:solidFill>
+                        <a:srgbClr val="8BEC77"/>
+                      </a:solidFill>
+                      <a:prstDash val="solid"/>
+                      <a:round/>
+                      <a:headEnd type="none" w="med" len="med"/>
+                      <a:tailEnd type="none" w="med" len="med"/>
+                    </a:lnT>
+                    <a:lnB w="28575" cap="flat" cmpd="sng" algn="ctr">
+                      <a:solidFill>
+                        <a:srgbClr val="8BEC77"/>
+                      </a:solidFill>
+                      <a:prstDash val="solid"/>
+                      <a:round/>
+                      <a:headEnd type="none" w="med" len="med"/>
+                      <a:tailEnd type="none" w="med" len="med"/>
+                    </a:lnB>
+                  </a:tcPr>
+                </a:tc>
+                <a:tc>
+                  <a:txBody>
+                    <a:bodyPr/>
+                    <a:lstStyle/>
+                    <a:p>
+                      <a:pPr marL="0" marR="0" indent="0" algn="ctr">
+                        <a:lnSpc>
+                          <a:spcPct val="150000"/>
+                        </a:lnSpc>
+                        <a:spcBef>
+                          <a:spcPts val="0"/>
+                        </a:spcBef>
+                        <a:spcAft>
+                          <a:spcPts val="0"/>
+                        </a:spcAft>
+                      </a:pPr>
+                      <a:r>
+                        <a:rPr lang="en-US" sz="2000" kern="100" dirty="0">
+                          <a:effectLst/>
+                          <a:latin typeface="Helvetica Neue" panose="02000503000000020004"/>
+                          <a:ea typeface="Calibri" panose="020F0502020204030204" pitchFamily="34" charset="0"/>
+                          <a:cs typeface="Times New Roman" panose="02020603050405020304" pitchFamily="18" charset="0"/>
+                        </a:rPr>
+                        <a:t>2.66</a:t>
+                      </a:r>
+                      <a:endParaRPr lang="ru-RU" sz="2000" kern="100" dirty="0">
+                        <a:effectLst/>
+                        <a:latin typeface="Helvetica Neue" panose="02000503000000020004"/>
+                        <a:ea typeface="Calibri" panose="020F0502020204030204" pitchFamily="34" charset="0"/>
+                        <a:cs typeface="Times New Roman" panose="02020603050405020304" pitchFamily="18" charset="0"/>
+                      </a:endParaRPr>
+                    </a:p>
+                  </a:txBody>
+                  <a:tcPr marL="68580" marR="68580" marT="0" marB="0" anchor="ctr">
+                    <a:lnR w="12700" cap="flat" cmpd="sng" algn="ctr">
+                      <a:solidFill>
+                        <a:schemeClr val="accent1"/>
+                      </a:solidFill>
+                      <a:prstDash val="solid"/>
+                      <a:round/>
+                      <a:headEnd type="none" w="med" len="med"/>
+                      <a:tailEnd type="none" w="med" len="med"/>
+                    </a:lnR>
+                    <a:lnT w="28575" cap="flat" cmpd="sng" algn="ctr">
+                      <a:solidFill>
+                        <a:srgbClr val="8BEC77"/>
+                      </a:solidFill>
+                      <a:prstDash val="solid"/>
+                      <a:round/>
+                      <a:headEnd type="none" w="med" len="med"/>
+                      <a:tailEnd type="none" w="med" len="med"/>
+                    </a:lnT>
+                    <a:lnB w="28575" cap="flat" cmpd="sng" algn="ctr">
+                      <a:solidFill>
+                        <a:srgbClr val="8BEC77"/>
+                      </a:solidFill>
+                      <a:prstDash val="solid"/>
+                      <a:round/>
+                      <a:headEnd type="none" w="med" len="med"/>
+                      <a:tailEnd type="none" w="med" len="med"/>
+                    </a:lnB>
+                  </a:tcPr>
+                </a:tc>
+                <a:tc>
+                  <a:txBody>
+                    <a:bodyPr/>
+                    <a:lstStyle/>
+                    <a:p>
+                      <a:pPr marL="0" marR="0" indent="0" algn="ctr">
+                        <a:lnSpc>
+                          <a:spcPct val="150000"/>
+                        </a:lnSpc>
+                        <a:spcBef>
+                          <a:spcPts val="0"/>
+                        </a:spcBef>
+                        <a:spcAft>
+                          <a:spcPts val="0"/>
+                        </a:spcAft>
+                      </a:pPr>
+                      <a:r>
+                        <a:rPr lang="en-US" sz="2000" kern="100" dirty="0">
+                          <a:effectLst/>
+                          <a:latin typeface="Helvetica Neue" panose="02000503000000020004"/>
+                          <a:ea typeface="Calibri" panose="020F0502020204030204" pitchFamily="34" charset="0"/>
+                          <a:cs typeface="Times New Roman" panose="02020603050405020304" pitchFamily="18" charset="0"/>
+                        </a:rPr>
+                        <a:t>2.94</a:t>
+                      </a:r>
+                      <a:endParaRPr lang="ru-RU" sz="2000" kern="100" dirty="0">
+                        <a:effectLst/>
+                        <a:latin typeface="Helvetica Neue" panose="02000503000000020004"/>
+                        <a:ea typeface="Calibri" panose="020F0502020204030204" pitchFamily="34" charset="0"/>
+                        <a:cs typeface="Times New Roman" panose="02020603050405020304" pitchFamily="18" charset="0"/>
+                      </a:endParaRPr>
+                    </a:p>
+                  </a:txBody>
+                  <a:tcPr marL="68580" marR="68580" marT="0" marB="0" anchor="ctr">
+                    <a:lnL w="12700" cap="flat" cmpd="sng" algn="ctr">
+                      <a:solidFill>
+                        <a:schemeClr val="accent1"/>
+                      </a:solidFill>
+                      <a:prstDash val="solid"/>
+                      <a:round/>
+                      <a:headEnd type="none" w="med" len="med"/>
+                      <a:tailEnd type="none" w="med" len="med"/>
+                    </a:lnL>
+                    <a:lnR w="28575" cap="flat" cmpd="sng" algn="ctr">
+                      <a:solidFill>
+                        <a:srgbClr val="8BEC77"/>
+                      </a:solidFill>
+                      <a:prstDash val="solid"/>
+                      <a:round/>
+                      <a:headEnd type="none" w="med" len="med"/>
+                      <a:tailEnd type="none" w="med" len="med"/>
+                    </a:lnR>
+                    <a:lnT w="28575" cap="flat" cmpd="sng" algn="ctr">
+                      <a:solidFill>
+                        <a:srgbClr val="8BEC77"/>
+                      </a:solidFill>
+                      <a:prstDash val="solid"/>
+                      <a:round/>
+                      <a:headEnd type="none" w="med" len="med"/>
+                      <a:tailEnd type="none" w="med" len="med"/>
+                    </a:lnT>
+                    <a:lnB w="28575" cap="flat" cmpd="sng" algn="ctr">
+                      <a:solidFill>
+                        <a:srgbClr val="8BEC77"/>
+                      </a:solidFill>
+                      <a:prstDash val="solid"/>
+                      <a:round/>
+                      <a:headEnd type="none" w="med" len="med"/>
+                      <a:tailEnd type="none" w="med" len="med"/>
+                    </a:lnB>
+                  </a:tcPr>
+                </a:tc>
+                <a:extLst>
+                  <a:ext uri="{0D108BD9-81ED-4DB2-BD59-A6C34878D82A}">
+                    <a16:rowId xmlns:a16="http://schemas.microsoft.com/office/drawing/2014/main" val="2355734980"/>
+                  </a:ext>
+                </a:extLst>
+              </a:tr>
+              <a:tr h="548640">
+                <a:tc>
+                  <a:txBody>
+                    <a:bodyPr/>
+                    <a:lstStyle/>
+                    <a:p>
+                      <a:pPr marL="0" marR="0" indent="0" algn="ctr">
+                        <a:lnSpc>
+                          <a:spcPct val="150000"/>
+                        </a:lnSpc>
+                        <a:spcBef>
+                          <a:spcPts val="0"/>
+                        </a:spcBef>
+                        <a:spcAft>
+                          <a:spcPts val="0"/>
+                        </a:spcAft>
+                      </a:pPr>
+                      <a:r>
+                        <a:rPr lang="en-US" sz="2000" kern="100" dirty="0">
+                          <a:effectLst/>
+                          <a:latin typeface="Helvetica Neue" panose="02000503000000020004"/>
+                        </a:rPr>
+                        <a:t>JavaScript</a:t>
+                      </a:r>
+                      <a:endParaRPr lang="ru-RU" sz="2000" kern="100" dirty="0">
+                        <a:effectLst/>
+                        <a:latin typeface="Helvetica Neue" panose="02000503000000020004"/>
+                        <a:ea typeface="Calibri" panose="020F0502020204030204" pitchFamily="34" charset="0"/>
+                        <a:cs typeface="Times New Roman" panose="02020603050405020304" pitchFamily="18" charset="0"/>
+                      </a:endParaRPr>
+                    </a:p>
+                  </a:txBody>
+                  <a:tcPr marL="68580" marR="68580" marT="0" marB="0" anchor="ctr">
+                    <a:lnT w="28575" cap="flat" cmpd="sng" algn="ctr">
+                      <a:solidFill>
+                        <a:srgbClr val="8BEC77"/>
+                      </a:solidFill>
+                      <a:prstDash val="solid"/>
+                      <a:round/>
+                      <a:headEnd type="none" w="med" len="med"/>
+                      <a:tailEnd type="none" w="med" len="med"/>
+                    </a:lnT>
+                  </a:tcPr>
+                </a:tc>
+                <a:tc>
+                  <a:txBody>
+                    <a:bodyPr/>
+                    <a:lstStyle/>
+                    <a:p>
+                      <a:pPr marL="0" marR="0" lvl="0" indent="0" algn="ctr" defTabSz="914400" rtl="0" eaLnBrk="1" fontAlgn="auto" latinLnBrk="0" hangingPunct="1">
+                        <a:lnSpc>
+                          <a:spcPct val="150000"/>
+                        </a:lnSpc>
+                        <a:spcBef>
+                          <a:spcPts val="0"/>
+                        </a:spcBef>
+                        <a:spcAft>
+                          <a:spcPts val="0"/>
+                        </a:spcAft>
+                        <a:buClrTx/>
+                        <a:buSzTx/>
+                        <a:buFontTx/>
+                        <a:buNone/>
+                        <a:tabLst/>
+                        <a:defRPr/>
+                      </a:pPr>
+                      <a:r>
+                        <a:rPr lang="en-US" sz="2000" kern="100" dirty="0">
+                          <a:effectLst/>
+                          <a:latin typeface="Helvetica Neue" panose="02000503000000020004"/>
+                          <a:ea typeface="Calibri" panose="020F0502020204030204" pitchFamily="34" charset="0"/>
+                          <a:cs typeface="Times New Roman" panose="02020603050405020304" pitchFamily="18" charset="0"/>
+                        </a:rPr>
+                        <a:t>647.30</a:t>
+                      </a:r>
+                      <a:endParaRPr lang="ru-RU" sz="2000" kern="100" dirty="0">
+                        <a:effectLst/>
+                        <a:latin typeface="Helvetica Neue" panose="02000503000000020004"/>
+                        <a:ea typeface="Calibri" panose="020F0502020204030204" pitchFamily="34" charset="0"/>
+                        <a:cs typeface="Times New Roman" panose="02020603050405020304" pitchFamily="18" charset="0"/>
+                      </a:endParaRPr>
+                    </a:p>
+                  </a:txBody>
+                  <a:tcPr marL="68580" marR="68580" marT="0" marB="0" anchor="ctr">
+                    <a:lnT w="28575" cap="flat" cmpd="sng" algn="ctr">
+                      <a:solidFill>
+                        <a:srgbClr val="8BEC77"/>
+                      </a:solidFill>
+                      <a:prstDash val="solid"/>
+                      <a:round/>
+                      <a:headEnd type="none" w="med" len="med"/>
+                      <a:tailEnd type="none" w="med" len="med"/>
+                    </a:lnT>
+                  </a:tcPr>
+                </a:tc>
+                <a:tc>
+                  <a:txBody>
+                    <a:bodyPr/>
+                    <a:lstStyle/>
+                    <a:p>
+                      <a:pPr marL="0" marR="0" indent="0" algn="ctr">
+                        <a:lnSpc>
+                          <a:spcPct val="150000"/>
+                        </a:lnSpc>
+                        <a:spcBef>
+                          <a:spcPts val="0"/>
+                        </a:spcBef>
+                        <a:spcAft>
+                          <a:spcPts val="0"/>
+                        </a:spcAft>
+                      </a:pPr>
+                      <a:r>
+                        <a:rPr lang="en-US" sz="2000" kern="100" dirty="0">
+                          <a:effectLst/>
+                          <a:latin typeface="Helvetica Neue" panose="02000503000000020004"/>
+                          <a:ea typeface="Calibri" panose="020F0502020204030204" pitchFamily="34" charset="0"/>
+                          <a:cs typeface="Times New Roman" panose="02020603050405020304" pitchFamily="18" charset="0"/>
+                        </a:rPr>
+                        <a:t>4.10</a:t>
+                      </a:r>
+                      <a:endParaRPr lang="ru-RU" sz="2000" kern="100" dirty="0">
+                        <a:effectLst/>
+                        <a:latin typeface="Helvetica Neue" panose="02000503000000020004"/>
+                        <a:ea typeface="Calibri" panose="020F0502020204030204" pitchFamily="34" charset="0"/>
+                        <a:cs typeface="Times New Roman" panose="02020603050405020304" pitchFamily="18" charset="0"/>
+                      </a:endParaRPr>
+                    </a:p>
+                  </a:txBody>
+                  <a:tcPr marL="68580" marR="68580" marT="0" marB="0" anchor="ctr">
+                    <a:lnT w="28575" cap="flat" cmpd="sng" algn="ctr">
+                      <a:solidFill>
+                        <a:srgbClr val="8BEC77"/>
+                      </a:solidFill>
+                      <a:prstDash val="solid"/>
+                      <a:round/>
+                      <a:headEnd type="none" w="med" len="med"/>
+                      <a:tailEnd type="none" w="med" len="med"/>
+                    </a:lnT>
+                  </a:tcPr>
+                </a:tc>
+                <a:tc>
+                  <a:txBody>
+                    <a:bodyPr/>
+                    <a:lstStyle/>
+                    <a:p>
+                      <a:pPr marL="0" marR="0" indent="0" algn="ctr">
+                        <a:lnSpc>
+                          <a:spcPct val="150000"/>
+                        </a:lnSpc>
+                        <a:spcBef>
+                          <a:spcPts val="0"/>
+                        </a:spcBef>
+                        <a:spcAft>
+                          <a:spcPts val="0"/>
+                        </a:spcAft>
+                      </a:pPr>
+                      <a:r>
+                        <a:rPr lang="en-US" sz="2000" kern="100" dirty="0">
+                          <a:effectLst/>
+                          <a:latin typeface="Helvetica Neue" panose="02000503000000020004"/>
+                          <a:ea typeface="Calibri" panose="020F0502020204030204" pitchFamily="34" charset="0"/>
+                          <a:cs typeface="Times New Roman" panose="02020603050405020304" pitchFamily="18" charset="0"/>
+                        </a:rPr>
+                        <a:t>145.76</a:t>
+                      </a:r>
+                      <a:endParaRPr lang="ru-RU" sz="2000" kern="100" dirty="0">
+                        <a:effectLst/>
+                        <a:latin typeface="Helvetica Neue" panose="02000503000000020004"/>
+                        <a:ea typeface="Calibri" panose="020F0502020204030204" pitchFamily="34" charset="0"/>
+                        <a:cs typeface="Times New Roman" panose="02020603050405020304" pitchFamily="18" charset="0"/>
+                      </a:endParaRPr>
+                    </a:p>
+                  </a:txBody>
+                  <a:tcPr marL="68580" marR="68580" marT="0" marB="0" anchor="ctr">
+                    <a:lnR w="12700" cap="flat" cmpd="sng" algn="ctr">
+                      <a:solidFill>
+                        <a:schemeClr val="accent1"/>
+                      </a:solidFill>
+                      <a:prstDash val="solid"/>
+                      <a:round/>
+                      <a:headEnd type="none" w="med" len="med"/>
+                      <a:tailEnd type="none" w="med" len="med"/>
+                    </a:lnR>
+                    <a:lnT w="28575" cap="flat" cmpd="sng" algn="ctr">
+                      <a:solidFill>
+                        <a:srgbClr val="8BEC77"/>
+                      </a:solidFill>
+                      <a:prstDash val="solid"/>
+                      <a:round/>
+                      <a:headEnd type="none" w="med" len="med"/>
+                      <a:tailEnd type="none" w="med" len="med"/>
+                    </a:lnT>
+                  </a:tcPr>
+                </a:tc>
+                <a:tc>
+                  <a:txBody>
+                    <a:bodyPr/>
+                    <a:lstStyle/>
+                    <a:p>
+                      <a:pPr marL="0" marR="0" indent="0" algn="ctr">
+                        <a:lnSpc>
+                          <a:spcPct val="150000"/>
+                        </a:lnSpc>
+                        <a:spcBef>
+                          <a:spcPts val="0"/>
+                        </a:spcBef>
+                        <a:spcAft>
+                          <a:spcPts val="0"/>
+                        </a:spcAft>
+                      </a:pPr>
+                      <a:r>
+                        <a:rPr lang="en-US" sz="2000" kern="100" dirty="0">
+                          <a:effectLst/>
+                          <a:latin typeface="Helvetica Neue" panose="02000503000000020004"/>
+                          <a:ea typeface="Calibri" panose="020F0502020204030204" pitchFamily="34" charset="0"/>
+                          <a:cs typeface="Times New Roman" panose="02020603050405020304" pitchFamily="18" charset="0"/>
+                        </a:rPr>
+                        <a:t>265.72</a:t>
+                      </a:r>
+                      <a:endParaRPr lang="ru-RU" sz="2000" kern="100" dirty="0">
+                        <a:effectLst/>
+                        <a:latin typeface="Helvetica Neue" panose="02000503000000020004"/>
+                        <a:ea typeface="Calibri" panose="020F0502020204030204" pitchFamily="34" charset="0"/>
+                        <a:cs typeface="Times New Roman" panose="02020603050405020304" pitchFamily="18" charset="0"/>
+                      </a:endParaRPr>
+                    </a:p>
+                  </a:txBody>
+                  <a:tcPr marL="68580" marR="68580" marT="0" marB="0" anchor="ctr">
+                    <a:lnL w="12700" cap="flat" cmpd="sng" algn="ctr">
+                      <a:solidFill>
+                        <a:schemeClr val="accent1"/>
+                      </a:solidFill>
+                      <a:prstDash val="solid"/>
+                      <a:round/>
+                      <a:headEnd type="none" w="med" len="med"/>
+                      <a:tailEnd type="none" w="med" len="med"/>
+                    </a:lnL>
+                    <a:lnT w="28575" cap="flat" cmpd="sng" algn="ctr">
+                      <a:solidFill>
+                        <a:srgbClr val="8BEC77"/>
+                      </a:solidFill>
+                      <a:prstDash val="solid"/>
+                      <a:round/>
+                      <a:headEnd type="none" w="med" len="med"/>
+                      <a:tailEnd type="none" w="med" len="med"/>
+                    </a:lnT>
+                  </a:tcPr>
+                </a:tc>
+                <a:extLst>
+                  <a:ext uri="{0D108BD9-81ED-4DB2-BD59-A6C34878D82A}">
+                    <a16:rowId xmlns:a16="http://schemas.microsoft.com/office/drawing/2014/main" val="3544835370"/>
+                  </a:ext>
+                </a:extLst>
+              </a:tr>
+              <a:tr h="548640">
+                <a:tc>
+                  <a:txBody>
+                    <a:bodyPr/>
+                    <a:lstStyle/>
+                    <a:p>
+                      <a:pPr marL="0" marR="0" indent="0" algn="ctr">
+                        <a:lnSpc>
+                          <a:spcPct val="150000"/>
+                        </a:lnSpc>
+                        <a:spcBef>
+                          <a:spcPts val="0"/>
+                        </a:spcBef>
+                        <a:spcAft>
+                          <a:spcPts val="0"/>
+                        </a:spcAft>
+                      </a:pPr>
+                      <a:r>
+                        <a:rPr lang="en-US" sz="2000" kern="100" dirty="0">
+                          <a:effectLst/>
+                          <a:latin typeface="Helvetica Neue" panose="02000503000000020004"/>
+                        </a:rPr>
+                        <a:t>C#</a:t>
+                      </a:r>
+                      <a:endParaRPr lang="ru-RU" sz="2000" kern="100" dirty="0">
+                        <a:effectLst/>
+                        <a:latin typeface="Helvetica Neue" panose="02000503000000020004"/>
+                        <a:ea typeface="Calibri" panose="020F0502020204030204" pitchFamily="34" charset="0"/>
+                        <a:cs typeface="Times New Roman" panose="02020603050405020304" pitchFamily="18" charset="0"/>
+                      </a:endParaRPr>
+                    </a:p>
+                  </a:txBody>
+                  <a:tcPr marL="68580" marR="68580" marT="0" marB="0" anchor="ctr">
+                    <a:lnB w="28575" cap="flat" cmpd="sng" algn="ctr">
+                      <a:solidFill>
+                        <a:srgbClr val="8BEC77"/>
+                      </a:solidFill>
+                      <a:prstDash val="solid"/>
+                      <a:round/>
+                      <a:headEnd type="none" w="med" len="med"/>
+                      <a:tailEnd type="none" w="med" len="med"/>
+                    </a:lnB>
+                  </a:tcPr>
+                </a:tc>
+                <a:tc>
+                  <a:txBody>
+                    <a:bodyPr/>
+                    <a:lstStyle/>
+                    <a:p>
+                      <a:pPr marL="0" marR="0" indent="0" algn="ctr">
+                        <a:lnSpc>
+                          <a:spcPct val="150000"/>
+                        </a:lnSpc>
+                        <a:spcBef>
+                          <a:spcPts val="0"/>
+                        </a:spcBef>
+                        <a:spcAft>
+                          <a:spcPts val="0"/>
+                        </a:spcAft>
+                      </a:pPr>
+                      <a:r>
+                        <a:rPr lang="en-US" sz="2000" kern="100" dirty="0">
+                          <a:effectLst/>
+                          <a:latin typeface="Helvetica Neue" panose="02000503000000020004"/>
+                          <a:ea typeface="Calibri" panose="020F0502020204030204" pitchFamily="34" charset="0"/>
+                          <a:cs typeface="Times New Roman" panose="02020603050405020304" pitchFamily="18" charset="0"/>
+                        </a:rPr>
+                        <a:t>43.20</a:t>
+                      </a:r>
+                      <a:endParaRPr lang="ru-RU" sz="2000" kern="100" dirty="0">
+                        <a:effectLst/>
+                        <a:latin typeface="Helvetica Neue" panose="02000503000000020004"/>
+                        <a:ea typeface="Calibri" panose="020F0502020204030204" pitchFamily="34" charset="0"/>
+                        <a:cs typeface="Times New Roman" panose="02020603050405020304" pitchFamily="18" charset="0"/>
+                      </a:endParaRPr>
+                    </a:p>
+                  </a:txBody>
+                  <a:tcPr marL="68580" marR="68580" marT="0" marB="0" anchor="ctr">
+                    <a:lnB w="28575" cap="flat" cmpd="sng" algn="ctr">
+                      <a:solidFill>
+                        <a:srgbClr val="8BEC77"/>
+                      </a:solidFill>
+                      <a:prstDash val="solid"/>
+                      <a:round/>
+                      <a:headEnd type="none" w="med" len="med"/>
+                      <a:tailEnd type="none" w="med" len="med"/>
+                    </a:lnB>
+                  </a:tcPr>
+                </a:tc>
+                <a:tc>
+                  <a:txBody>
+                    <a:bodyPr/>
+                    <a:lstStyle/>
+                    <a:p>
+                      <a:pPr marL="0" marR="0" indent="0" algn="ctr">
+                        <a:lnSpc>
+                          <a:spcPct val="150000"/>
+                        </a:lnSpc>
+                        <a:spcBef>
+                          <a:spcPts val="0"/>
+                        </a:spcBef>
+                        <a:spcAft>
+                          <a:spcPts val="0"/>
+                        </a:spcAft>
+                      </a:pPr>
+                      <a:r>
+                        <a:rPr lang="en-US" sz="2000" kern="100" dirty="0">
+                          <a:effectLst/>
+                          <a:latin typeface="Helvetica Neue" panose="02000503000000020004"/>
+                          <a:ea typeface="Calibri" panose="020F0502020204030204" pitchFamily="34" charset="0"/>
+                          <a:cs typeface="Times New Roman" panose="02020603050405020304" pitchFamily="18" charset="0"/>
+                        </a:rPr>
+                        <a:t>4.95</a:t>
+                      </a:r>
+                      <a:endParaRPr lang="ru-RU" sz="2000" kern="100" dirty="0">
+                        <a:effectLst/>
+                        <a:latin typeface="Helvetica Neue" panose="02000503000000020004"/>
+                        <a:ea typeface="Calibri" panose="020F0502020204030204" pitchFamily="34" charset="0"/>
+                        <a:cs typeface="Times New Roman" panose="02020603050405020304" pitchFamily="18" charset="0"/>
+                      </a:endParaRPr>
+                    </a:p>
+                  </a:txBody>
+                  <a:tcPr marL="68580" marR="68580" marT="0" marB="0" anchor="ctr">
+                    <a:lnB w="28575" cap="flat" cmpd="sng" algn="ctr">
+                      <a:solidFill>
+                        <a:srgbClr val="8BEC77"/>
+                      </a:solidFill>
+                      <a:prstDash val="solid"/>
+                      <a:round/>
+                      <a:headEnd type="none" w="med" len="med"/>
+                      <a:tailEnd type="none" w="med" len="med"/>
+                    </a:lnB>
+                  </a:tcPr>
+                </a:tc>
+                <a:tc>
+                  <a:txBody>
+                    <a:bodyPr/>
+                    <a:lstStyle/>
+                    <a:p>
+                      <a:pPr marL="0" marR="0" indent="0" algn="ctr">
+                        <a:lnSpc>
+                          <a:spcPct val="150000"/>
+                        </a:lnSpc>
+                        <a:spcBef>
+                          <a:spcPts val="0"/>
+                        </a:spcBef>
+                        <a:spcAft>
+                          <a:spcPts val="0"/>
+                        </a:spcAft>
+                      </a:pPr>
+                      <a:r>
+                        <a:rPr lang="en-US" sz="2000" kern="100" dirty="0">
+                          <a:effectLst/>
+                          <a:latin typeface="Helvetica Neue" panose="02000503000000020004"/>
+                          <a:ea typeface="Calibri" panose="020F0502020204030204" pitchFamily="34" charset="0"/>
+                          <a:cs typeface="Times New Roman" panose="02020603050405020304" pitchFamily="18" charset="0"/>
+                        </a:rPr>
+                        <a:t>7.01</a:t>
+                      </a:r>
+                      <a:endParaRPr lang="ru-RU" sz="2000" kern="100" dirty="0">
+                        <a:effectLst/>
+                        <a:latin typeface="Helvetica Neue" panose="02000503000000020004"/>
+                        <a:ea typeface="Calibri" panose="020F0502020204030204" pitchFamily="34" charset="0"/>
+                        <a:cs typeface="Times New Roman" panose="02020603050405020304" pitchFamily="18" charset="0"/>
+                      </a:endParaRPr>
+                    </a:p>
+                  </a:txBody>
+                  <a:tcPr marL="68580" marR="68580" marT="0" marB="0" anchor="ctr">
+                    <a:lnR w="12700" cap="flat" cmpd="sng" algn="ctr">
+                      <a:solidFill>
+                        <a:schemeClr val="accent1"/>
+                      </a:solidFill>
+                      <a:prstDash val="solid"/>
+                      <a:round/>
+                      <a:headEnd type="none" w="med" len="med"/>
+                      <a:tailEnd type="none" w="med" len="med"/>
+                    </a:lnR>
+                    <a:lnB w="28575" cap="flat" cmpd="sng" algn="ctr">
+                      <a:solidFill>
+                        <a:srgbClr val="8BEC77"/>
+                      </a:solidFill>
+                      <a:prstDash val="solid"/>
+                      <a:round/>
+                      <a:headEnd type="none" w="med" len="med"/>
+                      <a:tailEnd type="none" w="med" len="med"/>
+                    </a:lnB>
+                  </a:tcPr>
+                </a:tc>
+                <a:tc>
+                  <a:txBody>
+                    <a:bodyPr/>
+                    <a:lstStyle/>
+                    <a:p>
+                      <a:pPr marL="0" marR="0" indent="0" algn="ctr">
+                        <a:lnSpc>
+                          <a:spcPct val="150000"/>
+                        </a:lnSpc>
+                        <a:spcBef>
+                          <a:spcPts val="0"/>
+                        </a:spcBef>
+                        <a:spcAft>
+                          <a:spcPts val="0"/>
+                        </a:spcAft>
+                      </a:pPr>
+                      <a:r>
+                        <a:rPr lang="en-US" sz="2000" kern="100" dirty="0">
+                          <a:effectLst/>
+                          <a:latin typeface="Helvetica Neue" panose="02000503000000020004"/>
+                          <a:ea typeface="Calibri" panose="020F0502020204030204" pitchFamily="34" charset="0"/>
+                          <a:cs typeface="Times New Roman" panose="02020603050405020304" pitchFamily="18" charset="0"/>
+                        </a:rPr>
+                        <a:t>18.38</a:t>
+                      </a:r>
+                      <a:endParaRPr lang="ru-RU" sz="2000" kern="100" dirty="0">
+                        <a:effectLst/>
+                        <a:latin typeface="Helvetica Neue" panose="02000503000000020004"/>
+                        <a:ea typeface="Calibri" panose="020F0502020204030204" pitchFamily="34" charset="0"/>
+                        <a:cs typeface="Times New Roman" panose="02020603050405020304" pitchFamily="18" charset="0"/>
+                      </a:endParaRPr>
+                    </a:p>
+                  </a:txBody>
+                  <a:tcPr marL="68580" marR="68580" marT="0" marB="0" anchor="ctr">
+                    <a:lnL w="12700" cap="flat" cmpd="sng" algn="ctr">
+                      <a:solidFill>
+                        <a:schemeClr val="accent1"/>
+                      </a:solidFill>
+                      <a:prstDash val="solid"/>
+                      <a:round/>
+                      <a:headEnd type="none" w="med" len="med"/>
+                      <a:tailEnd type="none" w="med" len="med"/>
+                    </a:lnL>
+                    <a:lnB w="28575" cap="flat" cmpd="sng" algn="ctr">
+                      <a:solidFill>
+                        <a:srgbClr val="8BEC77"/>
+                      </a:solidFill>
+                      <a:prstDash val="solid"/>
+                      <a:round/>
+                      <a:headEnd type="none" w="med" len="med"/>
+                      <a:tailEnd type="none" w="med" len="med"/>
+                    </a:lnB>
+                  </a:tcPr>
+                </a:tc>
+                <a:extLst>
+                  <a:ext uri="{0D108BD9-81ED-4DB2-BD59-A6C34878D82A}">
+                    <a16:rowId xmlns:a16="http://schemas.microsoft.com/office/drawing/2014/main" val="2486733781"/>
+                  </a:ext>
+                </a:extLst>
+              </a:tr>
+              <a:tr h="548640">
+                <a:tc>
+                  <a:txBody>
+                    <a:bodyPr/>
+                    <a:lstStyle/>
+                    <a:p>
+                      <a:pPr marL="0" marR="0" indent="0" algn="ctr">
+                        <a:lnSpc>
+                          <a:spcPct val="150000"/>
+                        </a:lnSpc>
+                        <a:spcBef>
+                          <a:spcPts val="0"/>
+                        </a:spcBef>
+                        <a:spcAft>
+                          <a:spcPts val="0"/>
+                        </a:spcAft>
+                      </a:pPr>
+                      <a:r>
+                        <a:rPr lang="en-US" sz="2000" kern="100" dirty="0">
+                          <a:effectLst/>
+                          <a:latin typeface="Helvetica Neue" panose="02000503000000020004"/>
+                        </a:rPr>
+                        <a:t>Rust</a:t>
+                      </a:r>
+                      <a:endParaRPr lang="ru-RU" sz="2000" kern="100" dirty="0">
+                        <a:effectLst/>
+                        <a:latin typeface="Helvetica Neue" panose="02000503000000020004"/>
+                        <a:ea typeface="Calibri" panose="020F0502020204030204" pitchFamily="34" charset="0"/>
+                        <a:cs typeface="Times New Roman" panose="02020603050405020304" pitchFamily="18" charset="0"/>
+                      </a:endParaRPr>
+                    </a:p>
+                  </a:txBody>
+                  <a:tcPr marL="68580" marR="68580" marT="0" marB="0" anchor="ctr">
+                    <a:lnL w="28575" cap="flat" cmpd="sng" algn="ctr">
+                      <a:solidFill>
+                        <a:srgbClr val="8BEC77"/>
+                      </a:solidFill>
+                      <a:prstDash val="solid"/>
+                      <a:round/>
+                      <a:headEnd type="none" w="med" len="med"/>
+                      <a:tailEnd type="none" w="med" len="med"/>
+                    </a:lnL>
+                    <a:lnT w="28575" cap="flat" cmpd="sng" algn="ctr">
+                      <a:solidFill>
+                        <a:srgbClr val="8BEC77"/>
+                      </a:solidFill>
+                      <a:prstDash val="solid"/>
+                      <a:round/>
+                      <a:headEnd type="none" w="med" len="med"/>
+                      <a:tailEnd type="none" w="med" len="med"/>
+                    </a:lnT>
+                    <a:lnB w="28575" cap="flat" cmpd="sng" algn="ctr">
+                      <a:solidFill>
+                        <a:srgbClr val="8BEC77"/>
+                      </a:solidFill>
+                      <a:prstDash val="solid"/>
+                      <a:round/>
+                      <a:headEnd type="none" w="med" len="med"/>
+                      <a:tailEnd type="none" w="med" len="med"/>
+                    </a:lnB>
+                  </a:tcPr>
+                </a:tc>
+                <a:tc>
+                  <a:txBody>
+                    <a:bodyPr/>
+                    <a:lstStyle/>
+                    <a:p>
+                      <a:pPr marL="0" marR="0" indent="0" algn="ctr">
+                        <a:lnSpc>
+                          <a:spcPct val="150000"/>
+                        </a:lnSpc>
+                        <a:spcBef>
+                          <a:spcPts val="0"/>
+                        </a:spcBef>
+                        <a:spcAft>
+                          <a:spcPts val="0"/>
+                        </a:spcAft>
+                      </a:pPr>
+                      <a:r>
+                        <a:rPr lang="en-US" sz="2000" kern="100" dirty="0">
+                          <a:effectLst/>
+                          <a:latin typeface="Helvetica Neue" panose="02000503000000020004"/>
+                          <a:ea typeface="Calibri" panose="020F0502020204030204" pitchFamily="34" charset="0"/>
+                          <a:cs typeface="Times New Roman" panose="02020603050405020304" pitchFamily="18" charset="0"/>
+                        </a:rPr>
+                        <a:t>6.14</a:t>
+                      </a:r>
+                      <a:endParaRPr lang="ru-RU" sz="2000" kern="100" dirty="0">
+                        <a:effectLst/>
+                        <a:latin typeface="Helvetica Neue" panose="02000503000000020004"/>
+                        <a:ea typeface="Calibri" panose="020F0502020204030204" pitchFamily="34" charset="0"/>
+                        <a:cs typeface="Times New Roman" panose="02020603050405020304" pitchFamily="18" charset="0"/>
+                      </a:endParaRPr>
+                    </a:p>
+                  </a:txBody>
+                  <a:tcPr marL="68580" marR="68580" marT="0" marB="0" anchor="ctr">
+                    <a:lnT w="28575" cap="flat" cmpd="sng" algn="ctr">
+                      <a:solidFill>
+                        <a:srgbClr val="8BEC77"/>
+                      </a:solidFill>
+                      <a:prstDash val="solid"/>
+                      <a:round/>
+                      <a:headEnd type="none" w="med" len="med"/>
+                      <a:tailEnd type="none" w="med" len="med"/>
+                    </a:lnT>
+                    <a:lnB w="28575" cap="flat" cmpd="sng" algn="ctr">
+                      <a:solidFill>
+                        <a:srgbClr val="8BEC77"/>
+                      </a:solidFill>
+                      <a:prstDash val="solid"/>
+                      <a:round/>
+                      <a:headEnd type="none" w="med" len="med"/>
+                      <a:tailEnd type="none" w="med" len="med"/>
+                    </a:lnB>
+                  </a:tcPr>
+                </a:tc>
+                <a:tc>
+                  <a:txBody>
+                    <a:bodyPr/>
+                    <a:lstStyle/>
+                    <a:p>
+                      <a:pPr marL="0" marR="0" indent="0" algn="ctr">
+                        <a:lnSpc>
+                          <a:spcPct val="150000"/>
+                        </a:lnSpc>
+                        <a:spcBef>
+                          <a:spcPts val="0"/>
+                        </a:spcBef>
+                        <a:spcAft>
+                          <a:spcPts val="0"/>
+                        </a:spcAft>
+                      </a:pPr>
+                      <a:r>
+                        <a:rPr lang="en-US" sz="2000" kern="100" dirty="0">
+                          <a:effectLst/>
+                          <a:latin typeface="Helvetica Neue" panose="02000503000000020004"/>
+                          <a:ea typeface="Calibri" panose="020F0502020204030204" pitchFamily="34" charset="0"/>
+                          <a:cs typeface="Times New Roman" panose="02020603050405020304" pitchFamily="18" charset="0"/>
+                        </a:rPr>
+                        <a:t>0.28</a:t>
+                      </a:r>
+                      <a:endParaRPr lang="ru-RU" sz="2000" kern="100" dirty="0">
+                        <a:effectLst/>
+                        <a:latin typeface="Helvetica Neue" panose="02000503000000020004"/>
+                        <a:ea typeface="Calibri" panose="020F0502020204030204" pitchFamily="34" charset="0"/>
+                        <a:cs typeface="Times New Roman" panose="02020603050405020304" pitchFamily="18" charset="0"/>
+                      </a:endParaRPr>
+                    </a:p>
+                  </a:txBody>
+                  <a:tcPr marL="68580" marR="68580" marT="0" marB="0" anchor="ctr">
+                    <a:lnT w="28575" cap="flat" cmpd="sng" algn="ctr">
+                      <a:solidFill>
+                        <a:srgbClr val="8BEC77"/>
+                      </a:solidFill>
+                      <a:prstDash val="solid"/>
+                      <a:round/>
+                      <a:headEnd type="none" w="med" len="med"/>
+                      <a:tailEnd type="none" w="med" len="med"/>
+                    </a:lnT>
+                    <a:lnB w="28575" cap="flat" cmpd="sng" algn="ctr">
+                      <a:solidFill>
+                        <a:srgbClr val="8BEC77"/>
+                      </a:solidFill>
+                      <a:prstDash val="solid"/>
+                      <a:round/>
+                      <a:headEnd type="none" w="med" len="med"/>
+                      <a:tailEnd type="none" w="med" len="med"/>
+                    </a:lnB>
+                  </a:tcPr>
+                </a:tc>
+                <a:tc>
+                  <a:txBody>
+                    <a:bodyPr/>
+                    <a:lstStyle/>
+                    <a:p>
+                      <a:pPr marL="0" marR="0" indent="0" algn="ctr">
+                        <a:lnSpc>
+                          <a:spcPct val="150000"/>
+                        </a:lnSpc>
+                        <a:spcBef>
+                          <a:spcPts val="0"/>
+                        </a:spcBef>
+                        <a:spcAft>
+                          <a:spcPts val="0"/>
+                        </a:spcAft>
+                      </a:pPr>
+                      <a:r>
+                        <a:rPr lang="en-US" sz="2000" kern="100" dirty="0">
+                          <a:effectLst/>
+                          <a:latin typeface="Helvetica Neue" panose="02000503000000020004"/>
+                          <a:ea typeface="Calibri" panose="020F0502020204030204" pitchFamily="34" charset="0"/>
+                          <a:cs typeface="Times New Roman" panose="02020603050405020304" pitchFamily="18" charset="0"/>
+                        </a:rPr>
+                        <a:t>1.96</a:t>
+                      </a:r>
+                      <a:endParaRPr lang="ru-RU" sz="2000" kern="100" dirty="0">
+                        <a:effectLst/>
+                        <a:latin typeface="Helvetica Neue" panose="02000503000000020004"/>
+                        <a:ea typeface="Calibri" panose="020F0502020204030204" pitchFamily="34" charset="0"/>
+                        <a:cs typeface="Times New Roman" panose="02020603050405020304" pitchFamily="18" charset="0"/>
+                      </a:endParaRPr>
+                    </a:p>
+                  </a:txBody>
+                  <a:tcPr marL="68580" marR="68580" marT="0" marB="0" anchor="ctr">
+                    <a:lnR w="12700" cap="flat" cmpd="sng" algn="ctr">
+                      <a:solidFill>
+                        <a:schemeClr val="accent1"/>
+                      </a:solidFill>
+                      <a:prstDash val="solid"/>
+                      <a:round/>
+                      <a:headEnd type="none" w="med" len="med"/>
+                      <a:tailEnd type="none" w="med" len="med"/>
+                    </a:lnR>
+                    <a:lnT w="28575" cap="flat" cmpd="sng" algn="ctr">
+                      <a:solidFill>
+                        <a:srgbClr val="8BEC77"/>
+                      </a:solidFill>
+                      <a:prstDash val="solid"/>
+                      <a:round/>
+                      <a:headEnd type="none" w="med" len="med"/>
+                      <a:tailEnd type="none" w="med" len="med"/>
+                    </a:lnT>
+                    <a:lnB w="28575" cap="flat" cmpd="sng" algn="ctr">
+                      <a:solidFill>
+                        <a:srgbClr val="8BEC77"/>
+                      </a:solidFill>
+                      <a:prstDash val="solid"/>
+                      <a:round/>
+                      <a:headEnd type="none" w="med" len="med"/>
+                      <a:tailEnd type="none" w="med" len="med"/>
+                    </a:lnB>
+                  </a:tcPr>
+                </a:tc>
+                <a:tc>
+                  <a:txBody>
+                    <a:bodyPr/>
+                    <a:lstStyle/>
+                    <a:p>
+                      <a:pPr marL="0" marR="0" indent="0" algn="ctr">
+                        <a:lnSpc>
+                          <a:spcPct val="150000"/>
+                        </a:lnSpc>
+                        <a:spcBef>
+                          <a:spcPts val="0"/>
+                        </a:spcBef>
+                        <a:spcAft>
+                          <a:spcPts val="0"/>
+                        </a:spcAft>
+                      </a:pPr>
+                      <a:r>
+                        <a:rPr lang="en-US" sz="2000" kern="100" dirty="0">
+                          <a:effectLst/>
+                          <a:latin typeface="Helvetica Neue" panose="02000503000000020004"/>
+                          <a:ea typeface="Calibri" panose="020F0502020204030204" pitchFamily="34" charset="0"/>
+                          <a:cs typeface="Times New Roman" panose="02020603050405020304" pitchFamily="18" charset="0"/>
+                        </a:rPr>
+                        <a:t>2.79</a:t>
+                      </a:r>
+                      <a:endParaRPr lang="ru-RU" sz="2000" kern="100" dirty="0">
+                        <a:effectLst/>
+                        <a:latin typeface="Helvetica Neue" panose="02000503000000020004"/>
+                        <a:ea typeface="Calibri" panose="020F0502020204030204" pitchFamily="34" charset="0"/>
+                        <a:cs typeface="Times New Roman" panose="02020603050405020304" pitchFamily="18" charset="0"/>
+                      </a:endParaRPr>
+                    </a:p>
+                  </a:txBody>
+                  <a:tcPr marL="68580" marR="68580" marT="0" marB="0" anchor="ctr">
+                    <a:lnL w="12700" cap="flat" cmpd="sng" algn="ctr">
+                      <a:solidFill>
+                        <a:schemeClr val="accent1"/>
+                      </a:solidFill>
+                      <a:prstDash val="solid"/>
+                      <a:round/>
+                      <a:headEnd type="none" w="med" len="med"/>
+                      <a:tailEnd type="none" w="med" len="med"/>
+                    </a:lnL>
+                    <a:lnR w="28575" cap="flat" cmpd="sng" algn="ctr">
+                      <a:solidFill>
+                        <a:srgbClr val="8BEC77"/>
+                      </a:solidFill>
+                      <a:prstDash val="solid"/>
+                      <a:round/>
+                      <a:headEnd type="none" w="med" len="med"/>
+                      <a:tailEnd type="none" w="med" len="med"/>
+                    </a:lnR>
+                    <a:lnT w="28575" cap="flat" cmpd="sng" algn="ctr">
+                      <a:solidFill>
+                        <a:srgbClr val="8BEC77"/>
+                      </a:solidFill>
+                      <a:prstDash val="solid"/>
+                      <a:round/>
+                      <a:headEnd type="none" w="med" len="med"/>
+                      <a:tailEnd type="none" w="med" len="med"/>
+                    </a:lnT>
+                    <a:lnB w="28575" cap="flat" cmpd="sng" algn="ctr">
+                      <a:solidFill>
+                        <a:srgbClr val="8BEC77"/>
+                      </a:solidFill>
+                      <a:prstDash val="solid"/>
+                      <a:round/>
+                      <a:headEnd type="none" w="med" len="med"/>
+                      <a:tailEnd type="none" w="med" len="med"/>
+                    </a:lnB>
+                  </a:tcPr>
+                </a:tc>
+                <a:extLst>
+                  <a:ext uri="{0D108BD9-81ED-4DB2-BD59-A6C34878D82A}">
+                    <a16:rowId xmlns:a16="http://schemas.microsoft.com/office/drawing/2014/main" val="3194614363"/>
+                  </a:ext>
+                </a:extLst>
+              </a:tr>
+              <a:tr h="548640">
+                <a:tc>
+                  <a:txBody>
+                    <a:bodyPr/>
+                    <a:lstStyle/>
+                    <a:p>
+                      <a:pPr marL="0" marR="0" indent="0" algn="ctr">
+                        <a:lnSpc>
+                          <a:spcPct val="150000"/>
+                        </a:lnSpc>
+                        <a:spcBef>
+                          <a:spcPts val="0"/>
+                        </a:spcBef>
+                        <a:spcAft>
+                          <a:spcPts val="0"/>
+                        </a:spcAft>
+                      </a:pPr>
+                      <a:r>
+                        <a:rPr lang="en-US" sz="2000" kern="100" dirty="0">
+                          <a:effectLst/>
+                          <a:latin typeface="Helvetica Neue" panose="02000503000000020004"/>
+                        </a:rPr>
+                        <a:t>Kotlin</a:t>
+                      </a:r>
+                      <a:endParaRPr lang="ru-RU" sz="2000" kern="100" dirty="0">
+                        <a:effectLst/>
+                        <a:latin typeface="Helvetica Neue" panose="02000503000000020004"/>
+                        <a:ea typeface="Calibri" panose="020F0502020204030204" pitchFamily="34" charset="0"/>
+                        <a:cs typeface="Times New Roman" panose="02020603050405020304" pitchFamily="18" charset="0"/>
+                      </a:endParaRPr>
+                    </a:p>
+                  </a:txBody>
+                  <a:tcPr marL="68580" marR="68580" marT="0" marB="0" anchor="ctr">
+                    <a:lnT w="28575" cap="flat" cmpd="sng" algn="ctr">
+                      <a:solidFill>
+                        <a:srgbClr val="8BEC77"/>
+                      </a:solidFill>
+                      <a:prstDash val="solid"/>
+                      <a:round/>
+                      <a:headEnd type="none" w="med" len="med"/>
+                      <a:tailEnd type="none" w="med" len="med"/>
+                    </a:lnT>
+                    <a:lnB w="28575" cap="flat" cmpd="sng" algn="ctr">
+                      <a:solidFill>
+                        <a:srgbClr val="7030A0"/>
+                      </a:solidFill>
+                      <a:prstDash val="solid"/>
+                      <a:round/>
+                      <a:headEnd type="none" w="med" len="med"/>
+                      <a:tailEnd type="none" w="med" len="med"/>
+                    </a:lnB>
+                  </a:tcPr>
+                </a:tc>
+                <a:tc>
+                  <a:txBody>
+                    <a:bodyPr/>
+                    <a:lstStyle/>
+                    <a:p>
+                      <a:pPr marL="0" marR="0" lvl="0" indent="0" algn="ctr" defTabSz="914400" rtl="0" eaLnBrk="1" fontAlgn="auto" latinLnBrk="0" hangingPunct="1">
+                        <a:lnSpc>
+                          <a:spcPct val="150000"/>
+                        </a:lnSpc>
+                        <a:spcBef>
+                          <a:spcPts val="0"/>
+                        </a:spcBef>
+                        <a:spcAft>
+                          <a:spcPts val="0"/>
+                        </a:spcAft>
+                        <a:buClrTx/>
+                        <a:buSzTx/>
+                        <a:buFontTx/>
+                        <a:buNone/>
+                        <a:tabLst/>
+                        <a:defRPr/>
+                      </a:pPr>
+                      <a:r>
+                        <a:rPr lang="en-US" sz="2000" kern="100" dirty="0">
+                          <a:effectLst/>
+                          <a:latin typeface="Helvetica Neue" panose="02000503000000020004"/>
+                          <a:ea typeface="Calibri" panose="020F0502020204030204" pitchFamily="34" charset="0"/>
+                          <a:cs typeface="Times New Roman" panose="02020603050405020304" pitchFamily="18" charset="0"/>
+                        </a:rPr>
+                        <a:t>25.73</a:t>
+                      </a:r>
+                      <a:endParaRPr lang="ru-RU" sz="2000" kern="100" dirty="0">
+                        <a:effectLst/>
+                        <a:latin typeface="Helvetica Neue" panose="02000503000000020004"/>
+                        <a:ea typeface="Calibri" panose="020F0502020204030204" pitchFamily="34" charset="0"/>
+                        <a:cs typeface="Times New Roman" panose="02020603050405020304" pitchFamily="18" charset="0"/>
+                      </a:endParaRPr>
+                    </a:p>
+                  </a:txBody>
+                  <a:tcPr marL="68580" marR="68580" marT="0" marB="0" anchor="ctr">
+                    <a:lnT w="28575" cap="flat" cmpd="sng" algn="ctr">
+                      <a:solidFill>
+                        <a:srgbClr val="8BEC77"/>
+                      </a:solidFill>
+                      <a:prstDash val="solid"/>
+                      <a:round/>
+                      <a:headEnd type="none" w="med" len="med"/>
+                      <a:tailEnd type="none" w="med" len="med"/>
+                    </a:lnT>
+                    <a:lnB w="28575" cap="flat" cmpd="sng" algn="ctr">
+                      <a:solidFill>
+                        <a:srgbClr val="7030A0"/>
+                      </a:solidFill>
+                      <a:prstDash val="solid"/>
+                      <a:round/>
+                      <a:headEnd type="none" w="med" len="med"/>
+                      <a:tailEnd type="none" w="med" len="med"/>
+                    </a:lnB>
+                  </a:tcPr>
+                </a:tc>
+                <a:tc>
+                  <a:txBody>
+                    <a:bodyPr/>
+                    <a:lstStyle/>
+                    <a:p>
+                      <a:pPr marL="0" marR="0" indent="0" algn="ctr">
+                        <a:lnSpc>
+                          <a:spcPct val="150000"/>
+                        </a:lnSpc>
+                        <a:spcBef>
+                          <a:spcPts val="0"/>
+                        </a:spcBef>
+                        <a:spcAft>
+                          <a:spcPts val="0"/>
+                        </a:spcAft>
+                      </a:pPr>
+                      <a:r>
+                        <a:rPr lang="en-US" sz="2000" kern="100" dirty="0">
+                          <a:effectLst/>
+                          <a:latin typeface="Helvetica Neue" panose="02000503000000020004"/>
+                          <a:ea typeface="Calibri" panose="020F0502020204030204" pitchFamily="34" charset="0"/>
+                          <a:cs typeface="Times New Roman" panose="02020603050405020304" pitchFamily="18" charset="0"/>
+                        </a:rPr>
+                        <a:t>0.82</a:t>
+                      </a:r>
+                      <a:endParaRPr lang="ru-RU" sz="2000" kern="100" dirty="0">
+                        <a:effectLst/>
+                        <a:latin typeface="Helvetica Neue" panose="02000503000000020004"/>
+                        <a:ea typeface="Calibri" panose="020F0502020204030204" pitchFamily="34" charset="0"/>
+                        <a:cs typeface="Times New Roman" panose="02020603050405020304" pitchFamily="18" charset="0"/>
+                      </a:endParaRPr>
+                    </a:p>
+                  </a:txBody>
+                  <a:tcPr marL="68580" marR="68580" marT="0" marB="0" anchor="ctr">
+                    <a:lnT w="28575" cap="flat" cmpd="sng" algn="ctr">
+                      <a:solidFill>
+                        <a:srgbClr val="8BEC77"/>
+                      </a:solidFill>
+                      <a:prstDash val="solid"/>
+                      <a:round/>
+                      <a:headEnd type="none" w="med" len="med"/>
+                      <a:tailEnd type="none" w="med" len="med"/>
+                    </a:lnT>
+                    <a:lnB w="28575" cap="flat" cmpd="sng" algn="ctr">
+                      <a:solidFill>
+                        <a:srgbClr val="7030A0"/>
+                      </a:solidFill>
+                      <a:prstDash val="solid"/>
+                      <a:round/>
+                      <a:headEnd type="none" w="med" len="med"/>
+                      <a:tailEnd type="none" w="med" len="med"/>
+                    </a:lnB>
+                  </a:tcPr>
+                </a:tc>
+                <a:tc>
+                  <a:txBody>
+                    <a:bodyPr/>
+                    <a:lstStyle/>
+                    <a:p>
+                      <a:pPr marL="0" marR="0" indent="0" algn="ctr">
+                        <a:lnSpc>
+                          <a:spcPct val="150000"/>
+                        </a:lnSpc>
+                        <a:spcBef>
+                          <a:spcPts val="0"/>
+                        </a:spcBef>
+                        <a:spcAft>
+                          <a:spcPts val="0"/>
+                        </a:spcAft>
+                      </a:pPr>
+                      <a:r>
+                        <a:rPr lang="en-US" sz="2000" kern="100" dirty="0">
+                          <a:effectLst/>
+                          <a:latin typeface="Helvetica Neue" panose="02000503000000020004"/>
+                          <a:ea typeface="Calibri" panose="020F0502020204030204" pitchFamily="34" charset="0"/>
+                          <a:cs typeface="Times New Roman" panose="02020603050405020304" pitchFamily="18" charset="0"/>
+                        </a:rPr>
+                        <a:t>2.86</a:t>
+                      </a:r>
+                      <a:endParaRPr lang="ru-RU" sz="2000" kern="100" dirty="0">
+                        <a:effectLst/>
+                        <a:latin typeface="Helvetica Neue" panose="02000503000000020004"/>
+                        <a:ea typeface="Calibri" panose="020F0502020204030204" pitchFamily="34" charset="0"/>
+                        <a:cs typeface="Times New Roman" panose="02020603050405020304" pitchFamily="18" charset="0"/>
+                      </a:endParaRPr>
+                    </a:p>
+                  </a:txBody>
+                  <a:tcPr marL="68580" marR="68580" marT="0" marB="0" anchor="ctr">
+                    <a:lnR w="12700" cap="flat" cmpd="sng" algn="ctr">
+                      <a:solidFill>
+                        <a:schemeClr val="accent1"/>
+                      </a:solidFill>
+                      <a:prstDash val="solid"/>
+                      <a:round/>
+                      <a:headEnd type="none" w="med" len="med"/>
+                      <a:tailEnd type="none" w="med" len="med"/>
+                    </a:lnR>
+                    <a:lnT w="28575" cap="flat" cmpd="sng" algn="ctr">
+                      <a:solidFill>
+                        <a:srgbClr val="8BEC77"/>
+                      </a:solidFill>
+                      <a:prstDash val="solid"/>
+                      <a:round/>
+                      <a:headEnd type="none" w="med" len="med"/>
+                      <a:tailEnd type="none" w="med" len="med"/>
+                    </a:lnT>
+                    <a:lnB w="28575" cap="flat" cmpd="sng" algn="ctr">
+                      <a:solidFill>
+                        <a:srgbClr val="7030A0"/>
+                      </a:solidFill>
+                      <a:prstDash val="solid"/>
+                      <a:round/>
+                      <a:headEnd type="none" w="med" len="med"/>
+                      <a:tailEnd type="none" w="med" len="med"/>
+                    </a:lnB>
+                  </a:tcPr>
+                </a:tc>
+                <a:tc>
+                  <a:txBody>
+                    <a:bodyPr/>
+                    <a:lstStyle/>
+                    <a:p>
+                      <a:pPr marL="0" marR="0" indent="0" algn="ctr">
+                        <a:lnSpc>
+                          <a:spcPct val="150000"/>
+                        </a:lnSpc>
+                        <a:spcBef>
+                          <a:spcPts val="0"/>
+                        </a:spcBef>
+                        <a:spcAft>
+                          <a:spcPts val="0"/>
+                        </a:spcAft>
+                      </a:pPr>
+                      <a:r>
+                        <a:rPr lang="en-US" sz="2000" kern="100" dirty="0">
+                          <a:effectLst/>
+                          <a:latin typeface="Helvetica Neue" panose="02000503000000020004"/>
+                          <a:ea typeface="Calibri" panose="020F0502020204030204" pitchFamily="34" charset="0"/>
+                          <a:cs typeface="Times New Roman" panose="02020603050405020304" pitchFamily="18" charset="0"/>
+                        </a:rPr>
+                        <a:t>9.80</a:t>
+                      </a:r>
+                      <a:endParaRPr lang="ru-RU" sz="2000" kern="100" dirty="0">
+                        <a:effectLst/>
+                        <a:latin typeface="Helvetica Neue" panose="02000503000000020004"/>
+                        <a:ea typeface="Calibri" panose="020F0502020204030204" pitchFamily="34" charset="0"/>
+                        <a:cs typeface="Times New Roman" panose="02020603050405020304" pitchFamily="18" charset="0"/>
+                      </a:endParaRPr>
+                    </a:p>
+                  </a:txBody>
+                  <a:tcPr marL="68580" marR="68580" marT="0" marB="0" anchor="ctr">
+                    <a:lnL w="12700" cap="flat" cmpd="sng" algn="ctr">
+                      <a:solidFill>
+                        <a:schemeClr val="accent1"/>
+                      </a:solidFill>
+                      <a:prstDash val="solid"/>
+                      <a:round/>
+                      <a:headEnd type="none" w="med" len="med"/>
+                      <a:tailEnd type="none" w="med" len="med"/>
+                    </a:lnL>
+                    <a:lnT w="28575" cap="flat" cmpd="sng" algn="ctr">
+                      <a:solidFill>
+                        <a:srgbClr val="8BEC77"/>
+                      </a:solidFill>
+                      <a:prstDash val="solid"/>
+                      <a:round/>
+                      <a:headEnd type="none" w="med" len="med"/>
+                      <a:tailEnd type="none" w="med" len="med"/>
+                    </a:lnT>
+                    <a:lnB w="28575" cap="flat" cmpd="sng" algn="ctr">
+                      <a:solidFill>
+                        <a:srgbClr val="7030A0"/>
+                      </a:solidFill>
+                      <a:prstDash val="solid"/>
+                      <a:round/>
+                      <a:headEnd type="none" w="med" len="med"/>
+                      <a:tailEnd type="none" w="med" len="med"/>
+                    </a:lnB>
+                  </a:tcPr>
+                </a:tc>
+                <a:extLst>
+                  <a:ext uri="{0D108BD9-81ED-4DB2-BD59-A6C34878D82A}">
+                    <a16:rowId xmlns:a16="http://schemas.microsoft.com/office/drawing/2014/main" val="2184190223"/>
+                  </a:ext>
+                </a:extLst>
+              </a:tr>
+              <a:tr h="548640">
+                <a:tc>
+                  <a:txBody>
+                    <a:bodyPr/>
+                    <a:lstStyle/>
+                    <a:p>
+                      <a:pPr marL="0" marR="0" indent="0" algn="ctr">
+                        <a:lnSpc>
+                          <a:spcPct val="150000"/>
+                        </a:lnSpc>
+                        <a:spcBef>
+                          <a:spcPts val="0"/>
+                        </a:spcBef>
+                        <a:spcAft>
+                          <a:spcPts val="0"/>
+                        </a:spcAft>
+                      </a:pPr>
+                      <a:r>
+                        <a:rPr lang="en-US" sz="2000" kern="100" dirty="0">
+                          <a:effectLst/>
+                          <a:latin typeface="Helvetica Neue" panose="02000503000000020004"/>
+                          <a:ea typeface="Calibri" panose="020F0502020204030204" pitchFamily="34" charset="0"/>
+                          <a:cs typeface="Times New Roman" panose="02020603050405020304" pitchFamily="18" charset="0"/>
+                        </a:rPr>
+                        <a:t>C</a:t>
+                      </a:r>
+                      <a:endParaRPr lang="ru-RU" sz="2000" kern="100" dirty="0">
+                        <a:effectLst/>
+                        <a:latin typeface="Helvetica Neue" panose="02000503000000020004"/>
+                        <a:ea typeface="Calibri" panose="020F0502020204030204" pitchFamily="34" charset="0"/>
+                        <a:cs typeface="Times New Roman" panose="02020603050405020304" pitchFamily="18" charset="0"/>
+                      </a:endParaRPr>
+                    </a:p>
+                  </a:txBody>
+                  <a:tcPr marL="68580" marR="68580" marT="0" marB="0" anchor="ctr">
+                    <a:lnL w="28575" cap="flat" cmpd="sng" algn="ctr">
+                      <a:solidFill>
+                        <a:srgbClr val="7030A0"/>
+                      </a:solidFill>
+                      <a:prstDash val="solid"/>
+                      <a:round/>
+                      <a:headEnd type="none" w="med" len="med"/>
+                      <a:tailEnd type="none" w="med" len="med"/>
+                    </a:lnL>
+                    <a:lnT w="28575" cap="flat" cmpd="sng" algn="ctr">
+                      <a:solidFill>
+                        <a:srgbClr val="7030A0"/>
+                      </a:solidFill>
+                      <a:prstDash val="solid"/>
+                      <a:round/>
+                      <a:headEnd type="none" w="med" len="med"/>
+                      <a:tailEnd type="none" w="med" len="med"/>
+                    </a:lnT>
+                    <a:lnB w="28575" cap="flat" cmpd="sng" algn="ctr">
+                      <a:solidFill>
+                        <a:srgbClr val="7030A0"/>
+                      </a:solidFill>
+                      <a:prstDash val="solid"/>
+                      <a:round/>
+                      <a:headEnd type="none" w="med" len="med"/>
+                      <a:tailEnd type="none" w="med" len="med"/>
+                    </a:lnB>
+                  </a:tcPr>
+                </a:tc>
+                <a:tc>
+                  <a:txBody>
+                    <a:bodyPr/>
+                    <a:lstStyle/>
+                    <a:p>
+                      <a:pPr marL="0" marR="0" indent="0" algn="ctr">
+                        <a:lnSpc>
+                          <a:spcPct val="150000"/>
+                        </a:lnSpc>
+                        <a:spcBef>
+                          <a:spcPts val="0"/>
+                        </a:spcBef>
+                        <a:spcAft>
+                          <a:spcPts val="0"/>
+                        </a:spcAft>
+                      </a:pPr>
+                      <a:r>
+                        <a:rPr lang="en-US" sz="2000" kern="100" dirty="0">
+                          <a:effectLst/>
+                          <a:latin typeface="Helvetica Neue" panose="02000503000000020004"/>
+                          <a:ea typeface="Calibri" panose="020F0502020204030204" pitchFamily="34" charset="0"/>
+                          <a:cs typeface="Times New Roman" panose="02020603050405020304" pitchFamily="18" charset="0"/>
+                        </a:rPr>
+                        <a:t>5.16</a:t>
+                      </a:r>
+                      <a:endParaRPr lang="ru-RU" sz="2000" kern="100" dirty="0">
+                        <a:effectLst/>
+                        <a:latin typeface="Helvetica Neue" panose="02000503000000020004"/>
+                        <a:ea typeface="Calibri" panose="020F0502020204030204" pitchFamily="34" charset="0"/>
+                        <a:cs typeface="Times New Roman" panose="02020603050405020304" pitchFamily="18" charset="0"/>
+                      </a:endParaRPr>
+                    </a:p>
+                  </a:txBody>
+                  <a:tcPr marL="68580" marR="68580" marT="0" marB="0" anchor="ctr">
+                    <a:lnT w="28575" cap="flat" cmpd="sng" algn="ctr">
+                      <a:solidFill>
+                        <a:srgbClr val="7030A0"/>
+                      </a:solidFill>
+                      <a:prstDash val="solid"/>
+                      <a:round/>
+                      <a:headEnd type="none" w="med" len="med"/>
+                      <a:tailEnd type="none" w="med" len="med"/>
+                    </a:lnT>
+                    <a:lnB w="28575" cap="flat" cmpd="sng" algn="ctr">
+                      <a:solidFill>
+                        <a:srgbClr val="7030A0"/>
+                      </a:solidFill>
+                      <a:prstDash val="solid"/>
+                      <a:round/>
+                      <a:headEnd type="none" w="med" len="med"/>
+                      <a:tailEnd type="none" w="med" len="med"/>
+                    </a:lnB>
+                  </a:tcPr>
+                </a:tc>
+                <a:tc>
+                  <a:txBody>
+                    <a:bodyPr/>
+                    <a:lstStyle/>
+                    <a:p>
+                      <a:pPr marL="0" marR="0" indent="0" algn="ctr">
+                        <a:lnSpc>
+                          <a:spcPct val="150000"/>
+                        </a:lnSpc>
+                        <a:spcBef>
+                          <a:spcPts val="0"/>
+                        </a:spcBef>
+                        <a:spcAft>
+                          <a:spcPts val="0"/>
+                        </a:spcAft>
+                      </a:pPr>
+                      <a:r>
+                        <a:rPr lang="en-US" sz="2000" kern="100" dirty="0">
+                          <a:effectLst/>
+                          <a:latin typeface="Helvetica Neue" panose="02000503000000020004"/>
+                          <a:ea typeface="Calibri" panose="020F0502020204030204" pitchFamily="34" charset="0"/>
+                          <a:cs typeface="Times New Roman" panose="02020603050405020304" pitchFamily="18" charset="0"/>
+                        </a:rPr>
+                        <a:t>0.22</a:t>
+                      </a:r>
+                      <a:endParaRPr lang="ru-RU" sz="2000" kern="100" dirty="0">
+                        <a:effectLst/>
+                        <a:latin typeface="Helvetica Neue" panose="02000503000000020004"/>
+                        <a:ea typeface="Calibri" panose="020F0502020204030204" pitchFamily="34" charset="0"/>
+                        <a:cs typeface="Times New Roman" panose="02020603050405020304" pitchFamily="18" charset="0"/>
+                      </a:endParaRPr>
+                    </a:p>
+                  </a:txBody>
+                  <a:tcPr marL="68580" marR="68580" marT="0" marB="0" anchor="ctr">
+                    <a:lnT w="28575" cap="flat" cmpd="sng" algn="ctr">
+                      <a:solidFill>
+                        <a:srgbClr val="7030A0"/>
+                      </a:solidFill>
+                      <a:prstDash val="solid"/>
+                      <a:round/>
+                      <a:headEnd type="none" w="med" len="med"/>
+                      <a:tailEnd type="none" w="med" len="med"/>
+                    </a:lnT>
+                    <a:lnB w="28575" cap="flat" cmpd="sng" algn="ctr">
+                      <a:solidFill>
+                        <a:srgbClr val="7030A0"/>
+                      </a:solidFill>
+                      <a:prstDash val="solid"/>
+                      <a:round/>
+                      <a:headEnd type="none" w="med" len="med"/>
+                      <a:tailEnd type="none" w="med" len="med"/>
+                    </a:lnB>
+                  </a:tcPr>
+                </a:tc>
+                <a:tc>
+                  <a:txBody>
+                    <a:bodyPr/>
+                    <a:lstStyle/>
+                    <a:p>
+                      <a:pPr marL="0" marR="0" indent="0" algn="ctr">
+                        <a:lnSpc>
+                          <a:spcPct val="150000"/>
+                        </a:lnSpc>
+                        <a:spcBef>
+                          <a:spcPts val="0"/>
+                        </a:spcBef>
+                        <a:spcAft>
+                          <a:spcPts val="0"/>
+                        </a:spcAft>
+                      </a:pPr>
+                      <a:r>
+                        <a:rPr lang="en-US" sz="2000" kern="100" dirty="0">
+                          <a:effectLst/>
+                          <a:latin typeface="Helvetica Neue" panose="02000503000000020004"/>
+                          <a:ea typeface="Calibri" panose="020F0502020204030204" pitchFamily="34" charset="0"/>
+                          <a:cs typeface="Times New Roman" panose="02020603050405020304" pitchFamily="18" charset="0"/>
+                        </a:rPr>
+                        <a:t>2.61</a:t>
+                      </a:r>
+                      <a:endParaRPr lang="ru-RU" sz="2000" kern="100" dirty="0">
+                        <a:effectLst/>
+                        <a:latin typeface="Helvetica Neue" panose="02000503000000020004"/>
+                        <a:ea typeface="Calibri" panose="020F0502020204030204" pitchFamily="34" charset="0"/>
+                        <a:cs typeface="Times New Roman" panose="02020603050405020304" pitchFamily="18" charset="0"/>
+                      </a:endParaRPr>
+                    </a:p>
+                  </a:txBody>
+                  <a:tcPr marL="68580" marR="68580" marT="0" marB="0" anchor="ctr">
+                    <a:lnR w="12700" cap="flat" cmpd="sng" algn="ctr">
+                      <a:solidFill>
+                        <a:schemeClr val="accent1"/>
+                      </a:solidFill>
+                      <a:prstDash val="solid"/>
+                      <a:round/>
+                      <a:headEnd type="none" w="med" len="med"/>
+                      <a:tailEnd type="none" w="med" len="med"/>
+                    </a:lnR>
+                    <a:lnT w="28575" cap="flat" cmpd="sng" algn="ctr">
+                      <a:solidFill>
+                        <a:srgbClr val="7030A0"/>
+                      </a:solidFill>
+                      <a:prstDash val="solid"/>
+                      <a:round/>
+                      <a:headEnd type="none" w="med" len="med"/>
+                      <a:tailEnd type="none" w="med" len="med"/>
+                    </a:lnT>
+                    <a:lnB w="28575" cap="flat" cmpd="sng" algn="ctr">
+                      <a:solidFill>
+                        <a:srgbClr val="7030A0"/>
+                      </a:solidFill>
+                      <a:prstDash val="solid"/>
+                      <a:round/>
+                      <a:headEnd type="none" w="med" len="med"/>
+                      <a:tailEnd type="none" w="med" len="med"/>
+                    </a:lnB>
+                  </a:tcPr>
+                </a:tc>
+                <a:tc>
+                  <a:txBody>
+                    <a:bodyPr/>
+                    <a:lstStyle/>
+                    <a:p>
+                      <a:pPr marL="0" marR="0" indent="0" algn="ctr">
+                        <a:lnSpc>
+                          <a:spcPct val="150000"/>
+                        </a:lnSpc>
+                        <a:spcBef>
+                          <a:spcPts val="0"/>
+                        </a:spcBef>
+                        <a:spcAft>
+                          <a:spcPts val="0"/>
+                        </a:spcAft>
+                      </a:pPr>
+                      <a:r>
+                        <a:rPr lang="en-US" sz="2000" kern="100" dirty="0">
+                          <a:effectLst/>
+                          <a:latin typeface="Helvetica Neue" panose="02000503000000020004"/>
+                          <a:ea typeface="Calibri" panose="020F0502020204030204" pitchFamily="34" charset="0"/>
+                          <a:cs typeface="Times New Roman" panose="02020603050405020304" pitchFamily="18" charset="0"/>
+                        </a:rPr>
+                        <a:t>2.66</a:t>
+                      </a:r>
+                      <a:endParaRPr lang="ru-RU" sz="2000" kern="100" dirty="0">
+                        <a:effectLst/>
+                        <a:latin typeface="Helvetica Neue" panose="02000503000000020004"/>
+                        <a:ea typeface="Calibri" panose="020F0502020204030204" pitchFamily="34" charset="0"/>
+                        <a:cs typeface="Times New Roman" panose="02020603050405020304" pitchFamily="18" charset="0"/>
+                      </a:endParaRPr>
+                    </a:p>
+                  </a:txBody>
+                  <a:tcPr marL="68580" marR="68580" marT="0" marB="0" anchor="ctr">
+                    <a:lnL w="12700" cap="flat" cmpd="sng" algn="ctr">
+                      <a:solidFill>
+                        <a:schemeClr val="accent1"/>
+                      </a:solidFill>
+                      <a:prstDash val="solid"/>
+                      <a:round/>
+                      <a:headEnd type="none" w="med" len="med"/>
+                      <a:tailEnd type="none" w="med" len="med"/>
+                    </a:lnL>
+                    <a:lnR w="28575" cap="flat" cmpd="sng" algn="ctr">
+                      <a:solidFill>
+                        <a:srgbClr val="7030A0"/>
+                      </a:solidFill>
+                      <a:prstDash val="solid"/>
+                      <a:round/>
+                      <a:headEnd type="none" w="med" len="med"/>
+                      <a:tailEnd type="none" w="med" len="med"/>
+                    </a:lnR>
+                    <a:lnT w="28575" cap="flat" cmpd="sng" algn="ctr">
+                      <a:solidFill>
+                        <a:srgbClr val="7030A0"/>
+                      </a:solidFill>
+                      <a:prstDash val="solid"/>
+                      <a:round/>
+                      <a:headEnd type="none" w="med" len="med"/>
+                      <a:tailEnd type="none" w="med" len="med"/>
+                    </a:lnT>
+                    <a:lnB w="28575" cap="flat" cmpd="sng" algn="ctr">
+                      <a:solidFill>
+                        <a:srgbClr val="7030A0"/>
+                      </a:solidFill>
+                      <a:prstDash val="solid"/>
+                      <a:round/>
+                      <a:headEnd type="none" w="med" len="med"/>
+                      <a:tailEnd type="none" w="med" len="med"/>
+                    </a:lnB>
+                  </a:tcPr>
+                </a:tc>
+                <a:extLst>
+                  <a:ext uri="{0D108BD9-81ED-4DB2-BD59-A6C34878D82A}">
+                    <a16:rowId xmlns:a16="http://schemas.microsoft.com/office/drawing/2014/main" val="2354295925"/>
+                  </a:ext>
+                </a:extLst>
+              </a:tr>
+            </a:tbl>
+          </a:graphicData>
+        </a:graphic>
+      </p:graphicFrame>
     </p:spTree>
     <p:extLst>
       <p:ext uri="{BB962C8B-B14F-4D97-AF65-F5344CB8AC3E}">
-        <p14:creationId xmlns:p14="http://schemas.microsoft.com/office/powerpoint/2010/main" val="4066101104"/>
+        <p14:creationId xmlns:p14="http://schemas.microsoft.com/office/powerpoint/2010/main" val="2269238239"/>
       </p:ext>
     </p:extLst>
   </p:cSld>
@@ -7288,7 +9554,7 @@
           <p:cNvPr id="5" name="Slide Number Placeholder 4">
             <a:extLst>
               <a:ext uri="{FF2B5EF4-FFF2-40B4-BE49-F238E27FC236}">
-                <a16:creationId xmlns:a16="http://schemas.microsoft.com/office/drawing/2014/main" id="{AAE0A73A-0DF3-3A44-813D-3A4A08C1D621}"/>
+                <a16:creationId xmlns:a16="http://schemas.microsoft.com/office/drawing/2014/main" id="{FA23F4B6-34F6-5F49-8575-0B830127F0BA}"/>
               </a:ext>
             </a:extLst>
           </p:cNvPr>
@@ -7317,7 +9583,7 @@
           <p:cNvPr id="7" name="Заголовок 1">
             <a:extLst>
               <a:ext uri="{FF2B5EF4-FFF2-40B4-BE49-F238E27FC236}">
-                <a16:creationId xmlns:a16="http://schemas.microsoft.com/office/drawing/2014/main" id="{518D549C-931B-2B41-8F20-D12288256AC4}"/>
+                <a16:creationId xmlns:a16="http://schemas.microsoft.com/office/drawing/2014/main" id="{C97D02F3-B3CF-1A40-992B-3BCE54AEC322}"/>
               </a:ext>
             </a:extLst>
           </p:cNvPr>
@@ -7375,7 +9641,7 @@
               <a:rPr lang="ru-RU" b="1" dirty="0">
                 <a:latin typeface="+mn-lt"/>
               </a:rPr>
-              <a:t>Публикации</a:t>
+              <a:t>Заключение</a:t>
             </a:r>
           </a:p>
         </p:txBody>
@@ -7385,7 +9651,7 @@
           <p:cNvPr id="8" name="Picture 7">
             <a:extLst>
               <a:ext uri="{FF2B5EF4-FFF2-40B4-BE49-F238E27FC236}">
-                <a16:creationId xmlns:a16="http://schemas.microsoft.com/office/drawing/2014/main" id="{C4B38554-368B-1248-AC91-FEBE5F0B286B}"/>
+                <a16:creationId xmlns:a16="http://schemas.microsoft.com/office/drawing/2014/main" id="{E865F144-5406-EF47-B91B-14B125A33E9F}"/>
               </a:ext>
             </a:extLst>
           </p:cNvPr>
@@ -7421,7 +9687,7 @@
           <p:cNvPr id="9" name="Picture 8">
             <a:extLst>
               <a:ext uri="{FF2B5EF4-FFF2-40B4-BE49-F238E27FC236}">
-                <a16:creationId xmlns:a16="http://schemas.microsoft.com/office/drawing/2014/main" id="{58DCF241-9FDA-E548-AFC7-74FEE1DA11F7}"/>
+                <a16:creationId xmlns:a16="http://schemas.microsoft.com/office/drawing/2014/main" id="{086CDF8B-5A30-8C4F-B34E-4275A0D98BC9}"/>
               </a:ext>
             </a:extLst>
           </p:cNvPr>
@@ -7458,7 +9724,7 @@
           <p:cNvPr id="4" name="Content Placeholder 3">
             <a:extLst>
               <a:ext uri="{FF2B5EF4-FFF2-40B4-BE49-F238E27FC236}">
-                <a16:creationId xmlns:a16="http://schemas.microsoft.com/office/drawing/2014/main" id="{3475388A-7D00-477E-B115-BAACE3DFD708}"/>
+                <a16:creationId xmlns:a16="http://schemas.microsoft.com/office/drawing/2014/main" id="{B5864989-CF3D-4AA0-88E2-0C0B8B6D17BC}"/>
               </a:ext>
             </a:extLst>
           </p:cNvPr>
@@ -7481,7 +9747,7 @@
     </p:spTree>
     <p:extLst>
       <p:ext uri="{BB962C8B-B14F-4D97-AF65-F5344CB8AC3E}">
-        <p14:creationId xmlns:p14="http://schemas.microsoft.com/office/powerpoint/2010/main" val="1122155524"/>
+        <p14:creationId xmlns:p14="http://schemas.microsoft.com/office/powerpoint/2010/main" val="4066101104"/>
       </p:ext>
     </p:extLst>
   </p:cSld>
@@ -7491,7 +9757,7 @@
 </p:sld>
 </file>
 
-<file path=ppt/slides/slide2.xml><?xml version="1.0" encoding="utf-8"?>
+<file path=ppt/slides/slide15.xml><?xml version="1.0" encoding="utf-8"?>
 <p:sld xmlns:a="http://schemas.openxmlformats.org/drawingml/2006/main" xmlns:r="http://schemas.openxmlformats.org/officeDocument/2006/relationships" xmlns:p="http://schemas.openxmlformats.org/presentationml/2006/main">
   <p:cSld>
     <p:spTree>
@@ -7510,10 +9776,39 @@
       </p:grpSpPr>
       <p:sp>
         <p:nvSpPr>
-          <p:cNvPr id="12" name="Заголовок 1">
-            <a:extLst>
-              <a:ext uri="{FF2B5EF4-FFF2-40B4-BE49-F238E27FC236}">
-                <a16:creationId xmlns:a16="http://schemas.microsoft.com/office/drawing/2014/main" id="{9107B01E-7683-304F-A21C-896CE6728084}"/>
+          <p:cNvPr id="5" name="Slide Number Placeholder 4">
+            <a:extLst>
+              <a:ext uri="{FF2B5EF4-FFF2-40B4-BE49-F238E27FC236}">
+                <a16:creationId xmlns:a16="http://schemas.microsoft.com/office/drawing/2014/main" id="{AAE0A73A-0DF3-3A44-813D-3A4A08C1D621}"/>
+              </a:ext>
+            </a:extLst>
+          </p:cNvPr>
+          <p:cNvSpPr>
+            <a:spLocks noGrp="1"/>
+          </p:cNvSpPr>
+          <p:nvPr>
+            <p:ph type="sldNum" sz="quarter" idx="12"/>
+          </p:nvPr>
+        </p:nvSpPr>
+        <p:spPr/>
+        <p:txBody>
+          <a:bodyPr/>
+          <a:lstStyle/>
+          <a:p>
+            <a:fld id="{018BF65D-6ED2-4CD5-9A43-7F793B06593C}" type="slidenum">
+              <a:rPr lang="ru-RU" smtClean="0"/>
+              <a:t>15</a:t>
+            </a:fld>
+            <a:endParaRPr lang="ru-RU"/>
+          </a:p>
+        </p:txBody>
+      </p:sp>
+      <p:sp>
+        <p:nvSpPr>
+          <p:cNvPr id="7" name="Заголовок 1">
+            <a:extLst>
+              <a:ext uri="{FF2B5EF4-FFF2-40B4-BE49-F238E27FC236}">
+                <a16:creationId xmlns:a16="http://schemas.microsoft.com/office/drawing/2014/main" id="{518D549C-931B-2B41-8F20-D12288256AC4}"/>
               </a:ext>
             </a:extLst>
           </p:cNvPr>
@@ -7562,20 +9857,26 @@
           </a:lstStyle>
           <a:p>
             <a:r>
+              <a:rPr lang="en-US" b="1" dirty="0">
+                <a:latin typeface="+mn-lt"/>
+              </a:rPr>
+              <a:t>	</a:t>
+            </a:r>
+            <a:r>
               <a:rPr lang="ru-RU" b="1" dirty="0">
                 <a:latin typeface="+mn-lt"/>
               </a:rPr>
-              <a:t>	Актуальность</a:t>
+              <a:t>Публикации</a:t>
             </a:r>
           </a:p>
         </p:txBody>
       </p:sp>
       <p:pic>
         <p:nvPicPr>
-          <p:cNvPr id="13" name="Picture 12">
-            <a:extLst>
-              <a:ext uri="{FF2B5EF4-FFF2-40B4-BE49-F238E27FC236}">
-                <a16:creationId xmlns:a16="http://schemas.microsoft.com/office/drawing/2014/main" id="{7A003EEC-EFB1-6242-8FAA-2730C426D63B}"/>
+          <p:cNvPr id="8" name="Picture 7">
+            <a:extLst>
+              <a:ext uri="{FF2B5EF4-FFF2-40B4-BE49-F238E27FC236}">
+                <a16:creationId xmlns:a16="http://schemas.microsoft.com/office/drawing/2014/main" id="{C4B38554-368B-1248-AC91-FEBE5F0B286B}"/>
               </a:ext>
             </a:extLst>
           </p:cNvPr>
@@ -7608,10 +9909,10 @@
       </p:pic>
       <p:pic>
         <p:nvPicPr>
-          <p:cNvPr id="14" name="Picture 13">
-            <a:extLst>
-              <a:ext uri="{FF2B5EF4-FFF2-40B4-BE49-F238E27FC236}">
-                <a16:creationId xmlns:a16="http://schemas.microsoft.com/office/drawing/2014/main" id="{7D46BAFE-36ED-D241-AE9D-6E41785C8295}"/>
+          <p:cNvPr id="9" name="Picture 8">
+            <a:extLst>
+              <a:ext uri="{FF2B5EF4-FFF2-40B4-BE49-F238E27FC236}">
+                <a16:creationId xmlns:a16="http://schemas.microsoft.com/office/drawing/2014/main" id="{58DCF241-9FDA-E548-AFC7-74FEE1DA11F7}"/>
               </a:ext>
             </a:extLst>
           </p:cNvPr>
@@ -7645,10 +9946,10 @@
       </p:pic>
       <p:sp>
         <p:nvSpPr>
-          <p:cNvPr id="3" name="Объект 2">
-            <a:extLst>
-              <a:ext uri="{FF2B5EF4-FFF2-40B4-BE49-F238E27FC236}">
-                <a16:creationId xmlns:a16="http://schemas.microsoft.com/office/drawing/2014/main" id="{41173161-F7A1-408C-A972-BD9FE7970E9F}"/>
+          <p:cNvPr id="4" name="Content Placeholder 3">
+            <a:extLst>
+              <a:ext uri="{FF2B5EF4-FFF2-40B4-BE49-F238E27FC236}">
+                <a16:creationId xmlns:a16="http://schemas.microsoft.com/office/drawing/2014/main" id="{3475388A-7D00-477E-B115-BAACE3DFD708}"/>
               </a:ext>
             </a:extLst>
           </p:cNvPr>
@@ -7659,104 +9960,11 @@
             <p:ph idx="1"/>
           </p:nvPr>
         </p:nvSpPr>
-        <p:spPr>
-          <a:xfrm>
-            <a:off x="489335" y="1373475"/>
-            <a:ext cx="11369040" cy="4389116"/>
-          </a:xfrm>
-        </p:spPr>
-        <p:txBody>
-          <a:bodyPr>
-            <a:noAutofit/>
-          </a:bodyPr>
-          <a:lstStyle/>
-          <a:p>
-            <a:pPr>
-              <a:lnSpc>
-                <a:spcPct val="150000"/>
-              </a:lnSpc>
-            </a:pPr>
-            <a:r>
-              <a:rPr lang="ru-RU" dirty="0">
-                <a:latin typeface="Helvetica Neue" panose="02000503000000020004" pitchFamily="2" charset="0"/>
-                <a:ea typeface="Helvetica Neue" panose="02000503000000020004" pitchFamily="2" charset="0"/>
-                <a:cs typeface="Helvetica Neue" panose="02000503000000020004" pitchFamily="2" charset="0"/>
-              </a:rPr>
-              <a:t> Увеличение интеграции встраиваемых систем</a:t>
-            </a:r>
-          </a:p>
-          <a:p>
-            <a:pPr>
-              <a:lnSpc>
-                <a:spcPct val="150000"/>
-              </a:lnSpc>
-            </a:pPr>
-            <a:r>
-              <a:rPr lang="ru-RU" dirty="0">
-                <a:latin typeface="Helvetica Neue" panose="02000503000000020004" pitchFamily="2" charset="0"/>
-                <a:ea typeface="Helvetica Neue" panose="02000503000000020004" pitchFamily="2" charset="0"/>
-                <a:cs typeface="Helvetica Neue" panose="02000503000000020004" pitchFamily="2" charset="0"/>
-              </a:rPr>
-              <a:t> Тестирование, отладка и анализ ВПО</a:t>
-            </a:r>
-          </a:p>
-          <a:p>
-            <a:pPr>
-              <a:lnSpc>
-                <a:spcPct val="150000"/>
-              </a:lnSpc>
-            </a:pPr>
-            <a:r>
-              <a:rPr lang="ru-RU" dirty="0">
-                <a:latin typeface="Helvetica Neue" panose="02000503000000020004" pitchFamily="2" charset="0"/>
-                <a:ea typeface="Helvetica Neue" panose="02000503000000020004" pitchFamily="2" charset="0"/>
-                <a:cs typeface="Helvetica Neue" panose="02000503000000020004" pitchFamily="2" charset="0"/>
-              </a:rPr>
-              <a:t> Разработка надежных, отказоустойчивых и безопасных встраиваемых систем</a:t>
-            </a:r>
-          </a:p>
-          <a:p>
-            <a:pPr>
-              <a:lnSpc>
-                <a:spcPct val="150000"/>
-              </a:lnSpc>
-            </a:pPr>
-            <a:r>
-              <a:rPr lang="ru-RU" dirty="0">
-                <a:latin typeface="Helvetica Neue" panose="02000503000000020004" pitchFamily="2" charset="0"/>
-                <a:ea typeface="Helvetica Neue" panose="02000503000000020004" pitchFamily="2" charset="0"/>
-                <a:cs typeface="Helvetica Neue" panose="02000503000000020004" pitchFamily="2" charset="0"/>
-              </a:rPr>
-              <a:t> Затруднения при проведения отладочных процессов на устройстве</a:t>
-            </a:r>
-          </a:p>
-        </p:txBody>
-      </p:sp>
-      <p:sp>
-        <p:nvSpPr>
-          <p:cNvPr id="11" name="Slide Number Placeholder 10">
-            <a:extLst>
-              <a:ext uri="{FF2B5EF4-FFF2-40B4-BE49-F238E27FC236}">
-                <a16:creationId xmlns:a16="http://schemas.microsoft.com/office/drawing/2014/main" id="{58000BEA-6D39-CA44-833D-34E2E3467089}"/>
-              </a:ext>
-            </a:extLst>
-          </p:cNvPr>
-          <p:cNvSpPr>
-            <a:spLocks noGrp="1"/>
-          </p:cNvSpPr>
-          <p:nvPr>
-            <p:ph type="sldNum" sz="quarter" idx="12"/>
-          </p:nvPr>
-        </p:nvSpPr>
         <p:spPr/>
         <p:txBody>
           <a:bodyPr/>
           <a:lstStyle/>
           <a:p>
-            <a:fld id="{018BF65D-6ED2-4CD5-9A43-7F793B06593C}" type="slidenum">
-              <a:rPr lang="ru-RU" smtClean="0"/>
-              <a:t>2</a:t>
-            </a:fld>
             <a:endParaRPr lang="ru-RU"/>
           </a:p>
         </p:txBody>
@@ -7764,7 +9972,7 @@
     </p:spTree>
     <p:extLst>
       <p:ext uri="{BB962C8B-B14F-4D97-AF65-F5344CB8AC3E}">
-        <p14:creationId xmlns:p14="http://schemas.microsoft.com/office/powerpoint/2010/main" val="3296184821"/>
+        <p14:creationId xmlns:p14="http://schemas.microsoft.com/office/powerpoint/2010/main" val="1122155524"/>
       </p:ext>
     </p:extLst>
   </p:cSld>
@@ -7774,7 +9982,7 @@
 </p:sld>
 </file>
 
-<file path=ppt/slides/slide3.xml><?xml version="1.0" encoding="utf-8"?>
+<file path=ppt/slides/slide2.xml><?xml version="1.0" encoding="utf-8"?>
 <p:sld xmlns:a="http://schemas.openxmlformats.org/drawingml/2006/main" xmlns:r="http://schemas.openxmlformats.org/officeDocument/2006/relationships" xmlns:p="http://schemas.openxmlformats.org/presentationml/2006/main">
   <p:cSld>
     <p:spTree>
@@ -7845,16 +10053,10 @@
           </a:lstStyle>
           <a:p>
             <a:r>
-              <a:rPr lang="en-US" b="1" dirty="0">
-                <a:latin typeface="+mn-lt"/>
-              </a:rPr>
-              <a:t>	</a:t>
-            </a:r>
-            <a:r>
               <a:rPr lang="ru-RU" b="1" dirty="0">
                 <a:latin typeface="+mn-lt"/>
               </a:rPr>
-              <a:t>Цели и решаемые задачи</a:t>
+              <a:t>	Актуальность</a:t>
             </a:r>
           </a:p>
         </p:txBody>
@@ -7951,6 +10153,295 @@
         <p:spPr>
           <a:xfrm>
             <a:off x="489335" y="1373475"/>
+            <a:ext cx="11369040" cy="4389116"/>
+          </a:xfrm>
+        </p:spPr>
+        <p:txBody>
+          <a:bodyPr>
+            <a:noAutofit/>
+          </a:bodyPr>
+          <a:lstStyle/>
+          <a:p>
+            <a:pPr>
+              <a:lnSpc>
+                <a:spcPct val="150000"/>
+              </a:lnSpc>
+            </a:pPr>
+            <a:r>
+              <a:rPr lang="ru-RU" dirty="0">
+                <a:latin typeface="Helvetica Neue" panose="02000503000000020004" pitchFamily="2" charset="0"/>
+                <a:ea typeface="Helvetica Neue" panose="02000503000000020004" pitchFamily="2" charset="0"/>
+                <a:cs typeface="Helvetica Neue" panose="02000503000000020004" pitchFamily="2" charset="0"/>
+              </a:rPr>
+              <a:t> Увеличение интеграции встраиваемых систем</a:t>
+            </a:r>
+          </a:p>
+          <a:p>
+            <a:pPr>
+              <a:lnSpc>
+                <a:spcPct val="150000"/>
+              </a:lnSpc>
+            </a:pPr>
+            <a:r>
+              <a:rPr lang="ru-RU" dirty="0">
+                <a:latin typeface="Helvetica Neue" panose="02000503000000020004" pitchFamily="2" charset="0"/>
+                <a:ea typeface="Helvetica Neue" panose="02000503000000020004" pitchFamily="2" charset="0"/>
+                <a:cs typeface="Helvetica Neue" panose="02000503000000020004" pitchFamily="2" charset="0"/>
+              </a:rPr>
+              <a:t> Тестирование, отладка и анализ ВПО</a:t>
+            </a:r>
+          </a:p>
+          <a:p>
+            <a:pPr>
+              <a:lnSpc>
+                <a:spcPct val="150000"/>
+              </a:lnSpc>
+            </a:pPr>
+            <a:r>
+              <a:rPr lang="ru-RU" dirty="0">
+                <a:latin typeface="Helvetica Neue" panose="02000503000000020004" pitchFamily="2" charset="0"/>
+                <a:ea typeface="Helvetica Neue" panose="02000503000000020004" pitchFamily="2" charset="0"/>
+                <a:cs typeface="Helvetica Neue" panose="02000503000000020004" pitchFamily="2" charset="0"/>
+              </a:rPr>
+              <a:t> Разработка надежных, отказоустойчивых и безопасных встраиваемых систем</a:t>
+            </a:r>
+          </a:p>
+          <a:p>
+            <a:pPr>
+              <a:lnSpc>
+                <a:spcPct val="150000"/>
+              </a:lnSpc>
+            </a:pPr>
+            <a:r>
+              <a:rPr lang="ru-RU" dirty="0">
+                <a:latin typeface="Helvetica Neue" panose="02000503000000020004" pitchFamily="2" charset="0"/>
+                <a:ea typeface="Helvetica Neue" panose="02000503000000020004" pitchFamily="2" charset="0"/>
+                <a:cs typeface="Helvetica Neue" panose="02000503000000020004" pitchFamily="2" charset="0"/>
+              </a:rPr>
+              <a:t> Затруднения при проведения отладочных процессов на устройстве</a:t>
+            </a:r>
+          </a:p>
+        </p:txBody>
+      </p:sp>
+      <p:sp>
+        <p:nvSpPr>
+          <p:cNvPr id="11" name="Slide Number Placeholder 10">
+            <a:extLst>
+              <a:ext uri="{FF2B5EF4-FFF2-40B4-BE49-F238E27FC236}">
+                <a16:creationId xmlns:a16="http://schemas.microsoft.com/office/drawing/2014/main" id="{58000BEA-6D39-CA44-833D-34E2E3467089}"/>
+              </a:ext>
+            </a:extLst>
+          </p:cNvPr>
+          <p:cNvSpPr>
+            <a:spLocks noGrp="1"/>
+          </p:cNvSpPr>
+          <p:nvPr>
+            <p:ph type="sldNum" sz="quarter" idx="12"/>
+          </p:nvPr>
+        </p:nvSpPr>
+        <p:spPr/>
+        <p:txBody>
+          <a:bodyPr/>
+          <a:lstStyle/>
+          <a:p>
+            <a:fld id="{018BF65D-6ED2-4CD5-9A43-7F793B06593C}" type="slidenum">
+              <a:rPr lang="ru-RU" smtClean="0"/>
+              <a:t>2</a:t>
+            </a:fld>
+            <a:endParaRPr lang="ru-RU"/>
+          </a:p>
+        </p:txBody>
+      </p:sp>
+    </p:spTree>
+    <p:extLst>
+      <p:ext uri="{BB962C8B-B14F-4D97-AF65-F5344CB8AC3E}">
+        <p14:creationId xmlns:p14="http://schemas.microsoft.com/office/powerpoint/2010/main" val="3296184821"/>
+      </p:ext>
+    </p:extLst>
+  </p:cSld>
+  <p:clrMapOvr>
+    <a:masterClrMapping/>
+  </p:clrMapOvr>
+</p:sld>
+</file>
+
+<file path=ppt/slides/slide3.xml><?xml version="1.0" encoding="utf-8"?>
+<p:sld xmlns:a="http://schemas.openxmlformats.org/drawingml/2006/main" xmlns:r="http://schemas.openxmlformats.org/officeDocument/2006/relationships" xmlns:p="http://schemas.openxmlformats.org/presentationml/2006/main">
+  <p:cSld>
+    <p:spTree>
+      <p:nvGrpSpPr>
+        <p:cNvPr id="1" name=""/>
+        <p:cNvGrpSpPr/>
+        <p:nvPr/>
+      </p:nvGrpSpPr>
+      <p:grpSpPr>
+        <a:xfrm>
+          <a:off x="0" y="0"/>
+          <a:ext cx="0" cy="0"/>
+          <a:chOff x="0" y="0"/>
+          <a:chExt cx="0" cy="0"/>
+        </a:xfrm>
+      </p:grpSpPr>
+      <p:sp>
+        <p:nvSpPr>
+          <p:cNvPr id="12" name="Заголовок 1">
+            <a:extLst>
+              <a:ext uri="{FF2B5EF4-FFF2-40B4-BE49-F238E27FC236}">
+                <a16:creationId xmlns:a16="http://schemas.microsoft.com/office/drawing/2014/main" id="{9107B01E-7683-304F-A21C-896CE6728084}"/>
+              </a:ext>
+            </a:extLst>
+          </p:cNvPr>
+          <p:cNvSpPr txBox="1">
+            <a:spLocks/>
+          </p:cNvSpPr>
+          <p:nvPr/>
+        </p:nvSpPr>
+        <p:spPr>
+          <a:xfrm>
+            <a:off x="-1" y="-16805"/>
+            <a:ext cx="12192001" cy="941202"/>
+          </a:xfrm>
+          <a:prstGeom prst="rect">
+            <a:avLst/>
+          </a:prstGeom>
+          <a:solidFill>
+            <a:schemeClr val="accent3">
+              <a:lumMod val="20000"/>
+              <a:lumOff val="80000"/>
+            </a:schemeClr>
+          </a:solidFill>
+        </p:spPr>
+        <p:txBody>
+          <a:bodyPr vert="horz" lIns="91440" tIns="45720" rIns="91440" bIns="45720" rtlCol="0" anchor="ctr">
+            <a:normAutofit/>
+          </a:bodyPr>
+          <a:lstStyle>
+            <a:lvl1pPr algn="l" defTabSz="914400" rtl="0" eaLnBrk="1" latinLnBrk="0" hangingPunct="1">
+              <a:lnSpc>
+                <a:spcPct val="90000"/>
+              </a:lnSpc>
+              <a:spcBef>
+                <a:spcPct val="0"/>
+              </a:spcBef>
+              <a:buNone/>
+              <a:defRPr sz="4400" kern="1200">
+                <a:solidFill>
+                  <a:schemeClr val="tx1"/>
+                </a:solidFill>
+                <a:latin typeface="+mj-lt"/>
+                <a:ea typeface="+mj-ea"/>
+                <a:cs typeface="+mj-cs"/>
+              </a:defRPr>
+            </a:lvl1pPr>
+          </a:lstStyle>
+          <a:p>
+            <a:r>
+              <a:rPr lang="en-US" b="1" dirty="0">
+                <a:latin typeface="+mn-lt"/>
+              </a:rPr>
+              <a:t>	</a:t>
+            </a:r>
+            <a:r>
+              <a:rPr lang="ru-RU" b="1" dirty="0">
+                <a:latin typeface="+mn-lt"/>
+              </a:rPr>
+              <a:t>Цели и решаемые задачи</a:t>
+            </a:r>
+          </a:p>
+        </p:txBody>
+      </p:sp>
+      <p:pic>
+        <p:nvPicPr>
+          <p:cNvPr id="13" name="Picture 12">
+            <a:extLst>
+              <a:ext uri="{FF2B5EF4-FFF2-40B4-BE49-F238E27FC236}">
+                <a16:creationId xmlns:a16="http://schemas.microsoft.com/office/drawing/2014/main" id="{7A003EEC-EFB1-6242-8FAA-2730C426D63B}"/>
+              </a:ext>
+            </a:extLst>
+          </p:cNvPr>
+          <p:cNvPicPr>
+            <a:picLocks noChangeAspect="1"/>
+          </p:cNvPicPr>
+          <p:nvPr/>
+        </p:nvPicPr>
+        <p:blipFill>
+          <a:blip r:embed="rId3">
+            <a:extLst>
+              <a:ext uri="{28A0092B-C50C-407E-A947-70E740481C1C}">
+                <a14:useLocalDpi xmlns:a14="http://schemas.microsoft.com/office/drawing/2010/main" val="0"/>
+              </a:ext>
+            </a:extLst>
+          </a:blip>
+          <a:stretch>
+            <a:fillRect/>
+          </a:stretch>
+        </p:blipFill>
+        <p:spPr>
+          <a:xfrm>
+            <a:off x="83617" y="68686"/>
+            <a:ext cx="811437" cy="792024"/>
+          </a:xfrm>
+          <a:prstGeom prst="rect">
+            <a:avLst/>
+          </a:prstGeom>
+        </p:spPr>
+      </p:pic>
+      <p:pic>
+        <p:nvPicPr>
+          <p:cNvPr id="14" name="Picture 13">
+            <a:extLst>
+              <a:ext uri="{FF2B5EF4-FFF2-40B4-BE49-F238E27FC236}">
+                <a16:creationId xmlns:a16="http://schemas.microsoft.com/office/drawing/2014/main" id="{7D46BAFE-36ED-D241-AE9D-6E41785C8295}"/>
+              </a:ext>
+            </a:extLst>
+          </p:cNvPr>
+          <p:cNvPicPr>
+            <a:picLocks noChangeAspect="1"/>
+          </p:cNvPicPr>
+          <p:nvPr/>
+        </p:nvPicPr>
+        <p:blipFill>
+          <a:blip r:embed="rId4">
+            <a:extLst>
+              <a:ext uri="{28A0092B-C50C-407E-A947-70E740481C1C}">
+                <a14:useLocalDpi xmlns:a14="http://schemas.microsoft.com/office/drawing/2010/main" val="0"/>
+              </a:ext>
+            </a:extLst>
+          </a:blip>
+          <a:stretch>
+            <a:fillRect/>
+          </a:stretch>
+        </p:blipFill>
+        <p:spPr>
+          <a:xfrm>
+            <a:off x="11353800" y="37130"/>
+            <a:ext cx="697948" cy="823580"/>
+          </a:xfrm>
+          <a:prstGeom prst="rect">
+            <a:avLst/>
+          </a:prstGeom>
+          <a:effectLst/>
+        </p:spPr>
+      </p:pic>
+      <p:sp>
+        <p:nvSpPr>
+          <p:cNvPr id="3" name="Объект 2">
+            <a:extLst>
+              <a:ext uri="{FF2B5EF4-FFF2-40B4-BE49-F238E27FC236}">
+                <a16:creationId xmlns:a16="http://schemas.microsoft.com/office/drawing/2014/main" id="{41173161-F7A1-408C-A972-BD9FE7970E9F}"/>
+              </a:ext>
+            </a:extLst>
+          </p:cNvPr>
+          <p:cNvSpPr>
+            <a:spLocks noGrp="1"/>
+          </p:cNvSpPr>
+          <p:nvPr>
+            <p:ph idx="1"/>
+          </p:nvPr>
+        </p:nvSpPr>
+        <p:spPr>
+          <a:xfrm>
+            <a:off x="489335" y="1373475"/>
             <a:ext cx="11369040" cy="4838194"/>
           </a:xfrm>
         </p:spPr>
@@ -8077,7 +10568,7 @@
                 <a:ea typeface="Helvetica Neue" panose="02000503000000020004" pitchFamily="2" charset="0"/>
                 <a:cs typeface="Helvetica Neue" panose="02000503000000020004" pitchFamily="2" charset="0"/>
               </a:rPr>
-              <a:t>Разработка модуля ядра </a:t>
+              <a:t>Разработка эмулятора ядра </a:t>
             </a:r>
             <a:r>
               <a:rPr lang="en-US" sz="2000" dirty="0">
@@ -8093,6 +10584,36 @@
                 <a:ea typeface="Helvetica Neue" panose="02000503000000020004" pitchFamily="2" charset="0"/>
                 <a:cs typeface="Helvetica Neue" panose="02000503000000020004" pitchFamily="2" charset="0"/>
               </a:rPr>
+              <a:t>с использованием современных средств проектирования ПО</a:t>
+            </a:r>
+          </a:p>
+          <a:p>
+            <a:pPr marL="514350" indent="-514350">
+              <a:buFont typeface="+mj-lt"/>
+              <a:buAutoNum type="arabicPeriod"/>
+            </a:pPr>
+            <a:r>
+              <a:rPr lang="ru-RU" sz="2000" dirty="0">
+                <a:latin typeface="Helvetica Neue" panose="02000503000000020004" pitchFamily="2" charset="0"/>
+                <a:ea typeface="Helvetica Neue" panose="02000503000000020004" pitchFamily="2" charset="0"/>
+                <a:cs typeface="Helvetica Neue" panose="02000503000000020004" pitchFamily="2" charset="0"/>
+              </a:rPr>
+              <a:t>Разработка модуля ядра </a:t>
+            </a:r>
+            <a:r>
+              <a:rPr lang="en-US" sz="2000" dirty="0">
+                <a:latin typeface="Helvetica Neue" panose="02000503000000020004" pitchFamily="2" charset="0"/>
+                <a:ea typeface="Helvetica Neue" panose="02000503000000020004" pitchFamily="2" charset="0"/>
+                <a:cs typeface="Helvetica Neue" panose="02000503000000020004" pitchFamily="2" charset="0"/>
+              </a:rPr>
+              <a:t>MIPS </a:t>
+            </a:r>
+            <a:r>
+              <a:rPr lang="ru-RU" sz="2000" dirty="0">
+                <a:latin typeface="Helvetica Neue" panose="02000503000000020004" pitchFamily="2" charset="0"/>
+                <a:ea typeface="Helvetica Neue" panose="02000503000000020004" pitchFamily="2" charset="0"/>
+                <a:cs typeface="Helvetica Neue" panose="02000503000000020004" pitchFamily="2" charset="0"/>
+              </a:rPr>
               <a:t>в эмуляторе </a:t>
             </a:r>
             <a:r>
@@ -8108,36 +10629,6 @@
               <a:ea typeface="Helvetica Neue" panose="02000503000000020004" pitchFamily="2" charset="0"/>
               <a:cs typeface="Helvetica Neue" panose="02000503000000020004" pitchFamily="2" charset="0"/>
             </a:endParaRPr>
-          </a:p>
-          <a:p>
-            <a:pPr marL="514350" indent="-514350">
-              <a:buFont typeface="+mj-lt"/>
-              <a:buAutoNum type="arabicPeriod"/>
-            </a:pPr>
-            <a:r>
-              <a:rPr lang="ru-RU" sz="2000" dirty="0">
-                <a:latin typeface="Helvetica Neue" panose="02000503000000020004" pitchFamily="2" charset="0"/>
-                <a:ea typeface="Helvetica Neue" panose="02000503000000020004" pitchFamily="2" charset="0"/>
-                <a:cs typeface="Helvetica Neue" panose="02000503000000020004" pitchFamily="2" charset="0"/>
-              </a:rPr>
-              <a:t>Разработка эмулятора ядра </a:t>
-            </a:r>
-            <a:r>
-              <a:rPr lang="en-US" sz="2000" dirty="0">
-                <a:latin typeface="Helvetica Neue" panose="02000503000000020004" pitchFamily="2" charset="0"/>
-                <a:ea typeface="Helvetica Neue" panose="02000503000000020004" pitchFamily="2" charset="0"/>
-                <a:cs typeface="Helvetica Neue" panose="02000503000000020004" pitchFamily="2" charset="0"/>
-              </a:rPr>
-              <a:t>MIPS </a:t>
-            </a:r>
-            <a:r>
-              <a:rPr lang="ru-RU" sz="2000" dirty="0">
-                <a:latin typeface="Helvetica Neue" panose="02000503000000020004" pitchFamily="2" charset="0"/>
-                <a:ea typeface="Helvetica Neue" panose="02000503000000020004" pitchFamily="2" charset="0"/>
-                <a:cs typeface="Helvetica Neue" panose="02000503000000020004" pitchFamily="2" charset="0"/>
-              </a:rPr>
-              <a:t>с использованием современных средств проектирования ПО</a:t>
-            </a:r>
           </a:p>
           <a:p>
             <a:pPr marL="514350" indent="-514350">
@@ -9947,7 +12438,7 @@
           <p:nvPr>
             <p:extLst>
               <p:ext uri="{D42A27DB-BD31-4B8C-83A1-F6EECF244321}">
-                <p14:modId xmlns:p14="http://schemas.microsoft.com/office/powerpoint/2010/main" val="4273803732"/>
+                <p14:modId xmlns:p14="http://schemas.microsoft.com/office/powerpoint/2010/main" val="1420179200"/>
               </p:ext>
             </p:extLst>
           </p:nvPr>
@@ -10735,6 +13226,139 @@
                           <a:effectLst/>
                           <a:latin typeface="Helvetica Neue" panose="02000503000000020004"/>
                         </a:rPr>
+                        <a:t>Rust</a:t>
+                      </a:r>
+                      <a:endParaRPr lang="ru-RU" sz="2000" kern="100" dirty="0">
+                        <a:effectLst/>
+                        <a:latin typeface="Helvetica Neue" panose="02000503000000020004"/>
+                        <a:ea typeface="Calibri" panose="020F0502020204030204" pitchFamily="34" charset="0"/>
+                        <a:cs typeface="Times New Roman" panose="02020603050405020304" pitchFamily="18" charset="0"/>
+                      </a:endParaRPr>
+                    </a:p>
+                  </a:txBody>
+                  <a:tcPr marL="68580" marR="68580" marT="0" marB="0" anchor="ctr"/>
+                </a:tc>
+                <a:tc>
+                  <a:txBody>
+                    <a:bodyPr/>
+                    <a:lstStyle/>
+                    <a:p>
+                      <a:pPr marL="0" marR="0" indent="0" algn="ctr">
+                        <a:lnSpc>
+                          <a:spcPct val="150000"/>
+                        </a:lnSpc>
+                        <a:spcBef>
+                          <a:spcPts val="0"/>
+                        </a:spcBef>
+                        <a:spcAft>
+                          <a:spcPts val="0"/>
+                        </a:spcAft>
+                      </a:pPr>
+                      <a:r>
+                        <a:rPr lang="ru-RU" sz="2000" kern="100" dirty="0">
+                          <a:effectLst/>
+                          <a:latin typeface="Helvetica Neue" panose="02000503000000020004"/>
+                          <a:ea typeface="Calibri" panose="020F0502020204030204" pitchFamily="34" charset="0"/>
+                          <a:cs typeface="Times New Roman" panose="02020603050405020304" pitchFamily="18" charset="0"/>
+                        </a:rPr>
+                        <a:t>Компиляция</a:t>
+                      </a:r>
+                    </a:p>
+                  </a:txBody>
+                  <a:tcPr marL="68580" marR="68580" marT="0" marB="0" anchor="ctr"/>
+                </a:tc>
+                <a:tc>
+                  <a:txBody>
+                    <a:bodyPr/>
+                    <a:lstStyle/>
+                    <a:p>
+                      <a:pPr marL="0" marR="0" indent="0" algn="ctr">
+                        <a:lnSpc>
+                          <a:spcPct val="150000"/>
+                        </a:lnSpc>
+                        <a:spcBef>
+                          <a:spcPts val="0"/>
+                        </a:spcBef>
+                        <a:spcAft>
+                          <a:spcPts val="0"/>
+                        </a:spcAft>
+                      </a:pPr>
+                      <a:r>
+                        <a:rPr lang="en-US" sz="2000" kern="100" dirty="0">
+                          <a:effectLst/>
+                          <a:latin typeface="Helvetica Neue" panose="02000503000000020004"/>
+                          <a:ea typeface="Calibri" panose="020F0502020204030204" pitchFamily="34" charset="0"/>
+                          <a:cs typeface="Times New Roman" panose="02020603050405020304" pitchFamily="18" charset="0"/>
+                        </a:rPr>
+                        <a:t>1%</a:t>
+                      </a:r>
+                      <a:endParaRPr lang="ru-RU" sz="2000" kern="100" dirty="0">
+                        <a:effectLst/>
+                        <a:latin typeface="Helvetica Neue" panose="02000503000000020004"/>
+                        <a:ea typeface="Calibri" panose="020F0502020204030204" pitchFamily="34" charset="0"/>
+                        <a:cs typeface="Times New Roman" panose="02020603050405020304" pitchFamily="18" charset="0"/>
+                      </a:endParaRPr>
+                    </a:p>
+                  </a:txBody>
+                  <a:tcPr marL="68580" marR="68580" marT="0" marB="0" anchor="ctr"/>
+                </a:tc>
+                <a:tc>
+                  <a:txBody>
+                    <a:bodyPr/>
+                    <a:lstStyle/>
+                    <a:p>
+                      <a:pPr marL="0" marR="0" indent="0" algn="ctr">
+                        <a:lnSpc>
+                          <a:spcPct val="150000"/>
+                        </a:lnSpc>
+                        <a:spcBef>
+                          <a:spcPts val="0"/>
+                        </a:spcBef>
+                        <a:spcAft>
+                          <a:spcPts val="0"/>
+                        </a:spcAft>
+                      </a:pPr>
+                      <a:r>
+                        <a:rPr lang="ru-RU" sz="2000" kern="100" dirty="0">
+                          <a:effectLst/>
+                          <a:latin typeface="Helvetica Neue" panose="02000503000000020004"/>
+                          <a:ea typeface="Calibri" panose="020F0502020204030204" pitchFamily="34" charset="0"/>
+                          <a:cs typeface="Times New Roman" panose="02020603050405020304" pitchFamily="18" charset="0"/>
+                        </a:rPr>
+                        <a:t>Среднее</a:t>
+                      </a:r>
+                    </a:p>
+                  </a:txBody>
+                  <a:tcPr marL="68580" marR="68580" marT="0" marB="0" anchor="ctr"/>
+                </a:tc>
+                <a:extLst>
+                  <a:ext uri="{0D108BD9-81ED-4DB2-BD59-A6C34878D82A}">
+                    <a16:rowId xmlns:a16="http://schemas.microsoft.com/office/drawing/2014/main" val="456004859"/>
+                  </a:ext>
+                </a:extLst>
+              </a:tr>
+              <a:tr h="548640">
+                <a:tc>
+                  <a:txBody>
+                    <a:bodyPr/>
+                    <a:lstStyle/>
+                    <a:p>
+                      <a:pPr marL="0" marR="0" indent="0" algn="ctr">
+                        <a:lnSpc>
+                          <a:spcPct val="150000"/>
+                        </a:lnSpc>
+                        <a:spcBef>
+                          <a:spcPts val="0"/>
+                        </a:spcBef>
+                        <a:spcAft>
+                          <a:spcPts val="0"/>
+                        </a:spcAft>
+                      </a:pPr>
+                      <a:r>
+                        <a:rPr lang="en-US" sz="2000" kern="100" dirty="0">
+                          <a:effectLst/>
+                          <a:latin typeface="Helvetica Neue" panose="02000503000000020004"/>
+                        </a:rPr>
                         <a:t>Kotlin</a:t>
                       </a:r>
                       <a:endParaRPr lang="ru-RU" sz="2000" kern="100" dirty="0">
@@ -10866,140 +13490,7 @@
                 </a:tc>
                 <a:extLst>
                   <a:ext uri="{0D108BD9-81ED-4DB2-BD59-A6C34878D82A}">
-                    <a16:rowId xmlns:a16="http://schemas.microsoft.com/office/drawing/2014/main" val="2184190223"/>
-                  </a:ext>
-                </a:extLst>
-              </a:tr>
-              <a:tr h="548640">
-                <a:tc>
-                  <a:txBody>
-                    <a:bodyPr/>
-                    <a:lstStyle/>
-                    <a:p>
-                      <a:pPr marL="0" marR="0" indent="0" algn="ctr">
-                        <a:lnSpc>
-                          <a:spcPct val="150000"/>
-                        </a:lnSpc>
-                        <a:spcBef>
-                          <a:spcPts val="0"/>
-                        </a:spcBef>
-                        <a:spcAft>
-                          <a:spcPts val="0"/>
-                        </a:spcAft>
-                      </a:pPr>
-                      <a:r>
-                        <a:rPr lang="en-US" sz="2000" kern="100" dirty="0">
-                          <a:effectLst/>
-                          <a:latin typeface="Helvetica Neue" panose="02000503000000020004"/>
-                        </a:rPr>
-                        <a:t>Rust</a:t>
-                      </a:r>
-                      <a:endParaRPr lang="ru-RU" sz="2000" kern="100" dirty="0">
-                        <a:effectLst/>
-                        <a:latin typeface="Helvetica Neue" panose="02000503000000020004"/>
-                        <a:ea typeface="Calibri" panose="020F0502020204030204" pitchFamily="34" charset="0"/>
-                        <a:cs typeface="Times New Roman" panose="02020603050405020304" pitchFamily="18" charset="0"/>
-                      </a:endParaRPr>
-                    </a:p>
-                  </a:txBody>
-                  <a:tcPr marL="68580" marR="68580" marT="0" marB="0" anchor="ctr"/>
-                </a:tc>
-                <a:tc>
-                  <a:txBody>
-                    <a:bodyPr/>
-                    <a:lstStyle/>
-                    <a:p>
-                      <a:pPr marL="0" marR="0" indent="0" algn="ctr">
-                        <a:lnSpc>
-                          <a:spcPct val="150000"/>
-                        </a:lnSpc>
-                        <a:spcBef>
-                          <a:spcPts val="0"/>
-                        </a:spcBef>
-                        <a:spcAft>
-                          <a:spcPts val="0"/>
-                        </a:spcAft>
-                      </a:pPr>
-                      <a:r>
-                        <a:rPr lang="ru-RU" sz="2000" kern="100" dirty="0">
-                          <a:effectLst/>
-                          <a:latin typeface="Helvetica Neue" panose="02000503000000020004"/>
-                          <a:ea typeface="Calibri" panose="020F0502020204030204" pitchFamily="34" charset="0"/>
-                          <a:cs typeface="Times New Roman" panose="02020603050405020304" pitchFamily="18" charset="0"/>
-                        </a:rPr>
-                        <a:t>Компиляция</a:t>
-                      </a:r>
-                    </a:p>
-                  </a:txBody>
-                  <a:tcPr marL="68580" marR="68580" marT="0" marB="0" anchor="ctr"/>
-                </a:tc>
-                <a:tc>
-                  <a:txBody>
-                    <a:bodyPr/>
-                    <a:lstStyle/>
-                    <a:p>
-                      <a:pPr marL="0" marR="0" indent="0" algn="ctr">
-                        <a:lnSpc>
-                          <a:spcPct val="150000"/>
-                        </a:lnSpc>
-                        <a:spcBef>
-                          <a:spcPts val="0"/>
-                        </a:spcBef>
-                        <a:spcAft>
-                          <a:spcPts val="0"/>
-                        </a:spcAft>
-                      </a:pPr>
-                      <a:r>
-                        <a:rPr lang="en-US" sz="2000" kern="100" dirty="0">
-                          <a:effectLst/>
-                          <a:latin typeface="Helvetica Neue" panose="02000503000000020004"/>
-                          <a:ea typeface="Calibri" panose="020F0502020204030204" pitchFamily="34" charset="0"/>
-                          <a:cs typeface="Times New Roman" panose="02020603050405020304" pitchFamily="18" charset="0"/>
-                        </a:rPr>
-                        <a:t>1%</a:t>
-                      </a:r>
-                      <a:endParaRPr lang="ru-RU" sz="2000" kern="100" dirty="0">
-                        <a:effectLst/>
-                        <a:latin typeface="Helvetica Neue" panose="02000503000000020004"/>
-                        <a:ea typeface="Calibri" panose="020F0502020204030204" pitchFamily="34" charset="0"/>
-                        <a:cs typeface="Times New Roman" panose="02020603050405020304" pitchFamily="18" charset="0"/>
-                      </a:endParaRPr>
-                    </a:p>
-                  </a:txBody>
-                  <a:tcPr marL="68580" marR="68580" marT="0" marB="0" anchor="ctr"/>
-                </a:tc>
-                <a:tc>
-                  <a:txBody>
-                    <a:bodyPr/>
-                    <a:lstStyle/>
-                    <a:p>
-                      <a:pPr marL="0" marR="0" indent="0" algn="ctr">
-                        <a:lnSpc>
-                          <a:spcPct val="150000"/>
-                        </a:lnSpc>
-                        <a:spcBef>
-                          <a:spcPts val="0"/>
-                        </a:spcBef>
-                        <a:spcAft>
-                          <a:spcPts val="0"/>
-                        </a:spcAft>
-                      </a:pPr>
-                      <a:r>
-                        <a:rPr lang="ru-RU" sz="2000" kern="100" dirty="0">
-                          <a:effectLst/>
-                          <a:latin typeface="Helvetica Neue" panose="02000503000000020004"/>
-                          <a:ea typeface="Calibri" panose="020F0502020204030204" pitchFamily="34" charset="0"/>
-                          <a:cs typeface="Times New Roman" panose="02020603050405020304" pitchFamily="18" charset="0"/>
-                        </a:rPr>
-                        <a:t>Среднее</a:t>
-                      </a:r>
-                    </a:p>
-                  </a:txBody>
-                  <a:tcPr marL="68580" marR="68580" marT="0" marB="0" anchor="ctr"/>
-                </a:tc>
-                <a:extLst>
-                  <a:ext uri="{0D108BD9-81ED-4DB2-BD59-A6C34878D82A}">
-                    <a16:rowId xmlns:a16="http://schemas.microsoft.com/office/drawing/2014/main" val="456004859"/>
+                    <a16:rowId xmlns:a16="http://schemas.microsoft.com/office/drawing/2014/main" val="2514194035"/>
                   </a:ext>
                 </a:extLst>
               </a:tr>
